--- a/weekly_report/group3/week3.pptx
+++ b/weekly_report/group3/week3.pptx
@@ -2,10 +2,13 @@
 <file path=ppt/presentation.xml><?xml version="1.0" encoding="utf-8"?>
 <p:presentation xmlns:a="http://schemas.openxmlformats.org/drawingml/2006/main" xmlns:r="http://schemas.openxmlformats.org/officeDocument/2006/relationships" xmlns:p="http://schemas.openxmlformats.org/presentationml/2006/main" saveSubsetFonts="1">
   <p:sldMasterIdLst>
-    <p:sldMasterId id="2147483648" r:id="rId1"/>
+    <p:sldMasterId id="2147483702" r:id="rId1"/>
   </p:sldMasterIdLst>
   <p:sldIdLst>
     <p:sldId id="256" r:id="rId2"/>
+    <p:sldId id="257" r:id="rId3"/>
+    <p:sldId id="258" r:id="rId4"/>
+    <p:sldId id="259" r:id="rId5"/>
   </p:sldIdLst>
   <p:sldSz cx="12192000" cy="6858000"/>
   <p:notesSz cx="6858000" cy="9144000"/>
@@ -104,11 +107,16 @@
       </a:defRPr>
     </a:lvl9pPr>
   </p:defaultTextStyle>
+  <p:extLst>
+    <p:ext uri="{EFAFB233-063F-42B5-8137-9DF3F51BA10A}">
+      <p15:sldGuideLst xmlns:p15="http://schemas.microsoft.com/office/powerpoint/2012/main"/>
+    </p:ext>
+  </p:extLst>
 </p:presentation>
 </file>
 
 <file path=ppt/slideLayouts/slideLayout1.xml><?xml version="1.0" encoding="utf-8"?>
-<p:sldLayout xmlns:a="http://schemas.openxmlformats.org/drawingml/2006/main" xmlns:r="http://schemas.openxmlformats.org/officeDocument/2006/relationships" xmlns:p="http://schemas.openxmlformats.org/presentationml/2006/main" type="title" preserve="1">
+<p:sldLayout xmlns:a="http://schemas.openxmlformats.org/drawingml/2006/main" xmlns:r="http://schemas.openxmlformats.org/officeDocument/2006/relationships" xmlns:p="http://schemas.openxmlformats.org/presentationml/2006/main" showMasterSp="0" type="title" preserve="1">
   <p:cSld name="标题幻灯片">
     <p:spTree>
       <p:nvGrpSpPr>
@@ -126,7 +134,83 @@
       </p:grpSpPr>
       <p:sp>
         <p:nvSpPr>
-          <p:cNvPr id="2" name="标题 1"/>
+          <p:cNvPr id="7" name="Rectangle 6"/>
+          <p:cNvSpPr/>
+          <p:nvPr/>
+        </p:nvSpPr>
+        <p:spPr>
+          <a:xfrm>
+            <a:off x="1" y="6400800"/>
+            <a:ext cx="12192000" cy="457200"/>
+          </a:xfrm>
+          <a:prstGeom prst="rect">
+            <a:avLst/>
+          </a:prstGeom>
+          <a:solidFill>
+            <a:schemeClr val="accent2"/>
+          </a:solidFill>
+          <a:ln>
+            <a:noFill/>
+          </a:ln>
+        </p:spPr>
+        <p:style>
+          <a:lnRef idx="2">
+            <a:schemeClr val="accent1">
+              <a:shade val="50000"/>
+            </a:schemeClr>
+          </a:lnRef>
+          <a:fillRef idx="1">
+            <a:schemeClr val="accent1"/>
+          </a:fillRef>
+          <a:effectRef idx="0">
+            <a:schemeClr val="accent1"/>
+          </a:effectRef>
+          <a:fontRef idx="minor">
+            <a:schemeClr val="lt1"/>
+          </a:fontRef>
+        </p:style>
+      </p:sp>
+      <p:sp>
+        <p:nvSpPr>
+          <p:cNvPr id="8" name="Rectangle 7"/>
+          <p:cNvSpPr/>
+          <p:nvPr/>
+        </p:nvSpPr>
+        <p:spPr>
+          <a:xfrm>
+            <a:off x="1" y="6334316"/>
+            <a:ext cx="12192000" cy="66484"/>
+          </a:xfrm>
+          <a:prstGeom prst="rect">
+            <a:avLst/>
+          </a:prstGeom>
+          <a:solidFill>
+            <a:schemeClr val="accent1"/>
+          </a:solidFill>
+          <a:ln>
+            <a:noFill/>
+          </a:ln>
+        </p:spPr>
+        <p:style>
+          <a:lnRef idx="2">
+            <a:schemeClr val="accent1">
+              <a:shade val="50000"/>
+            </a:schemeClr>
+          </a:lnRef>
+          <a:fillRef idx="1">
+            <a:schemeClr val="accent1"/>
+          </a:fillRef>
+          <a:effectRef idx="0">
+            <a:schemeClr val="accent1"/>
+          </a:effectRef>
+          <a:fontRef idx="minor">
+            <a:schemeClr val="lt1"/>
+          </a:fontRef>
+        </p:style>
+      </p:sp>
+      <p:sp>
+        <p:nvSpPr>
+          <p:cNvPr id="2" name="Title 1"/>
           <p:cNvSpPr>
             <a:spLocks noGrp="1"/>
           </p:cNvSpPr>
@@ -136,15 +220,27 @@
         </p:nvSpPr>
         <p:spPr>
           <a:xfrm>
-            <a:off x="1524000" y="1122363"/>
-            <a:ext cx="9144000" cy="2387600"/>
-          </a:xfrm>
-        </p:spPr>
-        <p:txBody>
-          <a:bodyPr anchor="b"/>
+            <a:off x="1097280" y="758952"/>
+            <a:ext cx="10058400" cy="3566160"/>
+          </a:xfrm>
+        </p:spPr>
+        <p:txBody>
+          <a:bodyPr anchor="b">
+            <a:normAutofit/>
+          </a:bodyPr>
           <a:lstStyle>
-            <a:lvl1pPr algn="ctr">
-              <a:defRPr sz="6000"/>
+            <a:lvl1pPr algn="l">
+              <a:lnSpc>
+                <a:spcPct val="85000"/>
+              </a:lnSpc>
+              <a:defRPr sz="8000" spc="-50" baseline="0">
+                <a:solidFill>
+                  <a:schemeClr val="tx1">
+                    <a:lumMod val="85000"/>
+                    <a:lumOff val="15000"/>
+                  </a:schemeClr>
+                </a:solidFill>
+              </a:defRPr>
             </a:lvl1pPr>
           </a:lstStyle>
           <a:p>
@@ -152,13 +248,13 @@
               <a:rPr lang="zh-CN" altLang="en-US" smtClean="0"/>
               <a:t>单击此处编辑母版标题样式</a:t>
             </a:r>
-            <a:endParaRPr lang="zh-CN" altLang="en-US"/>
-          </a:p>
-        </p:txBody>
-      </p:sp>
-      <p:sp>
-        <p:nvSpPr>
-          <p:cNvPr id="3" name="副标题 2"/>
+            <a:endParaRPr lang="en-US" dirty="0"/>
+          </a:p>
+        </p:txBody>
+      </p:sp>
+      <p:sp>
+        <p:nvSpPr>
+          <p:cNvPr id="3" name="Subtitle 2"/>
           <p:cNvSpPr>
             <a:spLocks noGrp="1"/>
           </p:cNvSpPr>
@@ -168,48 +264,55 @@
         </p:nvSpPr>
         <p:spPr>
           <a:xfrm>
-            <a:off x="1524000" y="3602038"/>
-            <a:ext cx="9144000" cy="1655762"/>
-          </a:xfrm>
-        </p:spPr>
-        <p:txBody>
-          <a:bodyPr/>
+            <a:off x="1100051" y="4455621"/>
+            <a:ext cx="10058400" cy="1143000"/>
+          </a:xfrm>
+        </p:spPr>
+        <p:txBody>
+          <a:bodyPr lIns="91440" rIns="91440">
+            <a:normAutofit/>
+          </a:bodyPr>
           <a:lstStyle>
-            <a:lvl1pPr marL="0" indent="0" algn="ctr">
-              <a:buNone/>
-              <a:defRPr sz="2400"/>
+            <a:lvl1pPr marL="0" indent="0" algn="l">
+              <a:buNone/>
+              <a:defRPr sz="2400" cap="all" spc="200" baseline="0">
+                <a:solidFill>
+                  <a:schemeClr val="tx2"/>
+                </a:solidFill>
+                <a:latin typeface="+mj-lt"/>
+              </a:defRPr>
             </a:lvl1pPr>
             <a:lvl2pPr marL="457200" indent="0" algn="ctr">
               <a:buNone/>
-              <a:defRPr sz="2000"/>
+              <a:defRPr sz="2400"/>
             </a:lvl2pPr>
             <a:lvl3pPr marL="914400" indent="0" algn="ctr">
               <a:buNone/>
-              <a:defRPr sz="1800"/>
+              <a:defRPr sz="2400"/>
             </a:lvl3pPr>
             <a:lvl4pPr marL="1371600" indent="0" algn="ctr">
               <a:buNone/>
-              <a:defRPr sz="1600"/>
+              <a:defRPr sz="2000"/>
             </a:lvl4pPr>
             <a:lvl5pPr marL="1828800" indent="0" algn="ctr">
               <a:buNone/>
-              <a:defRPr sz="1600"/>
+              <a:defRPr sz="2000"/>
             </a:lvl5pPr>
             <a:lvl6pPr marL="2286000" indent="0" algn="ctr">
               <a:buNone/>
-              <a:defRPr sz="1600"/>
+              <a:defRPr sz="2000"/>
             </a:lvl6pPr>
             <a:lvl7pPr marL="2743200" indent="0" algn="ctr">
               <a:buNone/>
-              <a:defRPr sz="1600"/>
+              <a:defRPr sz="2000"/>
             </a:lvl7pPr>
             <a:lvl8pPr marL="3200400" indent="0" algn="ctr">
               <a:buNone/>
-              <a:defRPr sz="1600"/>
+              <a:defRPr sz="2000"/>
             </a:lvl8pPr>
             <a:lvl9pPr marL="3657600" indent="0" algn="ctr">
               <a:buNone/>
-              <a:defRPr sz="1600"/>
+              <a:defRPr sz="2000"/>
             </a:lvl9pPr>
           </a:lstStyle>
           <a:p>
@@ -217,13 +320,13 @@
               <a:rPr lang="zh-CN" altLang="en-US" smtClean="0"/>
               <a:t>单击以编辑母版副标题样式</a:t>
             </a:r>
-            <a:endParaRPr lang="zh-CN" altLang="en-US"/>
-          </a:p>
-        </p:txBody>
-      </p:sp>
-      <p:sp>
-        <p:nvSpPr>
-          <p:cNvPr id="4" name="日期占位符 3"/>
+            <a:endParaRPr lang="en-US" dirty="0"/>
+          </a:p>
+        </p:txBody>
+      </p:sp>
+      <p:sp>
+        <p:nvSpPr>
+          <p:cNvPr id="4" name="Date Placeholder 3"/>
           <p:cNvSpPr>
             <a:spLocks noGrp="1"/>
           </p:cNvSpPr>
@@ -246,7 +349,7 @@
       </p:sp>
       <p:sp>
         <p:nvSpPr>
-          <p:cNvPr id="5" name="页脚占位符 4"/>
+          <p:cNvPr id="5" name="Footer Placeholder 4"/>
           <p:cNvSpPr>
             <a:spLocks noGrp="1"/>
           </p:cNvSpPr>
@@ -265,7 +368,7 @@
       </p:sp>
       <p:sp>
         <p:nvSpPr>
-          <p:cNvPr id="6" name="灯片编号占位符 5"/>
+          <p:cNvPr id="6" name="Slide Number Placeholder 5"/>
           <p:cNvSpPr>
             <a:spLocks noGrp="1"/>
           </p:cNvSpPr>
@@ -286,10 +389,48 @@
           </a:p>
         </p:txBody>
       </p:sp>
+      <p:cxnSp>
+        <p:nvCxnSpPr>
+          <p:cNvPr id="9" name="Straight Connector 8"/>
+          <p:cNvCxnSpPr/>
+          <p:nvPr/>
+        </p:nvCxnSpPr>
+        <p:spPr>
+          <a:xfrm>
+            <a:off x="1207658" y="4343400"/>
+            <a:ext cx="9875520" cy="0"/>
+          </a:xfrm>
+          <a:prstGeom prst="line">
+            <a:avLst/>
+          </a:prstGeom>
+          <a:ln w="6350">
+            <a:solidFill>
+              <a:schemeClr val="tx1">
+                <a:lumMod val="50000"/>
+                <a:lumOff val="50000"/>
+              </a:schemeClr>
+            </a:solidFill>
+          </a:ln>
+        </p:spPr>
+        <p:style>
+          <a:lnRef idx="1">
+            <a:schemeClr val="accent1"/>
+          </a:lnRef>
+          <a:fillRef idx="0">
+            <a:schemeClr val="accent1"/>
+          </a:fillRef>
+          <a:effectRef idx="0">
+            <a:schemeClr val="accent1"/>
+          </a:effectRef>
+          <a:fontRef idx="minor">
+            <a:schemeClr val="tx1"/>
+          </a:fontRef>
+        </p:style>
+      </p:cxnSp>
     </p:spTree>
     <p:extLst>
       <p:ext uri="{BB962C8B-B14F-4D97-AF65-F5344CB8AC3E}">
-        <p14:creationId xmlns:p14="http://schemas.microsoft.com/office/powerpoint/2010/main" val="1876263833"/>
+        <p14:creationId xmlns:p14="http://schemas.microsoft.com/office/powerpoint/2010/main" val="1196463369"/>
       </p:ext>
     </p:extLst>
   </p:cSld>
@@ -318,7 +459,7 @@
       </p:grpSpPr>
       <p:sp>
         <p:nvSpPr>
-          <p:cNvPr id="2" name="标题 1"/>
+          <p:cNvPr id="2" name="Title 1"/>
           <p:cNvSpPr>
             <a:spLocks noGrp="1"/>
           </p:cNvSpPr>
@@ -335,13 +476,13 @@
               <a:rPr lang="zh-CN" altLang="en-US" smtClean="0"/>
               <a:t>单击此处编辑母版标题样式</a:t>
             </a:r>
-            <a:endParaRPr lang="zh-CN" altLang="en-US"/>
-          </a:p>
-        </p:txBody>
-      </p:sp>
-      <p:sp>
-        <p:nvSpPr>
-          <p:cNvPr id="3" name="竖排文字占位符 2"/>
+            <a:endParaRPr lang="en-US" dirty="0"/>
+          </a:p>
+        </p:txBody>
+      </p:sp>
+      <p:sp>
+        <p:nvSpPr>
+          <p:cNvPr id="3" name="Vertical Text Placeholder 2"/>
           <p:cNvSpPr>
             <a:spLocks noGrp="1"/>
           </p:cNvSpPr>
@@ -351,7 +492,7 @@
         </p:nvSpPr>
         <p:spPr/>
         <p:txBody>
-          <a:bodyPr vert="eaVert"/>
+          <a:bodyPr vert="eaVert" lIns="45720" tIns="0" rIns="45720" bIns="0"/>
           <a:lstStyle/>
           <a:p>
             <a:pPr lvl="0"/>
@@ -387,13 +528,13 @@
               <a:rPr lang="zh-CN" altLang="en-US" smtClean="0"/>
               <a:t>第五级</a:t>
             </a:r>
-            <a:endParaRPr lang="zh-CN" altLang="en-US"/>
-          </a:p>
-        </p:txBody>
-      </p:sp>
-      <p:sp>
-        <p:nvSpPr>
-          <p:cNvPr id="4" name="日期占位符 3"/>
+            <a:endParaRPr lang="en-US" dirty="0"/>
+          </a:p>
+        </p:txBody>
+      </p:sp>
+      <p:sp>
+        <p:nvSpPr>
+          <p:cNvPr id="4" name="Date Placeholder 3"/>
           <p:cNvSpPr>
             <a:spLocks noGrp="1"/>
           </p:cNvSpPr>
@@ -416,7 +557,7 @@
       </p:sp>
       <p:sp>
         <p:nvSpPr>
-          <p:cNvPr id="5" name="页脚占位符 4"/>
+          <p:cNvPr id="5" name="Footer Placeholder 4"/>
           <p:cNvSpPr>
             <a:spLocks noGrp="1"/>
           </p:cNvSpPr>
@@ -435,7 +576,7 @@
       </p:sp>
       <p:sp>
         <p:nvSpPr>
-          <p:cNvPr id="6" name="灯片编号占位符 5"/>
+          <p:cNvPr id="6" name="Slide Number Placeholder 5"/>
           <p:cNvSpPr>
             <a:spLocks noGrp="1"/>
           </p:cNvSpPr>
@@ -459,7 +600,7 @@
     </p:spTree>
     <p:extLst>
       <p:ext uri="{BB962C8B-B14F-4D97-AF65-F5344CB8AC3E}">
-        <p14:creationId xmlns:p14="http://schemas.microsoft.com/office/powerpoint/2010/main" val="505447675"/>
+        <p14:creationId xmlns:p14="http://schemas.microsoft.com/office/powerpoint/2010/main" val="3017368864"/>
       </p:ext>
     </p:extLst>
   </p:cSld>
@@ -470,7 +611,7 @@
 </file>
 
 <file path=ppt/slideLayouts/slideLayout11.xml><?xml version="1.0" encoding="utf-8"?>
-<p:sldLayout xmlns:a="http://schemas.openxmlformats.org/drawingml/2006/main" xmlns:r="http://schemas.openxmlformats.org/officeDocument/2006/relationships" xmlns:p="http://schemas.openxmlformats.org/presentationml/2006/main" type="vertTitleAndTx" preserve="1">
+<p:sldLayout xmlns:a="http://schemas.openxmlformats.org/drawingml/2006/main" xmlns:r="http://schemas.openxmlformats.org/officeDocument/2006/relationships" xmlns:p="http://schemas.openxmlformats.org/presentationml/2006/main" showMasterSp="0" type="vertTitleAndTx" preserve="1">
   <p:cSld name="竖排标题与文本">
     <p:spTree>
       <p:nvGrpSpPr>
@@ -488,7 +629,83 @@
       </p:grpSpPr>
       <p:sp>
         <p:nvSpPr>
-          <p:cNvPr id="2" name="竖排标题 1"/>
+          <p:cNvPr id="7" name="Rectangle 6"/>
+          <p:cNvSpPr/>
+          <p:nvPr/>
+        </p:nvSpPr>
+        <p:spPr>
+          <a:xfrm>
+            <a:off x="3175" y="6400800"/>
+            <a:ext cx="12188825" cy="457200"/>
+          </a:xfrm>
+          <a:prstGeom prst="rect">
+            <a:avLst/>
+          </a:prstGeom>
+          <a:solidFill>
+            <a:schemeClr val="accent2"/>
+          </a:solidFill>
+          <a:ln>
+            <a:noFill/>
+          </a:ln>
+        </p:spPr>
+        <p:style>
+          <a:lnRef idx="2">
+            <a:schemeClr val="accent1">
+              <a:shade val="50000"/>
+            </a:schemeClr>
+          </a:lnRef>
+          <a:fillRef idx="1">
+            <a:schemeClr val="accent1"/>
+          </a:fillRef>
+          <a:effectRef idx="0">
+            <a:schemeClr val="accent1"/>
+          </a:effectRef>
+          <a:fontRef idx="minor">
+            <a:schemeClr val="lt1"/>
+          </a:fontRef>
+        </p:style>
+      </p:sp>
+      <p:sp>
+        <p:nvSpPr>
+          <p:cNvPr id="8" name="Rectangle 7"/>
+          <p:cNvSpPr/>
+          <p:nvPr/>
+        </p:nvSpPr>
+        <p:spPr>
+          <a:xfrm>
+            <a:off x="15" y="6334316"/>
+            <a:ext cx="12188825" cy="64008"/>
+          </a:xfrm>
+          <a:prstGeom prst="rect">
+            <a:avLst/>
+          </a:prstGeom>
+          <a:solidFill>
+            <a:schemeClr val="accent1"/>
+          </a:solidFill>
+          <a:ln>
+            <a:noFill/>
+          </a:ln>
+        </p:spPr>
+        <p:style>
+          <a:lnRef idx="2">
+            <a:schemeClr val="accent1">
+              <a:shade val="50000"/>
+            </a:schemeClr>
+          </a:lnRef>
+          <a:fillRef idx="1">
+            <a:schemeClr val="accent1"/>
+          </a:fillRef>
+          <a:effectRef idx="0">
+            <a:schemeClr val="accent1"/>
+          </a:effectRef>
+          <a:fontRef idx="minor">
+            <a:schemeClr val="lt1"/>
+          </a:fontRef>
+        </p:style>
+      </p:sp>
+      <p:sp>
+        <p:nvSpPr>
+          <p:cNvPr id="2" name="Vertical Title 1"/>
           <p:cNvSpPr>
             <a:spLocks noGrp="1"/>
           </p:cNvSpPr>
@@ -498,8 +715,8 @@
         </p:nvSpPr>
         <p:spPr>
           <a:xfrm>
-            <a:off x="8724900" y="365125"/>
-            <a:ext cx="2628900" cy="5811838"/>
+            <a:off x="8724900" y="412302"/>
+            <a:ext cx="2628900" cy="5759898"/>
           </a:xfrm>
         </p:spPr>
         <p:txBody>
@@ -510,13 +727,13 @@
               <a:rPr lang="zh-CN" altLang="en-US" smtClean="0"/>
               <a:t>单击此处编辑母版标题样式</a:t>
             </a:r>
-            <a:endParaRPr lang="zh-CN" altLang="en-US"/>
-          </a:p>
-        </p:txBody>
-      </p:sp>
-      <p:sp>
-        <p:nvSpPr>
-          <p:cNvPr id="3" name="竖排文字占位符 2"/>
+            <a:endParaRPr lang="en-US" dirty="0"/>
+          </a:p>
+        </p:txBody>
+      </p:sp>
+      <p:sp>
+        <p:nvSpPr>
+          <p:cNvPr id="3" name="Vertical Text Placeholder 2"/>
           <p:cNvSpPr>
             <a:spLocks noGrp="1"/>
           </p:cNvSpPr>
@@ -526,12 +743,12 @@
         </p:nvSpPr>
         <p:spPr>
           <a:xfrm>
-            <a:off x="838200" y="365125"/>
-            <a:ext cx="7734300" cy="5811838"/>
-          </a:xfrm>
-        </p:spPr>
-        <p:txBody>
-          <a:bodyPr vert="eaVert"/>
+            <a:off x="838200" y="412302"/>
+            <a:ext cx="7734300" cy="5759898"/>
+          </a:xfrm>
+        </p:spPr>
+        <p:txBody>
+          <a:bodyPr vert="eaVert" lIns="45720" tIns="0" rIns="45720" bIns="0"/>
           <a:lstStyle/>
           <a:p>
             <a:pPr lvl="0"/>
@@ -567,13 +784,13 @@
               <a:rPr lang="zh-CN" altLang="en-US" smtClean="0"/>
               <a:t>第五级</a:t>
             </a:r>
-            <a:endParaRPr lang="zh-CN" altLang="en-US"/>
-          </a:p>
-        </p:txBody>
-      </p:sp>
-      <p:sp>
-        <p:nvSpPr>
-          <p:cNvPr id="4" name="日期占位符 3"/>
+            <a:endParaRPr lang="en-US" dirty="0"/>
+          </a:p>
+        </p:txBody>
+      </p:sp>
+      <p:sp>
+        <p:nvSpPr>
+          <p:cNvPr id="4" name="Date Placeholder 3"/>
           <p:cNvSpPr>
             <a:spLocks noGrp="1"/>
           </p:cNvSpPr>
@@ -596,7 +813,7 @@
       </p:sp>
       <p:sp>
         <p:nvSpPr>
-          <p:cNvPr id="5" name="页脚占位符 4"/>
+          <p:cNvPr id="5" name="Footer Placeholder 4"/>
           <p:cNvSpPr>
             <a:spLocks noGrp="1"/>
           </p:cNvSpPr>
@@ -615,7 +832,7 @@
       </p:sp>
       <p:sp>
         <p:nvSpPr>
-          <p:cNvPr id="6" name="灯片编号占位符 5"/>
+          <p:cNvPr id="6" name="Slide Number Placeholder 5"/>
           <p:cNvSpPr>
             <a:spLocks noGrp="1"/>
           </p:cNvSpPr>
@@ -639,7 +856,7 @@
     </p:spTree>
     <p:extLst>
       <p:ext uri="{BB962C8B-B14F-4D97-AF65-F5344CB8AC3E}">
-        <p14:creationId xmlns:p14="http://schemas.microsoft.com/office/powerpoint/2010/main" val="962230416"/>
+        <p14:creationId xmlns:p14="http://schemas.microsoft.com/office/powerpoint/2010/main" val="1159676645"/>
       </p:ext>
     </p:extLst>
   </p:cSld>
@@ -668,7 +885,7 @@
       </p:grpSpPr>
       <p:sp>
         <p:nvSpPr>
-          <p:cNvPr id="2" name="标题 1"/>
+          <p:cNvPr id="2" name="Title 1"/>
           <p:cNvSpPr>
             <a:spLocks noGrp="1"/>
           </p:cNvSpPr>
@@ -685,13 +902,13 @@
               <a:rPr lang="zh-CN" altLang="en-US" smtClean="0"/>
               <a:t>单击此处编辑母版标题样式</a:t>
             </a:r>
-            <a:endParaRPr lang="zh-CN" altLang="en-US"/>
-          </a:p>
-        </p:txBody>
-      </p:sp>
-      <p:sp>
-        <p:nvSpPr>
-          <p:cNvPr id="3" name="内容占位符 2"/>
+            <a:endParaRPr lang="en-US" dirty="0"/>
+          </a:p>
+        </p:txBody>
+      </p:sp>
+      <p:sp>
+        <p:nvSpPr>
+          <p:cNvPr id="3" name="Content Placeholder 2"/>
           <p:cNvSpPr>
             <a:spLocks noGrp="1"/>
           </p:cNvSpPr>
@@ -737,13 +954,13 @@
               <a:rPr lang="zh-CN" altLang="en-US" smtClean="0"/>
               <a:t>第五级</a:t>
             </a:r>
-            <a:endParaRPr lang="zh-CN" altLang="en-US"/>
-          </a:p>
-        </p:txBody>
-      </p:sp>
-      <p:sp>
-        <p:nvSpPr>
-          <p:cNvPr id="4" name="日期占位符 3"/>
+            <a:endParaRPr lang="en-US" dirty="0"/>
+          </a:p>
+        </p:txBody>
+      </p:sp>
+      <p:sp>
+        <p:nvSpPr>
+          <p:cNvPr id="4" name="Date Placeholder 3"/>
           <p:cNvSpPr>
             <a:spLocks noGrp="1"/>
           </p:cNvSpPr>
@@ -766,7 +983,7 @@
       </p:sp>
       <p:sp>
         <p:nvSpPr>
-          <p:cNvPr id="5" name="页脚占位符 4"/>
+          <p:cNvPr id="5" name="Footer Placeholder 4"/>
           <p:cNvSpPr>
             <a:spLocks noGrp="1"/>
           </p:cNvSpPr>
@@ -785,7 +1002,7 @@
       </p:sp>
       <p:sp>
         <p:nvSpPr>
-          <p:cNvPr id="6" name="灯片编号占位符 5"/>
+          <p:cNvPr id="6" name="Slide Number Placeholder 5"/>
           <p:cNvSpPr>
             <a:spLocks noGrp="1"/>
           </p:cNvSpPr>
@@ -809,7 +1026,7 @@
     </p:spTree>
     <p:extLst>
       <p:ext uri="{BB962C8B-B14F-4D97-AF65-F5344CB8AC3E}">
-        <p14:creationId xmlns:p14="http://schemas.microsoft.com/office/powerpoint/2010/main" val="714902463"/>
+        <p14:creationId xmlns:p14="http://schemas.microsoft.com/office/powerpoint/2010/main" val="2418013267"/>
       </p:ext>
     </p:extLst>
   </p:cSld>
@@ -820,8 +1037,16 @@
 </file>
 
 <file path=ppt/slideLayouts/slideLayout3.xml><?xml version="1.0" encoding="utf-8"?>
-<p:sldLayout xmlns:a="http://schemas.openxmlformats.org/drawingml/2006/main" xmlns:r="http://schemas.openxmlformats.org/officeDocument/2006/relationships" xmlns:p="http://schemas.openxmlformats.org/presentationml/2006/main" type="secHead" preserve="1">
+<p:sldLayout xmlns:a="http://schemas.openxmlformats.org/drawingml/2006/main" xmlns:r="http://schemas.openxmlformats.org/officeDocument/2006/relationships" xmlns:p="http://schemas.openxmlformats.org/presentationml/2006/main" showMasterSp="0" type="secHead" preserve="1">
   <p:cSld name="节标题">
+    <p:bg>
+      <p:bgPr>
+        <a:solidFill>
+          <a:schemeClr val="bg1"/>
+        </a:solidFill>
+        <a:effectLst/>
+      </p:bgPr>
+    </p:bg>
     <p:spTree>
       <p:nvGrpSpPr>
         <p:cNvPr id="1" name=""/>
@@ -838,7 +1063,83 @@
       </p:grpSpPr>
       <p:sp>
         <p:nvSpPr>
-          <p:cNvPr id="2" name="标题 1"/>
+          <p:cNvPr id="7" name="Rectangle 6"/>
+          <p:cNvSpPr/>
+          <p:nvPr/>
+        </p:nvSpPr>
+        <p:spPr>
+          <a:xfrm>
+            <a:off x="3175" y="6400800"/>
+            <a:ext cx="12188825" cy="457200"/>
+          </a:xfrm>
+          <a:prstGeom prst="rect">
+            <a:avLst/>
+          </a:prstGeom>
+          <a:solidFill>
+            <a:schemeClr val="accent2"/>
+          </a:solidFill>
+          <a:ln>
+            <a:noFill/>
+          </a:ln>
+        </p:spPr>
+        <p:style>
+          <a:lnRef idx="2">
+            <a:schemeClr val="accent1">
+              <a:shade val="50000"/>
+            </a:schemeClr>
+          </a:lnRef>
+          <a:fillRef idx="1">
+            <a:schemeClr val="accent1"/>
+          </a:fillRef>
+          <a:effectRef idx="0">
+            <a:schemeClr val="accent1"/>
+          </a:effectRef>
+          <a:fontRef idx="minor">
+            <a:schemeClr val="lt1"/>
+          </a:fontRef>
+        </p:style>
+      </p:sp>
+      <p:sp>
+        <p:nvSpPr>
+          <p:cNvPr id="8" name="Rectangle 7"/>
+          <p:cNvSpPr/>
+          <p:nvPr/>
+        </p:nvSpPr>
+        <p:spPr>
+          <a:xfrm>
+            <a:off x="15" y="6334316"/>
+            <a:ext cx="12188825" cy="64008"/>
+          </a:xfrm>
+          <a:prstGeom prst="rect">
+            <a:avLst/>
+          </a:prstGeom>
+          <a:solidFill>
+            <a:schemeClr val="accent1"/>
+          </a:solidFill>
+          <a:ln>
+            <a:noFill/>
+          </a:ln>
+        </p:spPr>
+        <p:style>
+          <a:lnRef idx="2">
+            <a:schemeClr val="accent1">
+              <a:shade val="50000"/>
+            </a:schemeClr>
+          </a:lnRef>
+          <a:fillRef idx="1">
+            <a:schemeClr val="accent1"/>
+          </a:fillRef>
+          <a:effectRef idx="0">
+            <a:schemeClr val="accent1"/>
+          </a:effectRef>
+          <a:fontRef idx="minor">
+            <a:schemeClr val="lt1"/>
+          </a:fontRef>
+        </p:style>
+      </p:sp>
+      <p:sp>
+        <p:nvSpPr>
+          <p:cNvPr id="2" name="Title 1"/>
           <p:cNvSpPr>
             <a:spLocks noGrp="1"/>
           </p:cNvSpPr>
@@ -848,58 +1149,71 @@
         </p:nvSpPr>
         <p:spPr>
           <a:xfrm>
-            <a:off x="831850" y="1709738"/>
-            <a:ext cx="10515600" cy="2852737"/>
-          </a:xfrm>
-        </p:spPr>
-        <p:txBody>
-          <a:bodyPr anchor="b"/>
+            <a:off x="1097280" y="758952"/>
+            <a:ext cx="10058400" cy="3566160"/>
+          </a:xfrm>
+        </p:spPr>
+        <p:txBody>
+          <a:bodyPr anchor="b" anchorCtr="0">
+            <a:normAutofit/>
+          </a:bodyPr>
           <a:lstStyle>
             <a:lvl1pPr>
-              <a:defRPr sz="6000"/>
-            </a:lvl1pPr>
-          </a:lstStyle>
-          <a:p>
-            <a:r>
-              <a:rPr lang="zh-CN" altLang="en-US" smtClean="0"/>
-              <a:t>单击此处编辑母版标题样式</a:t>
-            </a:r>
-            <a:endParaRPr lang="zh-CN" altLang="en-US"/>
-          </a:p>
-        </p:txBody>
-      </p:sp>
-      <p:sp>
-        <p:nvSpPr>
-          <p:cNvPr id="3" name="文本占位符 2"/>
-          <p:cNvSpPr>
-            <a:spLocks noGrp="1"/>
-          </p:cNvSpPr>
-          <p:nvPr>
-            <p:ph type="body" idx="1"/>
-          </p:nvPr>
-        </p:nvSpPr>
-        <p:spPr>
-          <a:xfrm>
-            <a:off x="831850" y="4589463"/>
-            <a:ext cx="10515600" cy="1500187"/>
-          </a:xfrm>
-        </p:spPr>
-        <p:txBody>
-          <a:bodyPr/>
-          <a:lstStyle>
-            <a:lvl1pPr marL="0" indent="0">
-              <a:buNone/>
-              <a:defRPr sz="2400">
+              <a:lnSpc>
+                <a:spcPct val="85000"/>
+              </a:lnSpc>
+              <a:defRPr sz="8000" b="0">
                 <a:solidFill>
                   <a:schemeClr val="tx1">
-                    <a:tint val="75000"/>
+                    <a:lumMod val="85000"/>
+                    <a:lumOff val="15000"/>
                   </a:schemeClr>
                 </a:solidFill>
               </a:defRPr>
             </a:lvl1pPr>
+          </a:lstStyle>
+          <a:p>
+            <a:r>
+              <a:rPr lang="zh-CN" altLang="en-US" smtClean="0"/>
+              <a:t>单击此处编辑母版标题样式</a:t>
+            </a:r>
+            <a:endParaRPr lang="en-US" dirty="0"/>
+          </a:p>
+        </p:txBody>
+      </p:sp>
+      <p:sp>
+        <p:nvSpPr>
+          <p:cNvPr id="3" name="Text Placeholder 2"/>
+          <p:cNvSpPr>
+            <a:spLocks noGrp="1"/>
+          </p:cNvSpPr>
+          <p:nvPr>
+            <p:ph type="body" idx="1"/>
+          </p:nvPr>
+        </p:nvSpPr>
+        <p:spPr>
+          <a:xfrm>
+            <a:off x="1097280" y="4453128"/>
+            <a:ext cx="10058400" cy="1143000"/>
+          </a:xfrm>
+        </p:spPr>
+        <p:txBody>
+          <a:bodyPr lIns="91440" rIns="91440" anchor="t" anchorCtr="0">
+            <a:normAutofit/>
+          </a:bodyPr>
+          <a:lstStyle>
+            <a:lvl1pPr marL="0" indent="0">
+              <a:buNone/>
+              <a:defRPr sz="2400" cap="all" spc="200" baseline="0">
+                <a:solidFill>
+                  <a:schemeClr val="tx2"/>
+                </a:solidFill>
+                <a:latin typeface="+mj-lt"/>
+              </a:defRPr>
+            </a:lvl1pPr>
             <a:lvl2pPr marL="457200" indent="0">
               <a:buNone/>
-              <a:defRPr sz="2000">
+              <a:defRPr sz="1800">
                 <a:solidFill>
                   <a:schemeClr val="tx1">
                     <a:tint val="75000"/>
@@ -909,7 +1223,7 @@
             </a:lvl2pPr>
             <a:lvl3pPr marL="914400" indent="0">
               <a:buNone/>
-              <a:defRPr sz="1800">
+              <a:defRPr sz="1600">
                 <a:solidFill>
                   <a:schemeClr val="tx1">
                     <a:tint val="75000"/>
@@ -919,7 +1233,7 @@
             </a:lvl3pPr>
             <a:lvl4pPr marL="1371600" indent="0">
               <a:buNone/>
-              <a:defRPr sz="1600">
+              <a:defRPr sz="1400">
                 <a:solidFill>
                   <a:schemeClr val="tx1">
                     <a:tint val="75000"/>
@@ -929,7 +1243,7 @@
             </a:lvl4pPr>
             <a:lvl5pPr marL="1828800" indent="0">
               <a:buNone/>
-              <a:defRPr sz="1600">
+              <a:defRPr sz="1400">
                 <a:solidFill>
                   <a:schemeClr val="tx1">
                     <a:tint val="75000"/>
@@ -939,7 +1253,7 @@
             </a:lvl5pPr>
             <a:lvl6pPr marL="2286000" indent="0">
               <a:buNone/>
-              <a:defRPr sz="1600">
+              <a:defRPr sz="1400">
                 <a:solidFill>
                   <a:schemeClr val="tx1">
                     <a:tint val="75000"/>
@@ -949,7 +1263,7 @@
             </a:lvl6pPr>
             <a:lvl7pPr marL="2743200" indent="0">
               <a:buNone/>
-              <a:defRPr sz="1600">
+              <a:defRPr sz="1400">
                 <a:solidFill>
                   <a:schemeClr val="tx1">
                     <a:tint val="75000"/>
@@ -959,7 +1273,7 @@
             </a:lvl7pPr>
             <a:lvl8pPr marL="3200400" indent="0">
               <a:buNone/>
-              <a:defRPr sz="1600">
+              <a:defRPr sz="1400">
                 <a:solidFill>
                   <a:schemeClr val="tx1">
                     <a:tint val="75000"/>
@@ -969,7 +1283,7 @@
             </a:lvl8pPr>
             <a:lvl9pPr marL="3657600" indent="0">
               <a:buNone/>
-              <a:defRPr sz="1600">
+              <a:defRPr sz="1400">
                 <a:solidFill>
                   <a:schemeClr val="tx1">
                     <a:tint val="75000"/>
@@ -989,7 +1303,7 @@
       </p:sp>
       <p:sp>
         <p:nvSpPr>
-          <p:cNvPr id="4" name="日期占位符 3"/>
+          <p:cNvPr id="4" name="Date Placeholder 3"/>
           <p:cNvSpPr>
             <a:spLocks noGrp="1"/>
           </p:cNvSpPr>
@@ -1012,7 +1326,7 @@
       </p:sp>
       <p:sp>
         <p:nvSpPr>
-          <p:cNvPr id="5" name="页脚占位符 4"/>
+          <p:cNvPr id="5" name="Footer Placeholder 4"/>
           <p:cNvSpPr>
             <a:spLocks noGrp="1"/>
           </p:cNvSpPr>
@@ -1031,7 +1345,7 @@
       </p:sp>
       <p:sp>
         <p:nvSpPr>
-          <p:cNvPr id="6" name="灯片编号占位符 5"/>
+          <p:cNvPr id="6" name="Slide Number Placeholder 5"/>
           <p:cNvSpPr>
             <a:spLocks noGrp="1"/>
           </p:cNvSpPr>
@@ -1052,10 +1366,48 @@
           </a:p>
         </p:txBody>
       </p:sp>
+      <p:cxnSp>
+        <p:nvCxnSpPr>
+          <p:cNvPr id="9" name="Straight Connector 8"/>
+          <p:cNvCxnSpPr/>
+          <p:nvPr/>
+        </p:nvCxnSpPr>
+        <p:spPr>
+          <a:xfrm>
+            <a:off x="1207658" y="4343400"/>
+            <a:ext cx="9875520" cy="0"/>
+          </a:xfrm>
+          <a:prstGeom prst="line">
+            <a:avLst/>
+          </a:prstGeom>
+          <a:ln w="6350">
+            <a:solidFill>
+              <a:schemeClr val="tx1">
+                <a:lumMod val="50000"/>
+                <a:lumOff val="50000"/>
+              </a:schemeClr>
+            </a:solidFill>
+          </a:ln>
+        </p:spPr>
+        <p:style>
+          <a:lnRef idx="1">
+            <a:schemeClr val="accent1"/>
+          </a:lnRef>
+          <a:fillRef idx="0">
+            <a:schemeClr val="accent1"/>
+          </a:fillRef>
+          <a:effectRef idx="0">
+            <a:schemeClr val="accent1"/>
+          </a:effectRef>
+          <a:fontRef idx="minor">
+            <a:schemeClr val="tx1"/>
+          </a:fontRef>
+        </p:style>
+      </p:cxnSp>
     </p:spTree>
     <p:extLst>
       <p:ext uri="{BB962C8B-B14F-4D97-AF65-F5344CB8AC3E}">
-        <p14:creationId xmlns:p14="http://schemas.microsoft.com/office/powerpoint/2010/main" val="637323719"/>
+        <p14:creationId xmlns:p14="http://schemas.microsoft.com/office/powerpoint/2010/main" val="696563081"/>
       </p:ext>
     </p:extLst>
   </p:cSld>
@@ -1084,7 +1436,7 @@
       </p:grpSpPr>
       <p:sp>
         <p:nvSpPr>
-          <p:cNvPr id="2" name="标题 1"/>
+          <p:cNvPr id="8" name="Title 7"/>
           <p:cNvSpPr>
             <a:spLocks noGrp="1"/>
           </p:cNvSpPr>
@@ -1092,7 +1444,12 @@
             <p:ph type="title"/>
           </p:nvPr>
         </p:nvSpPr>
-        <p:spPr/>
+        <p:spPr>
+          <a:xfrm>
+            <a:off x="1097280" y="286603"/>
+            <a:ext cx="10058400" cy="1450757"/>
+          </a:xfrm>
+        </p:spPr>
         <p:txBody>
           <a:bodyPr/>
           <a:lstStyle/>
@@ -1101,13 +1458,13 @@
               <a:rPr lang="zh-CN" altLang="en-US" smtClean="0"/>
               <a:t>单击此处编辑母版标题样式</a:t>
             </a:r>
-            <a:endParaRPr lang="zh-CN" altLang="en-US"/>
-          </a:p>
-        </p:txBody>
-      </p:sp>
-      <p:sp>
-        <p:nvSpPr>
-          <p:cNvPr id="3" name="内容占位符 2"/>
+            <a:endParaRPr lang="en-US" dirty="0"/>
+          </a:p>
+        </p:txBody>
+      </p:sp>
+      <p:sp>
+        <p:nvSpPr>
+          <p:cNvPr id="3" name="Content Placeholder 2"/>
           <p:cNvSpPr>
             <a:spLocks noGrp="1"/>
           </p:cNvSpPr>
@@ -1117,8 +1474,8 @@
         </p:nvSpPr>
         <p:spPr>
           <a:xfrm>
-            <a:off x="838200" y="1825625"/>
-            <a:ext cx="5181600" cy="4351338"/>
+            <a:off x="1097280" y="1845734"/>
+            <a:ext cx="4937760" cy="4023359"/>
           </a:xfrm>
         </p:spPr>
         <p:txBody>
@@ -1158,13 +1515,13 @@
               <a:rPr lang="zh-CN" altLang="en-US" smtClean="0"/>
               <a:t>第五级</a:t>
             </a:r>
-            <a:endParaRPr lang="zh-CN" altLang="en-US"/>
-          </a:p>
-        </p:txBody>
-      </p:sp>
-      <p:sp>
-        <p:nvSpPr>
-          <p:cNvPr id="4" name="内容占位符 3"/>
+            <a:endParaRPr lang="en-US" dirty="0"/>
+          </a:p>
+        </p:txBody>
+      </p:sp>
+      <p:sp>
+        <p:nvSpPr>
+          <p:cNvPr id="4" name="Content Placeholder 3"/>
           <p:cNvSpPr>
             <a:spLocks noGrp="1"/>
           </p:cNvSpPr>
@@ -1174,8 +1531,8 @@
         </p:nvSpPr>
         <p:spPr>
           <a:xfrm>
-            <a:off x="6172200" y="1825625"/>
-            <a:ext cx="5181600" cy="4351338"/>
+            <a:off x="6217920" y="1845735"/>
+            <a:ext cx="4937760" cy="4023360"/>
           </a:xfrm>
         </p:spPr>
         <p:txBody>
@@ -1215,13 +1572,13 @@
               <a:rPr lang="zh-CN" altLang="en-US" smtClean="0"/>
               <a:t>第五级</a:t>
             </a:r>
-            <a:endParaRPr lang="zh-CN" altLang="en-US"/>
-          </a:p>
-        </p:txBody>
-      </p:sp>
-      <p:sp>
-        <p:nvSpPr>
-          <p:cNvPr id="5" name="日期占位符 4"/>
+            <a:endParaRPr lang="en-US" dirty="0"/>
+          </a:p>
+        </p:txBody>
+      </p:sp>
+      <p:sp>
+        <p:nvSpPr>
+          <p:cNvPr id="5" name="Date Placeholder 4"/>
           <p:cNvSpPr>
             <a:spLocks noGrp="1"/>
           </p:cNvSpPr>
@@ -1244,7 +1601,7 @@
       </p:sp>
       <p:sp>
         <p:nvSpPr>
-          <p:cNvPr id="6" name="页脚占位符 5"/>
+          <p:cNvPr id="6" name="Footer Placeholder 5"/>
           <p:cNvSpPr>
             <a:spLocks noGrp="1"/>
           </p:cNvSpPr>
@@ -1263,7 +1620,7 @@
       </p:sp>
       <p:sp>
         <p:nvSpPr>
-          <p:cNvPr id="7" name="灯片编号占位符 6"/>
+          <p:cNvPr id="7" name="Slide Number Placeholder 6"/>
           <p:cNvSpPr>
             <a:spLocks noGrp="1"/>
           </p:cNvSpPr>
@@ -1287,7 +1644,7 @@
     </p:spTree>
     <p:extLst>
       <p:ext uri="{BB962C8B-B14F-4D97-AF65-F5344CB8AC3E}">
-        <p14:creationId xmlns:p14="http://schemas.microsoft.com/office/powerpoint/2010/main" val="2629269832"/>
+        <p14:creationId xmlns:p14="http://schemas.microsoft.com/office/powerpoint/2010/main" val="993604621"/>
       </p:ext>
     </p:extLst>
   </p:cSld>
@@ -1316,7 +1673,7 @@
       </p:grpSpPr>
       <p:sp>
         <p:nvSpPr>
-          <p:cNvPr id="2" name="标题 1"/>
+          <p:cNvPr id="10" name="Title 9"/>
           <p:cNvSpPr>
             <a:spLocks noGrp="1"/>
           </p:cNvSpPr>
@@ -1326,8 +1683,8 @@
         </p:nvSpPr>
         <p:spPr>
           <a:xfrm>
-            <a:off x="839788" y="365125"/>
-            <a:ext cx="10515600" cy="1325563"/>
+            <a:off x="1097280" y="286603"/>
+            <a:ext cx="10058400" cy="1450757"/>
           </a:xfrm>
         </p:spPr>
         <p:txBody>
@@ -1338,13 +1695,13 @@
               <a:rPr lang="zh-CN" altLang="en-US" smtClean="0"/>
               <a:t>单击此处编辑母版标题样式</a:t>
             </a:r>
-            <a:endParaRPr lang="zh-CN" altLang="en-US"/>
-          </a:p>
-        </p:txBody>
-      </p:sp>
-      <p:sp>
-        <p:nvSpPr>
-          <p:cNvPr id="3" name="文本占位符 2"/>
+            <a:endParaRPr lang="en-US" dirty="0"/>
+          </a:p>
+        </p:txBody>
+      </p:sp>
+      <p:sp>
+        <p:nvSpPr>
+          <p:cNvPr id="3" name="Text Placeholder 2"/>
           <p:cNvSpPr>
             <a:spLocks noGrp="1"/>
           </p:cNvSpPr>
@@ -1354,16 +1711,22 @@
         </p:nvSpPr>
         <p:spPr>
           <a:xfrm>
-            <a:off x="839788" y="1681163"/>
-            <a:ext cx="5157787" cy="823912"/>
-          </a:xfrm>
-        </p:spPr>
-        <p:txBody>
-          <a:bodyPr anchor="b"/>
+            <a:off x="1097280" y="1846052"/>
+            <a:ext cx="4937760" cy="736282"/>
+          </a:xfrm>
+        </p:spPr>
+        <p:txBody>
+          <a:bodyPr lIns="91440" rIns="91440" anchor="ctr">
+            <a:normAutofit/>
+          </a:bodyPr>
           <a:lstStyle>
             <a:lvl1pPr marL="0" indent="0">
               <a:buNone/>
-              <a:defRPr sz="2400" b="1"/>
+              <a:defRPr sz="2000" b="0" cap="all" baseline="0">
+                <a:solidFill>
+                  <a:schemeClr val="tx2"/>
+                </a:solidFill>
+              </a:defRPr>
             </a:lvl1pPr>
             <a:lvl2pPr marL="457200" indent="0">
               <a:buNone/>
@@ -1409,7 +1772,7 @@
       </p:sp>
       <p:sp>
         <p:nvSpPr>
-          <p:cNvPr id="4" name="内容占位符 3"/>
+          <p:cNvPr id="4" name="Content Placeholder 3"/>
           <p:cNvSpPr>
             <a:spLocks noGrp="1"/>
           </p:cNvSpPr>
@@ -1419,8 +1782,8 @@
         </p:nvSpPr>
         <p:spPr>
           <a:xfrm>
-            <a:off x="839788" y="2505075"/>
-            <a:ext cx="5157787" cy="3684588"/>
+            <a:off x="1097280" y="2582335"/>
+            <a:ext cx="4937760" cy="3286760"/>
           </a:xfrm>
         </p:spPr>
         <p:txBody>
@@ -1460,13 +1823,13 @@
               <a:rPr lang="zh-CN" altLang="en-US" smtClean="0"/>
               <a:t>第五级</a:t>
             </a:r>
-            <a:endParaRPr lang="zh-CN" altLang="en-US"/>
-          </a:p>
-        </p:txBody>
-      </p:sp>
-      <p:sp>
-        <p:nvSpPr>
-          <p:cNvPr id="5" name="文本占位符 4"/>
+            <a:endParaRPr lang="en-US" dirty="0"/>
+          </a:p>
+        </p:txBody>
+      </p:sp>
+      <p:sp>
+        <p:nvSpPr>
+          <p:cNvPr id="5" name="Text Placeholder 4"/>
           <p:cNvSpPr>
             <a:spLocks noGrp="1"/>
           </p:cNvSpPr>
@@ -1476,16 +1839,22 @@
         </p:nvSpPr>
         <p:spPr>
           <a:xfrm>
-            <a:off x="6172200" y="1681163"/>
-            <a:ext cx="5183188" cy="823912"/>
-          </a:xfrm>
-        </p:spPr>
-        <p:txBody>
-          <a:bodyPr anchor="b"/>
+            <a:off x="6217920" y="1846052"/>
+            <a:ext cx="4937760" cy="736282"/>
+          </a:xfrm>
+        </p:spPr>
+        <p:txBody>
+          <a:bodyPr lIns="91440" rIns="91440" anchor="ctr">
+            <a:normAutofit/>
+          </a:bodyPr>
           <a:lstStyle>
             <a:lvl1pPr marL="0" indent="0">
               <a:buNone/>
-              <a:defRPr sz="2400" b="1"/>
+              <a:defRPr sz="2000" b="0" cap="all" baseline="0">
+                <a:solidFill>
+                  <a:schemeClr val="tx2"/>
+                </a:solidFill>
+              </a:defRPr>
             </a:lvl1pPr>
             <a:lvl2pPr marL="457200" indent="0">
               <a:buNone/>
@@ -1531,7 +1900,7 @@
       </p:sp>
       <p:sp>
         <p:nvSpPr>
-          <p:cNvPr id="6" name="内容占位符 5"/>
+          <p:cNvPr id="6" name="Content Placeholder 5"/>
           <p:cNvSpPr>
             <a:spLocks noGrp="1"/>
           </p:cNvSpPr>
@@ -1541,8 +1910,8 @@
         </p:nvSpPr>
         <p:spPr>
           <a:xfrm>
-            <a:off x="6172200" y="2505075"/>
-            <a:ext cx="5183188" cy="3684588"/>
+            <a:off x="6217920" y="2582334"/>
+            <a:ext cx="4937760" cy="3286760"/>
           </a:xfrm>
         </p:spPr>
         <p:txBody>
@@ -1582,13 +1951,13 @@
               <a:rPr lang="zh-CN" altLang="en-US" smtClean="0"/>
               <a:t>第五级</a:t>
             </a:r>
-            <a:endParaRPr lang="zh-CN" altLang="en-US"/>
-          </a:p>
-        </p:txBody>
-      </p:sp>
-      <p:sp>
-        <p:nvSpPr>
-          <p:cNvPr id="7" name="日期占位符 6"/>
+            <a:endParaRPr lang="en-US" dirty="0"/>
+          </a:p>
+        </p:txBody>
+      </p:sp>
+      <p:sp>
+        <p:nvSpPr>
+          <p:cNvPr id="7" name="Date Placeholder 6"/>
           <p:cNvSpPr>
             <a:spLocks noGrp="1"/>
           </p:cNvSpPr>
@@ -1611,7 +1980,7 @@
       </p:sp>
       <p:sp>
         <p:nvSpPr>
-          <p:cNvPr id="8" name="页脚占位符 7"/>
+          <p:cNvPr id="8" name="Footer Placeholder 7"/>
           <p:cNvSpPr>
             <a:spLocks noGrp="1"/>
           </p:cNvSpPr>
@@ -1630,7 +1999,7 @@
       </p:sp>
       <p:sp>
         <p:nvSpPr>
-          <p:cNvPr id="9" name="灯片编号占位符 8"/>
+          <p:cNvPr id="9" name="Slide Number Placeholder 8"/>
           <p:cNvSpPr>
             <a:spLocks noGrp="1"/>
           </p:cNvSpPr>
@@ -1654,7 +2023,7 @@
     </p:spTree>
     <p:extLst>
       <p:ext uri="{BB962C8B-B14F-4D97-AF65-F5344CB8AC3E}">
-        <p14:creationId xmlns:p14="http://schemas.microsoft.com/office/powerpoint/2010/main" val="915685697"/>
+        <p14:creationId xmlns:p14="http://schemas.microsoft.com/office/powerpoint/2010/main" val="3427106298"/>
       </p:ext>
     </p:extLst>
   </p:cSld>
@@ -1683,7 +2052,7 @@
       </p:grpSpPr>
       <p:sp>
         <p:nvSpPr>
-          <p:cNvPr id="2" name="标题 1"/>
+          <p:cNvPr id="2" name="Title 1"/>
           <p:cNvSpPr>
             <a:spLocks noGrp="1"/>
           </p:cNvSpPr>
@@ -1700,13 +2069,13 @@
               <a:rPr lang="zh-CN" altLang="en-US" smtClean="0"/>
               <a:t>单击此处编辑母版标题样式</a:t>
             </a:r>
-            <a:endParaRPr lang="zh-CN" altLang="en-US"/>
-          </a:p>
-        </p:txBody>
-      </p:sp>
-      <p:sp>
-        <p:nvSpPr>
-          <p:cNvPr id="3" name="日期占位符 2"/>
+            <a:endParaRPr lang="en-US" dirty="0"/>
+          </a:p>
+        </p:txBody>
+      </p:sp>
+      <p:sp>
+        <p:nvSpPr>
+          <p:cNvPr id="3" name="Date Placeholder 2"/>
           <p:cNvSpPr>
             <a:spLocks noGrp="1"/>
           </p:cNvSpPr>
@@ -1729,7 +2098,7 @@
       </p:sp>
       <p:sp>
         <p:nvSpPr>
-          <p:cNvPr id="4" name="页脚占位符 3"/>
+          <p:cNvPr id="4" name="Footer Placeholder 3"/>
           <p:cNvSpPr>
             <a:spLocks noGrp="1"/>
           </p:cNvSpPr>
@@ -1748,7 +2117,7 @@
       </p:sp>
       <p:sp>
         <p:nvSpPr>
-          <p:cNvPr id="5" name="灯片编号占位符 4"/>
+          <p:cNvPr id="5" name="Slide Number Placeholder 4"/>
           <p:cNvSpPr>
             <a:spLocks noGrp="1"/>
           </p:cNvSpPr>
@@ -1772,7 +2141,7 @@
     </p:spTree>
     <p:extLst>
       <p:ext uri="{BB962C8B-B14F-4D97-AF65-F5344CB8AC3E}">
-        <p14:creationId xmlns:p14="http://schemas.microsoft.com/office/powerpoint/2010/main" val="2084447116"/>
+        <p14:creationId xmlns:p14="http://schemas.microsoft.com/office/powerpoint/2010/main" val="653703553"/>
       </p:ext>
     </p:extLst>
   </p:cSld>
@@ -1783,7 +2152,7 @@
 </file>
 
 <file path=ppt/slideLayouts/slideLayout7.xml><?xml version="1.0" encoding="utf-8"?>
-<p:sldLayout xmlns:a="http://schemas.openxmlformats.org/drawingml/2006/main" xmlns:r="http://schemas.openxmlformats.org/officeDocument/2006/relationships" xmlns:p="http://schemas.openxmlformats.org/presentationml/2006/main" type="blank" preserve="1">
+<p:sldLayout xmlns:a="http://schemas.openxmlformats.org/drawingml/2006/main" xmlns:r="http://schemas.openxmlformats.org/officeDocument/2006/relationships" xmlns:p="http://schemas.openxmlformats.org/presentationml/2006/main" showMasterSp="0" type="blank" preserve="1">
   <p:cSld name="空白">
     <p:spTree>
       <p:nvGrpSpPr>
@@ -1801,7 +2170,83 @@
       </p:grpSpPr>
       <p:sp>
         <p:nvSpPr>
-          <p:cNvPr id="2" name="日期占位符 1"/>
+          <p:cNvPr id="5" name="Rectangle 4"/>
+          <p:cNvSpPr/>
+          <p:nvPr/>
+        </p:nvSpPr>
+        <p:spPr>
+          <a:xfrm>
+            <a:off x="3175" y="6400800"/>
+            <a:ext cx="12188825" cy="457200"/>
+          </a:xfrm>
+          <a:prstGeom prst="rect">
+            <a:avLst/>
+          </a:prstGeom>
+          <a:solidFill>
+            <a:schemeClr val="accent2"/>
+          </a:solidFill>
+          <a:ln>
+            <a:noFill/>
+          </a:ln>
+        </p:spPr>
+        <p:style>
+          <a:lnRef idx="2">
+            <a:schemeClr val="accent1">
+              <a:shade val="50000"/>
+            </a:schemeClr>
+          </a:lnRef>
+          <a:fillRef idx="1">
+            <a:schemeClr val="accent1"/>
+          </a:fillRef>
+          <a:effectRef idx="0">
+            <a:schemeClr val="accent1"/>
+          </a:effectRef>
+          <a:fontRef idx="minor">
+            <a:schemeClr val="lt1"/>
+          </a:fontRef>
+        </p:style>
+      </p:sp>
+      <p:sp>
+        <p:nvSpPr>
+          <p:cNvPr id="6" name="Rectangle 5"/>
+          <p:cNvSpPr/>
+          <p:nvPr/>
+        </p:nvSpPr>
+        <p:spPr>
+          <a:xfrm>
+            <a:off x="15" y="6334316"/>
+            <a:ext cx="12188825" cy="64008"/>
+          </a:xfrm>
+          <a:prstGeom prst="rect">
+            <a:avLst/>
+          </a:prstGeom>
+          <a:solidFill>
+            <a:schemeClr val="accent1"/>
+          </a:solidFill>
+          <a:ln>
+            <a:noFill/>
+          </a:ln>
+        </p:spPr>
+        <p:style>
+          <a:lnRef idx="2">
+            <a:schemeClr val="accent1">
+              <a:shade val="50000"/>
+            </a:schemeClr>
+          </a:lnRef>
+          <a:fillRef idx="1">
+            <a:schemeClr val="accent1"/>
+          </a:fillRef>
+          <a:effectRef idx="0">
+            <a:schemeClr val="accent1"/>
+          </a:effectRef>
+          <a:fontRef idx="minor">
+            <a:schemeClr val="lt1"/>
+          </a:fontRef>
+        </p:style>
+      </p:sp>
+      <p:sp>
+        <p:nvSpPr>
+          <p:cNvPr id="7" name="Date Placeholder 6"/>
           <p:cNvSpPr>
             <a:spLocks noGrp="1"/>
           </p:cNvSpPr>
@@ -1824,7 +2269,7 @@
       </p:sp>
       <p:sp>
         <p:nvSpPr>
-          <p:cNvPr id="3" name="页脚占位符 2"/>
+          <p:cNvPr id="8" name="Footer Placeholder 7"/>
           <p:cNvSpPr>
             <a:spLocks noGrp="1"/>
           </p:cNvSpPr>
@@ -1835,7 +2280,15 @@
         <p:spPr/>
         <p:txBody>
           <a:bodyPr/>
-          <a:lstStyle/>
+          <a:lstStyle>
+            <a:lvl1pPr>
+              <a:defRPr>
+                <a:solidFill>
+                  <a:srgbClr val="FFFFFF"/>
+                </a:solidFill>
+              </a:defRPr>
+            </a:lvl1pPr>
+          </a:lstStyle>
           <a:p>
             <a:endParaRPr lang="zh-CN" altLang="en-US"/>
           </a:p>
@@ -1843,7 +2296,7 @@
       </p:sp>
       <p:sp>
         <p:nvSpPr>
-          <p:cNvPr id="4" name="灯片编号占位符 3"/>
+          <p:cNvPr id="9" name="Slide Number Placeholder 8"/>
           <p:cNvSpPr>
             <a:spLocks noGrp="1"/>
           </p:cNvSpPr>
@@ -1867,7 +2320,7 @@
     </p:spTree>
     <p:extLst>
       <p:ext uri="{BB962C8B-B14F-4D97-AF65-F5344CB8AC3E}">
-        <p14:creationId xmlns:p14="http://schemas.microsoft.com/office/powerpoint/2010/main" val="13239593"/>
+        <p14:creationId xmlns:p14="http://schemas.microsoft.com/office/powerpoint/2010/main" val="1033879410"/>
       </p:ext>
     </p:extLst>
   </p:cSld>
@@ -1878,7 +2331,7 @@
 </file>
 
 <file path=ppt/slideLayouts/slideLayout8.xml><?xml version="1.0" encoding="utf-8"?>
-<p:sldLayout xmlns:a="http://schemas.openxmlformats.org/drawingml/2006/main" xmlns:r="http://schemas.openxmlformats.org/officeDocument/2006/relationships" xmlns:p="http://schemas.openxmlformats.org/presentationml/2006/main" type="objTx" preserve="1">
+<p:sldLayout xmlns:a="http://schemas.openxmlformats.org/drawingml/2006/main" xmlns:r="http://schemas.openxmlformats.org/officeDocument/2006/relationships" xmlns:p="http://schemas.openxmlformats.org/presentationml/2006/main" showMasterSp="0" type="objTx" preserve="1">
   <p:cSld name="内容与标题">
     <p:spTree>
       <p:nvGrpSpPr>
@@ -1896,7 +2349,83 @@
       </p:grpSpPr>
       <p:sp>
         <p:nvSpPr>
-          <p:cNvPr id="2" name="标题 1"/>
+          <p:cNvPr id="8" name="Rectangle 7"/>
+          <p:cNvSpPr/>
+          <p:nvPr/>
+        </p:nvSpPr>
+        <p:spPr>
+          <a:xfrm>
+            <a:off x="16" y="0"/>
+            <a:ext cx="4050791" cy="6858000"/>
+          </a:xfrm>
+          <a:prstGeom prst="rect">
+            <a:avLst/>
+          </a:prstGeom>
+          <a:solidFill>
+            <a:schemeClr val="accent2"/>
+          </a:solidFill>
+          <a:ln>
+            <a:noFill/>
+          </a:ln>
+        </p:spPr>
+        <p:style>
+          <a:lnRef idx="2">
+            <a:schemeClr val="accent1">
+              <a:shade val="50000"/>
+            </a:schemeClr>
+          </a:lnRef>
+          <a:fillRef idx="1">
+            <a:schemeClr val="accent1"/>
+          </a:fillRef>
+          <a:effectRef idx="0">
+            <a:schemeClr val="accent1"/>
+          </a:effectRef>
+          <a:fontRef idx="minor">
+            <a:schemeClr val="lt1"/>
+          </a:fontRef>
+        </p:style>
+      </p:sp>
+      <p:sp>
+        <p:nvSpPr>
+          <p:cNvPr id="9" name="Rectangle 8"/>
+          <p:cNvSpPr/>
+          <p:nvPr/>
+        </p:nvSpPr>
+        <p:spPr>
+          <a:xfrm>
+            <a:off x="4040071" y="0"/>
+            <a:ext cx="64008" cy="6858000"/>
+          </a:xfrm>
+          <a:prstGeom prst="rect">
+            <a:avLst/>
+          </a:prstGeom>
+          <a:solidFill>
+            <a:schemeClr val="accent1"/>
+          </a:solidFill>
+          <a:ln>
+            <a:noFill/>
+          </a:ln>
+        </p:spPr>
+        <p:style>
+          <a:lnRef idx="2">
+            <a:schemeClr val="accent1">
+              <a:shade val="50000"/>
+            </a:schemeClr>
+          </a:lnRef>
+          <a:fillRef idx="1">
+            <a:schemeClr val="accent1"/>
+          </a:fillRef>
+          <a:effectRef idx="0">
+            <a:schemeClr val="accent1"/>
+          </a:effectRef>
+          <a:fontRef idx="minor">
+            <a:schemeClr val="lt1"/>
+          </a:fontRef>
+        </p:style>
+      </p:sp>
+      <p:sp>
+        <p:nvSpPr>
+          <p:cNvPr id="2" name="Title 1"/>
           <p:cNvSpPr>
             <a:spLocks noGrp="1"/>
           </p:cNvSpPr>
@@ -1906,15 +2435,21 @@
         </p:nvSpPr>
         <p:spPr>
           <a:xfrm>
-            <a:off x="839788" y="457200"/>
-            <a:ext cx="3932237" cy="1600200"/>
-          </a:xfrm>
-        </p:spPr>
-        <p:txBody>
-          <a:bodyPr anchor="b"/>
+            <a:off x="457200" y="594359"/>
+            <a:ext cx="3200400" cy="2286000"/>
+          </a:xfrm>
+        </p:spPr>
+        <p:txBody>
+          <a:bodyPr anchor="b">
+            <a:normAutofit/>
+          </a:bodyPr>
           <a:lstStyle>
             <a:lvl1pPr>
-              <a:defRPr sz="3200"/>
+              <a:defRPr sz="3600" b="0">
+                <a:solidFill>
+                  <a:srgbClr val="FFFFFF"/>
+                </a:solidFill>
+              </a:defRPr>
             </a:lvl1pPr>
           </a:lstStyle>
           <a:p>
@@ -1922,13 +2457,13 @@
               <a:rPr lang="zh-CN" altLang="en-US" smtClean="0"/>
               <a:t>单击此处编辑母版标题样式</a:t>
             </a:r>
-            <a:endParaRPr lang="zh-CN" altLang="en-US"/>
-          </a:p>
-        </p:txBody>
-      </p:sp>
-      <p:sp>
-        <p:nvSpPr>
-          <p:cNvPr id="3" name="内容占位符 2"/>
+            <a:endParaRPr lang="en-US" dirty="0"/>
+          </a:p>
+        </p:txBody>
+      </p:sp>
+      <p:sp>
+        <p:nvSpPr>
+          <p:cNvPr id="3" name="Content Placeholder 2"/>
           <p:cNvSpPr>
             <a:spLocks noGrp="1"/>
           </p:cNvSpPr>
@@ -1938,39 +2473,111 @@
         </p:nvSpPr>
         <p:spPr>
           <a:xfrm>
-            <a:off x="5183188" y="987425"/>
-            <a:ext cx="6172200" cy="4873625"/>
-          </a:xfrm>
-        </p:spPr>
-        <p:txBody>
-          <a:bodyPr/>
+            <a:off x="4800600" y="731520"/>
+            <a:ext cx="6492240" cy="5257800"/>
+          </a:xfrm>
+        </p:spPr>
+        <p:txBody>
+          <a:bodyPr/>
+          <a:lstStyle/>
+          <a:p>
+            <a:pPr lvl="0"/>
+            <a:r>
+              <a:rPr lang="zh-CN" altLang="en-US" smtClean="0"/>
+              <a:t>编辑母版文本样式</a:t>
+            </a:r>
+          </a:p>
+          <a:p>
+            <a:pPr lvl="1"/>
+            <a:r>
+              <a:rPr lang="zh-CN" altLang="en-US" smtClean="0"/>
+              <a:t>第二级</a:t>
+            </a:r>
+          </a:p>
+          <a:p>
+            <a:pPr lvl="2"/>
+            <a:r>
+              <a:rPr lang="zh-CN" altLang="en-US" smtClean="0"/>
+              <a:t>第三级</a:t>
+            </a:r>
+          </a:p>
+          <a:p>
+            <a:pPr lvl="3"/>
+            <a:r>
+              <a:rPr lang="zh-CN" altLang="en-US" smtClean="0"/>
+              <a:t>第四级</a:t>
+            </a:r>
+          </a:p>
+          <a:p>
+            <a:pPr lvl="4"/>
+            <a:r>
+              <a:rPr lang="zh-CN" altLang="en-US" smtClean="0"/>
+              <a:t>第五级</a:t>
+            </a:r>
+            <a:endParaRPr lang="en-US" dirty="0"/>
+          </a:p>
+        </p:txBody>
+      </p:sp>
+      <p:sp>
+        <p:nvSpPr>
+          <p:cNvPr id="4" name="Text Placeholder 3"/>
+          <p:cNvSpPr>
+            <a:spLocks noGrp="1"/>
+          </p:cNvSpPr>
+          <p:nvPr>
+            <p:ph type="body" sz="half" idx="2"/>
+          </p:nvPr>
+        </p:nvSpPr>
+        <p:spPr>
+          <a:xfrm>
+            <a:off x="457200" y="2926080"/>
+            <a:ext cx="3200400" cy="3379124"/>
+          </a:xfrm>
+        </p:spPr>
+        <p:txBody>
+          <a:bodyPr lIns="91440" rIns="91440">
+            <a:normAutofit/>
+          </a:bodyPr>
           <a:lstStyle>
-            <a:lvl1pPr>
-              <a:defRPr sz="3200"/>
+            <a:lvl1pPr marL="0" indent="0">
+              <a:buNone/>
+              <a:defRPr sz="1500">
+                <a:solidFill>
+                  <a:srgbClr val="FFFFFF"/>
+                </a:solidFill>
+              </a:defRPr>
             </a:lvl1pPr>
-            <a:lvl2pPr>
-              <a:defRPr sz="2800"/>
+            <a:lvl2pPr marL="457200" indent="0">
+              <a:buNone/>
+              <a:defRPr sz="1200"/>
             </a:lvl2pPr>
-            <a:lvl3pPr>
-              <a:defRPr sz="2400"/>
+            <a:lvl3pPr marL="914400" indent="0">
+              <a:buNone/>
+              <a:defRPr sz="1000"/>
             </a:lvl3pPr>
-            <a:lvl4pPr>
-              <a:defRPr sz="2000"/>
+            <a:lvl4pPr marL="1371600" indent="0">
+              <a:buNone/>
+              <a:defRPr sz="900"/>
             </a:lvl4pPr>
-            <a:lvl5pPr>
-              <a:defRPr sz="2000"/>
+            <a:lvl5pPr marL="1828800" indent="0">
+              <a:buNone/>
+              <a:defRPr sz="900"/>
             </a:lvl5pPr>
-            <a:lvl6pPr>
-              <a:defRPr sz="2000"/>
+            <a:lvl6pPr marL="2286000" indent="0">
+              <a:buNone/>
+              <a:defRPr sz="900"/>
             </a:lvl6pPr>
-            <a:lvl7pPr>
-              <a:defRPr sz="2000"/>
+            <a:lvl7pPr marL="2743200" indent="0">
+              <a:buNone/>
+              <a:defRPr sz="900"/>
             </a:lvl7pPr>
-            <a:lvl8pPr>
-              <a:defRPr sz="2000"/>
+            <a:lvl8pPr marL="3200400" indent="0">
+              <a:buNone/>
+              <a:defRPr sz="900"/>
             </a:lvl8pPr>
-            <a:lvl9pPr>
-              <a:defRPr sz="2000"/>
+            <a:lvl9pPr marL="3657600" indent="0">
+              <a:buNone/>
+              <a:defRPr sz="900"/>
             </a:lvl9pPr>
           </a:lstStyle>
           <a:p>
@@ -1980,116 +2587,31 @@
               <a:t>编辑母版文本样式</a:t>
             </a:r>
           </a:p>
-          <a:p>
-            <a:pPr lvl="1"/>
-            <a:r>
-              <a:rPr lang="zh-CN" altLang="en-US" smtClean="0"/>
-              <a:t>第二级</a:t>
-            </a:r>
-          </a:p>
-          <a:p>
-            <a:pPr lvl="2"/>
-            <a:r>
-              <a:rPr lang="zh-CN" altLang="en-US" smtClean="0"/>
-              <a:t>第三级</a:t>
-            </a:r>
-          </a:p>
-          <a:p>
-            <a:pPr lvl="3"/>
-            <a:r>
-              <a:rPr lang="zh-CN" altLang="en-US" smtClean="0"/>
-              <a:t>第四级</a:t>
-            </a:r>
-          </a:p>
-          <a:p>
-            <a:pPr lvl="4"/>
-            <a:r>
-              <a:rPr lang="zh-CN" altLang="en-US" smtClean="0"/>
-              <a:t>第五级</a:t>
-            </a:r>
-            <a:endParaRPr lang="zh-CN" altLang="en-US"/>
-          </a:p>
-        </p:txBody>
-      </p:sp>
-      <p:sp>
-        <p:nvSpPr>
-          <p:cNvPr id="4" name="文本占位符 3"/>
-          <p:cNvSpPr>
-            <a:spLocks noGrp="1"/>
-          </p:cNvSpPr>
-          <p:nvPr>
-            <p:ph type="body" sz="half" idx="2"/>
-          </p:nvPr>
-        </p:nvSpPr>
-        <p:spPr>
-          <a:xfrm>
-            <a:off x="839788" y="2057400"/>
-            <a:ext cx="3932237" cy="3811588"/>
+        </p:txBody>
+      </p:sp>
+      <p:sp>
+        <p:nvSpPr>
+          <p:cNvPr id="5" name="Date Placeholder 4"/>
+          <p:cNvSpPr>
+            <a:spLocks noGrp="1"/>
+          </p:cNvSpPr>
+          <p:nvPr>
+            <p:ph type="dt" sz="half" idx="10"/>
+          </p:nvPr>
+        </p:nvSpPr>
+        <p:spPr>
+          <a:xfrm>
+            <a:off x="465512" y="6459785"/>
+            <a:ext cx="2618510" cy="365125"/>
           </a:xfrm>
         </p:spPr>
         <p:txBody>
           <a:bodyPr/>
           <a:lstStyle>
-            <a:lvl1pPr marL="0" indent="0">
-              <a:buNone/>
-              <a:defRPr sz="1600"/>
+            <a:lvl1pPr algn="l">
+              <a:defRPr/>
             </a:lvl1pPr>
-            <a:lvl2pPr marL="457200" indent="0">
-              <a:buNone/>
-              <a:defRPr sz="1400"/>
-            </a:lvl2pPr>
-            <a:lvl3pPr marL="914400" indent="0">
-              <a:buNone/>
-              <a:defRPr sz="1200"/>
-            </a:lvl3pPr>
-            <a:lvl4pPr marL="1371600" indent="0">
-              <a:buNone/>
-              <a:defRPr sz="1000"/>
-            </a:lvl4pPr>
-            <a:lvl5pPr marL="1828800" indent="0">
-              <a:buNone/>
-              <a:defRPr sz="1000"/>
-            </a:lvl5pPr>
-            <a:lvl6pPr marL="2286000" indent="0">
-              <a:buNone/>
-              <a:defRPr sz="1000"/>
-            </a:lvl6pPr>
-            <a:lvl7pPr marL="2743200" indent="0">
-              <a:buNone/>
-              <a:defRPr sz="1000"/>
-            </a:lvl7pPr>
-            <a:lvl8pPr marL="3200400" indent="0">
-              <a:buNone/>
-              <a:defRPr sz="1000"/>
-            </a:lvl8pPr>
-            <a:lvl9pPr marL="3657600" indent="0">
-              <a:buNone/>
-              <a:defRPr sz="1000"/>
-            </a:lvl9pPr>
           </a:lstStyle>
-          <a:p>
-            <a:pPr lvl="0"/>
-            <a:r>
-              <a:rPr lang="zh-CN" altLang="en-US" smtClean="0"/>
-              <a:t>编辑母版文本样式</a:t>
-            </a:r>
-          </a:p>
-        </p:txBody>
-      </p:sp>
-      <p:sp>
-        <p:nvSpPr>
-          <p:cNvPr id="5" name="日期占位符 4"/>
-          <p:cNvSpPr>
-            <a:spLocks noGrp="1"/>
-          </p:cNvSpPr>
-          <p:nvPr>
-            <p:ph type="dt" sz="half" idx="10"/>
-          </p:nvPr>
-        </p:nvSpPr>
-        <p:spPr/>
-        <p:txBody>
-          <a:bodyPr/>
-          <a:lstStyle/>
           <a:p>
             <a:fld id="{FF7DB203-CC43-493B-B6FF-CC3E3CEE03EE}" type="datetimeFigureOut">
               <a:rPr lang="zh-CN" altLang="en-US" smtClean="0"/>
@@ -2101,7 +2623,7 @@
       </p:sp>
       <p:sp>
         <p:nvSpPr>
-          <p:cNvPr id="6" name="页脚占位符 5"/>
+          <p:cNvPr id="6" name="Footer Placeholder 5"/>
           <p:cNvSpPr>
             <a:spLocks noGrp="1"/>
           </p:cNvSpPr>
@@ -2109,29 +2631,50 @@
             <p:ph type="ftr" sz="quarter" idx="11"/>
           </p:nvPr>
         </p:nvSpPr>
+        <p:spPr>
+          <a:xfrm>
+            <a:off x="4800600" y="6459785"/>
+            <a:ext cx="4648200" cy="365125"/>
+          </a:xfrm>
+        </p:spPr>
+        <p:txBody>
+          <a:bodyPr/>
+          <a:lstStyle>
+            <a:lvl1pPr algn="l">
+              <a:defRPr>
+                <a:solidFill>
+                  <a:schemeClr val="tx2"/>
+                </a:solidFill>
+              </a:defRPr>
+            </a:lvl1pPr>
+          </a:lstStyle>
+          <a:p>
+            <a:endParaRPr lang="zh-CN" altLang="en-US"/>
+          </a:p>
+        </p:txBody>
+      </p:sp>
+      <p:sp>
+        <p:nvSpPr>
+          <p:cNvPr id="7" name="Slide Number Placeholder 6"/>
+          <p:cNvSpPr>
+            <a:spLocks noGrp="1"/>
+          </p:cNvSpPr>
+          <p:nvPr>
+            <p:ph type="sldNum" sz="quarter" idx="12"/>
+          </p:nvPr>
+        </p:nvSpPr>
         <p:spPr/>
         <p:txBody>
           <a:bodyPr/>
-          <a:lstStyle/>
-          <a:p>
-            <a:endParaRPr lang="zh-CN" altLang="en-US"/>
-          </a:p>
-        </p:txBody>
-      </p:sp>
-      <p:sp>
-        <p:nvSpPr>
-          <p:cNvPr id="7" name="灯片编号占位符 6"/>
-          <p:cNvSpPr>
-            <a:spLocks noGrp="1"/>
-          </p:cNvSpPr>
-          <p:nvPr>
-            <p:ph type="sldNum" sz="quarter" idx="12"/>
-          </p:nvPr>
-        </p:nvSpPr>
-        <p:spPr/>
-        <p:txBody>
-          <a:bodyPr/>
-          <a:lstStyle/>
+          <a:lstStyle>
+            <a:lvl1pPr>
+              <a:defRPr>
+                <a:solidFill>
+                  <a:schemeClr val="tx2"/>
+                </a:solidFill>
+              </a:defRPr>
+            </a:lvl1pPr>
+          </a:lstStyle>
           <a:p>
             <a:fld id="{751F483F-9D7B-4578-8020-E5F5950495F1}" type="slidenum">
               <a:rPr lang="zh-CN" altLang="en-US" smtClean="0"/>
@@ -2144,7 +2687,7 @@
     </p:spTree>
     <p:extLst>
       <p:ext uri="{BB962C8B-B14F-4D97-AF65-F5344CB8AC3E}">
-        <p14:creationId xmlns:p14="http://schemas.microsoft.com/office/powerpoint/2010/main" val="1063880052"/>
+        <p14:creationId xmlns:p14="http://schemas.microsoft.com/office/powerpoint/2010/main" val="4169389250"/>
       </p:ext>
     </p:extLst>
   </p:cSld>
@@ -2155,7 +2698,7 @@
 </file>
 
 <file path=ppt/slideLayouts/slideLayout9.xml><?xml version="1.0" encoding="utf-8"?>
-<p:sldLayout xmlns:a="http://schemas.openxmlformats.org/drawingml/2006/main" xmlns:r="http://schemas.openxmlformats.org/officeDocument/2006/relationships" xmlns:p="http://schemas.openxmlformats.org/presentationml/2006/main" type="picTx" preserve="1">
+<p:sldLayout xmlns:a="http://schemas.openxmlformats.org/drawingml/2006/main" xmlns:r="http://schemas.openxmlformats.org/officeDocument/2006/relationships" xmlns:p="http://schemas.openxmlformats.org/presentationml/2006/main" showMasterSp="0" type="picTx" preserve="1">
   <p:cSld name="图片与标题">
     <p:spTree>
       <p:nvGrpSpPr>
@@ -2173,7 +2716,83 @@
       </p:grpSpPr>
       <p:sp>
         <p:nvSpPr>
-          <p:cNvPr id="2" name="标题 1"/>
+          <p:cNvPr id="8" name="Rectangle 7"/>
+          <p:cNvSpPr/>
+          <p:nvPr/>
+        </p:nvSpPr>
+        <p:spPr>
+          <a:xfrm>
+            <a:off x="0" y="4953000"/>
+            <a:ext cx="12188825" cy="1905000"/>
+          </a:xfrm>
+          <a:prstGeom prst="rect">
+            <a:avLst/>
+          </a:prstGeom>
+          <a:solidFill>
+            <a:schemeClr val="accent2"/>
+          </a:solidFill>
+          <a:ln>
+            <a:noFill/>
+          </a:ln>
+        </p:spPr>
+        <p:style>
+          <a:lnRef idx="2">
+            <a:schemeClr val="accent1">
+              <a:shade val="50000"/>
+            </a:schemeClr>
+          </a:lnRef>
+          <a:fillRef idx="1">
+            <a:schemeClr val="accent1"/>
+          </a:fillRef>
+          <a:effectRef idx="0">
+            <a:schemeClr val="accent1"/>
+          </a:effectRef>
+          <a:fontRef idx="minor">
+            <a:schemeClr val="lt1"/>
+          </a:fontRef>
+        </p:style>
+      </p:sp>
+      <p:sp>
+        <p:nvSpPr>
+          <p:cNvPr id="9" name="Rectangle 8"/>
+          <p:cNvSpPr/>
+          <p:nvPr/>
+        </p:nvSpPr>
+        <p:spPr>
+          <a:xfrm>
+            <a:off x="15" y="4915076"/>
+            <a:ext cx="12188825" cy="64008"/>
+          </a:xfrm>
+          <a:prstGeom prst="rect">
+            <a:avLst/>
+          </a:prstGeom>
+          <a:solidFill>
+            <a:schemeClr val="accent1"/>
+          </a:solidFill>
+          <a:ln>
+            <a:noFill/>
+          </a:ln>
+        </p:spPr>
+        <p:style>
+          <a:lnRef idx="2">
+            <a:schemeClr val="accent1">
+              <a:shade val="50000"/>
+            </a:schemeClr>
+          </a:lnRef>
+          <a:fillRef idx="1">
+            <a:schemeClr val="accent1"/>
+          </a:fillRef>
+          <a:effectRef idx="0">
+            <a:schemeClr val="accent1"/>
+          </a:effectRef>
+          <a:fontRef idx="minor">
+            <a:schemeClr val="lt1"/>
+          </a:fontRef>
+        </p:style>
+      </p:sp>
+      <p:sp>
+        <p:nvSpPr>
+          <p:cNvPr id="2" name="Title 1"/>
           <p:cNvSpPr>
             <a:spLocks noGrp="1"/>
           </p:cNvSpPr>
@@ -2183,15 +2802,21 @@
         </p:nvSpPr>
         <p:spPr>
           <a:xfrm>
-            <a:off x="839788" y="457200"/>
-            <a:ext cx="3932237" cy="1600200"/>
-          </a:xfrm>
-        </p:spPr>
-        <p:txBody>
-          <a:bodyPr anchor="b"/>
+            <a:off x="1097280" y="5074920"/>
+            <a:ext cx="10113645" cy="822960"/>
+          </a:xfrm>
+        </p:spPr>
+        <p:txBody>
+          <a:bodyPr tIns="0" bIns="0" anchor="b">
+            <a:noAutofit/>
+          </a:bodyPr>
           <a:lstStyle>
             <a:lvl1pPr>
-              <a:defRPr sz="3200"/>
+              <a:defRPr sz="3600" b="0">
+                <a:solidFill>
+                  <a:srgbClr val="FFFFFF"/>
+                </a:solidFill>
+              </a:defRPr>
             </a:lvl1pPr>
           </a:lstStyle>
           <a:p>
@@ -2199,15 +2824,15 @@
               <a:rPr lang="zh-CN" altLang="en-US" smtClean="0"/>
               <a:t>单击此处编辑母版标题样式</a:t>
             </a:r>
-            <a:endParaRPr lang="zh-CN" altLang="en-US"/>
-          </a:p>
-        </p:txBody>
-      </p:sp>
-      <p:sp>
-        <p:nvSpPr>
-          <p:cNvPr id="3" name="图片占位符 2"/>
-          <p:cNvSpPr>
-            <a:spLocks noGrp="1"/>
+            <a:endParaRPr lang="en-US" dirty="0"/>
+          </a:p>
+        </p:txBody>
+      </p:sp>
+      <p:sp>
+        <p:nvSpPr>
+          <p:cNvPr id="3" name="Picture Placeholder 2"/>
+          <p:cNvSpPr>
+            <a:spLocks noGrp="1" noChangeAspect="1"/>
           </p:cNvSpPr>
           <p:nvPr>
             <p:ph type="pic" idx="1"/>
@@ -2215,12 +2840,17 @@
         </p:nvSpPr>
         <p:spPr>
           <a:xfrm>
-            <a:off x="5183188" y="987425"/>
-            <a:ext cx="6172200" cy="4873625"/>
-          </a:xfrm>
-        </p:spPr>
-        <p:txBody>
-          <a:bodyPr/>
+            <a:off x="15" y="0"/>
+            <a:ext cx="12191985" cy="4915076"/>
+          </a:xfrm>
+          <a:solidFill>
+            <a:schemeClr val="bg2">
+              <a:lumMod val="90000"/>
+            </a:schemeClr>
+          </a:solidFill>
+        </p:spPr>
+        <p:txBody>
+          <a:bodyPr lIns="457200" tIns="457200" anchor="t"/>
           <a:lstStyle>
             <a:lvl1pPr marL="0" indent="0">
               <a:buNone/>
@@ -2260,13 +2890,17 @@
             </a:lvl9pPr>
           </a:lstStyle>
           <a:p>
-            <a:endParaRPr lang="zh-CN" altLang="en-US"/>
-          </a:p>
-        </p:txBody>
-      </p:sp>
-      <p:sp>
-        <p:nvSpPr>
-          <p:cNvPr id="4" name="文本占位符 3"/>
+            <a:r>
+              <a:rPr lang="zh-CN" altLang="en-US" smtClean="0"/>
+              <a:t>单击图标添加图片</a:t>
+            </a:r>
+            <a:endParaRPr lang="en-US" dirty="0"/>
+          </a:p>
+        </p:txBody>
+      </p:sp>
+      <p:sp>
+        <p:nvSpPr>
+          <p:cNvPr id="4" name="Text Placeholder 3"/>
           <p:cNvSpPr>
             <a:spLocks noGrp="1"/>
           </p:cNvSpPr>
@@ -2276,48 +2910,60 @@
         </p:nvSpPr>
         <p:spPr>
           <a:xfrm>
-            <a:off x="839788" y="2057400"/>
-            <a:ext cx="3932237" cy="3811588"/>
-          </a:xfrm>
-        </p:spPr>
-        <p:txBody>
-          <a:bodyPr/>
+            <a:off x="1097280" y="5907024"/>
+            <a:ext cx="10113264" cy="594360"/>
+          </a:xfrm>
+        </p:spPr>
+        <p:txBody>
+          <a:bodyPr lIns="91440" tIns="0" rIns="91440" bIns="0">
+            <a:normAutofit/>
+          </a:bodyPr>
           <a:lstStyle>
             <a:lvl1pPr marL="0" indent="0">
-              <a:buNone/>
-              <a:defRPr sz="1600"/>
+              <a:spcBef>
+                <a:spcPts val="0"/>
+              </a:spcBef>
+              <a:spcAft>
+                <a:spcPts val="600"/>
+              </a:spcAft>
+              <a:buNone/>
+              <a:defRPr sz="1500">
+                <a:solidFill>
+                  <a:srgbClr val="FFFFFF"/>
+                </a:solidFill>
+              </a:defRPr>
             </a:lvl1pPr>
             <a:lvl2pPr marL="457200" indent="0">
               <a:buNone/>
-              <a:defRPr sz="1400"/>
+              <a:defRPr sz="1200"/>
             </a:lvl2pPr>
             <a:lvl3pPr marL="914400" indent="0">
               <a:buNone/>
-              <a:defRPr sz="1200"/>
+              <a:defRPr sz="1000"/>
             </a:lvl3pPr>
             <a:lvl4pPr marL="1371600" indent="0">
               <a:buNone/>
-              <a:defRPr sz="1000"/>
+              <a:defRPr sz="900"/>
             </a:lvl4pPr>
             <a:lvl5pPr marL="1828800" indent="0">
               <a:buNone/>
-              <a:defRPr sz="1000"/>
+              <a:defRPr sz="900"/>
             </a:lvl5pPr>
             <a:lvl6pPr marL="2286000" indent="0">
               <a:buNone/>
-              <a:defRPr sz="1000"/>
+              <a:defRPr sz="900"/>
             </a:lvl6pPr>
             <a:lvl7pPr marL="2743200" indent="0">
               <a:buNone/>
-              <a:defRPr sz="1000"/>
+              <a:defRPr sz="900"/>
             </a:lvl7pPr>
             <a:lvl8pPr marL="3200400" indent="0">
               <a:buNone/>
-              <a:defRPr sz="1000"/>
+              <a:defRPr sz="900"/>
             </a:lvl8pPr>
             <a:lvl9pPr marL="3657600" indent="0">
               <a:buNone/>
-              <a:defRPr sz="1000"/>
+              <a:defRPr sz="900"/>
             </a:lvl9pPr>
           </a:lstStyle>
           <a:p>
@@ -2331,7 +2977,7 @@
       </p:sp>
       <p:sp>
         <p:nvSpPr>
-          <p:cNvPr id="5" name="日期占位符 4"/>
+          <p:cNvPr id="5" name="Date Placeholder 4"/>
           <p:cNvSpPr>
             <a:spLocks noGrp="1"/>
           </p:cNvSpPr>
@@ -2354,7 +3000,7 @@
       </p:sp>
       <p:sp>
         <p:nvSpPr>
-          <p:cNvPr id="6" name="页脚占位符 5"/>
+          <p:cNvPr id="6" name="Footer Placeholder 5"/>
           <p:cNvSpPr>
             <a:spLocks noGrp="1"/>
           </p:cNvSpPr>
@@ -2373,7 +3019,7 @@
       </p:sp>
       <p:sp>
         <p:nvSpPr>
-          <p:cNvPr id="7" name="灯片编号占位符 6"/>
+          <p:cNvPr id="7" name="Slide Number Placeholder 6"/>
           <p:cNvSpPr>
             <a:spLocks noGrp="1"/>
           </p:cNvSpPr>
@@ -2397,7 +3043,7 @@
     </p:spTree>
     <p:extLst>
       <p:ext uri="{BB962C8B-B14F-4D97-AF65-F5344CB8AC3E}">
-        <p14:creationId xmlns:p14="http://schemas.microsoft.com/office/powerpoint/2010/main" val="4182199103"/>
+        <p14:creationId xmlns:p14="http://schemas.microsoft.com/office/powerpoint/2010/main" val="2547804404"/>
       </p:ext>
     </p:extLst>
   </p:cSld>
@@ -2431,127 +3077,201 @@
       </p:grpSpPr>
       <p:sp>
         <p:nvSpPr>
-          <p:cNvPr id="2" name="标题占位符 1"/>
-          <p:cNvSpPr>
-            <a:spLocks noGrp="1"/>
-          </p:cNvSpPr>
-          <p:nvPr>
-            <p:ph type="title"/>
-          </p:nvPr>
-        </p:nvSpPr>
-        <p:spPr>
-          <a:xfrm>
-            <a:off x="838200" y="365125"/>
-            <a:ext cx="10515600" cy="1325563"/>
+          <p:cNvPr id="7" name="Rectangle 6"/>
+          <p:cNvSpPr/>
+          <p:nvPr/>
+        </p:nvSpPr>
+        <p:spPr>
+          <a:xfrm>
+            <a:off x="3175" y="6400800"/>
+            <a:ext cx="12188825" cy="457200"/>
           </a:xfrm>
           <a:prstGeom prst="rect">
             <a:avLst/>
           </a:prstGeom>
-        </p:spPr>
-        <p:txBody>
-          <a:bodyPr vert="horz" lIns="91440" tIns="45720" rIns="91440" bIns="45720" rtlCol="0" anchor="ctr">
-            <a:normAutofit/>
-          </a:bodyPr>
-          <a:lstStyle/>
-          <a:p>
-            <a:r>
-              <a:rPr lang="zh-CN" altLang="en-US" smtClean="0"/>
-              <a:t>单击此处编辑母版标题样式</a:t>
-            </a:r>
-            <a:endParaRPr lang="zh-CN" altLang="en-US"/>
-          </a:p>
-        </p:txBody>
-      </p:sp>
-      <p:sp>
-        <p:nvSpPr>
-          <p:cNvPr id="3" name="文本占位符 2"/>
-          <p:cNvSpPr>
-            <a:spLocks noGrp="1"/>
-          </p:cNvSpPr>
-          <p:nvPr>
-            <p:ph type="body" idx="1"/>
-          </p:nvPr>
-        </p:nvSpPr>
-        <p:spPr>
-          <a:xfrm>
-            <a:off x="838200" y="1825625"/>
-            <a:ext cx="10515600" cy="4351338"/>
+          <a:solidFill>
+            <a:schemeClr val="accent2"/>
+          </a:solidFill>
+          <a:ln>
+            <a:noFill/>
+          </a:ln>
+        </p:spPr>
+        <p:style>
+          <a:lnRef idx="2">
+            <a:schemeClr val="accent1">
+              <a:shade val="50000"/>
+            </a:schemeClr>
+          </a:lnRef>
+          <a:fillRef idx="1">
+            <a:schemeClr val="accent1"/>
+          </a:fillRef>
+          <a:effectRef idx="0">
+            <a:schemeClr val="accent1"/>
+          </a:effectRef>
+          <a:fontRef idx="minor">
+            <a:schemeClr val="lt1"/>
+          </a:fontRef>
+        </p:style>
+      </p:sp>
+      <p:sp>
+        <p:nvSpPr>
+          <p:cNvPr id="9" name="Rectangle 8"/>
+          <p:cNvSpPr/>
+          <p:nvPr/>
+        </p:nvSpPr>
+        <p:spPr>
+          <a:xfrm>
+            <a:off x="15" y="6334316"/>
+            <a:ext cx="12188825" cy="64008"/>
           </a:xfrm>
           <a:prstGeom prst="rect">
             <a:avLst/>
           </a:prstGeom>
-        </p:spPr>
-        <p:txBody>
-          <a:bodyPr vert="horz" lIns="91440" tIns="45720" rIns="91440" bIns="45720" rtlCol="0">
-            <a:normAutofit/>
-          </a:bodyPr>
-          <a:lstStyle/>
-          <a:p>
-            <a:pPr lvl="0"/>
-            <a:r>
-              <a:rPr lang="zh-CN" altLang="en-US" smtClean="0"/>
-              <a:t>编辑母版文本样式</a:t>
-            </a:r>
-          </a:p>
-          <a:p>
-            <a:pPr lvl="1"/>
-            <a:r>
-              <a:rPr lang="zh-CN" altLang="en-US" smtClean="0"/>
-              <a:t>第二级</a:t>
-            </a:r>
-          </a:p>
-          <a:p>
-            <a:pPr lvl="2"/>
-            <a:r>
-              <a:rPr lang="zh-CN" altLang="en-US" smtClean="0"/>
-              <a:t>第三级</a:t>
-            </a:r>
-          </a:p>
-          <a:p>
-            <a:pPr lvl="3"/>
-            <a:r>
-              <a:rPr lang="zh-CN" altLang="en-US" smtClean="0"/>
-              <a:t>第四级</a:t>
-            </a:r>
-          </a:p>
-          <a:p>
-            <a:pPr lvl="4"/>
-            <a:r>
-              <a:rPr lang="zh-CN" altLang="en-US" smtClean="0"/>
-              <a:t>第五级</a:t>
-            </a:r>
-            <a:endParaRPr lang="zh-CN" altLang="en-US"/>
-          </a:p>
-        </p:txBody>
-      </p:sp>
-      <p:sp>
-        <p:nvSpPr>
-          <p:cNvPr id="4" name="日期占位符 3"/>
-          <p:cNvSpPr>
-            <a:spLocks noGrp="1"/>
-          </p:cNvSpPr>
-          <p:nvPr>
-            <p:ph type="dt" sz="half" idx="2"/>
-          </p:nvPr>
-        </p:nvSpPr>
-        <p:spPr>
-          <a:xfrm>
-            <a:off x="838200" y="6356350"/>
-            <a:ext cx="2743200" cy="365125"/>
+          <a:solidFill>
+            <a:schemeClr val="accent1"/>
+          </a:solidFill>
+          <a:ln>
+            <a:noFill/>
+          </a:ln>
+        </p:spPr>
+        <p:style>
+          <a:lnRef idx="2">
+            <a:schemeClr val="accent1">
+              <a:shade val="50000"/>
+            </a:schemeClr>
+          </a:lnRef>
+          <a:fillRef idx="1">
+            <a:schemeClr val="accent1"/>
+          </a:fillRef>
+          <a:effectRef idx="0">
+            <a:schemeClr val="accent1"/>
+          </a:effectRef>
+          <a:fontRef idx="minor">
+            <a:schemeClr val="lt1"/>
+          </a:fontRef>
+        </p:style>
+      </p:sp>
+      <p:sp>
+        <p:nvSpPr>
+          <p:cNvPr id="2" name="Title Placeholder 1"/>
+          <p:cNvSpPr>
+            <a:spLocks noGrp="1"/>
+          </p:cNvSpPr>
+          <p:nvPr>
+            <p:ph type="title"/>
+          </p:nvPr>
+        </p:nvSpPr>
+        <p:spPr>
+          <a:xfrm>
+            <a:off x="1097280" y="286603"/>
+            <a:ext cx="10058400" cy="1450757"/>
           </a:xfrm>
           <a:prstGeom prst="rect">
             <a:avLst/>
           </a:prstGeom>
         </p:spPr>
         <p:txBody>
+          <a:bodyPr vert="horz" lIns="91440" tIns="45720" rIns="91440" bIns="45720" rtlCol="0" anchor="b">
+            <a:normAutofit/>
+          </a:bodyPr>
+          <a:lstStyle/>
+          <a:p>
+            <a:r>
+              <a:rPr lang="zh-CN" altLang="en-US" smtClean="0"/>
+              <a:t>单击此处编辑母版标题样式</a:t>
+            </a:r>
+            <a:endParaRPr lang="en-US" dirty="0"/>
+          </a:p>
+        </p:txBody>
+      </p:sp>
+      <p:sp>
+        <p:nvSpPr>
+          <p:cNvPr id="3" name="Text Placeholder 2"/>
+          <p:cNvSpPr>
+            <a:spLocks noGrp="1"/>
+          </p:cNvSpPr>
+          <p:nvPr>
+            <p:ph type="body" idx="1"/>
+          </p:nvPr>
+        </p:nvSpPr>
+        <p:spPr>
+          <a:xfrm>
+            <a:off x="1097280" y="1845734"/>
+            <a:ext cx="10058400" cy="4023360"/>
+          </a:xfrm>
+          <a:prstGeom prst="rect">
+            <a:avLst/>
+          </a:prstGeom>
+        </p:spPr>
+        <p:txBody>
+          <a:bodyPr vert="horz" lIns="0" tIns="45720" rIns="0" bIns="45720" rtlCol="0">
+            <a:normAutofit/>
+          </a:bodyPr>
+          <a:lstStyle/>
+          <a:p>
+            <a:pPr lvl="0"/>
+            <a:r>
+              <a:rPr lang="zh-CN" altLang="en-US" smtClean="0"/>
+              <a:t>编辑母版文本样式</a:t>
+            </a:r>
+          </a:p>
+          <a:p>
+            <a:pPr lvl="1"/>
+            <a:r>
+              <a:rPr lang="zh-CN" altLang="en-US" smtClean="0"/>
+              <a:t>第二级</a:t>
+            </a:r>
+          </a:p>
+          <a:p>
+            <a:pPr lvl="2"/>
+            <a:r>
+              <a:rPr lang="zh-CN" altLang="en-US" smtClean="0"/>
+              <a:t>第三级</a:t>
+            </a:r>
+          </a:p>
+          <a:p>
+            <a:pPr lvl="3"/>
+            <a:r>
+              <a:rPr lang="zh-CN" altLang="en-US" smtClean="0"/>
+              <a:t>第四级</a:t>
+            </a:r>
+          </a:p>
+          <a:p>
+            <a:pPr lvl="4"/>
+            <a:r>
+              <a:rPr lang="zh-CN" altLang="en-US" smtClean="0"/>
+              <a:t>第五级</a:t>
+            </a:r>
+            <a:endParaRPr lang="en-US" dirty="0"/>
+          </a:p>
+        </p:txBody>
+      </p:sp>
+      <p:sp>
+        <p:nvSpPr>
+          <p:cNvPr id="4" name="Date Placeholder 3"/>
+          <p:cNvSpPr>
+            <a:spLocks noGrp="1"/>
+          </p:cNvSpPr>
+          <p:nvPr>
+            <p:ph type="dt" sz="half" idx="2"/>
+          </p:nvPr>
+        </p:nvSpPr>
+        <p:spPr>
+          <a:xfrm>
+            <a:off x="1097280" y="6459785"/>
+            <a:ext cx="2472271" cy="365125"/>
+          </a:xfrm>
+          <a:prstGeom prst="rect">
+            <a:avLst/>
+          </a:prstGeom>
+        </p:spPr>
+        <p:txBody>
           <a:bodyPr vert="horz" lIns="91440" tIns="45720" rIns="91440" bIns="45720" rtlCol="0" anchor="ctr"/>
           <a:lstStyle>
             <a:lvl1pPr algn="l">
-              <a:defRPr sz="1200">
+              <a:defRPr sz="900">
                 <a:solidFill>
-                  <a:schemeClr val="tx1">
-                    <a:tint val="75000"/>
-                  </a:schemeClr>
+                  <a:srgbClr val="FFFFFF"/>
                 </a:solidFill>
               </a:defRPr>
             </a:lvl1pPr>
@@ -2567,7 +3287,7 @@
       </p:sp>
       <p:sp>
         <p:nvSpPr>
-          <p:cNvPr id="5" name="页脚占位符 4"/>
+          <p:cNvPr id="5" name="Footer Placeholder 4"/>
           <p:cNvSpPr>
             <a:spLocks noGrp="1"/>
           </p:cNvSpPr>
@@ -2577,8 +3297,8 @@
         </p:nvSpPr>
         <p:spPr>
           <a:xfrm>
-            <a:off x="4038600" y="6356350"/>
-            <a:ext cx="4114800" cy="365125"/>
+            <a:off x="3686185" y="6459785"/>
+            <a:ext cx="4822804" cy="365125"/>
           </a:xfrm>
           <a:prstGeom prst="rect">
             <a:avLst/>
@@ -2588,11 +3308,9 @@
           <a:bodyPr vert="horz" lIns="91440" tIns="45720" rIns="91440" bIns="45720" rtlCol="0" anchor="ctr"/>
           <a:lstStyle>
             <a:lvl1pPr algn="ctr">
-              <a:defRPr sz="1200">
+              <a:defRPr sz="900" cap="all" baseline="0">
                 <a:solidFill>
-                  <a:schemeClr val="tx1">
-                    <a:tint val="75000"/>
-                  </a:schemeClr>
+                  <a:srgbClr val="FFFFFF"/>
                 </a:solidFill>
               </a:defRPr>
             </a:lvl1pPr>
@@ -2604,7 +3322,7 @@
       </p:sp>
       <p:sp>
         <p:nvSpPr>
-          <p:cNvPr id="6" name="灯片编号占位符 5"/>
+          <p:cNvPr id="6" name="Slide Number Placeholder 5"/>
           <p:cNvSpPr>
             <a:spLocks noGrp="1"/>
           </p:cNvSpPr>
@@ -2614,8 +3332,8 @@
         </p:nvSpPr>
         <p:spPr>
           <a:xfrm>
-            <a:off x="8610600" y="6356350"/>
-            <a:ext cx="2743200" cy="365125"/>
+            <a:off x="9900458" y="6459785"/>
+            <a:ext cx="1312025" cy="365125"/>
           </a:xfrm>
           <a:prstGeom prst="rect">
             <a:avLst/>
@@ -2625,11 +3343,9 @@
           <a:bodyPr vert="horz" lIns="91440" tIns="45720" rIns="91440" bIns="45720" rtlCol="0" anchor="ctr"/>
           <a:lstStyle>
             <a:lvl1pPr algn="r">
-              <a:defRPr sz="1200">
+              <a:defRPr sz="1050">
                 <a:solidFill>
-                  <a:schemeClr val="tx1">
-                    <a:tint val="75000"/>
-                  </a:schemeClr>
+                  <a:srgbClr val="FFFFFF"/>
                 </a:solidFill>
               </a:defRPr>
             </a:lvl1pPr>
@@ -2643,40 +3359,81 @@
           </a:p>
         </p:txBody>
       </p:sp>
+      <p:cxnSp>
+        <p:nvCxnSpPr>
+          <p:cNvPr id="10" name="Straight Connector 9"/>
+          <p:cNvCxnSpPr/>
+          <p:nvPr/>
+        </p:nvCxnSpPr>
+        <p:spPr>
+          <a:xfrm>
+            <a:off x="1193532" y="1737845"/>
+            <a:ext cx="9966960" cy="0"/>
+          </a:xfrm>
+          <a:prstGeom prst="line">
+            <a:avLst/>
+          </a:prstGeom>
+          <a:ln w="6350">
+            <a:solidFill>
+              <a:schemeClr val="tx1">
+                <a:lumMod val="50000"/>
+                <a:lumOff val="50000"/>
+              </a:schemeClr>
+            </a:solidFill>
+          </a:ln>
+        </p:spPr>
+        <p:style>
+          <a:lnRef idx="1">
+            <a:schemeClr val="accent1"/>
+          </a:lnRef>
+          <a:fillRef idx="0">
+            <a:schemeClr val="accent1"/>
+          </a:fillRef>
+          <a:effectRef idx="0">
+            <a:schemeClr val="accent1"/>
+          </a:effectRef>
+          <a:fontRef idx="minor">
+            <a:schemeClr val="tx1"/>
+          </a:fontRef>
+        </p:style>
+      </p:cxnSp>
     </p:spTree>
     <p:extLst>
       <p:ext uri="{BB962C8B-B14F-4D97-AF65-F5344CB8AC3E}">
-        <p14:creationId xmlns:p14="http://schemas.microsoft.com/office/powerpoint/2010/main" val="2122237121"/>
+        <p14:creationId xmlns:p14="http://schemas.microsoft.com/office/powerpoint/2010/main" val="1421513742"/>
       </p:ext>
     </p:extLst>
   </p:cSld>
   <p:clrMap bg1="lt1" tx1="dk1" bg2="lt2" tx2="dk2" accent1="accent1" accent2="accent2" accent3="accent3" accent4="accent4" accent5="accent5" accent6="accent6" hlink="hlink" folHlink="folHlink"/>
   <p:sldLayoutIdLst>
-    <p:sldLayoutId id="2147483649" r:id="rId1"/>
-    <p:sldLayoutId id="2147483650" r:id="rId2"/>
-    <p:sldLayoutId id="2147483651" r:id="rId3"/>
-    <p:sldLayoutId id="2147483652" r:id="rId4"/>
-    <p:sldLayoutId id="2147483653" r:id="rId5"/>
-    <p:sldLayoutId id="2147483654" r:id="rId6"/>
-    <p:sldLayoutId id="2147483655" r:id="rId7"/>
-    <p:sldLayoutId id="2147483656" r:id="rId8"/>
-    <p:sldLayoutId id="2147483657" r:id="rId9"/>
-    <p:sldLayoutId id="2147483658" r:id="rId10"/>
-    <p:sldLayoutId id="2147483659" r:id="rId11"/>
+    <p:sldLayoutId id="2147483703" r:id="rId1"/>
+    <p:sldLayoutId id="2147483704" r:id="rId2"/>
+    <p:sldLayoutId id="2147483705" r:id="rId3"/>
+    <p:sldLayoutId id="2147483706" r:id="rId4"/>
+    <p:sldLayoutId id="2147483707" r:id="rId5"/>
+    <p:sldLayoutId id="2147483708" r:id="rId6"/>
+    <p:sldLayoutId id="2147483709" r:id="rId7"/>
+    <p:sldLayoutId id="2147483710" r:id="rId8"/>
+    <p:sldLayoutId id="2147483711" r:id="rId9"/>
+    <p:sldLayoutId id="2147483712" r:id="rId10"/>
+    <p:sldLayoutId id="2147483713" r:id="rId11"/>
   </p:sldLayoutIdLst>
   <p:txStyles>
     <p:titleStyle>
       <a:lvl1pPr algn="l" defTabSz="914400" rtl="0" eaLnBrk="1" latinLnBrk="0" hangingPunct="1">
         <a:lnSpc>
-          <a:spcPct val="90000"/>
+          <a:spcPct val="85000"/>
         </a:lnSpc>
         <a:spcBef>
           <a:spcPct val="0"/>
         </a:spcBef>
         <a:buNone/>
-        <a:defRPr sz="4400" kern="1200">
+        <a:defRPr sz="4800" kern="1200" spc="-50" baseline="0">
           <a:solidFill>
-            <a:schemeClr val="tx1"/>
+            <a:schemeClr val="tx1">
+              <a:lumMod val="75000"/>
+              <a:lumOff val="25000"/>
+            </a:schemeClr>
           </a:solidFill>
           <a:latin typeface="+mj-lt"/>
           <a:ea typeface="+mj-ea"/>
@@ -2685,162 +3442,244 @@
       </a:lvl1pPr>
     </p:titleStyle>
     <p:bodyStyle>
-      <a:lvl1pPr marL="228600" indent="-228600" algn="l" defTabSz="914400" rtl="0" eaLnBrk="1" latinLnBrk="0" hangingPunct="1">
+      <a:lvl1pPr marL="91440" indent="-91440" algn="l" defTabSz="914400" rtl="0" eaLnBrk="1" latinLnBrk="0" hangingPunct="1">
         <a:lnSpc>
           <a:spcPct val="90000"/>
         </a:lnSpc>
         <a:spcBef>
-          <a:spcPts val="1000"/>
+          <a:spcPts val="1200"/>
         </a:spcBef>
-        <a:buFont typeface="Arial" panose="020B0604020202020204" pitchFamily="34" charset="0"/>
-        <a:buChar char="•"/>
-        <a:defRPr sz="2800" kern="1200">
+        <a:spcAft>
+          <a:spcPts val="200"/>
+        </a:spcAft>
+        <a:buClr>
+          <a:schemeClr val="accent1"/>
+        </a:buClr>
+        <a:buSzPct val="100000"/>
+        <a:buFont typeface="Calibri" panose="020F0502020204030204" pitchFamily="34" charset="0"/>
+        <a:buChar char=" "/>
+        <a:defRPr sz="2000" kern="1200">
           <a:solidFill>
-            <a:schemeClr val="tx1"/>
+            <a:schemeClr val="tx1">
+              <a:lumMod val="75000"/>
+              <a:lumOff val="25000"/>
+            </a:schemeClr>
           </a:solidFill>
           <a:latin typeface="+mn-lt"/>
           <a:ea typeface="+mn-ea"/>
           <a:cs typeface="+mn-cs"/>
         </a:defRPr>
       </a:lvl1pPr>
-      <a:lvl2pPr marL="685800" indent="-228600" algn="l" defTabSz="914400" rtl="0" eaLnBrk="1" latinLnBrk="0" hangingPunct="1">
+      <a:lvl2pPr marL="384048" indent="-182880" algn="l" defTabSz="914400" rtl="0" eaLnBrk="1" latinLnBrk="0" hangingPunct="1">
         <a:lnSpc>
           <a:spcPct val="90000"/>
         </a:lnSpc>
         <a:spcBef>
-          <a:spcPts val="500"/>
+          <a:spcPts val="200"/>
         </a:spcBef>
-        <a:buFont typeface="Arial" panose="020B0604020202020204" pitchFamily="34" charset="0"/>
-        <a:buChar char="•"/>
-        <a:defRPr sz="2400" kern="1200">
+        <a:spcAft>
+          <a:spcPts val="400"/>
+        </a:spcAft>
+        <a:buClr>
+          <a:schemeClr val="accent1"/>
+        </a:buClr>
+        <a:buFont typeface="Calibri" pitchFamily="34" charset="0"/>
+        <a:buChar char="◦"/>
+        <a:defRPr sz="1800" kern="1200">
           <a:solidFill>
-            <a:schemeClr val="tx1"/>
+            <a:schemeClr val="tx1">
+              <a:lumMod val="75000"/>
+              <a:lumOff val="25000"/>
+            </a:schemeClr>
           </a:solidFill>
           <a:latin typeface="+mn-lt"/>
           <a:ea typeface="+mn-ea"/>
           <a:cs typeface="+mn-cs"/>
         </a:defRPr>
       </a:lvl2pPr>
-      <a:lvl3pPr marL="1143000" indent="-228600" algn="l" defTabSz="914400" rtl="0" eaLnBrk="1" latinLnBrk="0" hangingPunct="1">
+      <a:lvl3pPr marL="566928" indent="-182880" algn="l" defTabSz="914400" rtl="0" eaLnBrk="1" latinLnBrk="0" hangingPunct="1">
         <a:lnSpc>
           <a:spcPct val="90000"/>
         </a:lnSpc>
         <a:spcBef>
-          <a:spcPts val="500"/>
+          <a:spcPts val="200"/>
         </a:spcBef>
-        <a:buFont typeface="Arial" panose="020B0604020202020204" pitchFamily="34" charset="0"/>
-        <a:buChar char="•"/>
-        <a:defRPr sz="2000" kern="1200">
+        <a:spcAft>
+          <a:spcPts val="400"/>
+        </a:spcAft>
+        <a:buClr>
+          <a:schemeClr val="accent1"/>
+        </a:buClr>
+        <a:buFont typeface="Calibri" pitchFamily="34" charset="0"/>
+        <a:buChar char="◦"/>
+        <a:defRPr sz="1400" kern="1200">
           <a:solidFill>
-            <a:schemeClr val="tx1"/>
+            <a:schemeClr val="tx1">
+              <a:lumMod val="75000"/>
+              <a:lumOff val="25000"/>
+            </a:schemeClr>
           </a:solidFill>
           <a:latin typeface="+mn-lt"/>
           <a:ea typeface="+mn-ea"/>
           <a:cs typeface="+mn-cs"/>
         </a:defRPr>
       </a:lvl3pPr>
-      <a:lvl4pPr marL="1600200" indent="-228600" algn="l" defTabSz="914400" rtl="0" eaLnBrk="1" latinLnBrk="0" hangingPunct="1">
+      <a:lvl4pPr marL="749808" indent="-182880" algn="l" defTabSz="914400" rtl="0" eaLnBrk="1" latinLnBrk="0" hangingPunct="1">
         <a:lnSpc>
           <a:spcPct val="90000"/>
         </a:lnSpc>
         <a:spcBef>
-          <a:spcPts val="500"/>
+          <a:spcPts val="200"/>
         </a:spcBef>
-        <a:buFont typeface="Arial" panose="020B0604020202020204" pitchFamily="34" charset="0"/>
-        <a:buChar char="•"/>
-        <a:defRPr sz="1800" kern="1200">
+        <a:spcAft>
+          <a:spcPts val="400"/>
+        </a:spcAft>
+        <a:buClr>
+          <a:schemeClr val="accent1"/>
+        </a:buClr>
+        <a:buFont typeface="Calibri" pitchFamily="34" charset="0"/>
+        <a:buChar char="◦"/>
+        <a:defRPr sz="1400" kern="1200">
           <a:solidFill>
-            <a:schemeClr val="tx1"/>
+            <a:schemeClr val="tx1">
+              <a:lumMod val="75000"/>
+              <a:lumOff val="25000"/>
+            </a:schemeClr>
           </a:solidFill>
           <a:latin typeface="+mn-lt"/>
           <a:ea typeface="+mn-ea"/>
           <a:cs typeface="+mn-cs"/>
         </a:defRPr>
       </a:lvl4pPr>
-      <a:lvl5pPr marL="2057400" indent="-228600" algn="l" defTabSz="914400" rtl="0" eaLnBrk="1" latinLnBrk="0" hangingPunct="1">
+      <a:lvl5pPr marL="932688" indent="-182880" algn="l" defTabSz="914400" rtl="0" eaLnBrk="1" latinLnBrk="0" hangingPunct="1">
         <a:lnSpc>
           <a:spcPct val="90000"/>
         </a:lnSpc>
         <a:spcBef>
-          <a:spcPts val="500"/>
+          <a:spcPts val="200"/>
         </a:spcBef>
-        <a:buFont typeface="Arial" panose="020B0604020202020204" pitchFamily="34" charset="0"/>
-        <a:buChar char="•"/>
-        <a:defRPr sz="1800" kern="1200">
+        <a:spcAft>
+          <a:spcPts val="400"/>
+        </a:spcAft>
+        <a:buClr>
+          <a:schemeClr val="accent1"/>
+        </a:buClr>
+        <a:buFont typeface="Calibri" pitchFamily="34" charset="0"/>
+        <a:buChar char="◦"/>
+        <a:defRPr sz="1400" kern="1200">
           <a:solidFill>
-            <a:schemeClr val="tx1"/>
+            <a:schemeClr val="tx1">
+              <a:lumMod val="75000"/>
+              <a:lumOff val="25000"/>
+            </a:schemeClr>
           </a:solidFill>
           <a:latin typeface="+mn-lt"/>
           <a:ea typeface="+mn-ea"/>
           <a:cs typeface="+mn-cs"/>
         </a:defRPr>
       </a:lvl5pPr>
-      <a:lvl6pPr marL="2514600" indent="-228600" algn="l" defTabSz="914400" rtl="0" eaLnBrk="1" latinLnBrk="0" hangingPunct="1">
+      <a:lvl6pPr marL="1100000" indent="-228600" algn="l" defTabSz="914400" rtl="0" eaLnBrk="1" latinLnBrk="0" hangingPunct="1">
         <a:lnSpc>
           <a:spcPct val="90000"/>
         </a:lnSpc>
         <a:spcBef>
-          <a:spcPts val="500"/>
+          <a:spcPts val="200"/>
         </a:spcBef>
-        <a:buFont typeface="Arial" panose="020B0604020202020204" pitchFamily="34" charset="0"/>
-        <a:buChar char="•"/>
-        <a:defRPr sz="1800" kern="1200">
+        <a:spcAft>
+          <a:spcPts val="400"/>
+        </a:spcAft>
+        <a:buClr>
+          <a:schemeClr val="accent1"/>
+        </a:buClr>
+        <a:buFont typeface="Calibri" pitchFamily="34" charset="0"/>
+        <a:buChar char="◦"/>
+        <a:defRPr sz="1400" kern="1200">
           <a:solidFill>
-            <a:schemeClr val="tx1"/>
+            <a:schemeClr val="tx1">
+              <a:lumMod val="75000"/>
+              <a:lumOff val="25000"/>
+            </a:schemeClr>
           </a:solidFill>
           <a:latin typeface="+mn-lt"/>
           <a:ea typeface="+mn-ea"/>
           <a:cs typeface="+mn-cs"/>
         </a:defRPr>
       </a:lvl6pPr>
-      <a:lvl7pPr marL="2971800" indent="-228600" algn="l" defTabSz="914400" rtl="0" eaLnBrk="1" latinLnBrk="0" hangingPunct="1">
+      <a:lvl7pPr marL="1300000" indent="-228600" algn="l" defTabSz="914400" rtl="0" eaLnBrk="1" latinLnBrk="0" hangingPunct="1">
         <a:lnSpc>
           <a:spcPct val="90000"/>
         </a:lnSpc>
         <a:spcBef>
-          <a:spcPts val="500"/>
+          <a:spcPts val="200"/>
         </a:spcBef>
-        <a:buFont typeface="Arial" panose="020B0604020202020204" pitchFamily="34" charset="0"/>
-        <a:buChar char="•"/>
-        <a:defRPr sz="1800" kern="1200">
+        <a:spcAft>
+          <a:spcPts val="400"/>
+        </a:spcAft>
+        <a:buClr>
+          <a:schemeClr val="accent1"/>
+        </a:buClr>
+        <a:buFont typeface="Calibri" pitchFamily="34" charset="0"/>
+        <a:buChar char="◦"/>
+        <a:defRPr sz="1400" kern="1200">
           <a:solidFill>
-            <a:schemeClr val="tx1"/>
+            <a:schemeClr val="tx1">
+              <a:lumMod val="75000"/>
+              <a:lumOff val="25000"/>
+            </a:schemeClr>
           </a:solidFill>
           <a:latin typeface="+mn-lt"/>
           <a:ea typeface="+mn-ea"/>
           <a:cs typeface="+mn-cs"/>
         </a:defRPr>
       </a:lvl7pPr>
-      <a:lvl8pPr marL="3429000" indent="-228600" algn="l" defTabSz="914400" rtl="0" eaLnBrk="1" latinLnBrk="0" hangingPunct="1">
+      <a:lvl8pPr marL="1500000" indent="-228600" algn="l" defTabSz="914400" rtl="0" eaLnBrk="1" latinLnBrk="0" hangingPunct="1">
         <a:lnSpc>
           <a:spcPct val="90000"/>
         </a:lnSpc>
         <a:spcBef>
-          <a:spcPts val="500"/>
+          <a:spcPts val="200"/>
         </a:spcBef>
-        <a:buFont typeface="Arial" panose="020B0604020202020204" pitchFamily="34" charset="0"/>
-        <a:buChar char="•"/>
-        <a:defRPr sz="1800" kern="1200">
+        <a:spcAft>
+          <a:spcPts val="400"/>
+        </a:spcAft>
+        <a:buClr>
+          <a:schemeClr val="accent1"/>
+        </a:buClr>
+        <a:buFont typeface="Calibri" pitchFamily="34" charset="0"/>
+        <a:buChar char="◦"/>
+        <a:defRPr sz="1400" kern="1200">
           <a:solidFill>
-            <a:schemeClr val="tx1"/>
+            <a:schemeClr val="tx1">
+              <a:lumMod val="75000"/>
+              <a:lumOff val="25000"/>
+            </a:schemeClr>
           </a:solidFill>
           <a:latin typeface="+mn-lt"/>
           <a:ea typeface="+mn-ea"/>
           <a:cs typeface="+mn-cs"/>
         </a:defRPr>
       </a:lvl8pPr>
-      <a:lvl9pPr marL="3886200" indent="-228600" algn="l" defTabSz="914400" rtl="0" eaLnBrk="1" latinLnBrk="0" hangingPunct="1">
+      <a:lvl9pPr marL="1700000" indent="-228600" algn="l" defTabSz="914400" rtl="0" eaLnBrk="1" latinLnBrk="0" hangingPunct="1">
         <a:lnSpc>
           <a:spcPct val="90000"/>
         </a:lnSpc>
         <a:spcBef>
-          <a:spcPts val="500"/>
+          <a:spcPts val="200"/>
         </a:spcBef>
-        <a:buFont typeface="Arial" panose="020B0604020202020204" pitchFamily="34" charset="0"/>
-        <a:buChar char="•"/>
-        <a:defRPr sz="1800" kern="1200">
+        <a:spcAft>
+          <a:spcPts val="400"/>
+        </a:spcAft>
+        <a:buClr>
+          <a:schemeClr val="accent1"/>
+        </a:buClr>
+        <a:buFont typeface="Calibri" pitchFamily="34" charset="0"/>
+        <a:buChar char="◦"/>
+        <a:defRPr sz="1400" kern="1200">
           <a:solidFill>
-            <a:schemeClr val="tx1"/>
+            <a:schemeClr val="tx1">
+              <a:lumMod val="75000"/>
+              <a:lumOff val="25000"/>
+            </a:schemeClr>
           </a:solidFill>
           <a:latin typeface="+mn-lt"/>
           <a:ea typeface="+mn-ea"/>
@@ -2850,7 +3689,7 @@
     </p:bodyStyle>
     <p:otherStyle>
       <a:defPPr>
-        <a:defRPr lang="zh-CN"/>
+        <a:defRPr lang="en-US"/>
       </a:defPPr>
       <a:lvl1pPr marL="0" algn="l" defTabSz="914400" rtl="0" eaLnBrk="1" latinLnBrk="0" hangingPunct="1">
         <a:defRPr sz="1800" kern="1200">
@@ -2974,31 +3813,103 @@
             <p:ph type="ctrTitle"/>
           </p:nvPr>
         </p:nvSpPr>
+        <p:spPr>
+          <a:xfrm>
+            <a:off x="1100051" y="2014650"/>
+            <a:ext cx="10058400" cy="1090246"/>
+          </a:xfrm>
+        </p:spPr>
+        <p:txBody>
+          <a:bodyPr>
+            <a:normAutofit/>
+          </a:bodyPr>
+          <a:lstStyle/>
+          <a:p>
+            <a:pPr algn="ctr"/>
+            <a:r>
+              <a:rPr lang="zh-CN" altLang="en-US" sz="7200" dirty="0" smtClean="0"/>
+              <a:t>第</a:t>
+            </a:r>
+            <a:r>
+              <a:rPr lang="en-US" altLang="zh-CN" sz="7200" dirty="0" smtClean="0"/>
+              <a:t>3</a:t>
+            </a:r>
+            <a:r>
+              <a:rPr lang="zh-CN" altLang="en-US" sz="7200" dirty="0" smtClean="0"/>
+              <a:t>小组第</a:t>
+            </a:r>
+            <a:r>
+              <a:rPr lang="en-US" altLang="zh-CN" sz="7200" dirty="0" smtClean="0"/>
+              <a:t>3</a:t>
+            </a:r>
+            <a:r>
+              <a:rPr lang="zh-CN" altLang="en-US" sz="7200" dirty="0" smtClean="0"/>
+              <a:t>周工作汇报</a:t>
+            </a:r>
+            <a:endParaRPr lang="zh-CN" altLang="en-US" sz="7200" dirty="0"/>
+          </a:p>
+        </p:txBody>
+      </p:sp>
+      <p:sp>
+        <p:nvSpPr>
+          <p:cNvPr id="3" name="副标题 2"/>
+          <p:cNvSpPr>
+            <a:spLocks noGrp="1"/>
+          </p:cNvSpPr>
+          <p:nvPr>
+            <p:ph type="subTitle" idx="1"/>
+          </p:nvPr>
+        </p:nvSpPr>
         <p:spPr/>
         <p:txBody>
           <a:bodyPr/>
           <a:lstStyle/>
           <a:p>
-            <a:endParaRPr lang="zh-CN" altLang="en-US"/>
-          </a:p>
-        </p:txBody>
-      </p:sp>
-      <p:sp>
-        <p:nvSpPr>
-          <p:cNvPr id="3" name="副标题 2"/>
-          <p:cNvSpPr>
-            <a:spLocks noGrp="1"/>
-          </p:cNvSpPr>
-          <p:nvPr>
-            <p:ph type="subTitle" idx="1"/>
-          </p:nvPr>
-        </p:nvSpPr>
-        <p:spPr/>
-        <p:txBody>
-          <a:bodyPr/>
-          <a:lstStyle/>
-          <a:p>
-            <a:endParaRPr lang="zh-CN" altLang="en-US"/>
+            <a:pPr algn="ctr"/>
+            <a:r>
+              <a:rPr lang="zh-CN" altLang="en-US" dirty="0" smtClean="0"/>
+              <a:t>唐天映、彭德利、张恪易、张晨</a:t>
+            </a:r>
+            <a:endParaRPr lang="zh-CN" altLang="en-US" dirty="0"/>
+          </a:p>
+        </p:txBody>
+      </p:sp>
+      <p:sp>
+        <p:nvSpPr>
+          <p:cNvPr id="4" name="文本框 3"/>
+          <p:cNvSpPr txBox="1"/>
+          <p:nvPr/>
+        </p:nvSpPr>
+        <p:spPr>
+          <a:xfrm>
+            <a:off x="1491308" y="3515459"/>
+            <a:ext cx="9275885" cy="584775"/>
+          </a:xfrm>
+          <a:prstGeom prst="rect">
+            <a:avLst/>
+          </a:prstGeom>
+          <a:noFill/>
+        </p:spPr>
+        <p:txBody>
+          <a:bodyPr wrap="square" rtlCol="0">
+            <a:spAutoFit/>
+          </a:bodyPr>
+          <a:lstStyle/>
+          <a:p>
+            <a:pPr algn="ctr"/>
+            <a:r>
+              <a:rPr lang="zh-CN" altLang="en-US" sz="3200" dirty="0" smtClean="0"/>
+              <a:t>计算思维与系统设计</a:t>
+            </a:r>
+            <a:r>
+              <a:rPr lang="en-US" altLang="zh-CN" sz="3200" dirty="0" smtClean="0"/>
+              <a:t>-2017-</a:t>
+            </a:r>
+            <a:r>
+              <a:rPr lang="zh-CN" altLang="en-US" sz="3200" dirty="0" smtClean="0"/>
+              <a:t>秋季课程</a:t>
+            </a:r>
+            <a:endParaRPr lang="zh-CN" altLang="en-US" sz="3200" dirty="0"/>
           </a:p>
         </p:txBody>
       </p:sp>
@@ -3012,13 +3923,245 @@
   <p:clrMapOvr>
     <a:masterClrMapping/>
   </p:clrMapOvr>
+  <p:timing>
+    <p:tnLst>
+      <p:par>
+        <p:cTn id="1" dur="indefinite" restart="never" nodeType="tmRoot"/>
+      </p:par>
+    </p:tnLst>
+  </p:timing>
+</p:sld>
+</file>
+
+<file path=ppt/slides/slide2.xml><?xml version="1.0" encoding="utf-8"?>
+<p:sld xmlns:a="http://schemas.openxmlformats.org/drawingml/2006/main" xmlns:r="http://schemas.openxmlformats.org/officeDocument/2006/relationships" xmlns:p="http://schemas.openxmlformats.org/presentationml/2006/main">
+  <p:cSld>
+    <p:spTree>
+      <p:nvGrpSpPr>
+        <p:cNvPr id="1" name=""/>
+        <p:cNvGrpSpPr/>
+        <p:nvPr/>
+      </p:nvGrpSpPr>
+      <p:grpSpPr>
+        <a:xfrm>
+          <a:off x="0" y="0"/>
+          <a:ext cx="0" cy="0"/>
+          <a:chOff x="0" y="0"/>
+          <a:chExt cx="0" cy="0"/>
+        </a:xfrm>
+      </p:grpSpPr>
+      <p:sp>
+        <p:nvSpPr>
+          <p:cNvPr id="2" name="标题 1"/>
+          <p:cNvSpPr>
+            <a:spLocks noGrp="1"/>
+          </p:cNvSpPr>
+          <p:nvPr>
+            <p:ph type="title"/>
+          </p:nvPr>
+        </p:nvSpPr>
+        <p:spPr/>
+        <p:txBody>
+          <a:bodyPr/>
+          <a:lstStyle/>
+          <a:p>
+            <a:endParaRPr lang="zh-CN" altLang="en-US" dirty="0"/>
+          </a:p>
+        </p:txBody>
+      </p:sp>
+      <p:sp>
+        <p:nvSpPr>
+          <p:cNvPr id="3" name="内容占位符 2"/>
+          <p:cNvSpPr>
+            <a:spLocks noGrp="1"/>
+          </p:cNvSpPr>
+          <p:nvPr>
+            <p:ph idx="1"/>
+          </p:nvPr>
+        </p:nvSpPr>
+        <p:spPr/>
+        <p:txBody>
+          <a:bodyPr/>
+          <a:lstStyle/>
+          <a:p>
+            <a:endParaRPr lang="zh-CN" altLang="en-US"/>
+          </a:p>
+        </p:txBody>
+      </p:sp>
+    </p:spTree>
+    <p:extLst>
+      <p:ext uri="{BB962C8B-B14F-4D97-AF65-F5344CB8AC3E}">
+        <p14:creationId xmlns:p14="http://schemas.microsoft.com/office/powerpoint/2010/main" val="3993164413"/>
+      </p:ext>
+    </p:extLst>
+  </p:cSld>
+  <p:clrMapOvr>
+    <a:masterClrMapping/>
+  </p:clrMapOvr>
+  <p:timing>
+    <p:tnLst>
+      <p:par>
+        <p:cTn id="1" dur="indefinite" restart="never" nodeType="tmRoot"/>
+      </p:par>
+    </p:tnLst>
+  </p:timing>
+</p:sld>
+</file>
+
+<file path=ppt/slides/slide3.xml><?xml version="1.0" encoding="utf-8"?>
+<p:sld xmlns:a="http://schemas.openxmlformats.org/drawingml/2006/main" xmlns:r="http://schemas.openxmlformats.org/officeDocument/2006/relationships" xmlns:p="http://schemas.openxmlformats.org/presentationml/2006/main">
+  <p:cSld>
+    <p:spTree>
+      <p:nvGrpSpPr>
+        <p:cNvPr id="1" name=""/>
+        <p:cNvGrpSpPr/>
+        <p:nvPr/>
+      </p:nvGrpSpPr>
+      <p:grpSpPr>
+        <a:xfrm>
+          <a:off x="0" y="0"/>
+          <a:ext cx="0" cy="0"/>
+          <a:chOff x="0" y="0"/>
+          <a:chExt cx="0" cy="0"/>
+        </a:xfrm>
+      </p:grpSpPr>
+      <p:sp>
+        <p:nvSpPr>
+          <p:cNvPr id="2" name="标题 1"/>
+          <p:cNvSpPr>
+            <a:spLocks noGrp="1"/>
+          </p:cNvSpPr>
+          <p:nvPr>
+            <p:ph type="title"/>
+          </p:nvPr>
+        </p:nvSpPr>
+        <p:spPr/>
+        <p:txBody>
+          <a:bodyPr/>
+          <a:lstStyle/>
+          <a:p>
+            <a:endParaRPr lang="zh-CN" altLang="en-US"/>
+          </a:p>
+        </p:txBody>
+      </p:sp>
+      <p:sp>
+        <p:nvSpPr>
+          <p:cNvPr id="3" name="内容占位符 2"/>
+          <p:cNvSpPr>
+            <a:spLocks noGrp="1"/>
+          </p:cNvSpPr>
+          <p:nvPr>
+            <p:ph idx="1"/>
+          </p:nvPr>
+        </p:nvSpPr>
+        <p:spPr/>
+        <p:txBody>
+          <a:bodyPr/>
+          <a:lstStyle/>
+          <a:p>
+            <a:endParaRPr lang="zh-CN" altLang="en-US"/>
+          </a:p>
+        </p:txBody>
+      </p:sp>
+    </p:spTree>
+    <p:extLst>
+      <p:ext uri="{BB962C8B-B14F-4D97-AF65-F5344CB8AC3E}">
+        <p14:creationId xmlns:p14="http://schemas.microsoft.com/office/powerpoint/2010/main" val="3175980725"/>
+      </p:ext>
+    </p:extLst>
+  </p:cSld>
+  <p:clrMapOvr>
+    <a:masterClrMapping/>
+  </p:clrMapOvr>
+  <p:timing>
+    <p:tnLst>
+      <p:par>
+        <p:cTn id="1" dur="indefinite" restart="never" nodeType="tmRoot"/>
+      </p:par>
+    </p:tnLst>
+  </p:timing>
+</p:sld>
+</file>
+
+<file path=ppt/slides/slide4.xml><?xml version="1.0" encoding="utf-8"?>
+<p:sld xmlns:a="http://schemas.openxmlformats.org/drawingml/2006/main" xmlns:r="http://schemas.openxmlformats.org/officeDocument/2006/relationships" xmlns:p="http://schemas.openxmlformats.org/presentationml/2006/main">
+  <p:cSld>
+    <p:spTree>
+      <p:nvGrpSpPr>
+        <p:cNvPr id="1" name=""/>
+        <p:cNvGrpSpPr/>
+        <p:nvPr/>
+      </p:nvGrpSpPr>
+      <p:grpSpPr>
+        <a:xfrm>
+          <a:off x="0" y="0"/>
+          <a:ext cx="0" cy="0"/>
+          <a:chOff x="0" y="0"/>
+          <a:chExt cx="0" cy="0"/>
+        </a:xfrm>
+      </p:grpSpPr>
+      <p:sp>
+        <p:nvSpPr>
+          <p:cNvPr id="2" name="标题 1"/>
+          <p:cNvSpPr>
+            <a:spLocks noGrp="1"/>
+          </p:cNvSpPr>
+          <p:nvPr>
+            <p:ph type="title"/>
+          </p:nvPr>
+        </p:nvSpPr>
+        <p:spPr/>
+        <p:txBody>
+          <a:bodyPr/>
+          <a:lstStyle/>
+          <a:p>
+            <a:endParaRPr lang="zh-CN" altLang="en-US"/>
+          </a:p>
+        </p:txBody>
+      </p:sp>
+      <p:sp>
+        <p:nvSpPr>
+          <p:cNvPr id="3" name="内容占位符 2"/>
+          <p:cNvSpPr>
+            <a:spLocks noGrp="1"/>
+          </p:cNvSpPr>
+          <p:nvPr>
+            <p:ph idx="1"/>
+          </p:nvPr>
+        </p:nvSpPr>
+        <p:spPr/>
+        <p:txBody>
+          <a:bodyPr/>
+          <a:lstStyle/>
+          <a:p>
+            <a:endParaRPr lang="zh-CN" altLang="en-US"/>
+          </a:p>
+        </p:txBody>
+      </p:sp>
+    </p:spTree>
+    <p:extLst>
+      <p:ext uri="{BB962C8B-B14F-4D97-AF65-F5344CB8AC3E}">
+        <p14:creationId xmlns:p14="http://schemas.microsoft.com/office/powerpoint/2010/main" val="2734355751"/>
+      </p:ext>
+    </p:extLst>
+  </p:cSld>
+  <p:clrMapOvr>
+    <a:masterClrMapping/>
+  </p:clrMapOvr>
+  <p:timing>
+    <p:tnLst>
+      <p:par>
+        <p:cTn id="1" dur="indefinite" restart="never" nodeType="tmRoot"/>
+      </p:par>
+    </p:tnLst>
+  </p:timing>
 </p:sld>
 </file>
 
 <file path=ppt/theme/theme1.xml><?xml version="1.0" encoding="utf-8"?>
-<a:theme xmlns:a="http://schemas.openxmlformats.org/drawingml/2006/main" name="Office 主题​​">
+<a:theme xmlns:a="http://schemas.openxmlformats.org/drawingml/2006/main" name="回顾">
   <a:themeElements>
-    <a:clrScheme name="Office">
+    <a:clrScheme name="回顾">
       <a:dk1>
         <a:sysClr val="windowText" lastClr="000000"/>
       </a:dk1>
@@ -3026,44 +4169,44 @@
         <a:sysClr val="window" lastClr="FFFFFF"/>
       </a:lt1>
       <a:dk2>
-        <a:srgbClr val="44546A"/>
+        <a:srgbClr val="344068"/>
       </a:dk2>
       <a:lt2>
-        <a:srgbClr val="E7E6E6"/>
+        <a:srgbClr val="D9E0E6"/>
       </a:lt2>
       <a:accent1>
-        <a:srgbClr val="5B9BD5"/>
+        <a:srgbClr val="1CADE4"/>
       </a:accent1>
       <a:accent2>
-        <a:srgbClr val="ED7D31"/>
+        <a:srgbClr val="2683C6"/>
       </a:accent2>
       <a:accent3>
-        <a:srgbClr val="A5A5A5"/>
+        <a:srgbClr val="28C4CC"/>
       </a:accent3>
       <a:accent4>
-        <a:srgbClr val="FFC000"/>
+        <a:srgbClr val="42BA97"/>
       </a:accent4>
       <a:accent5>
-        <a:srgbClr val="4472C4"/>
+        <a:srgbClr val="3E8853"/>
       </a:accent5>
       <a:accent6>
-        <a:srgbClr val="70AD47"/>
+        <a:srgbClr val="62A39F"/>
       </a:accent6>
       <a:hlink>
-        <a:srgbClr val="0563C1"/>
+        <a:srgbClr val="6EAC1C"/>
       </a:hlink>
       <a:folHlink>
-        <a:srgbClr val="954F72"/>
+        <a:srgbClr val="B26B02"/>
       </a:folHlink>
     </a:clrScheme>
-    <a:fontScheme name="Office">
+    <a:fontScheme name="回顾">
       <a:majorFont>
-        <a:latin typeface="等线 Light" panose="020F0302020204030204"/>
+        <a:latin typeface="Calibri Light" panose="020F0302020204030204"/>
         <a:ea typeface=""/>
         <a:cs typeface=""/>
-        <a:font script="Jpan" typeface="游ゴシック Light"/>
+        <a:font script="Jpan" typeface="ＭＳ Ｐゴシック"/>
         <a:font script="Hang" typeface="맑은 고딕"/>
-        <a:font script="Hans" typeface="等线 Light"/>
+        <a:font script="Hans" typeface="宋体"/>
         <a:font script="Hant" typeface="新細明體"/>
         <a:font script="Arab" typeface="Times New Roman"/>
         <a:font script="Hebr" typeface="Times New Roman"/>
@@ -3093,12 +4236,12 @@
         <a:font script="Geor" typeface="Sylfaen"/>
       </a:majorFont>
       <a:minorFont>
-        <a:latin typeface="等线" panose="020F0502020204030204"/>
+        <a:latin typeface="Calibri" panose="020F0502020204030204"/>
         <a:ea typeface=""/>
         <a:cs typeface=""/>
-        <a:font script="Jpan" typeface="游ゴシック"/>
+        <a:font script="Jpan" typeface="ＭＳ Ｐゴシック"/>
         <a:font script="Hang" typeface="맑은 고딕"/>
-        <a:font script="Hans" typeface="等线"/>
+        <a:font script="Hans" typeface="宋体"/>
         <a:font script="Hant" typeface="新細明體"/>
         <a:font script="Arab" typeface="Arial"/>
         <a:font script="Hebr" typeface="Arial"/>
@@ -3128,7 +4271,7 @@
         <a:font script="Geor" typeface="Sylfaen"/>
       </a:minorFont>
     </a:fontScheme>
-    <a:fmtScheme name="Office">
+    <a:fmtScheme name="回顾">
       <a:fillStyleLst>
         <a:solidFill>
           <a:schemeClr val="phClr"/>
@@ -3137,76 +4280,81 @@
           <a:gsLst>
             <a:gs pos="0">
               <a:schemeClr val="phClr">
-                <a:lumMod val="110000"/>
-                <a:satMod val="105000"/>
-                <a:tint val="67000"/>
+                <a:tint val="65000"/>
+                <a:shade val="92000"/>
+                <a:satMod val="130000"/>
               </a:schemeClr>
             </a:gs>
-            <a:gs pos="50000">
+            <a:gs pos="45000">
               <a:schemeClr val="phClr">
-                <a:lumMod val="105000"/>
-                <a:satMod val="103000"/>
-                <a:tint val="73000"/>
+                <a:tint val="60000"/>
+                <a:shade val="99000"/>
+                <a:satMod val="120000"/>
               </a:schemeClr>
             </a:gs>
             <a:gs pos="100000">
               <a:schemeClr val="phClr">
-                <a:lumMod val="105000"/>
-                <a:satMod val="109000"/>
-                <a:tint val="81000"/>
+                <a:tint val="55000"/>
+                <a:satMod val="140000"/>
               </a:schemeClr>
             </a:gs>
           </a:gsLst>
-          <a:lin ang="5400000" scaled="0"/>
+          <a:path path="circle">
+            <a:fillToRect l="100000" t="100000" r="100000" b="100000"/>
+          </a:path>
         </a:gradFill>
         <a:gradFill rotWithShape="1">
           <a:gsLst>
             <a:gs pos="0">
               <a:schemeClr val="phClr">
-                <a:satMod val="103000"/>
-                <a:lumMod val="102000"/>
-                <a:tint val="94000"/>
+                <a:shade val="85000"/>
+                <a:satMod val="130000"/>
               </a:schemeClr>
             </a:gs>
-            <a:gs pos="50000">
+            <a:gs pos="34000">
               <a:schemeClr val="phClr">
-                <a:satMod val="110000"/>
-                <a:lumMod val="100000"/>
-                <a:shade val="100000"/>
+                <a:shade val="87000"/>
+                <a:satMod val="125000"/>
+              </a:schemeClr>
+            </a:gs>
+            <a:gs pos="70000">
+              <a:schemeClr val="phClr">
+                <a:tint val="100000"/>
+                <a:shade val="90000"/>
+                <a:satMod val="130000"/>
               </a:schemeClr>
             </a:gs>
             <a:gs pos="100000">
               <a:schemeClr val="phClr">
-                <a:lumMod val="99000"/>
-                <a:satMod val="120000"/>
-                <a:shade val="78000"/>
+                <a:tint val="100000"/>
+                <a:shade val="100000"/>
+                <a:satMod val="110000"/>
               </a:schemeClr>
             </a:gs>
           </a:gsLst>
-          <a:lin ang="5400000" scaled="0"/>
+          <a:path path="circle">
+            <a:fillToRect l="100000" t="100000" r="100000" b="100000"/>
+          </a:path>
         </a:gradFill>
       </a:fillStyleLst>
       <a:lnStyleLst>
-        <a:ln w="6350" cap="flat" cmpd="sng" algn="ctr">
-          <a:solidFill>
-            <a:schemeClr val="phClr"/>
-          </a:solidFill>
-          <a:prstDash val="solid"/>
-          <a:miter lim="800000"/>
-        </a:ln>
         <a:ln w="12700" cap="flat" cmpd="sng" algn="ctr">
           <a:solidFill>
             <a:schemeClr val="phClr"/>
           </a:solidFill>
           <a:prstDash val="solid"/>
-          <a:miter lim="800000"/>
         </a:ln>
-        <a:ln w="19050" cap="flat" cmpd="sng" algn="ctr">
+        <a:ln w="15875" cap="flat" cmpd="sng" algn="ctr">
           <a:solidFill>
             <a:schemeClr val="phClr"/>
           </a:solidFill>
           <a:prstDash val="solid"/>
-          <a:miter lim="800000"/>
+        </a:ln>
+        <a:ln w="25400" cap="flat" cmpd="sng" algn="ctr">
+          <a:solidFill>
+            <a:schemeClr val="phClr"/>
+          </a:solidFill>
+          <a:prstDash val="solid"/>
         </a:ln>
       </a:lnStyleLst>
       <a:effectStyleLst>
@@ -3214,16 +4362,33 @@
           <a:effectLst/>
         </a:effectStyle>
         <a:effectStyle>
-          <a:effectLst/>
+          <a:effectLst>
+            <a:outerShdw blurRad="38100" dist="25400" dir="2700000" algn="br" rotWithShape="0">
+              <a:srgbClr val="000000">
+                <a:alpha val="60000"/>
+              </a:srgbClr>
+            </a:outerShdw>
+          </a:effectLst>
         </a:effectStyle>
         <a:effectStyle>
           <a:effectLst>
-            <a:outerShdw blurRad="57150" dist="19050" dir="5400000" algn="ctr" rotWithShape="0">
+            <a:outerShdw blurRad="44450" dist="25400" dir="2700000" algn="br" rotWithShape="0">
               <a:srgbClr val="000000">
-                <a:alpha val="63000"/>
+                <a:alpha val="60000"/>
               </a:srgbClr>
             </a:outerShdw>
           </a:effectLst>
+          <a:scene3d>
+            <a:camera prst="orthographicFront">
+              <a:rot lat="0" lon="0" rev="0"/>
+            </a:camera>
+            <a:lightRig rig="threePt" dir="t">
+              <a:rot lat="0" lon="0" rev="19800000"/>
+            </a:lightRig>
+          </a:scene3d>
+          <a:sp3d prstMaterial="flat">
+            <a:bevelT w="25400" h="31750"/>
+          </a:sp3d>
         </a:effectStyle>
       </a:effectStyleLst>
       <a:bgFillStyleLst>
@@ -3232,36 +4397,36 @@
         </a:solidFill>
         <a:solidFill>
           <a:schemeClr val="phClr">
-            <a:tint val="95000"/>
-            <a:satMod val="170000"/>
+            <a:tint val="90000"/>
+            <a:shade val="97000"/>
+            <a:satMod val="130000"/>
           </a:schemeClr>
         </a:solidFill>
         <a:gradFill rotWithShape="1">
           <a:gsLst>
             <a:gs pos="0">
               <a:schemeClr val="phClr">
-                <a:tint val="93000"/>
-                <a:satMod val="150000"/>
-                <a:shade val="98000"/>
-                <a:lumMod val="102000"/>
+                <a:tint val="96000"/>
+                <a:shade val="99000"/>
+                <a:satMod val="140000"/>
               </a:schemeClr>
             </a:gs>
-            <a:gs pos="50000">
+            <a:gs pos="65000">
               <a:schemeClr val="phClr">
-                <a:tint val="98000"/>
+                <a:tint val="100000"/>
+                <a:shade val="80000"/>
                 <a:satMod val="130000"/>
-                <a:shade val="90000"/>
-                <a:lumMod val="103000"/>
               </a:schemeClr>
             </a:gs>
             <a:gs pos="100000">
               <a:schemeClr val="phClr">
-                <a:shade val="63000"/>
+                <a:tint val="100000"/>
+                <a:shade val="48000"/>
                 <a:satMod val="120000"/>
               </a:schemeClr>
             </a:gs>
           </a:gsLst>
-          <a:lin ang="5400000" scaled="0"/>
+          <a:lin ang="16200000" scaled="0"/>
         </a:gradFill>
       </a:bgFillStyleLst>
     </a:fmtScheme>
@@ -3270,7 +4435,7 @@
   <a:extraClrSchemeLst/>
   <a:extLst>
     <a:ext uri="{05A4C25C-085E-4340-85A3-A5531E510DB2}">
-      <thm15:themeFamily xmlns:thm15="http://schemas.microsoft.com/office/thememl/2012/main" name="Office Theme" id="{62F939B6-93AF-4DB8-9C6B-D6C7DFDC589F}" vid="{4A3C46E8-61CC-4603-A589-7422A47A8E4A}"/>
+      <thm15:themeFamily xmlns:thm15="http://schemas.microsoft.com/office/thememl/2012/main" name="Retrospect" id="{5F128B03-DCCA-4EEB-AB3B-CF2899314A46}" vid="{9CC26709-368C-4D72-9060-94E5B3FF3CD6}"/>
     </a:ext>
   </a:extLst>
 </a:theme>

--- a/weekly_report/group3/week3.pptx
+++ b/weekly_report/group3/week3.pptx
@@ -113,6 +113,4860 @@
     </p:ext>
   </p:extLst>
 </p:presentation>
+</file>
+
+<file path=ppt/diagrams/colors1.xml><?xml version="1.0" encoding="utf-8"?>
+<dgm:colorsDef xmlns:dgm="http://schemas.openxmlformats.org/drawingml/2006/diagram" xmlns:a="http://schemas.openxmlformats.org/drawingml/2006/main" uniqueId="urn:microsoft.com/office/officeart/2005/8/colors/accent1_2">
+  <dgm:title val=""/>
+  <dgm:desc val=""/>
+  <dgm:catLst>
+    <dgm:cat type="accent1" pri="11200"/>
+  </dgm:catLst>
+  <dgm:styleLbl name="node0">
+    <dgm:fillClrLst meth="repeat">
+      <a:schemeClr val="accent1"/>
+    </dgm:fillClrLst>
+    <dgm:linClrLst meth="repeat">
+      <a:schemeClr val="lt1"/>
+    </dgm:linClrLst>
+    <dgm:effectClrLst/>
+    <dgm:txLinClrLst/>
+    <dgm:txFillClrLst/>
+    <dgm:txEffectClrLst/>
+  </dgm:styleLbl>
+  <dgm:styleLbl name="alignNode1">
+    <dgm:fillClrLst meth="repeat">
+      <a:schemeClr val="accent1"/>
+    </dgm:fillClrLst>
+    <dgm:linClrLst meth="repeat">
+      <a:schemeClr val="accent1"/>
+    </dgm:linClrLst>
+    <dgm:effectClrLst/>
+    <dgm:txLinClrLst/>
+    <dgm:txFillClrLst/>
+    <dgm:txEffectClrLst/>
+  </dgm:styleLbl>
+  <dgm:styleLbl name="node1">
+    <dgm:fillClrLst meth="repeat">
+      <a:schemeClr val="accent1"/>
+    </dgm:fillClrLst>
+    <dgm:linClrLst meth="repeat">
+      <a:schemeClr val="lt1"/>
+    </dgm:linClrLst>
+    <dgm:effectClrLst/>
+    <dgm:txLinClrLst/>
+    <dgm:txFillClrLst/>
+    <dgm:txEffectClrLst/>
+  </dgm:styleLbl>
+  <dgm:styleLbl name="lnNode1">
+    <dgm:fillClrLst meth="repeat">
+      <a:schemeClr val="accent1"/>
+    </dgm:fillClrLst>
+    <dgm:linClrLst meth="repeat">
+      <a:schemeClr val="lt1"/>
+    </dgm:linClrLst>
+    <dgm:effectClrLst/>
+    <dgm:txLinClrLst/>
+    <dgm:txFillClrLst/>
+    <dgm:txEffectClrLst/>
+  </dgm:styleLbl>
+  <dgm:styleLbl name="vennNode1">
+    <dgm:fillClrLst meth="repeat">
+      <a:schemeClr val="accent1">
+        <a:alpha val="50000"/>
+      </a:schemeClr>
+    </dgm:fillClrLst>
+    <dgm:linClrLst meth="repeat">
+      <a:schemeClr val="lt1"/>
+    </dgm:linClrLst>
+    <dgm:effectClrLst/>
+    <dgm:txLinClrLst/>
+    <dgm:txFillClrLst/>
+    <dgm:txEffectClrLst/>
+  </dgm:styleLbl>
+  <dgm:styleLbl name="node2">
+    <dgm:fillClrLst meth="repeat">
+      <a:schemeClr val="accent1"/>
+    </dgm:fillClrLst>
+    <dgm:linClrLst meth="repeat">
+      <a:schemeClr val="lt1"/>
+    </dgm:linClrLst>
+    <dgm:effectClrLst/>
+    <dgm:txLinClrLst/>
+    <dgm:txFillClrLst/>
+    <dgm:txEffectClrLst/>
+  </dgm:styleLbl>
+  <dgm:styleLbl name="node3">
+    <dgm:fillClrLst meth="repeat">
+      <a:schemeClr val="accent1"/>
+    </dgm:fillClrLst>
+    <dgm:linClrLst meth="repeat">
+      <a:schemeClr val="lt1"/>
+    </dgm:linClrLst>
+    <dgm:effectClrLst/>
+    <dgm:txLinClrLst/>
+    <dgm:txFillClrLst/>
+    <dgm:txEffectClrLst/>
+  </dgm:styleLbl>
+  <dgm:styleLbl name="node4">
+    <dgm:fillClrLst meth="repeat">
+      <a:schemeClr val="accent1"/>
+    </dgm:fillClrLst>
+    <dgm:linClrLst meth="repeat">
+      <a:schemeClr val="lt1"/>
+    </dgm:linClrLst>
+    <dgm:effectClrLst/>
+    <dgm:txLinClrLst/>
+    <dgm:txFillClrLst/>
+    <dgm:txEffectClrLst/>
+  </dgm:styleLbl>
+  <dgm:styleLbl name="fgImgPlace1">
+    <dgm:fillClrLst meth="repeat">
+      <a:schemeClr val="accent1">
+        <a:tint val="50000"/>
+      </a:schemeClr>
+    </dgm:fillClrLst>
+    <dgm:linClrLst meth="repeat">
+      <a:schemeClr val="lt1"/>
+    </dgm:linClrLst>
+    <dgm:effectClrLst/>
+    <dgm:txLinClrLst/>
+    <dgm:txFillClrLst meth="repeat">
+      <a:schemeClr val="lt1"/>
+    </dgm:txFillClrLst>
+    <dgm:txEffectClrLst/>
+  </dgm:styleLbl>
+  <dgm:styleLbl name="alignImgPlace1">
+    <dgm:fillClrLst meth="repeat">
+      <a:schemeClr val="accent1">
+        <a:tint val="50000"/>
+      </a:schemeClr>
+    </dgm:fillClrLst>
+    <dgm:linClrLst meth="repeat">
+      <a:schemeClr val="lt1"/>
+    </dgm:linClrLst>
+    <dgm:effectClrLst/>
+    <dgm:txLinClrLst/>
+    <dgm:txFillClrLst meth="repeat">
+      <a:schemeClr val="lt1"/>
+    </dgm:txFillClrLst>
+    <dgm:txEffectClrLst/>
+  </dgm:styleLbl>
+  <dgm:styleLbl name="bgImgPlace1">
+    <dgm:fillClrLst meth="repeat">
+      <a:schemeClr val="accent1">
+        <a:tint val="50000"/>
+      </a:schemeClr>
+    </dgm:fillClrLst>
+    <dgm:linClrLst meth="repeat">
+      <a:schemeClr val="lt1"/>
+    </dgm:linClrLst>
+    <dgm:effectClrLst/>
+    <dgm:txLinClrLst/>
+    <dgm:txFillClrLst meth="repeat">
+      <a:schemeClr val="lt1"/>
+    </dgm:txFillClrLst>
+    <dgm:txEffectClrLst/>
+  </dgm:styleLbl>
+  <dgm:styleLbl name="sibTrans2D1">
+    <dgm:fillClrLst meth="repeat">
+      <a:schemeClr val="accent1">
+        <a:tint val="60000"/>
+      </a:schemeClr>
+    </dgm:fillClrLst>
+    <dgm:linClrLst meth="repeat">
+      <a:schemeClr val="accent1">
+        <a:tint val="60000"/>
+      </a:schemeClr>
+    </dgm:linClrLst>
+    <dgm:effectClrLst/>
+    <dgm:txLinClrLst/>
+    <dgm:txFillClrLst/>
+    <dgm:txEffectClrLst/>
+  </dgm:styleLbl>
+  <dgm:styleLbl name="fgSibTrans2D1">
+    <dgm:fillClrLst meth="repeat">
+      <a:schemeClr val="accent1">
+        <a:tint val="60000"/>
+      </a:schemeClr>
+    </dgm:fillClrLst>
+    <dgm:linClrLst meth="repeat">
+      <a:schemeClr val="accent1">
+        <a:tint val="60000"/>
+      </a:schemeClr>
+    </dgm:linClrLst>
+    <dgm:effectClrLst/>
+    <dgm:txLinClrLst/>
+    <dgm:txFillClrLst/>
+    <dgm:txEffectClrLst/>
+  </dgm:styleLbl>
+  <dgm:styleLbl name="bgSibTrans2D1">
+    <dgm:fillClrLst meth="repeat">
+      <a:schemeClr val="accent1">
+        <a:tint val="60000"/>
+      </a:schemeClr>
+    </dgm:fillClrLst>
+    <dgm:linClrLst meth="repeat">
+      <a:schemeClr val="accent1">
+        <a:tint val="60000"/>
+      </a:schemeClr>
+    </dgm:linClrLst>
+    <dgm:effectClrLst/>
+    <dgm:txLinClrLst/>
+    <dgm:txFillClrLst/>
+    <dgm:txEffectClrLst/>
+  </dgm:styleLbl>
+  <dgm:styleLbl name="sibTrans1D1">
+    <dgm:fillClrLst meth="repeat">
+      <a:schemeClr val="accent1"/>
+    </dgm:fillClrLst>
+    <dgm:linClrLst meth="repeat">
+      <a:schemeClr val="accent1"/>
+    </dgm:linClrLst>
+    <dgm:effectClrLst/>
+    <dgm:txLinClrLst/>
+    <dgm:txFillClrLst meth="repeat">
+      <a:schemeClr val="tx1"/>
+    </dgm:txFillClrLst>
+    <dgm:txEffectClrLst/>
+  </dgm:styleLbl>
+  <dgm:styleLbl name="callout">
+    <dgm:fillClrLst meth="repeat">
+      <a:schemeClr val="accent1"/>
+    </dgm:fillClrLst>
+    <dgm:linClrLst meth="repeat">
+      <a:schemeClr val="accent1">
+        <a:tint val="50000"/>
+      </a:schemeClr>
+    </dgm:linClrLst>
+    <dgm:effectClrLst/>
+    <dgm:txLinClrLst/>
+    <dgm:txFillClrLst meth="repeat">
+      <a:schemeClr val="tx1"/>
+    </dgm:txFillClrLst>
+    <dgm:txEffectClrLst/>
+  </dgm:styleLbl>
+  <dgm:styleLbl name="asst0">
+    <dgm:fillClrLst meth="repeat">
+      <a:schemeClr val="accent1"/>
+    </dgm:fillClrLst>
+    <dgm:linClrLst meth="repeat">
+      <a:schemeClr val="lt1"/>
+    </dgm:linClrLst>
+    <dgm:effectClrLst/>
+    <dgm:txLinClrLst/>
+    <dgm:txFillClrLst/>
+    <dgm:txEffectClrLst/>
+  </dgm:styleLbl>
+  <dgm:styleLbl name="asst1">
+    <dgm:fillClrLst meth="repeat">
+      <a:schemeClr val="accent1"/>
+    </dgm:fillClrLst>
+    <dgm:linClrLst meth="repeat">
+      <a:schemeClr val="lt1"/>
+    </dgm:linClrLst>
+    <dgm:effectClrLst/>
+    <dgm:txLinClrLst/>
+    <dgm:txFillClrLst/>
+    <dgm:txEffectClrLst/>
+  </dgm:styleLbl>
+  <dgm:styleLbl name="asst2">
+    <dgm:fillClrLst meth="repeat">
+      <a:schemeClr val="accent1"/>
+    </dgm:fillClrLst>
+    <dgm:linClrLst meth="repeat">
+      <a:schemeClr val="lt1"/>
+    </dgm:linClrLst>
+    <dgm:effectClrLst/>
+    <dgm:txLinClrLst/>
+    <dgm:txFillClrLst/>
+    <dgm:txEffectClrLst/>
+  </dgm:styleLbl>
+  <dgm:styleLbl name="asst3">
+    <dgm:fillClrLst meth="repeat">
+      <a:schemeClr val="accent1"/>
+    </dgm:fillClrLst>
+    <dgm:linClrLst meth="repeat">
+      <a:schemeClr val="lt1"/>
+    </dgm:linClrLst>
+    <dgm:effectClrLst/>
+    <dgm:txLinClrLst/>
+    <dgm:txFillClrLst/>
+    <dgm:txEffectClrLst/>
+  </dgm:styleLbl>
+  <dgm:styleLbl name="asst4">
+    <dgm:fillClrLst meth="repeat">
+      <a:schemeClr val="accent1"/>
+    </dgm:fillClrLst>
+    <dgm:linClrLst meth="repeat">
+      <a:schemeClr val="lt1"/>
+    </dgm:linClrLst>
+    <dgm:effectClrLst/>
+    <dgm:txLinClrLst/>
+    <dgm:txFillClrLst/>
+    <dgm:txEffectClrLst/>
+  </dgm:styleLbl>
+  <dgm:styleLbl name="parChTrans2D1">
+    <dgm:fillClrLst meth="repeat">
+      <a:schemeClr val="accent1">
+        <a:tint val="60000"/>
+      </a:schemeClr>
+    </dgm:fillClrLst>
+    <dgm:linClrLst meth="repeat">
+      <a:schemeClr val="accent1">
+        <a:tint val="60000"/>
+      </a:schemeClr>
+    </dgm:linClrLst>
+    <dgm:effectClrLst/>
+    <dgm:txLinClrLst/>
+    <dgm:txFillClrLst meth="repeat">
+      <a:schemeClr val="lt1"/>
+    </dgm:txFillClrLst>
+    <dgm:txEffectClrLst/>
+  </dgm:styleLbl>
+  <dgm:styleLbl name="parChTrans2D2">
+    <dgm:fillClrLst meth="repeat">
+      <a:schemeClr val="accent1"/>
+    </dgm:fillClrLst>
+    <dgm:linClrLst meth="repeat">
+      <a:schemeClr val="accent1"/>
+    </dgm:linClrLst>
+    <dgm:effectClrLst/>
+    <dgm:txLinClrLst/>
+    <dgm:txFillClrLst meth="repeat">
+      <a:schemeClr val="lt1"/>
+    </dgm:txFillClrLst>
+    <dgm:txEffectClrLst/>
+  </dgm:styleLbl>
+  <dgm:styleLbl name="parChTrans2D3">
+    <dgm:fillClrLst meth="repeat">
+      <a:schemeClr val="accent1"/>
+    </dgm:fillClrLst>
+    <dgm:linClrLst meth="repeat">
+      <a:schemeClr val="accent1"/>
+    </dgm:linClrLst>
+    <dgm:effectClrLst/>
+    <dgm:txLinClrLst/>
+    <dgm:txFillClrLst meth="repeat">
+      <a:schemeClr val="lt1"/>
+    </dgm:txFillClrLst>
+    <dgm:txEffectClrLst/>
+  </dgm:styleLbl>
+  <dgm:styleLbl name="parChTrans2D4">
+    <dgm:fillClrLst meth="repeat">
+      <a:schemeClr val="accent1"/>
+    </dgm:fillClrLst>
+    <dgm:linClrLst meth="repeat">
+      <a:schemeClr val="accent1"/>
+    </dgm:linClrLst>
+    <dgm:effectClrLst/>
+    <dgm:txLinClrLst/>
+    <dgm:txFillClrLst meth="repeat">
+      <a:schemeClr val="lt1"/>
+    </dgm:txFillClrLst>
+    <dgm:txEffectClrLst/>
+  </dgm:styleLbl>
+  <dgm:styleLbl name="parChTrans1D1">
+    <dgm:fillClrLst meth="repeat">
+      <a:schemeClr val="accent1"/>
+    </dgm:fillClrLst>
+    <dgm:linClrLst meth="repeat">
+      <a:schemeClr val="accent1">
+        <a:shade val="60000"/>
+      </a:schemeClr>
+    </dgm:linClrLst>
+    <dgm:effectClrLst/>
+    <dgm:txLinClrLst/>
+    <dgm:txFillClrLst meth="repeat">
+      <a:schemeClr val="tx1"/>
+    </dgm:txFillClrLst>
+    <dgm:txEffectClrLst/>
+  </dgm:styleLbl>
+  <dgm:styleLbl name="parChTrans1D2">
+    <dgm:fillClrLst meth="repeat">
+      <a:schemeClr val="accent1"/>
+    </dgm:fillClrLst>
+    <dgm:linClrLst meth="repeat">
+      <a:schemeClr val="accent1">
+        <a:shade val="60000"/>
+      </a:schemeClr>
+    </dgm:linClrLst>
+    <dgm:effectClrLst/>
+    <dgm:txLinClrLst/>
+    <dgm:txFillClrLst meth="repeat">
+      <a:schemeClr val="tx1"/>
+    </dgm:txFillClrLst>
+    <dgm:txEffectClrLst/>
+  </dgm:styleLbl>
+  <dgm:styleLbl name="parChTrans1D3">
+    <dgm:fillClrLst meth="repeat">
+      <a:schemeClr val="accent1"/>
+    </dgm:fillClrLst>
+    <dgm:linClrLst meth="repeat">
+      <a:schemeClr val="accent1">
+        <a:shade val="80000"/>
+      </a:schemeClr>
+    </dgm:linClrLst>
+    <dgm:effectClrLst/>
+    <dgm:txLinClrLst/>
+    <dgm:txFillClrLst meth="repeat">
+      <a:schemeClr val="tx1"/>
+    </dgm:txFillClrLst>
+    <dgm:txEffectClrLst/>
+  </dgm:styleLbl>
+  <dgm:styleLbl name="parChTrans1D4">
+    <dgm:fillClrLst meth="repeat">
+      <a:schemeClr val="accent1"/>
+    </dgm:fillClrLst>
+    <dgm:linClrLst meth="repeat">
+      <a:schemeClr val="accent1">
+        <a:shade val="80000"/>
+      </a:schemeClr>
+    </dgm:linClrLst>
+    <dgm:effectClrLst/>
+    <dgm:txLinClrLst/>
+    <dgm:txFillClrLst meth="repeat">
+      <a:schemeClr val="tx1"/>
+    </dgm:txFillClrLst>
+    <dgm:txEffectClrLst/>
+  </dgm:styleLbl>
+  <dgm:styleLbl name="fgAcc1">
+    <dgm:fillClrLst meth="repeat">
+      <a:schemeClr val="lt1">
+        <a:alpha val="90000"/>
+      </a:schemeClr>
+    </dgm:fillClrLst>
+    <dgm:linClrLst meth="repeat">
+      <a:schemeClr val="accent1"/>
+    </dgm:linClrLst>
+    <dgm:effectClrLst/>
+    <dgm:txLinClrLst/>
+    <dgm:txFillClrLst meth="repeat">
+      <a:schemeClr val="dk1"/>
+    </dgm:txFillClrLst>
+    <dgm:txEffectClrLst/>
+  </dgm:styleLbl>
+  <dgm:styleLbl name="conFgAcc1">
+    <dgm:fillClrLst meth="repeat">
+      <a:schemeClr val="lt1">
+        <a:alpha val="90000"/>
+      </a:schemeClr>
+    </dgm:fillClrLst>
+    <dgm:linClrLst meth="repeat">
+      <a:schemeClr val="accent1"/>
+    </dgm:linClrLst>
+    <dgm:effectClrLst/>
+    <dgm:txLinClrLst/>
+    <dgm:txFillClrLst meth="repeat">
+      <a:schemeClr val="dk1"/>
+    </dgm:txFillClrLst>
+    <dgm:txEffectClrLst/>
+  </dgm:styleLbl>
+  <dgm:styleLbl name="alignAcc1">
+    <dgm:fillClrLst meth="repeat">
+      <a:schemeClr val="lt1">
+        <a:alpha val="90000"/>
+      </a:schemeClr>
+    </dgm:fillClrLst>
+    <dgm:linClrLst meth="repeat">
+      <a:schemeClr val="accent1"/>
+    </dgm:linClrLst>
+    <dgm:effectClrLst/>
+    <dgm:txLinClrLst/>
+    <dgm:txFillClrLst meth="repeat">
+      <a:schemeClr val="dk1"/>
+    </dgm:txFillClrLst>
+    <dgm:txEffectClrLst/>
+  </dgm:styleLbl>
+  <dgm:styleLbl name="trAlignAcc1">
+    <dgm:fillClrLst meth="repeat">
+      <a:schemeClr val="lt1">
+        <a:alpha val="40000"/>
+      </a:schemeClr>
+    </dgm:fillClrLst>
+    <dgm:linClrLst meth="repeat">
+      <a:schemeClr val="accent1"/>
+    </dgm:linClrLst>
+    <dgm:effectClrLst/>
+    <dgm:txLinClrLst/>
+    <dgm:txFillClrLst meth="repeat">
+      <a:schemeClr val="dk1"/>
+    </dgm:txFillClrLst>
+    <dgm:txEffectClrLst/>
+  </dgm:styleLbl>
+  <dgm:styleLbl name="bgAcc1">
+    <dgm:fillClrLst meth="repeat">
+      <a:schemeClr val="lt1">
+        <a:alpha val="90000"/>
+      </a:schemeClr>
+    </dgm:fillClrLst>
+    <dgm:linClrLst meth="repeat">
+      <a:schemeClr val="accent1"/>
+    </dgm:linClrLst>
+    <dgm:effectClrLst/>
+    <dgm:txLinClrLst/>
+    <dgm:txFillClrLst meth="repeat">
+      <a:schemeClr val="dk1"/>
+    </dgm:txFillClrLst>
+    <dgm:txEffectClrLst/>
+  </dgm:styleLbl>
+  <dgm:styleLbl name="solidFgAcc1">
+    <dgm:fillClrLst meth="repeat">
+      <a:schemeClr val="lt1"/>
+    </dgm:fillClrLst>
+    <dgm:linClrLst meth="repeat">
+      <a:schemeClr val="accent1"/>
+    </dgm:linClrLst>
+    <dgm:effectClrLst/>
+    <dgm:txLinClrLst/>
+    <dgm:txFillClrLst meth="repeat">
+      <a:schemeClr val="dk1"/>
+    </dgm:txFillClrLst>
+    <dgm:txEffectClrLst/>
+  </dgm:styleLbl>
+  <dgm:styleLbl name="solidAlignAcc1">
+    <dgm:fillClrLst meth="repeat">
+      <a:schemeClr val="lt1"/>
+    </dgm:fillClrLst>
+    <dgm:linClrLst meth="repeat">
+      <a:schemeClr val="accent1"/>
+    </dgm:linClrLst>
+    <dgm:effectClrLst/>
+    <dgm:txLinClrLst/>
+    <dgm:txFillClrLst meth="repeat">
+      <a:schemeClr val="dk1"/>
+    </dgm:txFillClrLst>
+    <dgm:txEffectClrLst/>
+  </dgm:styleLbl>
+  <dgm:styleLbl name="solidBgAcc1">
+    <dgm:fillClrLst meth="repeat">
+      <a:schemeClr val="lt1"/>
+    </dgm:fillClrLst>
+    <dgm:linClrLst meth="repeat">
+      <a:schemeClr val="accent1"/>
+    </dgm:linClrLst>
+    <dgm:effectClrLst/>
+    <dgm:txLinClrLst/>
+    <dgm:txFillClrLst meth="repeat">
+      <a:schemeClr val="dk1"/>
+    </dgm:txFillClrLst>
+    <dgm:txEffectClrLst/>
+  </dgm:styleLbl>
+  <dgm:styleLbl name="fgAccFollowNode1">
+    <dgm:fillClrLst meth="repeat">
+      <a:schemeClr val="accent1">
+        <a:alpha val="90000"/>
+        <a:tint val="40000"/>
+      </a:schemeClr>
+    </dgm:fillClrLst>
+    <dgm:linClrLst meth="repeat">
+      <a:schemeClr val="accent1">
+        <a:alpha val="90000"/>
+        <a:tint val="40000"/>
+      </a:schemeClr>
+    </dgm:linClrLst>
+    <dgm:effectClrLst/>
+    <dgm:txLinClrLst/>
+    <dgm:txFillClrLst meth="repeat">
+      <a:schemeClr val="dk1"/>
+    </dgm:txFillClrLst>
+    <dgm:txEffectClrLst/>
+  </dgm:styleLbl>
+  <dgm:styleLbl name="alignAccFollowNode1">
+    <dgm:fillClrLst meth="repeat">
+      <a:schemeClr val="accent1">
+        <a:alpha val="90000"/>
+        <a:tint val="40000"/>
+      </a:schemeClr>
+    </dgm:fillClrLst>
+    <dgm:linClrLst meth="repeat">
+      <a:schemeClr val="accent1">
+        <a:alpha val="90000"/>
+        <a:tint val="40000"/>
+      </a:schemeClr>
+    </dgm:linClrLst>
+    <dgm:effectClrLst/>
+    <dgm:txLinClrLst/>
+    <dgm:txFillClrLst meth="repeat">
+      <a:schemeClr val="dk1"/>
+    </dgm:txFillClrLst>
+    <dgm:txEffectClrLst/>
+  </dgm:styleLbl>
+  <dgm:styleLbl name="bgAccFollowNode1">
+    <dgm:fillClrLst meth="repeat">
+      <a:schemeClr val="accent1">
+        <a:alpha val="90000"/>
+        <a:tint val="40000"/>
+      </a:schemeClr>
+    </dgm:fillClrLst>
+    <dgm:linClrLst meth="repeat">
+      <a:schemeClr val="accent1">
+        <a:alpha val="90000"/>
+        <a:tint val="40000"/>
+      </a:schemeClr>
+    </dgm:linClrLst>
+    <dgm:effectClrLst/>
+    <dgm:txLinClrLst/>
+    <dgm:txFillClrLst meth="repeat">
+      <a:schemeClr val="dk1"/>
+    </dgm:txFillClrLst>
+    <dgm:txEffectClrLst/>
+  </dgm:styleLbl>
+  <dgm:styleLbl name="fgAcc0">
+    <dgm:fillClrLst meth="repeat">
+      <a:schemeClr val="lt1">
+        <a:alpha val="90000"/>
+      </a:schemeClr>
+    </dgm:fillClrLst>
+    <dgm:linClrLst meth="repeat">
+      <a:schemeClr val="accent1"/>
+    </dgm:linClrLst>
+    <dgm:effectClrLst/>
+    <dgm:txLinClrLst/>
+    <dgm:txFillClrLst meth="repeat">
+      <a:schemeClr val="dk1"/>
+    </dgm:txFillClrLst>
+    <dgm:txEffectClrLst/>
+  </dgm:styleLbl>
+  <dgm:styleLbl name="fgAcc2">
+    <dgm:fillClrLst meth="repeat">
+      <a:schemeClr val="lt1">
+        <a:alpha val="90000"/>
+      </a:schemeClr>
+    </dgm:fillClrLst>
+    <dgm:linClrLst meth="repeat">
+      <a:schemeClr val="accent1"/>
+    </dgm:linClrLst>
+    <dgm:effectClrLst/>
+    <dgm:txLinClrLst/>
+    <dgm:txFillClrLst meth="repeat">
+      <a:schemeClr val="dk1"/>
+    </dgm:txFillClrLst>
+    <dgm:txEffectClrLst/>
+  </dgm:styleLbl>
+  <dgm:styleLbl name="fgAcc3">
+    <dgm:fillClrLst meth="repeat">
+      <a:schemeClr val="lt1">
+        <a:alpha val="90000"/>
+      </a:schemeClr>
+    </dgm:fillClrLst>
+    <dgm:linClrLst meth="repeat">
+      <a:schemeClr val="accent1"/>
+    </dgm:linClrLst>
+    <dgm:effectClrLst/>
+    <dgm:txLinClrLst/>
+    <dgm:txFillClrLst meth="repeat">
+      <a:schemeClr val="dk1"/>
+    </dgm:txFillClrLst>
+    <dgm:txEffectClrLst/>
+  </dgm:styleLbl>
+  <dgm:styleLbl name="fgAcc4">
+    <dgm:fillClrLst meth="repeat">
+      <a:schemeClr val="lt1">
+        <a:alpha val="90000"/>
+      </a:schemeClr>
+    </dgm:fillClrLst>
+    <dgm:linClrLst meth="repeat">
+      <a:schemeClr val="accent1"/>
+    </dgm:linClrLst>
+    <dgm:effectClrLst/>
+    <dgm:txLinClrLst/>
+    <dgm:txFillClrLst meth="repeat">
+      <a:schemeClr val="dk1"/>
+    </dgm:txFillClrLst>
+    <dgm:txEffectClrLst/>
+  </dgm:styleLbl>
+  <dgm:styleLbl name="bgShp">
+    <dgm:fillClrLst meth="repeat">
+      <a:schemeClr val="accent1">
+        <a:tint val="40000"/>
+      </a:schemeClr>
+    </dgm:fillClrLst>
+    <dgm:linClrLst meth="repeat">
+      <a:schemeClr val="accent1"/>
+    </dgm:linClrLst>
+    <dgm:effectClrLst/>
+    <dgm:txLinClrLst/>
+    <dgm:txFillClrLst meth="repeat">
+      <a:schemeClr val="dk1"/>
+    </dgm:txFillClrLst>
+    <dgm:txEffectClrLst/>
+  </dgm:styleLbl>
+  <dgm:styleLbl name="dkBgShp">
+    <dgm:fillClrLst meth="repeat">
+      <a:schemeClr val="accent1">
+        <a:shade val="80000"/>
+      </a:schemeClr>
+    </dgm:fillClrLst>
+    <dgm:linClrLst meth="repeat">
+      <a:schemeClr val="accent1"/>
+    </dgm:linClrLst>
+    <dgm:effectClrLst/>
+    <dgm:txLinClrLst/>
+    <dgm:txFillClrLst meth="repeat">
+      <a:schemeClr val="lt1"/>
+    </dgm:txFillClrLst>
+    <dgm:txEffectClrLst/>
+  </dgm:styleLbl>
+  <dgm:styleLbl name="trBgShp">
+    <dgm:fillClrLst meth="repeat">
+      <a:schemeClr val="accent1">
+        <a:tint val="50000"/>
+        <a:alpha val="40000"/>
+      </a:schemeClr>
+    </dgm:fillClrLst>
+    <dgm:linClrLst meth="repeat">
+      <a:schemeClr val="accent1"/>
+    </dgm:linClrLst>
+    <dgm:effectClrLst/>
+    <dgm:txLinClrLst/>
+    <dgm:txFillClrLst meth="repeat">
+      <a:schemeClr val="lt1"/>
+    </dgm:txFillClrLst>
+    <dgm:txEffectClrLst/>
+  </dgm:styleLbl>
+  <dgm:styleLbl name="fgShp">
+    <dgm:fillClrLst meth="repeat">
+      <a:schemeClr val="accent1">
+        <a:tint val="60000"/>
+      </a:schemeClr>
+    </dgm:fillClrLst>
+    <dgm:linClrLst meth="repeat">
+      <a:schemeClr val="lt1"/>
+    </dgm:linClrLst>
+    <dgm:effectClrLst/>
+    <dgm:txLinClrLst/>
+    <dgm:txFillClrLst meth="repeat">
+      <a:schemeClr val="dk1"/>
+    </dgm:txFillClrLst>
+    <dgm:txEffectClrLst/>
+  </dgm:styleLbl>
+  <dgm:styleLbl name="revTx">
+    <dgm:fillClrLst meth="repeat">
+      <a:schemeClr val="lt1">
+        <a:alpha val="0"/>
+      </a:schemeClr>
+    </dgm:fillClrLst>
+    <dgm:linClrLst meth="repeat">
+      <a:schemeClr val="dk1">
+        <a:alpha val="0"/>
+      </a:schemeClr>
+    </dgm:linClrLst>
+    <dgm:effectClrLst/>
+    <dgm:txLinClrLst/>
+    <dgm:txFillClrLst meth="repeat">
+      <a:schemeClr val="tx1"/>
+    </dgm:txFillClrLst>
+    <dgm:txEffectClrLst/>
+  </dgm:styleLbl>
+</dgm:colorsDef>
+</file>
+
+<file path=ppt/diagrams/data1.xml><?xml version="1.0" encoding="utf-8"?>
+<dgm:dataModel xmlns:dgm="http://schemas.openxmlformats.org/drawingml/2006/diagram" xmlns:a="http://schemas.openxmlformats.org/drawingml/2006/main">
+  <dgm:ptLst>
+    <dgm:pt modelId="{436265AB-5390-49EF-9C63-9544117A7036}" type="doc">
+      <dgm:prSet loTypeId="urn:microsoft.com/office/officeart/2005/8/layout/process3" loCatId="process" qsTypeId="urn:microsoft.com/office/officeart/2005/8/quickstyle/simple4" qsCatId="simple" csTypeId="urn:microsoft.com/office/officeart/2005/8/colors/accent1_2" csCatId="accent1" phldr="1"/>
+      <dgm:spPr/>
+      <dgm:t>
+        <a:bodyPr/>
+        <a:lstStyle/>
+        <a:p>
+          <a:endParaRPr lang="zh-CN" altLang="en-US"/>
+        </a:p>
+      </dgm:t>
+    </dgm:pt>
+    <dgm:pt modelId="{FD5D7C33-5B40-4D2D-99C8-FDCD8145A005}">
+      <dgm:prSet phldrT="[文本]" custT="1"/>
+      <dgm:spPr/>
+      <dgm:t>
+        <a:bodyPr/>
+        <a:lstStyle/>
+        <a:p>
+          <a:r>
+            <a:rPr lang="zh-CN" altLang="en-US" sz="2400" dirty="0" smtClean="0">
+              <a:latin typeface="楷体_GB2312" panose="02010609030101010101" pitchFamily="49" charset="-122"/>
+              <a:ea typeface="楷体_GB2312" panose="02010609030101010101" pitchFamily="49" charset="-122"/>
+            </a:rPr>
+            <a:t>战术会议</a:t>
+          </a:r>
+          <a:endParaRPr lang="zh-CN" altLang="en-US" sz="2400" dirty="0">
+            <a:latin typeface="楷体_GB2312" panose="02010609030101010101" pitchFamily="49" charset="-122"/>
+            <a:ea typeface="楷体_GB2312" panose="02010609030101010101" pitchFamily="49" charset="-122"/>
+          </a:endParaRPr>
+        </a:p>
+      </dgm:t>
+    </dgm:pt>
+    <dgm:pt modelId="{9AA715F6-5C71-445B-9B09-6BF69B5D790F}" type="parTrans" cxnId="{A3A0C972-02DC-4643-AC1E-38C8EFB0A638}">
+      <dgm:prSet/>
+      <dgm:spPr/>
+      <dgm:t>
+        <a:bodyPr/>
+        <a:lstStyle/>
+        <a:p>
+          <a:endParaRPr lang="zh-CN" altLang="en-US"/>
+        </a:p>
+      </dgm:t>
+    </dgm:pt>
+    <dgm:pt modelId="{D06FC83E-3D2D-464E-9E71-BE6472C0B57E}" type="sibTrans" cxnId="{A3A0C972-02DC-4643-AC1E-38C8EFB0A638}">
+      <dgm:prSet/>
+      <dgm:spPr/>
+      <dgm:t>
+        <a:bodyPr/>
+        <a:lstStyle/>
+        <a:p>
+          <a:endParaRPr lang="zh-CN" altLang="en-US"/>
+        </a:p>
+      </dgm:t>
+    </dgm:pt>
+    <dgm:pt modelId="{7B389182-7A39-4F15-A616-3AA7A9BF72D4}">
+      <dgm:prSet phldrT="[文本]" custT="1"/>
+      <dgm:spPr/>
+      <dgm:t>
+        <a:bodyPr/>
+        <a:lstStyle/>
+        <a:p>
+          <a:r>
+            <a:rPr lang="en-US" altLang="zh-CN" sz="1000" dirty="0" smtClean="0">
+              <a:latin typeface="仿宋_GB2312" panose="02010609030101010101" pitchFamily="49" charset="-122"/>
+              <a:ea typeface="仿宋_GB2312" panose="02010609030101010101" pitchFamily="49" charset="-122"/>
+            </a:rPr>
+            <a:t>1</a:t>
+          </a:r>
+          <a:r>
+            <a:rPr lang="zh-CN" altLang="en-US" sz="1000" dirty="0" smtClean="0">
+              <a:latin typeface="仿宋_GB2312" panose="02010609030101010101" pitchFamily="49" charset="-122"/>
+              <a:ea typeface="仿宋_GB2312" panose="02010609030101010101" pitchFamily="49" charset="-122"/>
+            </a:rPr>
+            <a:t>、本周应当完成哪些任务；</a:t>
+          </a:r>
+          <a:endParaRPr lang="zh-CN" altLang="en-US" sz="1000" dirty="0">
+            <a:latin typeface="仿宋_GB2312" panose="02010609030101010101" pitchFamily="49" charset="-122"/>
+            <a:ea typeface="仿宋_GB2312" panose="02010609030101010101" pitchFamily="49" charset="-122"/>
+          </a:endParaRPr>
+        </a:p>
+      </dgm:t>
+    </dgm:pt>
+    <dgm:pt modelId="{30882FE3-B493-4947-9003-10B1B3BDC842}" type="parTrans" cxnId="{D6D039DA-A644-41C0-803A-F02410548FFA}">
+      <dgm:prSet/>
+      <dgm:spPr/>
+      <dgm:t>
+        <a:bodyPr/>
+        <a:lstStyle/>
+        <a:p>
+          <a:endParaRPr lang="zh-CN" altLang="en-US"/>
+        </a:p>
+      </dgm:t>
+    </dgm:pt>
+    <dgm:pt modelId="{E4F06F49-F179-4706-A025-96AE20B7A78A}" type="sibTrans" cxnId="{D6D039DA-A644-41C0-803A-F02410548FFA}">
+      <dgm:prSet/>
+      <dgm:spPr/>
+      <dgm:t>
+        <a:bodyPr/>
+        <a:lstStyle/>
+        <a:p>
+          <a:endParaRPr lang="zh-CN" altLang="en-US"/>
+        </a:p>
+      </dgm:t>
+    </dgm:pt>
+    <dgm:pt modelId="{9052052F-38A7-4201-B112-CA14C9C8815A}">
+      <dgm:prSet phldrT="[文本]" custT="1"/>
+      <dgm:spPr/>
+      <dgm:t>
+        <a:bodyPr/>
+        <a:lstStyle/>
+        <a:p>
+          <a:r>
+            <a:rPr lang="zh-CN" altLang="en-US" sz="2400" dirty="0" smtClean="0">
+              <a:latin typeface="楷体_GB2312" panose="02010609030101010101" pitchFamily="49" charset="-122"/>
+              <a:ea typeface="楷体_GB2312" panose="02010609030101010101" pitchFamily="49" charset="-122"/>
+            </a:rPr>
+            <a:t>任务流程</a:t>
+          </a:r>
+          <a:endParaRPr lang="zh-CN" altLang="en-US" sz="2400" dirty="0">
+            <a:latin typeface="楷体_GB2312" panose="02010609030101010101" pitchFamily="49" charset="-122"/>
+            <a:ea typeface="楷体_GB2312" panose="02010609030101010101" pitchFamily="49" charset="-122"/>
+          </a:endParaRPr>
+        </a:p>
+      </dgm:t>
+    </dgm:pt>
+    <dgm:pt modelId="{033DE8E8-09B3-49BD-8710-606E7D30ECFE}" type="parTrans" cxnId="{D3E3131B-D328-4741-85B9-40128CD27EDA}">
+      <dgm:prSet/>
+      <dgm:spPr/>
+      <dgm:t>
+        <a:bodyPr/>
+        <a:lstStyle/>
+        <a:p>
+          <a:endParaRPr lang="zh-CN" altLang="en-US"/>
+        </a:p>
+      </dgm:t>
+    </dgm:pt>
+    <dgm:pt modelId="{1673962B-9B2E-4750-9E62-ACDA23AE2482}" type="sibTrans" cxnId="{D3E3131B-D328-4741-85B9-40128CD27EDA}">
+      <dgm:prSet/>
+      <dgm:spPr/>
+      <dgm:t>
+        <a:bodyPr/>
+        <a:lstStyle/>
+        <a:p>
+          <a:endParaRPr lang="zh-CN" altLang="en-US"/>
+        </a:p>
+      </dgm:t>
+    </dgm:pt>
+    <dgm:pt modelId="{EF4507D7-48A6-405A-914C-E3CDBF58DF16}">
+      <dgm:prSet phldrT="[文本]" custT="1"/>
+      <dgm:spPr/>
+      <dgm:t>
+        <a:bodyPr/>
+        <a:lstStyle/>
+        <a:p>
+          <a:endParaRPr lang="zh-CN" altLang="en-US" sz="1000" dirty="0">
+            <a:latin typeface="仿宋_GB2312" panose="02010609030101010101" pitchFamily="49" charset="-122"/>
+            <a:ea typeface="仿宋_GB2312" panose="02010609030101010101" pitchFamily="49" charset="-122"/>
+          </a:endParaRPr>
+        </a:p>
+      </dgm:t>
+    </dgm:pt>
+    <dgm:pt modelId="{20E89B3B-4589-4AF5-837A-44D0A0CDF486}" type="parTrans" cxnId="{8FCF1209-A4E5-498F-84D8-823B66241AF1}">
+      <dgm:prSet/>
+      <dgm:spPr/>
+      <dgm:t>
+        <a:bodyPr/>
+        <a:lstStyle/>
+        <a:p>
+          <a:endParaRPr lang="zh-CN" altLang="en-US"/>
+        </a:p>
+      </dgm:t>
+    </dgm:pt>
+    <dgm:pt modelId="{3E44D100-D4E3-473B-BFB4-048E8FE82F67}" type="sibTrans" cxnId="{8FCF1209-A4E5-498F-84D8-823B66241AF1}">
+      <dgm:prSet/>
+      <dgm:spPr/>
+      <dgm:t>
+        <a:bodyPr/>
+        <a:lstStyle/>
+        <a:p>
+          <a:endParaRPr lang="zh-CN" altLang="en-US"/>
+        </a:p>
+      </dgm:t>
+    </dgm:pt>
+    <dgm:pt modelId="{0C160F14-3E4B-45AF-9158-0B1FF390997D}">
+      <dgm:prSet phldrT="[文本]"/>
+      <dgm:spPr/>
+      <dgm:t>
+        <a:bodyPr/>
+        <a:lstStyle/>
+        <a:p>
+          <a:r>
+            <a:rPr lang="zh-CN" altLang="en-US" dirty="0" smtClean="0">
+              <a:latin typeface="楷体_GB2312" panose="02010609030101010101" pitchFamily="49" charset="-122"/>
+              <a:ea typeface="楷体_GB2312" panose="02010609030101010101" pitchFamily="49" charset="-122"/>
+            </a:rPr>
+            <a:t>发掘问题</a:t>
+          </a:r>
+          <a:endParaRPr lang="zh-CN" altLang="en-US" dirty="0">
+            <a:latin typeface="楷体_GB2312" panose="02010609030101010101" pitchFamily="49" charset="-122"/>
+            <a:ea typeface="楷体_GB2312" panose="02010609030101010101" pitchFamily="49" charset="-122"/>
+          </a:endParaRPr>
+        </a:p>
+      </dgm:t>
+    </dgm:pt>
+    <dgm:pt modelId="{59011C91-C7A1-414A-938D-62A041C25E6D}" type="parTrans" cxnId="{8ACD4300-5B50-46E0-854E-B62509487159}">
+      <dgm:prSet/>
+      <dgm:spPr/>
+      <dgm:t>
+        <a:bodyPr/>
+        <a:lstStyle/>
+        <a:p>
+          <a:endParaRPr lang="zh-CN" altLang="en-US"/>
+        </a:p>
+      </dgm:t>
+    </dgm:pt>
+    <dgm:pt modelId="{C1EFF36B-D73F-433C-911B-0853FCE89D5F}" type="sibTrans" cxnId="{8ACD4300-5B50-46E0-854E-B62509487159}">
+      <dgm:prSet/>
+      <dgm:spPr/>
+      <dgm:t>
+        <a:bodyPr/>
+        <a:lstStyle/>
+        <a:p>
+          <a:endParaRPr lang="zh-CN" altLang="en-US"/>
+        </a:p>
+      </dgm:t>
+    </dgm:pt>
+    <dgm:pt modelId="{5D0E23DD-9A2F-4662-A9AD-1E84A7315B5A}">
+      <dgm:prSet phldrT="[文本]" custT="1"/>
+      <dgm:spPr/>
+      <dgm:t>
+        <a:bodyPr/>
+        <a:lstStyle/>
+        <a:p>
+          <a:r>
+            <a:rPr lang="en-US" altLang="zh-CN" sz="1000" dirty="0" smtClean="0">
+              <a:latin typeface="仿宋_GB2312" panose="02010609030101010101" pitchFamily="49" charset="-122"/>
+              <a:ea typeface="仿宋_GB2312" panose="02010609030101010101" pitchFamily="49" charset="-122"/>
+            </a:rPr>
+            <a:t>1</a:t>
+          </a:r>
+          <a:r>
+            <a:rPr lang="zh-CN" altLang="en-US" sz="1000" dirty="0" smtClean="0">
+              <a:latin typeface="仿宋_GB2312" panose="02010609030101010101" pitchFamily="49" charset="-122"/>
+              <a:ea typeface="仿宋_GB2312" panose="02010609030101010101" pitchFamily="49" charset="-122"/>
+            </a:rPr>
+            <a:t>、</a:t>
+          </a:r>
+          <a:r>
+            <a:rPr lang="en-US" altLang="zh-CN" sz="1000" dirty="0" smtClean="0">
+              <a:latin typeface="仿宋_GB2312" panose="02010609030101010101" pitchFamily="49" charset="-122"/>
+              <a:ea typeface="仿宋_GB2312" panose="02010609030101010101" pitchFamily="49" charset="-122"/>
+            </a:rPr>
+            <a:t>project9</a:t>
+          </a:r>
+          <a:r>
+            <a:rPr lang="zh-CN" altLang="en-US" sz="1000" dirty="0" smtClean="0">
+              <a:latin typeface="仿宋_GB2312" panose="02010609030101010101" pitchFamily="49" charset="-122"/>
+              <a:ea typeface="仿宋_GB2312" panose="02010609030101010101" pitchFamily="49" charset="-122"/>
+            </a:rPr>
+            <a:t>难度较大，由于</a:t>
+          </a:r>
+          <a:r>
+            <a:rPr lang="en-US" altLang="zh-CN" sz="1000" dirty="0" smtClean="0">
+              <a:latin typeface="仿宋_GB2312" panose="02010609030101010101" pitchFamily="49" charset="-122"/>
+              <a:ea typeface="仿宋_GB2312" panose="02010609030101010101" pitchFamily="49" charset="-122"/>
+            </a:rPr>
+            <a:t>Nand2tetris</a:t>
+          </a:r>
+          <a:r>
+            <a:rPr lang="zh-CN" altLang="en-US" sz="1000" dirty="0" smtClean="0">
+              <a:latin typeface="仿宋_GB2312" panose="02010609030101010101" pitchFamily="49" charset="-122"/>
+              <a:ea typeface="仿宋_GB2312" panose="02010609030101010101" pitchFamily="49" charset="-122"/>
+            </a:rPr>
+            <a:t>的课程内容是循序渐进式的，在没有前期作业基础的前提下独立完成</a:t>
+          </a:r>
+          <a:r>
+            <a:rPr lang="en-US" altLang="zh-CN" sz="1000" dirty="0" smtClean="0">
+              <a:latin typeface="仿宋_GB2312" panose="02010609030101010101" pitchFamily="49" charset="-122"/>
+              <a:ea typeface="仿宋_GB2312" panose="02010609030101010101" pitchFamily="49" charset="-122"/>
+            </a:rPr>
+            <a:t>project9</a:t>
+          </a:r>
+          <a:r>
+            <a:rPr lang="zh-CN" altLang="en-US" sz="1000" dirty="0" smtClean="0">
+              <a:latin typeface="仿宋_GB2312" panose="02010609030101010101" pitchFamily="49" charset="-122"/>
+              <a:ea typeface="仿宋_GB2312" panose="02010609030101010101" pitchFamily="49" charset="-122"/>
+            </a:rPr>
+            <a:t>耗时较长；</a:t>
+          </a:r>
+          <a:endParaRPr lang="zh-CN" altLang="en-US" sz="1000" dirty="0">
+            <a:latin typeface="仿宋_GB2312" panose="02010609030101010101" pitchFamily="49" charset="-122"/>
+            <a:ea typeface="仿宋_GB2312" panose="02010609030101010101" pitchFamily="49" charset="-122"/>
+          </a:endParaRPr>
+        </a:p>
+      </dgm:t>
+    </dgm:pt>
+    <dgm:pt modelId="{3889AA5F-DA56-45E0-BA2D-64720D8A7675}" type="parTrans" cxnId="{615B396E-839B-4ECC-85B2-DBED3E2B94B8}">
+      <dgm:prSet/>
+      <dgm:spPr/>
+      <dgm:t>
+        <a:bodyPr/>
+        <a:lstStyle/>
+        <a:p>
+          <a:endParaRPr lang="zh-CN" altLang="en-US"/>
+        </a:p>
+      </dgm:t>
+    </dgm:pt>
+    <dgm:pt modelId="{E2300830-89A7-4A06-9CDA-A985E43132AE}" type="sibTrans" cxnId="{615B396E-839B-4ECC-85B2-DBED3E2B94B8}">
+      <dgm:prSet/>
+      <dgm:spPr/>
+      <dgm:t>
+        <a:bodyPr/>
+        <a:lstStyle/>
+        <a:p>
+          <a:endParaRPr lang="zh-CN" altLang="en-US"/>
+        </a:p>
+      </dgm:t>
+    </dgm:pt>
+    <dgm:pt modelId="{99404280-CF2D-4307-8490-3FA43639810E}">
+      <dgm:prSet phldrT="[文本]" custT="1"/>
+      <dgm:spPr/>
+      <dgm:t>
+        <a:bodyPr/>
+        <a:lstStyle/>
+        <a:p>
+          <a:r>
+            <a:rPr lang="en-US" altLang="zh-CN" sz="1000" dirty="0" smtClean="0">
+              <a:latin typeface="仿宋_GB2312" panose="02010609030101010101" pitchFamily="49" charset="-122"/>
+              <a:ea typeface="仿宋_GB2312" panose="02010609030101010101" pitchFamily="49" charset="-122"/>
+            </a:rPr>
+            <a:t>2</a:t>
+          </a:r>
+          <a:r>
+            <a:rPr lang="zh-CN" altLang="en-US" sz="1000" dirty="0" smtClean="0">
+              <a:latin typeface="仿宋_GB2312" panose="02010609030101010101" pitchFamily="49" charset="-122"/>
+              <a:ea typeface="仿宋_GB2312" panose="02010609030101010101" pitchFamily="49" charset="-122"/>
+            </a:rPr>
+            <a:t>、这些任务应当交由谁来完成；</a:t>
+          </a:r>
+          <a:endParaRPr lang="zh-CN" altLang="en-US" sz="1000" dirty="0">
+            <a:latin typeface="仿宋_GB2312" panose="02010609030101010101" pitchFamily="49" charset="-122"/>
+            <a:ea typeface="仿宋_GB2312" panose="02010609030101010101" pitchFamily="49" charset="-122"/>
+          </a:endParaRPr>
+        </a:p>
+      </dgm:t>
+    </dgm:pt>
+    <dgm:pt modelId="{0E06ACCF-7314-4C03-B8B8-3D9C64C9F894}" type="parTrans" cxnId="{1E2CCF8E-5D19-4D55-96F5-C28B74434192}">
+      <dgm:prSet/>
+      <dgm:spPr/>
+      <dgm:t>
+        <a:bodyPr/>
+        <a:lstStyle/>
+        <a:p>
+          <a:endParaRPr lang="zh-CN" altLang="en-US"/>
+        </a:p>
+      </dgm:t>
+    </dgm:pt>
+    <dgm:pt modelId="{5F4E7FEE-5812-484E-AE0D-8596BBB5D997}" type="sibTrans" cxnId="{1E2CCF8E-5D19-4D55-96F5-C28B74434192}">
+      <dgm:prSet/>
+      <dgm:spPr/>
+      <dgm:t>
+        <a:bodyPr/>
+        <a:lstStyle/>
+        <a:p>
+          <a:endParaRPr lang="zh-CN" altLang="en-US"/>
+        </a:p>
+      </dgm:t>
+    </dgm:pt>
+    <dgm:pt modelId="{5448FD1C-6B01-4FAD-B48C-A4FA70B155D6}">
+      <dgm:prSet phldrT="[文本]" custT="1"/>
+      <dgm:spPr/>
+      <dgm:t>
+        <a:bodyPr/>
+        <a:lstStyle/>
+        <a:p>
+          <a:r>
+            <a:rPr lang="en-US" altLang="zh-CN" sz="1000" dirty="0" smtClean="0">
+              <a:latin typeface="仿宋_GB2312" panose="02010609030101010101" pitchFamily="49" charset="-122"/>
+              <a:ea typeface="仿宋_GB2312" panose="02010609030101010101" pitchFamily="49" charset="-122"/>
+            </a:rPr>
+            <a:t>3</a:t>
+          </a:r>
+          <a:r>
+            <a:rPr lang="zh-CN" altLang="en-US" sz="1000" dirty="0" smtClean="0">
+              <a:latin typeface="仿宋_GB2312" panose="02010609030101010101" pitchFamily="49" charset="-122"/>
+              <a:ea typeface="仿宋_GB2312" panose="02010609030101010101" pitchFamily="49" charset="-122"/>
+            </a:rPr>
+            <a:t>、时间节点。</a:t>
+          </a:r>
+          <a:endParaRPr lang="zh-CN" altLang="en-US" sz="1000" dirty="0">
+            <a:latin typeface="仿宋_GB2312" panose="02010609030101010101" pitchFamily="49" charset="-122"/>
+            <a:ea typeface="仿宋_GB2312" panose="02010609030101010101" pitchFamily="49" charset="-122"/>
+          </a:endParaRPr>
+        </a:p>
+      </dgm:t>
+    </dgm:pt>
+    <dgm:pt modelId="{E4C54084-B576-4806-BA9C-1232CD25A7C7}" type="parTrans" cxnId="{0CA55BC6-A00D-4E97-8292-2E897884BBB0}">
+      <dgm:prSet/>
+      <dgm:spPr/>
+      <dgm:t>
+        <a:bodyPr/>
+        <a:lstStyle/>
+        <a:p>
+          <a:endParaRPr lang="zh-CN" altLang="en-US"/>
+        </a:p>
+      </dgm:t>
+    </dgm:pt>
+    <dgm:pt modelId="{051A74E7-E9D5-4FC4-A733-EBF0DC1C75BB}" type="sibTrans" cxnId="{0CA55BC6-A00D-4E97-8292-2E897884BBB0}">
+      <dgm:prSet/>
+      <dgm:spPr/>
+      <dgm:t>
+        <a:bodyPr/>
+        <a:lstStyle/>
+        <a:p>
+          <a:endParaRPr lang="zh-CN" altLang="en-US"/>
+        </a:p>
+      </dgm:t>
+    </dgm:pt>
+    <dgm:pt modelId="{49B5A52F-98BC-44F6-AF2F-91AAD82698E5}">
+      <dgm:prSet phldrT="[文本]" custT="1"/>
+      <dgm:spPr/>
+      <dgm:t>
+        <a:bodyPr/>
+        <a:lstStyle/>
+        <a:p>
+          <a:r>
+            <a:rPr lang="zh-CN" altLang="en-US" sz="1000" dirty="0" smtClean="0">
+              <a:latin typeface="仿宋_GB2312" panose="02010609030101010101" pitchFamily="49" charset="-122"/>
+              <a:ea typeface="仿宋_GB2312" panose="02010609030101010101" pitchFamily="49" charset="-122"/>
+            </a:rPr>
+            <a:t>议题：</a:t>
+          </a:r>
+          <a:endParaRPr lang="zh-CN" altLang="en-US" sz="1000" dirty="0">
+            <a:latin typeface="仿宋_GB2312" panose="02010609030101010101" pitchFamily="49" charset="-122"/>
+            <a:ea typeface="仿宋_GB2312" panose="02010609030101010101" pitchFamily="49" charset="-122"/>
+          </a:endParaRPr>
+        </a:p>
+      </dgm:t>
+    </dgm:pt>
+    <dgm:pt modelId="{2A51BE62-FD7A-4CA2-80A0-9BC4C2868D35}" type="parTrans" cxnId="{776B0168-0875-4BE6-9CB4-3A2D7C209330}">
+      <dgm:prSet/>
+      <dgm:spPr/>
+      <dgm:t>
+        <a:bodyPr/>
+        <a:lstStyle/>
+        <a:p>
+          <a:endParaRPr lang="zh-CN" altLang="en-US"/>
+        </a:p>
+      </dgm:t>
+    </dgm:pt>
+    <dgm:pt modelId="{F8F23646-2814-4D74-8554-1548AFA2FE2A}" type="sibTrans" cxnId="{776B0168-0875-4BE6-9CB4-3A2D7C209330}">
+      <dgm:prSet/>
+      <dgm:spPr/>
+      <dgm:t>
+        <a:bodyPr/>
+        <a:lstStyle/>
+        <a:p>
+          <a:endParaRPr lang="zh-CN" altLang="en-US"/>
+        </a:p>
+      </dgm:t>
+    </dgm:pt>
+    <dgm:pt modelId="{5A0C7119-A1BD-48D1-9C85-11D77F31FD13}">
+      <dgm:prSet phldrT="[文本]" custT="1"/>
+      <dgm:spPr/>
+      <dgm:t>
+        <a:bodyPr/>
+        <a:lstStyle/>
+        <a:p>
+          <a:endParaRPr lang="zh-CN" altLang="en-US" sz="1000" dirty="0">
+            <a:latin typeface="仿宋_GB2312" panose="02010609030101010101" pitchFamily="49" charset="-122"/>
+            <a:ea typeface="仿宋_GB2312" panose="02010609030101010101" pitchFamily="49" charset="-122"/>
+          </a:endParaRPr>
+        </a:p>
+      </dgm:t>
+    </dgm:pt>
+    <dgm:pt modelId="{58CC2421-0972-4E54-8350-831047A979C0}" type="parTrans" cxnId="{F5C08C81-AD72-4715-BED0-B26520D8E0F2}">
+      <dgm:prSet/>
+      <dgm:spPr/>
+      <dgm:t>
+        <a:bodyPr/>
+        <a:lstStyle/>
+        <a:p>
+          <a:endParaRPr lang="zh-CN" altLang="en-US"/>
+        </a:p>
+      </dgm:t>
+    </dgm:pt>
+    <dgm:pt modelId="{4AB4685F-BC4D-4536-A688-2929EA53B112}" type="sibTrans" cxnId="{F5C08C81-AD72-4715-BED0-B26520D8E0F2}">
+      <dgm:prSet/>
+      <dgm:spPr/>
+      <dgm:t>
+        <a:bodyPr/>
+        <a:lstStyle/>
+        <a:p>
+          <a:endParaRPr lang="zh-CN" altLang="en-US"/>
+        </a:p>
+      </dgm:t>
+    </dgm:pt>
+    <dgm:pt modelId="{7888E13F-A1AE-47A6-9BBA-F2975C194E0D}">
+      <dgm:prSet phldrT="[文本]" custT="1"/>
+      <dgm:spPr/>
+      <dgm:t>
+        <a:bodyPr/>
+        <a:lstStyle/>
+        <a:p>
+          <a:endParaRPr lang="zh-CN" altLang="en-US" sz="1000" dirty="0">
+            <a:latin typeface="仿宋_GB2312" panose="02010609030101010101" pitchFamily="49" charset="-122"/>
+            <a:ea typeface="仿宋_GB2312" panose="02010609030101010101" pitchFamily="49" charset="-122"/>
+          </a:endParaRPr>
+        </a:p>
+      </dgm:t>
+    </dgm:pt>
+    <dgm:pt modelId="{3AA0A440-9B19-4ABC-9E54-52C14E942D43}" type="parTrans" cxnId="{61BFEB92-097A-45AE-8F89-D8177A039025}">
+      <dgm:prSet/>
+      <dgm:spPr/>
+      <dgm:t>
+        <a:bodyPr/>
+        <a:lstStyle/>
+        <a:p>
+          <a:endParaRPr lang="zh-CN" altLang="en-US"/>
+        </a:p>
+      </dgm:t>
+    </dgm:pt>
+    <dgm:pt modelId="{B908E332-5876-417D-BBCA-AFD8707CD173}" type="sibTrans" cxnId="{61BFEB92-097A-45AE-8F89-D8177A039025}">
+      <dgm:prSet/>
+      <dgm:spPr/>
+      <dgm:t>
+        <a:bodyPr/>
+        <a:lstStyle/>
+        <a:p>
+          <a:endParaRPr lang="zh-CN" altLang="en-US"/>
+        </a:p>
+      </dgm:t>
+    </dgm:pt>
+    <dgm:pt modelId="{DFFB30B2-6DC5-4B93-87CB-AE0B143499C6}">
+      <dgm:prSet custT="1"/>
+      <dgm:spPr/>
+      <dgm:t>
+        <a:bodyPr/>
+        <a:lstStyle/>
+        <a:p>
+          <a:r>
+            <a:rPr lang="en-US" altLang="zh-CN" sz="1000" dirty="0" smtClean="0">
+              <a:latin typeface="仿宋_GB2312" panose="02010609030101010101" pitchFamily="49" charset="-122"/>
+              <a:ea typeface="仿宋_GB2312" panose="02010609030101010101" pitchFamily="49" charset="-122"/>
+            </a:rPr>
+            <a:t>1</a:t>
+          </a:r>
+          <a:r>
+            <a:rPr lang="zh-CN" altLang="en-US" sz="1000" dirty="0" smtClean="0">
+              <a:latin typeface="仿宋_GB2312" panose="02010609030101010101" pitchFamily="49" charset="-122"/>
+              <a:ea typeface="仿宋_GB2312" panose="02010609030101010101" pitchFamily="49" charset="-122"/>
+            </a:rPr>
+            <a:t>、第三周应继续推进完成</a:t>
+          </a:r>
+          <a:r>
+            <a:rPr lang="en-US" altLang="en-US" sz="1000" dirty="0" smtClean="0">
+              <a:latin typeface="仿宋_GB2312" panose="02010609030101010101" pitchFamily="49" charset="-122"/>
+              <a:ea typeface="仿宋_GB2312" panose="02010609030101010101" pitchFamily="49" charset="-122"/>
+            </a:rPr>
+            <a:t>Nand2tetris</a:t>
+          </a:r>
+          <a:r>
+            <a:rPr lang="zh-CN" altLang="en-US" sz="1000" dirty="0" smtClean="0">
+              <a:latin typeface="仿宋_GB2312" panose="02010609030101010101" pitchFamily="49" charset="-122"/>
+              <a:ea typeface="仿宋_GB2312" panose="02010609030101010101" pitchFamily="49" charset="-122"/>
+            </a:rPr>
+            <a:t>作业，更新并修改</a:t>
+          </a:r>
+          <a:r>
+            <a:rPr lang="en-US" altLang="zh-CN" sz="1000" dirty="0" smtClean="0">
+              <a:latin typeface="仿宋_GB2312" panose="02010609030101010101" pitchFamily="49" charset="-122"/>
+              <a:ea typeface="仿宋_GB2312" panose="02010609030101010101" pitchFamily="49" charset="-122"/>
+            </a:rPr>
+            <a:t>Wiki</a:t>
+          </a:r>
+          <a:r>
+            <a:rPr lang="zh-CN" altLang="en-US" sz="1000" dirty="0" smtClean="0">
+              <a:latin typeface="仿宋_GB2312" panose="02010609030101010101" pitchFamily="49" charset="-122"/>
+              <a:ea typeface="仿宋_GB2312" panose="02010609030101010101" pitchFamily="49" charset="-122"/>
+            </a:rPr>
+            <a:t>上的个人与小组主页内容，增加</a:t>
+          </a:r>
+          <a:r>
+            <a:rPr lang="en-US" altLang="zh-CN" sz="1000" dirty="0" smtClean="0">
+              <a:latin typeface="仿宋_GB2312" panose="02010609030101010101" pitchFamily="49" charset="-122"/>
+              <a:ea typeface="仿宋_GB2312" panose="02010609030101010101" pitchFamily="49" charset="-122"/>
+            </a:rPr>
+            <a:t>project</a:t>
+          </a:r>
+          <a:r>
+            <a:rPr lang="zh-CN" altLang="en-US" sz="1000" dirty="0" smtClean="0">
+              <a:latin typeface="仿宋_GB2312" panose="02010609030101010101" pitchFamily="49" charset="-122"/>
+              <a:ea typeface="仿宋_GB2312" panose="02010609030101010101" pitchFamily="49" charset="-122"/>
+            </a:rPr>
+            <a:t>主页，增加</a:t>
+          </a:r>
+          <a:r>
+            <a:rPr lang="en-US" altLang="zh-CN" sz="1000" dirty="0" smtClean="0">
+              <a:latin typeface="仿宋_GB2312" panose="02010609030101010101" pitchFamily="49" charset="-122"/>
+              <a:ea typeface="仿宋_GB2312" panose="02010609030101010101" pitchFamily="49" charset="-122"/>
+            </a:rPr>
+            <a:t>Endnotes</a:t>
+          </a:r>
+          <a:r>
+            <a:rPr lang="zh-CN" altLang="en-US" sz="1000" dirty="0" smtClean="0">
+              <a:latin typeface="仿宋_GB2312" panose="02010609030101010101" pitchFamily="49" charset="-122"/>
+              <a:ea typeface="仿宋_GB2312" panose="02010609030101010101" pitchFamily="49" charset="-122"/>
+            </a:rPr>
+            <a:t>文献索引；</a:t>
+          </a:r>
+          <a:endParaRPr lang="zh-CN" altLang="en-US" sz="1000" dirty="0">
+            <a:latin typeface="仿宋_GB2312" panose="02010609030101010101" pitchFamily="49" charset="-122"/>
+            <a:ea typeface="仿宋_GB2312" panose="02010609030101010101" pitchFamily="49" charset="-122"/>
+          </a:endParaRPr>
+        </a:p>
+      </dgm:t>
+    </dgm:pt>
+    <dgm:pt modelId="{F101860D-B691-47CF-A7F6-5C39F7D6D66D}" type="parTrans" cxnId="{86D4B130-EFEA-4FBF-AB00-B1757F1A7488}">
+      <dgm:prSet/>
+      <dgm:spPr/>
+      <dgm:t>
+        <a:bodyPr/>
+        <a:lstStyle/>
+        <a:p>
+          <a:endParaRPr lang="zh-CN" altLang="en-US"/>
+        </a:p>
+      </dgm:t>
+    </dgm:pt>
+    <dgm:pt modelId="{1845DA81-98EA-438A-853E-C31749D96526}" type="sibTrans" cxnId="{86D4B130-EFEA-4FBF-AB00-B1757F1A7488}">
+      <dgm:prSet/>
+      <dgm:spPr/>
+      <dgm:t>
+        <a:bodyPr/>
+        <a:lstStyle/>
+        <a:p>
+          <a:endParaRPr lang="zh-CN" altLang="en-US"/>
+        </a:p>
+      </dgm:t>
+    </dgm:pt>
+    <dgm:pt modelId="{4281A2C1-760C-4C85-AD68-5CDC1F263DC8}">
+      <dgm:prSet custT="1"/>
+      <dgm:spPr/>
+      <dgm:t>
+        <a:bodyPr/>
+        <a:lstStyle/>
+        <a:p>
+          <a:r>
+            <a:rPr lang="en-US" altLang="zh-CN" sz="1000" dirty="0" smtClean="0">
+              <a:latin typeface="仿宋_GB2312" panose="02010609030101010101" pitchFamily="49" charset="-122"/>
+              <a:ea typeface="仿宋_GB2312" panose="02010609030101010101" pitchFamily="49" charset="-122"/>
+            </a:rPr>
+            <a:t>2</a:t>
+          </a:r>
+          <a:r>
+            <a:rPr lang="zh-CN" altLang="en-US" sz="1000" dirty="0" smtClean="0">
+              <a:latin typeface="仿宋_GB2312" panose="02010609030101010101" pitchFamily="49" charset="-122"/>
+              <a:ea typeface="仿宋_GB2312" panose="02010609030101010101" pitchFamily="49" charset="-122"/>
+            </a:rPr>
+            <a:t>、唐天映继续完成</a:t>
+          </a:r>
+          <a:r>
+            <a:rPr lang="en-US" altLang="zh-CN" sz="1000" dirty="0" smtClean="0">
+              <a:latin typeface="仿宋_GB2312" panose="02010609030101010101" pitchFamily="49" charset="-122"/>
+              <a:ea typeface="仿宋_GB2312" panose="02010609030101010101" pitchFamily="49" charset="-122"/>
+            </a:rPr>
+            <a:t>project9</a:t>
+          </a:r>
+          <a:r>
+            <a:rPr lang="zh-CN" altLang="en-US" sz="1000" dirty="0" smtClean="0">
+              <a:latin typeface="仿宋_GB2312" panose="02010609030101010101" pitchFamily="49" charset="-122"/>
+              <a:ea typeface="仿宋_GB2312" panose="02010609030101010101" pitchFamily="49" charset="-122"/>
+            </a:rPr>
+            <a:t>；</a:t>
+          </a:r>
+          <a:endParaRPr lang="zh-CN" altLang="en-US" sz="1000" dirty="0">
+            <a:latin typeface="仿宋_GB2312" panose="02010609030101010101" pitchFamily="49" charset="-122"/>
+            <a:ea typeface="仿宋_GB2312" panose="02010609030101010101" pitchFamily="49" charset="-122"/>
+          </a:endParaRPr>
+        </a:p>
+      </dgm:t>
+    </dgm:pt>
+    <dgm:pt modelId="{019B936D-2AEF-4F24-9334-33724BAB770B}" type="parTrans" cxnId="{5DD18197-8C19-4297-B592-3922736E1BCD}">
+      <dgm:prSet/>
+      <dgm:spPr/>
+      <dgm:t>
+        <a:bodyPr/>
+        <a:lstStyle/>
+        <a:p>
+          <a:endParaRPr lang="zh-CN" altLang="en-US"/>
+        </a:p>
+      </dgm:t>
+    </dgm:pt>
+    <dgm:pt modelId="{68C5AA54-7E21-44CF-B08B-93E62EFFEDD4}" type="sibTrans" cxnId="{5DD18197-8C19-4297-B592-3922736E1BCD}">
+      <dgm:prSet/>
+      <dgm:spPr/>
+      <dgm:t>
+        <a:bodyPr/>
+        <a:lstStyle/>
+        <a:p>
+          <a:endParaRPr lang="zh-CN" altLang="en-US"/>
+        </a:p>
+      </dgm:t>
+    </dgm:pt>
+    <dgm:pt modelId="{6E040E3E-DDC4-4872-BFB3-6D91583E24FC}">
+      <dgm:prSet custT="1"/>
+      <dgm:spPr/>
+      <dgm:t>
+        <a:bodyPr/>
+        <a:lstStyle/>
+        <a:p>
+          <a:r>
+            <a:rPr lang="en-US" altLang="zh-CN" sz="1000" dirty="0" smtClean="0">
+              <a:latin typeface="仿宋_GB2312" panose="02010609030101010101" pitchFamily="49" charset="-122"/>
+              <a:ea typeface="仿宋_GB2312" panose="02010609030101010101" pitchFamily="49" charset="-122"/>
+            </a:rPr>
+            <a:t>5</a:t>
+          </a:r>
+          <a:r>
+            <a:rPr lang="zh-CN" altLang="en-US" sz="1000" dirty="0" smtClean="0">
+              <a:latin typeface="仿宋_GB2312" panose="02010609030101010101" pitchFamily="49" charset="-122"/>
+              <a:ea typeface="仿宋_GB2312" panose="02010609030101010101" pitchFamily="49" charset="-122"/>
+            </a:rPr>
+            <a:t>、没有设立特别明确的时间节点，</a:t>
+          </a:r>
+          <a:r>
+            <a:rPr lang="en-US" altLang="zh-CN" sz="1000" dirty="0" smtClean="0">
+              <a:latin typeface="仿宋_GB2312" panose="02010609030101010101" pitchFamily="49" charset="-122"/>
+              <a:ea typeface="仿宋_GB2312" panose="02010609030101010101" pitchFamily="49" charset="-122"/>
+            </a:rPr>
+            <a:t>Deadline</a:t>
+          </a:r>
+          <a:r>
+            <a:rPr lang="zh-CN" altLang="en-US" sz="1000" dirty="0" smtClean="0">
+              <a:latin typeface="仿宋_GB2312" panose="02010609030101010101" pitchFamily="49" charset="-122"/>
+              <a:ea typeface="仿宋_GB2312" panose="02010609030101010101" pitchFamily="49" charset="-122"/>
+            </a:rPr>
+            <a:t>为本周三。</a:t>
+          </a:r>
+          <a:endParaRPr lang="zh-CN" altLang="en-US" sz="1000" dirty="0">
+            <a:latin typeface="仿宋_GB2312" panose="02010609030101010101" pitchFamily="49" charset="-122"/>
+            <a:ea typeface="仿宋_GB2312" panose="02010609030101010101" pitchFamily="49" charset="-122"/>
+          </a:endParaRPr>
+        </a:p>
+      </dgm:t>
+    </dgm:pt>
+    <dgm:pt modelId="{3541A6C0-0898-4C76-B980-9DC16190B996}" type="parTrans" cxnId="{190A16B4-497A-4E28-8037-20B66A4CCF1C}">
+      <dgm:prSet/>
+      <dgm:spPr/>
+      <dgm:t>
+        <a:bodyPr/>
+        <a:lstStyle/>
+        <a:p>
+          <a:endParaRPr lang="zh-CN" altLang="en-US"/>
+        </a:p>
+      </dgm:t>
+    </dgm:pt>
+    <dgm:pt modelId="{ED9B230D-5C3E-41F4-89C7-795B582AA79C}" type="sibTrans" cxnId="{190A16B4-497A-4E28-8037-20B66A4CCF1C}">
+      <dgm:prSet/>
+      <dgm:spPr/>
+      <dgm:t>
+        <a:bodyPr/>
+        <a:lstStyle/>
+        <a:p>
+          <a:endParaRPr lang="zh-CN" altLang="en-US"/>
+        </a:p>
+      </dgm:t>
+    </dgm:pt>
+    <dgm:pt modelId="{9EE95152-C004-4064-A828-85FDC1B05E62}">
+      <dgm:prSet custT="1"/>
+      <dgm:spPr/>
+      <dgm:t>
+        <a:bodyPr/>
+        <a:lstStyle/>
+        <a:p>
+          <a:r>
+            <a:rPr lang="en-US" altLang="zh-CN" sz="1000" dirty="0" smtClean="0">
+              <a:latin typeface="仿宋_GB2312" panose="02010609030101010101" pitchFamily="49" charset="-122"/>
+              <a:ea typeface="仿宋_GB2312" panose="02010609030101010101" pitchFamily="49" charset="-122"/>
+            </a:rPr>
+            <a:t>3</a:t>
+          </a:r>
+          <a:r>
+            <a:rPr lang="zh-CN" altLang="en-US" sz="1000" dirty="0" smtClean="0">
+              <a:latin typeface="仿宋_GB2312" panose="02010609030101010101" pitchFamily="49" charset="-122"/>
+              <a:ea typeface="仿宋_GB2312" panose="02010609030101010101" pitchFamily="49" charset="-122"/>
+            </a:rPr>
+            <a:t>、彭德利完成</a:t>
+          </a:r>
+          <a:r>
+            <a:rPr lang="en-US" altLang="zh-CN" sz="1000" dirty="0" smtClean="0">
+              <a:latin typeface="仿宋_GB2312" panose="02010609030101010101" pitchFamily="49" charset="-122"/>
+              <a:ea typeface="仿宋_GB2312" panose="02010609030101010101" pitchFamily="49" charset="-122"/>
+            </a:rPr>
+            <a:t>project3-4</a:t>
+          </a:r>
+          <a:r>
+            <a:rPr lang="zh-CN" altLang="en-US" sz="1000" dirty="0" smtClean="0">
+              <a:latin typeface="仿宋_GB2312" panose="02010609030101010101" pitchFamily="49" charset="-122"/>
+              <a:ea typeface="仿宋_GB2312" panose="02010609030101010101" pitchFamily="49" charset="-122"/>
+            </a:rPr>
+            <a:t>，并整理</a:t>
+          </a:r>
+          <a:r>
+            <a:rPr lang="en-US" altLang="zh-CN" sz="1000" dirty="0" smtClean="0">
+              <a:latin typeface="仿宋_GB2312" panose="02010609030101010101" pitchFamily="49" charset="-122"/>
+              <a:ea typeface="仿宋_GB2312" panose="02010609030101010101" pitchFamily="49" charset="-122"/>
+            </a:rPr>
+            <a:t>project1-2</a:t>
+          </a:r>
+          <a:r>
+            <a:rPr lang="zh-CN" altLang="en-US" sz="1000" dirty="0" smtClean="0">
+              <a:latin typeface="仿宋_GB2312" panose="02010609030101010101" pitchFamily="49" charset="-122"/>
+              <a:ea typeface="仿宋_GB2312" panose="02010609030101010101" pitchFamily="49" charset="-122"/>
+            </a:rPr>
+            <a:t>；</a:t>
+          </a:r>
+          <a:endParaRPr lang="zh-CN" altLang="en-US" sz="1000" dirty="0">
+            <a:latin typeface="仿宋_GB2312" panose="02010609030101010101" pitchFamily="49" charset="-122"/>
+            <a:ea typeface="仿宋_GB2312" panose="02010609030101010101" pitchFamily="49" charset="-122"/>
+          </a:endParaRPr>
+        </a:p>
+      </dgm:t>
+    </dgm:pt>
+    <dgm:pt modelId="{373FCBAA-F87B-47E7-8BF5-58BCA959003B}" type="parTrans" cxnId="{2A12F9C2-4510-4A0A-975E-3D3FE1435637}">
+      <dgm:prSet/>
+      <dgm:spPr/>
+      <dgm:t>
+        <a:bodyPr/>
+        <a:lstStyle/>
+        <a:p>
+          <a:endParaRPr lang="zh-CN" altLang="en-US"/>
+        </a:p>
+      </dgm:t>
+    </dgm:pt>
+    <dgm:pt modelId="{6BD1BFFA-2497-4924-A826-6C8C15D07432}" type="sibTrans" cxnId="{2A12F9C2-4510-4A0A-975E-3D3FE1435637}">
+      <dgm:prSet/>
+      <dgm:spPr/>
+      <dgm:t>
+        <a:bodyPr/>
+        <a:lstStyle/>
+        <a:p>
+          <a:endParaRPr lang="zh-CN" altLang="en-US"/>
+        </a:p>
+      </dgm:t>
+    </dgm:pt>
+    <dgm:pt modelId="{728CF6FA-6D2A-49AE-9A77-66CC39C4C355}">
+      <dgm:prSet custT="1"/>
+      <dgm:spPr/>
+      <dgm:t>
+        <a:bodyPr/>
+        <a:lstStyle/>
+        <a:p>
+          <a:r>
+            <a:rPr lang="en-US" altLang="zh-CN" sz="1000" dirty="0" smtClean="0">
+              <a:latin typeface="仿宋_GB2312" panose="02010609030101010101" pitchFamily="49" charset="-122"/>
+              <a:ea typeface="仿宋_GB2312" panose="02010609030101010101" pitchFamily="49" charset="-122"/>
+            </a:rPr>
+            <a:t>4</a:t>
+          </a:r>
+          <a:r>
+            <a:rPr lang="zh-CN" altLang="en-US" sz="1000" dirty="0" smtClean="0">
+              <a:latin typeface="仿宋_GB2312" panose="02010609030101010101" pitchFamily="49" charset="-122"/>
+              <a:ea typeface="仿宋_GB2312" panose="02010609030101010101" pitchFamily="49" charset="-122"/>
+            </a:rPr>
+            <a:t>、张恪易与张晨对</a:t>
+          </a:r>
+          <a:r>
+            <a:rPr lang="en-US" altLang="zh-CN" sz="1000" dirty="0" smtClean="0">
+              <a:latin typeface="仿宋_GB2312" panose="02010609030101010101" pitchFamily="49" charset="-122"/>
+              <a:ea typeface="仿宋_GB2312" panose="02010609030101010101" pitchFamily="49" charset="-122"/>
+            </a:rPr>
+            <a:t>Wiki</a:t>
+          </a:r>
+          <a:r>
+            <a:rPr lang="zh-CN" altLang="en-US" sz="1000" dirty="0" smtClean="0">
+              <a:latin typeface="仿宋_GB2312" panose="02010609030101010101" pitchFamily="49" charset="-122"/>
+              <a:ea typeface="仿宋_GB2312" panose="02010609030101010101" pitchFamily="49" charset="-122"/>
+            </a:rPr>
+            <a:t>主页进行维护，迭代新的内容。</a:t>
+          </a:r>
+          <a:endParaRPr lang="zh-CN" altLang="en-US" sz="1000" dirty="0">
+            <a:latin typeface="仿宋_GB2312" panose="02010609030101010101" pitchFamily="49" charset="-122"/>
+            <a:ea typeface="仿宋_GB2312" panose="02010609030101010101" pitchFamily="49" charset="-122"/>
+          </a:endParaRPr>
+        </a:p>
+      </dgm:t>
+    </dgm:pt>
+    <dgm:pt modelId="{D073AEDF-DEB1-4FDC-A9B1-C42EA052A1B1}" type="parTrans" cxnId="{9DD8E704-A1F1-430C-8EA4-2460B5017936}">
+      <dgm:prSet/>
+      <dgm:spPr/>
+      <dgm:t>
+        <a:bodyPr/>
+        <a:lstStyle/>
+        <a:p>
+          <a:endParaRPr lang="zh-CN" altLang="en-US"/>
+        </a:p>
+      </dgm:t>
+    </dgm:pt>
+    <dgm:pt modelId="{F85F4C43-0A87-48E1-A3D4-F65824DE0AB2}" type="sibTrans" cxnId="{9DD8E704-A1F1-430C-8EA4-2460B5017936}">
+      <dgm:prSet/>
+      <dgm:spPr/>
+      <dgm:t>
+        <a:bodyPr/>
+        <a:lstStyle/>
+        <a:p>
+          <a:endParaRPr lang="zh-CN" altLang="en-US"/>
+        </a:p>
+      </dgm:t>
+    </dgm:pt>
+    <dgm:pt modelId="{816BD05A-B666-4527-A915-C6083E175BC9}">
+      <dgm:prSet phldrT="[文本]" custT="1"/>
+      <dgm:spPr/>
+      <dgm:t>
+        <a:bodyPr/>
+        <a:lstStyle/>
+        <a:p>
+          <a:r>
+            <a:rPr lang="en-US" altLang="zh-CN" sz="1000" dirty="0" smtClean="0">
+              <a:latin typeface="仿宋_GB2312" panose="02010609030101010101" pitchFamily="49" charset="-122"/>
+              <a:ea typeface="仿宋_GB2312" panose="02010609030101010101" pitchFamily="49" charset="-122"/>
+            </a:rPr>
+            <a:t>2</a:t>
+          </a:r>
+          <a:r>
+            <a:rPr lang="zh-CN" altLang="en-US" sz="1000" dirty="0" smtClean="0">
+              <a:latin typeface="仿宋_GB2312" panose="02010609030101010101" pitchFamily="49" charset="-122"/>
+              <a:ea typeface="仿宋_GB2312" panose="02010609030101010101" pitchFamily="49" charset="-122"/>
+            </a:rPr>
+            <a:t>、将完成</a:t>
+          </a:r>
+          <a:r>
+            <a:rPr lang="en-US" altLang="zh-CN" sz="1000" dirty="0" smtClean="0">
+              <a:latin typeface="仿宋_GB2312" panose="02010609030101010101" pitchFamily="49" charset="-122"/>
+              <a:ea typeface="仿宋_GB2312" panose="02010609030101010101" pitchFamily="49" charset="-122"/>
+            </a:rPr>
+            <a:t>project</a:t>
+          </a:r>
+          <a:r>
+            <a:rPr lang="zh-CN" altLang="en-US" sz="1000" dirty="0" smtClean="0">
+              <a:latin typeface="仿宋_GB2312" panose="02010609030101010101" pitchFamily="49" charset="-122"/>
+              <a:ea typeface="仿宋_GB2312" panose="02010609030101010101" pitchFamily="49" charset="-122"/>
+            </a:rPr>
+            <a:t>的思路和方法展示在</a:t>
+          </a:r>
+          <a:r>
+            <a:rPr lang="en-US" altLang="zh-CN" sz="1000" dirty="0" smtClean="0">
+              <a:latin typeface="仿宋_GB2312" panose="02010609030101010101" pitchFamily="49" charset="-122"/>
+              <a:ea typeface="仿宋_GB2312" panose="02010609030101010101" pitchFamily="49" charset="-122"/>
+            </a:rPr>
+            <a:t>wiki</a:t>
+          </a:r>
+          <a:r>
+            <a:rPr lang="zh-CN" altLang="en-US" sz="1000" dirty="0" smtClean="0">
+              <a:latin typeface="仿宋_GB2312" panose="02010609030101010101" pitchFamily="49" charset="-122"/>
+              <a:ea typeface="仿宋_GB2312" panose="02010609030101010101" pitchFamily="49" charset="-122"/>
+            </a:rPr>
+            <a:t>上有一定的难度，每个</a:t>
+          </a:r>
+          <a:r>
+            <a:rPr lang="en-US" altLang="zh-CN" sz="1000" dirty="0" smtClean="0">
+              <a:latin typeface="仿宋_GB2312" panose="02010609030101010101" pitchFamily="49" charset="-122"/>
+              <a:ea typeface="仿宋_GB2312" panose="02010609030101010101" pitchFamily="49" charset="-122"/>
+            </a:rPr>
+            <a:t>project</a:t>
+          </a:r>
+          <a:r>
+            <a:rPr lang="zh-CN" altLang="en-US" sz="1000" dirty="0" smtClean="0">
+              <a:latin typeface="仿宋_GB2312" panose="02010609030101010101" pitchFamily="49" charset="-122"/>
+              <a:ea typeface="仿宋_GB2312" panose="02010609030101010101" pitchFamily="49" charset="-122"/>
+            </a:rPr>
+            <a:t>内容不同，如何用比较通用的模板直观展现需要总结规律；</a:t>
+          </a:r>
+          <a:endParaRPr lang="zh-CN" altLang="en-US" sz="1000" dirty="0">
+            <a:latin typeface="仿宋_GB2312" panose="02010609030101010101" pitchFamily="49" charset="-122"/>
+            <a:ea typeface="仿宋_GB2312" panose="02010609030101010101" pitchFamily="49" charset="-122"/>
+          </a:endParaRPr>
+        </a:p>
+      </dgm:t>
+    </dgm:pt>
+    <dgm:pt modelId="{EBD294CE-F349-4781-9312-E1E8BD415EB8}" type="parTrans" cxnId="{2C7106E9-2709-4E0E-9974-F82464CE08E4}">
+      <dgm:prSet/>
+      <dgm:spPr/>
+      <dgm:t>
+        <a:bodyPr/>
+        <a:lstStyle/>
+        <a:p>
+          <a:endParaRPr lang="zh-CN" altLang="en-US"/>
+        </a:p>
+      </dgm:t>
+    </dgm:pt>
+    <dgm:pt modelId="{E519ABAF-750F-4497-8ECE-C3605C00467E}" type="sibTrans" cxnId="{2C7106E9-2709-4E0E-9974-F82464CE08E4}">
+      <dgm:prSet/>
+      <dgm:spPr/>
+      <dgm:t>
+        <a:bodyPr/>
+        <a:lstStyle/>
+        <a:p>
+          <a:endParaRPr lang="zh-CN" altLang="en-US"/>
+        </a:p>
+      </dgm:t>
+    </dgm:pt>
+    <dgm:pt modelId="{BDF85E73-A8EB-4A70-B17D-128A2C0489D4}">
+      <dgm:prSet phldrT="[文本]" custT="1"/>
+      <dgm:spPr/>
+      <dgm:t>
+        <a:bodyPr/>
+        <a:lstStyle/>
+        <a:p>
+          <a:r>
+            <a:rPr lang="en-US" altLang="zh-CN" sz="1000" dirty="0" smtClean="0">
+              <a:latin typeface="仿宋_GB2312" panose="02010609030101010101" pitchFamily="49" charset="-122"/>
+              <a:ea typeface="仿宋_GB2312" panose="02010609030101010101" pitchFamily="49" charset="-122"/>
+            </a:rPr>
+            <a:t>3</a:t>
+          </a:r>
+          <a:r>
+            <a:rPr lang="zh-CN" altLang="en-US" sz="1000" dirty="0" smtClean="0">
+              <a:latin typeface="仿宋_GB2312" panose="02010609030101010101" pitchFamily="49" charset="-122"/>
+              <a:ea typeface="仿宋_GB2312" panose="02010609030101010101" pitchFamily="49" charset="-122"/>
+            </a:rPr>
+            <a:t>、时间的不确定性。</a:t>
+          </a:r>
+          <a:endParaRPr lang="zh-CN" altLang="en-US" sz="1000" dirty="0">
+            <a:latin typeface="仿宋_GB2312" panose="02010609030101010101" pitchFamily="49" charset="-122"/>
+            <a:ea typeface="仿宋_GB2312" panose="02010609030101010101" pitchFamily="49" charset="-122"/>
+          </a:endParaRPr>
+        </a:p>
+      </dgm:t>
+    </dgm:pt>
+    <dgm:pt modelId="{350C608B-2897-4CED-8113-D8BFE8B626A0}" type="parTrans" cxnId="{9D8B90CF-693E-4206-BB33-E237F25C3311}">
+      <dgm:prSet/>
+      <dgm:spPr/>
+      <dgm:t>
+        <a:bodyPr/>
+        <a:lstStyle/>
+        <a:p>
+          <a:endParaRPr lang="zh-CN" altLang="en-US"/>
+        </a:p>
+      </dgm:t>
+    </dgm:pt>
+    <dgm:pt modelId="{6AB3DF0D-9D20-455B-AE9D-BDFB09277D36}" type="sibTrans" cxnId="{9D8B90CF-693E-4206-BB33-E237F25C3311}">
+      <dgm:prSet/>
+      <dgm:spPr/>
+      <dgm:t>
+        <a:bodyPr/>
+        <a:lstStyle/>
+        <a:p>
+          <a:endParaRPr lang="zh-CN" altLang="en-US"/>
+        </a:p>
+      </dgm:t>
+    </dgm:pt>
+    <dgm:pt modelId="{CD62B700-1A69-4AF5-9A4A-26A59A12ED36}" type="pres">
+      <dgm:prSet presAssocID="{436265AB-5390-49EF-9C63-9544117A7036}" presName="linearFlow" presStyleCnt="0">
+        <dgm:presLayoutVars>
+          <dgm:dir/>
+          <dgm:animLvl val="lvl"/>
+          <dgm:resizeHandles val="exact"/>
+        </dgm:presLayoutVars>
+      </dgm:prSet>
+      <dgm:spPr/>
+      <dgm:t>
+        <a:bodyPr/>
+        <a:lstStyle/>
+        <a:p>
+          <a:endParaRPr lang="zh-CN" altLang="en-US"/>
+        </a:p>
+      </dgm:t>
+    </dgm:pt>
+    <dgm:pt modelId="{293850E2-EC71-4729-9150-06B87B68AD28}" type="pres">
+      <dgm:prSet presAssocID="{FD5D7C33-5B40-4D2D-99C8-FDCD8145A005}" presName="composite" presStyleCnt="0"/>
+      <dgm:spPr/>
+    </dgm:pt>
+    <dgm:pt modelId="{2FD6B1F5-6AAC-452D-BA1A-0791EB1FA462}" type="pres">
+      <dgm:prSet presAssocID="{FD5D7C33-5B40-4D2D-99C8-FDCD8145A005}" presName="parTx" presStyleLbl="node1" presStyleIdx="0" presStyleCnt="3">
+        <dgm:presLayoutVars>
+          <dgm:chMax val="0"/>
+          <dgm:chPref val="0"/>
+          <dgm:bulletEnabled val="1"/>
+        </dgm:presLayoutVars>
+      </dgm:prSet>
+      <dgm:spPr/>
+      <dgm:t>
+        <a:bodyPr/>
+        <a:lstStyle/>
+        <a:p>
+          <a:endParaRPr lang="zh-CN" altLang="en-US"/>
+        </a:p>
+      </dgm:t>
+    </dgm:pt>
+    <dgm:pt modelId="{5010163B-E75D-4A5D-B0AC-2525A766492E}" type="pres">
+      <dgm:prSet presAssocID="{FD5D7C33-5B40-4D2D-99C8-FDCD8145A005}" presName="parSh" presStyleLbl="node1" presStyleIdx="0" presStyleCnt="3" custLinFactNeighborX="392" custLinFactNeighborY="9679"/>
+      <dgm:spPr/>
+      <dgm:t>
+        <a:bodyPr/>
+        <a:lstStyle/>
+        <a:p>
+          <a:endParaRPr lang="zh-CN" altLang="en-US"/>
+        </a:p>
+      </dgm:t>
+    </dgm:pt>
+    <dgm:pt modelId="{63A66173-B8AE-42BE-B943-75C51D4ADF2D}" type="pres">
+      <dgm:prSet presAssocID="{FD5D7C33-5B40-4D2D-99C8-FDCD8145A005}" presName="desTx" presStyleLbl="fgAcc1" presStyleIdx="0" presStyleCnt="3" custScaleX="116030" custScaleY="89376" custLinFactNeighborX="6228" custLinFactNeighborY="-3176">
+        <dgm:presLayoutVars>
+          <dgm:bulletEnabled val="1"/>
+        </dgm:presLayoutVars>
+      </dgm:prSet>
+      <dgm:spPr/>
+      <dgm:t>
+        <a:bodyPr/>
+        <a:lstStyle/>
+        <a:p>
+          <a:endParaRPr lang="zh-CN" altLang="en-US"/>
+        </a:p>
+      </dgm:t>
+    </dgm:pt>
+    <dgm:pt modelId="{395A3FC5-C68A-4A78-9E6D-A9AF0DBB0203}" type="pres">
+      <dgm:prSet presAssocID="{D06FC83E-3D2D-464E-9E71-BE6472C0B57E}" presName="sibTrans" presStyleLbl="sibTrans2D1" presStyleIdx="0" presStyleCnt="2" custAng="11277" custLinFactNeighborX="2649" custLinFactNeighborY="15651"/>
+      <dgm:spPr/>
+      <dgm:t>
+        <a:bodyPr/>
+        <a:lstStyle/>
+        <a:p>
+          <a:endParaRPr lang="zh-CN" altLang="en-US"/>
+        </a:p>
+      </dgm:t>
+    </dgm:pt>
+    <dgm:pt modelId="{30EF8242-9D2E-4387-A5AA-282AF47D59FE}" type="pres">
+      <dgm:prSet presAssocID="{D06FC83E-3D2D-464E-9E71-BE6472C0B57E}" presName="connTx" presStyleLbl="sibTrans2D1" presStyleIdx="0" presStyleCnt="2"/>
+      <dgm:spPr/>
+      <dgm:t>
+        <a:bodyPr/>
+        <a:lstStyle/>
+        <a:p>
+          <a:endParaRPr lang="zh-CN" altLang="en-US"/>
+        </a:p>
+      </dgm:t>
+    </dgm:pt>
+    <dgm:pt modelId="{69DB64BA-6D7C-4FD0-9C2D-8A13F9914826}" type="pres">
+      <dgm:prSet presAssocID="{9052052F-38A7-4201-B112-CA14C9C8815A}" presName="composite" presStyleCnt="0"/>
+      <dgm:spPr/>
+    </dgm:pt>
+    <dgm:pt modelId="{BB024F09-2E48-4D38-9D91-60B77E33B2F3}" type="pres">
+      <dgm:prSet presAssocID="{9052052F-38A7-4201-B112-CA14C9C8815A}" presName="parTx" presStyleLbl="node1" presStyleIdx="0" presStyleCnt="3">
+        <dgm:presLayoutVars>
+          <dgm:chMax val="0"/>
+          <dgm:chPref val="0"/>
+          <dgm:bulletEnabled val="1"/>
+        </dgm:presLayoutVars>
+      </dgm:prSet>
+      <dgm:spPr/>
+      <dgm:t>
+        <a:bodyPr/>
+        <a:lstStyle/>
+        <a:p>
+          <a:endParaRPr lang="zh-CN" altLang="en-US"/>
+        </a:p>
+      </dgm:t>
+    </dgm:pt>
+    <dgm:pt modelId="{D3769FCD-AC8F-4308-B70B-0DFA51FFB15A}" type="pres">
+      <dgm:prSet presAssocID="{9052052F-38A7-4201-B112-CA14C9C8815A}" presName="parSh" presStyleLbl="node1" presStyleIdx="1" presStyleCnt="3" custScaleX="98090" custScaleY="95785" custLinFactNeighborX="1510" custLinFactNeighborY="7372"/>
+      <dgm:spPr/>
+      <dgm:t>
+        <a:bodyPr/>
+        <a:lstStyle/>
+        <a:p>
+          <a:endParaRPr lang="zh-CN" altLang="en-US"/>
+        </a:p>
+      </dgm:t>
+    </dgm:pt>
+    <dgm:pt modelId="{2C46FF0A-16C6-43CC-88D4-3D3069BEDAEF}" type="pres">
+      <dgm:prSet presAssocID="{9052052F-38A7-4201-B112-CA14C9C8815A}" presName="desTx" presStyleLbl="fgAcc1" presStyleIdx="1" presStyleCnt="3" custScaleX="114431" custScaleY="88939" custLinFactNeighborX="3439" custLinFactNeighborY="-2696">
+        <dgm:presLayoutVars>
+          <dgm:bulletEnabled val="1"/>
+        </dgm:presLayoutVars>
+      </dgm:prSet>
+      <dgm:spPr/>
+      <dgm:t>
+        <a:bodyPr/>
+        <a:lstStyle/>
+        <a:p>
+          <a:endParaRPr lang="zh-CN" altLang="en-US"/>
+        </a:p>
+      </dgm:t>
+    </dgm:pt>
+    <dgm:pt modelId="{87054365-ABD0-46C5-8420-AFF27AB043E5}" type="pres">
+      <dgm:prSet presAssocID="{1673962B-9B2E-4750-9E62-ACDA23AE2482}" presName="sibTrans" presStyleLbl="sibTrans2D1" presStyleIdx="1" presStyleCnt="2" custLinFactNeighborX="3887" custLinFactNeighborY="19780"/>
+      <dgm:spPr/>
+      <dgm:t>
+        <a:bodyPr/>
+        <a:lstStyle/>
+        <a:p>
+          <a:endParaRPr lang="zh-CN" altLang="en-US"/>
+        </a:p>
+      </dgm:t>
+    </dgm:pt>
+    <dgm:pt modelId="{80AC934E-9F86-47A7-BF3D-096ADD1801B8}" type="pres">
+      <dgm:prSet presAssocID="{1673962B-9B2E-4750-9E62-ACDA23AE2482}" presName="connTx" presStyleLbl="sibTrans2D1" presStyleIdx="1" presStyleCnt="2"/>
+      <dgm:spPr/>
+      <dgm:t>
+        <a:bodyPr/>
+        <a:lstStyle/>
+        <a:p>
+          <a:endParaRPr lang="zh-CN" altLang="en-US"/>
+        </a:p>
+      </dgm:t>
+    </dgm:pt>
+    <dgm:pt modelId="{B44D3B98-AF11-49BD-9C02-960920AB19B6}" type="pres">
+      <dgm:prSet presAssocID="{0C160F14-3E4B-45AF-9158-0B1FF390997D}" presName="composite" presStyleCnt="0"/>
+      <dgm:spPr/>
+    </dgm:pt>
+    <dgm:pt modelId="{4F62ACB9-6EB3-46D3-88CE-775A05A10893}" type="pres">
+      <dgm:prSet presAssocID="{0C160F14-3E4B-45AF-9158-0B1FF390997D}" presName="parTx" presStyleLbl="node1" presStyleIdx="1" presStyleCnt="3">
+        <dgm:presLayoutVars>
+          <dgm:chMax val="0"/>
+          <dgm:chPref val="0"/>
+          <dgm:bulletEnabled val="1"/>
+        </dgm:presLayoutVars>
+      </dgm:prSet>
+      <dgm:spPr/>
+      <dgm:t>
+        <a:bodyPr/>
+        <a:lstStyle/>
+        <a:p>
+          <a:endParaRPr lang="zh-CN" altLang="en-US"/>
+        </a:p>
+      </dgm:t>
+    </dgm:pt>
+    <dgm:pt modelId="{D711F695-23F4-4BA0-B111-0CFDFD4832DB}" type="pres">
+      <dgm:prSet presAssocID="{0C160F14-3E4B-45AF-9158-0B1FF390997D}" presName="parSh" presStyleLbl="node1" presStyleIdx="2" presStyleCnt="3" custScaleX="97650" custScaleY="93223" custLinFactNeighborX="4405" custLinFactNeighborY="7730"/>
+      <dgm:spPr/>
+      <dgm:t>
+        <a:bodyPr/>
+        <a:lstStyle/>
+        <a:p>
+          <a:endParaRPr lang="zh-CN" altLang="en-US"/>
+        </a:p>
+      </dgm:t>
+    </dgm:pt>
+    <dgm:pt modelId="{8910FE79-C8A6-4673-AC17-E82A107C5B80}" type="pres">
+      <dgm:prSet presAssocID="{0C160F14-3E4B-45AF-9158-0B1FF390997D}" presName="desTx" presStyleLbl="fgAcc1" presStyleIdx="2" presStyleCnt="3" custScaleY="89407" custLinFactNeighborX="2933" custLinFactNeighborY="-2267">
+        <dgm:presLayoutVars>
+          <dgm:bulletEnabled val="1"/>
+        </dgm:presLayoutVars>
+      </dgm:prSet>
+      <dgm:spPr/>
+      <dgm:t>
+        <a:bodyPr/>
+        <a:lstStyle/>
+        <a:p>
+          <a:endParaRPr lang="zh-CN" altLang="en-US"/>
+        </a:p>
+      </dgm:t>
+    </dgm:pt>
+  </dgm:ptLst>
+  <dgm:cxnLst>
+    <dgm:cxn modelId="{86D4B130-EFEA-4FBF-AB00-B1757F1A7488}" srcId="{9052052F-38A7-4201-B112-CA14C9C8815A}" destId="{DFFB30B2-6DC5-4B93-87CB-AE0B143499C6}" srcOrd="1" destOrd="0" parTransId="{F101860D-B691-47CF-A7F6-5C39F7D6D66D}" sibTransId="{1845DA81-98EA-438A-853E-C31749D96526}"/>
+    <dgm:cxn modelId="{7B0ABF47-7D5A-4B11-A79B-F865F8FA71D8}" type="presOf" srcId="{9EE95152-C004-4064-A828-85FDC1B05E62}" destId="{2C46FF0A-16C6-43CC-88D4-3D3069BEDAEF}" srcOrd="0" destOrd="3" presId="urn:microsoft.com/office/officeart/2005/8/layout/process3"/>
+    <dgm:cxn modelId="{35F57EBE-A36E-426C-BFA5-FDF255CED757}" type="presOf" srcId="{5448FD1C-6B01-4FAD-B48C-A4FA70B155D6}" destId="{63A66173-B8AE-42BE-B943-75C51D4ADF2D}" srcOrd="0" destOrd="4" presId="urn:microsoft.com/office/officeart/2005/8/layout/process3"/>
+    <dgm:cxn modelId="{AAB104AD-118E-4B2E-93CB-79280A2A00A8}" type="presOf" srcId="{9052052F-38A7-4201-B112-CA14C9C8815A}" destId="{D3769FCD-AC8F-4308-B70B-0DFA51FFB15A}" srcOrd="1" destOrd="0" presId="urn:microsoft.com/office/officeart/2005/8/layout/process3"/>
+    <dgm:cxn modelId="{4942B35A-9FA7-4090-9FF6-4E75C73D5C28}" type="presOf" srcId="{6E040E3E-DDC4-4872-BFB3-6D91583E24FC}" destId="{2C46FF0A-16C6-43CC-88D4-3D3069BEDAEF}" srcOrd="0" destOrd="5" presId="urn:microsoft.com/office/officeart/2005/8/layout/process3"/>
+    <dgm:cxn modelId="{F5C08C81-AD72-4715-BED0-B26520D8E0F2}" srcId="{FD5D7C33-5B40-4D2D-99C8-FDCD8145A005}" destId="{5A0C7119-A1BD-48D1-9C85-11D77F31FD13}" srcOrd="5" destOrd="0" parTransId="{58CC2421-0972-4E54-8350-831047A979C0}" sibTransId="{4AB4685F-BC4D-4536-A688-2929EA53B112}"/>
+    <dgm:cxn modelId="{9DD8E704-A1F1-430C-8EA4-2460B5017936}" srcId="{9052052F-38A7-4201-B112-CA14C9C8815A}" destId="{728CF6FA-6D2A-49AE-9A77-66CC39C4C355}" srcOrd="4" destOrd="0" parTransId="{D073AEDF-DEB1-4FDC-A9B1-C42EA052A1B1}" sibTransId="{F85F4C43-0A87-48E1-A3D4-F65824DE0AB2}"/>
+    <dgm:cxn modelId="{8835C5F2-FD9B-4EEE-AC9F-DAA4332FEE09}" type="presOf" srcId="{7888E13F-A1AE-47A6-9BBA-F2975C194E0D}" destId="{63A66173-B8AE-42BE-B943-75C51D4ADF2D}" srcOrd="0" destOrd="0" presId="urn:microsoft.com/office/officeart/2005/8/layout/process3"/>
+    <dgm:cxn modelId="{D6CF09E8-4FA5-496B-8337-0FCD097E1880}" type="presOf" srcId="{9052052F-38A7-4201-B112-CA14C9C8815A}" destId="{BB024F09-2E48-4D38-9D91-60B77E33B2F3}" srcOrd="0" destOrd="0" presId="urn:microsoft.com/office/officeart/2005/8/layout/process3"/>
+    <dgm:cxn modelId="{776B0168-0875-4BE6-9CB4-3A2D7C209330}" srcId="{FD5D7C33-5B40-4D2D-99C8-FDCD8145A005}" destId="{49B5A52F-98BC-44F6-AF2F-91AAD82698E5}" srcOrd="1" destOrd="0" parTransId="{2A51BE62-FD7A-4CA2-80A0-9BC4C2868D35}" sibTransId="{F8F23646-2814-4D74-8554-1548AFA2FE2A}"/>
+    <dgm:cxn modelId="{1E2CCF8E-5D19-4D55-96F5-C28B74434192}" srcId="{FD5D7C33-5B40-4D2D-99C8-FDCD8145A005}" destId="{99404280-CF2D-4307-8490-3FA43639810E}" srcOrd="3" destOrd="0" parTransId="{0E06ACCF-7314-4C03-B8B8-3D9C64C9F894}" sibTransId="{5F4E7FEE-5812-484E-AE0D-8596BBB5D997}"/>
+    <dgm:cxn modelId="{61BFEB92-097A-45AE-8F89-D8177A039025}" srcId="{FD5D7C33-5B40-4D2D-99C8-FDCD8145A005}" destId="{7888E13F-A1AE-47A6-9BBA-F2975C194E0D}" srcOrd="0" destOrd="0" parTransId="{3AA0A440-9B19-4ABC-9E54-52C14E942D43}" sibTransId="{B908E332-5876-417D-BBCA-AFD8707CD173}"/>
+    <dgm:cxn modelId="{30FC9B8B-E1BF-4832-8A11-ABD078F7777A}" type="presOf" srcId="{0C160F14-3E4B-45AF-9158-0B1FF390997D}" destId="{D711F695-23F4-4BA0-B111-0CFDFD4832DB}" srcOrd="1" destOrd="0" presId="urn:microsoft.com/office/officeart/2005/8/layout/process3"/>
+    <dgm:cxn modelId="{D21F60F3-FAFB-4F1E-AB90-418982BE33E8}" type="presOf" srcId="{D06FC83E-3D2D-464E-9E71-BE6472C0B57E}" destId="{30EF8242-9D2E-4387-A5AA-282AF47D59FE}" srcOrd="1" destOrd="0" presId="urn:microsoft.com/office/officeart/2005/8/layout/process3"/>
+    <dgm:cxn modelId="{69DA632A-A728-4EEE-9C54-A5BC3D8C1F09}" type="presOf" srcId="{436265AB-5390-49EF-9C63-9544117A7036}" destId="{CD62B700-1A69-4AF5-9A4A-26A59A12ED36}" srcOrd="0" destOrd="0" presId="urn:microsoft.com/office/officeart/2005/8/layout/process3"/>
+    <dgm:cxn modelId="{F5D51562-2082-4022-A73C-AC07ECA78452}" type="presOf" srcId="{4281A2C1-760C-4C85-AD68-5CDC1F263DC8}" destId="{2C46FF0A-16C6-43CC-88D4-3D3069BEDAEF}" srcOrd="0" destOrd="2" presId="urn:microsoft.com/office/officeart/2005/8/layout/process3"/>
+    <dgm:cxn modelId="{1D1E15B4-24E4-45BC-92CA-33A86F98BE21}" type="presOf" srcId="{1673962B-9B2E-4750-9E62-ACDA23AE2482}" destId="{80AC934E-9F86-47A7-BF3D-096ADD1801B8}" srcOrd="1" destOrd="0" presId="urn:microsoft.com/office/officeart/2005/8/layout/process3"/>
+    <dgm:cxn modelId="{D42EF04A-1BED-43AB-A400-1EB84839F6B2}" type="presOf" srcId="{7B389182-7A39-4F15-A616-3AA7A9BF72D4}" destId="{63A66173-B8AE-42BE-B943-75C51D4ADF2D}" srcOrd="0" destOrd="2" presId="urn:microsoft.com/office/officeart/2005/8/layout/process3"/>
+    <dgm:cxn modelId="{A3B0D6CB-EB91-4C8C-83B6-9EDE791147DB}" type="presOf" srcId="{49B5A52F-98BC-44F6-AF2F-91AAD82698E5}" destId="{63A66173-B8AE-42BE-B943-75C51D4ADF2D}" srcOrd="0" destOrd="1" presId="urn:microsoft.com/office/officeart/2005/8/layout/process3"/>
+    <dgm:cxn modelId="{190A16B4-497A-4E28-8037-20B66A4CCF1C}" srcId="{9052052F-38A7-4201-B112-CA14C9C8815A}" destId="{6E040E3E-DDC4-4872-BFB3-6D91583E24FC}" srcOrd="5" destOrd="0" parTransId="{3541A6C0-0898-4C76-B980-9DC16190B996}" sibTransId="{ED9B230D-5C3E-41F4-89C7-795B582AA79C}"/>
+    <dgm:cxn modelId="{DC921C70-2953-4F3F-A41B-D4BB491AFF73}" type="presOf" srcId="{5A0C7119-A1BD-48D1-9C85-11D77F31FD13}" destId="{63A66173-B8AE-42BE-B943-75C51D4ADF2D}" srcOrd="0" destOrd="5" presId="urn:microsoft.com/office/officeart/2005/8/layout/process3"/>
+    <dgm:cxn modelId="{1AC11690-1488-4005-B65B-78AC9EC868EA}" type="presOf" srcId="{EF4507D7-48A6-405A-914C-E3CDBF58DF16}" destId="{2C46FF0A-16C6-43CC-88D4-3D3069BEDAEF}" srcOrd="0" destOrd="0" presId="urn:microsoft.com/office/officeart/2005/8/layout/process3"/>
+    <dgm:cxn modelId="{D6D039DA-A644-41C0-803A-F02410548FFA}" srcId="{FD5D7C33-5B40-4D2D-99C8-FDCD8145A005}" destId="{7B389182-7A39-4F15-A616-3AA7A9BF72D4}" srcOrd="2" destOrd="0" parTransId="{30882FE3-B493-4947-9003-10B1B3BDC842}" sibTransId="{E4F06F49-F179-4706-A025-96AE20B7A78A}"/>
+    <dgm:cxn modelId="{B363A496-C46A-4EAD-9F7F-C3156D1616E9}" type="presOf" srcId="{99404280-CF2D-4307-8490-3FA43639810E}" destId="{63A66173-B8AE-42BE-B943-75C51D4ADF2D}" srcOrd="0" destOrd="3" presId="urn:microsoft.com/office/officeart/2005/8/layout/process3"/>
+    <dgm:cxn modelId="{615B396E-839B-4ECC-85B2-DBED3E2B94B8}" srcId="{0C160F14-3E4B-45AF-9158-0B1FF390997D}" destId="{5D0E23DD-9A2F-4662-A9AD-1E84A7315B5A}" srcOrd="0" destOrd="0" parTransId="{3889AA5F-DA56-45E0-BA2D-64720D8A7675}" sibTransId="{E2300830-89A7-4A06-9CDA-A985E43132AE}"/>
+    <dgm:cxn modelId="{2C7106E9-2709-4E0E-9974-F82464CE08E4}" srcId="{0C160F14-3E4B-45AF-9158-0B1FF390997D}" destId="{816BD05A-B666-4527-A915-C6083E175BC9}" srcOrd="1" destOrd="0" parTransId="{EBD294CE-F349-4781-9312-E1E8BD415EB8}" sibTransId="{E519ABAF-750F-4497-8ECE-C3605C00467E}"/>
+    <dgm:cxn modelId="{8FCF1209-A4E5-498F-84D8-823B66241AF1}" srcId="{9052052F-38A7-4201-B112-CA14C9C8815A}" destId="{EF4507D7-48A6-405A-914C-E3CDBF58DF16}" srcOrd="0" destOrd="0" parTransId="{20E89B3B-4589-4AF5-837A-44D0A0CDF486}" sibTransId="{3E44D100-D4E3-473B-BFB4-048E8FE82F67}"/>
+    <dgm:cxn modelId="{2A12F9C2-4510-4A0A-975E-3D3FE1435637}" srcId="{9052052F-38A7-4201-B112-CA14C9C8815A}" destId="{9EE95152-C004-4064-A828-85FDC1B05E62}" srcOrd="3" destOrd="0" parTransId="{373FCBAA-F87B-47E7-8BF5-58BCA959003B}" sibTransId="{6BD1BFFA-2497-4924-A826-6C8C15D07432}"/>
+    <dgm:cxn modelId="{9D8B90CF-693E-4206-BB33-E237F25C3311}" srcId="{0C160F14-3E4B-45AF-9158-0B1FF390997D}" destId="{BDF85E73-A8EB-4A70-B17D-128A2C0489D4}" srcOrd="2" destOrd="0" parTransId="{350C608B-2897-4CED-8113-D8BFE8B626A0}" sibTransId="{6AB3DF0D-9D20-455B-AE9D-BDFB09277D36}"/>
+    <dgm:cxn modelId="{6680EFAD-814C-443B-942C-2484603330A1}" type="presOf" srcId="{DFFB30B2-6DC5-4B93-87CB-AE0B143499C6}" destId="{2C46FF0A-16C6-43CC-88D4-3D3069BEDAEF}" srcOrd="0" destOrd="1" presId="urn:microsoft.com/office/officeart/2005/8/layout/process3"/>
+    <dgm:cxn modelId="{E199F463-ACD1-4060-BA53-2624D5D03BC6}" type="presOf" srcId="{728CF6FA-6D2A-49AE-9A77-66CC39C4C355}" destId="{2C46FF0A-16C6-43CC-88D4-3D3069BEDAEF}" srcOrd="0" destOrd="4" presId="urn:microsoft.com/office/officeart/2005/8/layout/process3"/>
+    <dgm:cxn modelId="{256C3C96-B41F-4DB3-8BA2-5BA5AF4C9EB2}" type="presOf" srcId="{816BD05A-B666-4527-A915-C6083E175BC9}" destId="{8910FE79-C8A6-4673-AC17-E82A107C5B80}" srcOrd="0" destOrd="1" presId="urn:microsoft.com/office/officeart/2005/8/layout/process3"/>
+    <dgm:cxn modelId="{D4CF5538-9ABA-4B1C-9991-AA29F6ACEEC4}" type="presOf" srcId="{5D0E23DD-9A2F-4662-A9AD-1E84A7315B5A}" destId="{8910FE79-C8A6-4673-AC17-E82A107C5B80}" srcOrd="0" destOrd="0" presId="urn:microsoft.com/office/officeart/2005/8/layout/process3"/>
+    <dgm:cxn modelId="{8ACD4300-5B50-46E0-854E-B62509487159}" srcId="{436265AB-5390-49EF-9C63-9544117A7036}" destId="{0C160F14-3E4B-45AF-9158-0B1FF390997D}" srcOrd="2" destOrd="0" parTransId="{59011C91-C7A1-414A-938D-62A041C25E6D}" sibTransId="{C1EFF36B-D73F-433C-911B-0853FCE89D5F}"/>
+    <dgm:cxn modelId="{0CA55BC6-A00D-4E97-8292-2E897884BBB0}" srcId="{FD5D7C33-5B40-4D2D-99C8-FDCD8145A005}" destId="{5448FD1C-6B01-4FAD-B48C-A4FA70B155D6}" srcOrd="4" destOrd="0" parTransId="{E4C54084-B576-4806-BA9C-1232CD25A7C7}" sibTransId="{051A74E7-E9D5-4FC4-A733-EBF0DC1C75BB}"/>
+    <dgm:cxn modelId="{3DE4FC61-2F3F-4057-8538-A68D2A5E1EA6}" type="presOf" srcId="{FD5D7C33-5B40-4D2D-99C8-FDCD8145A005}" destId="{2FD6B1F5-6AAC-452D-BA1A-0791EB1FA462}" srcOrd="0" destOrd="0" presId="urn:microsoft.com/office/officeart/2005/8/layout/process3"/>
+    <dgm:cxn modelId="{A3A0C972-02DC-4643-AC1E-38C8EFB0A638}" srcId="{436265AB-5390-49EF-9C63-9544117A7036}" destId="{FD5D7C33-5B40-4D2D-99C8-FDCD8145A005}" srcOrd="0" destOrd="0" parTransId="{9AA715F6-5C71-445B-9B09-6BF69B5D790F}" sibTransId="{D06FC83E-3D2D-464E-9E71-BE6472C0B57E}"/>
+    <dgm:cxn modelId="{0699077F-22BF-4C87-9B29-7133A85584B8}" type="presOf" srcId="{D06FC83E-3D2D-464E-9E71-BE6472C0B57E}" destId="{395A3FC5-C68A-4A78-9E6D-A9AF0DBB0203}" srcOrd="0" destOrd="0" presId="urn:microsoft.com/office/officeart/2005/8/layout/process3"/>
+    <dgm:cxn modelId="{58906139-FF0C-400A-B719-62AFC4A9B594}" type="presOf" srcId="{1673962B-9B2E-4750-9E62-ACDA23AE2482}" destId="{87054365-ABD0-46C5-8420-AFF27AB043E5}" srcOrd="0" destOrd="0" presId="urn:microsoft.com/office/officeart/2005/8/layout/process3"/>
+    <dgm:cxn modelId="{D3E3131B-D328-4741-85B9-40128CD27EDA}" srcId="{436265AB-5390-49EF-9C63-9544117A7036}" destId="{9052052F-38A7-4201-B112-CA14C9C8815A}" srcOrd="1" destOrd="0" parTransId="{033DE8E8-09B3-49BD-8710-606E7D30ECFE}" sibTransId="{1673962B-9B2E-4750-9E62-ACDA23AE2482}"/>
+    <dgm:cxn modelId="{3F6E9858-683A-46CE-97E2-8BEB7AF10679}" type="presOf" srcId="{FD5D7C33-5B40-4D2D-99C8-FDCD8145A005}" destId="{5010163B-E75D-4A5D-B0AC-2525A766492E}" srcOrd="1" destOrd="0" presId="urn:microsoft.com/office/officeart/2005/8/layout/process3"/>
+    <dgm:cxn modelId="{5DD18197-8C19-4297-B592-3922736E1BCD}" srcId="{9052052F-38A7-4201-B112-CA14C9C8815A}" destId="{4281A2C1-760C-4C85-AD68-5CDC1F263DC8}" srcOrd="2" destOrd="0" parTransId="{019B936D-2AEF-4F24-9334-33724BAB770B}" sibTransId="{68C5AA54-7E21-44CF-B08B-93E62EFFEDD4}"/>
+    <dgm:cxn modelId="{E32E827B-F0B3-4894-9F54-2089CA706BEA}" type="presOf" srcId="{0C160F14-3E4B-45AF-9158-0B1FF390997D}" destId="{4F62ACB9-6EB3-46D3-88CE-775A05A10893}" srcOrd="0" destOrd="0" presId="urn:microsoft.com/office/officeart/2005/8/layout/process3"/>
+    <dgm:cxn modelId="{0FF529A8-56E4-4859-AD7B-946AAFD41D27}" type="presOf" srcId="{BDF85E73-A8EB-4A70-B17D-128A2C0489D4}" destId="{8910FE79-C8A6-4673-AC17-E82A107C5B80}" srcOrd="0" destOrd="2" presId="urn:microsoft.com/office/officeart/2005/8/layout/process3"/>
+    <dgm:cxn modelId="{A512BBAD-7D0C-4FAD-832A-312D85F0BEA6}" type="presParOf" srcId="{CD62B700-1A69-4AF5-9A4A-26A59A12ED36}" destId="{293850E2-EC71-4729-9150-06B87B68AD28}" srcOrd="0" destOrd="0" presId="urn:microsoft.com/office/officeart/2005/8/layout/process3"/>
+    <dgm:cxn modelId="{C56E28A9-6EE5-4765-B39A-F9F5901101E7}" type="presParOf" srcId="{293850E2-EC71-4729-9150-06B87B68AD28}" destId="{2FD6B1F5-6AAC-452D-BA1A-0791EB1FA462}" srcOrd="0" destOrd="0" presId="urn:microsoft.com/office/officeart/2005/8/layout/process3"/>
+    <dgm:cxn modelId="{FE41A00C-7CA0-4312-9978-A981970517A2}" type="presParOf" srcId="{293850E2-EC71-4729-9150-06B87B68AD28}" destId="{5010163B-E75D-4A5D-B0AC-2525A766492E}" srcOrd="1" destOrd="0" presId="urn:microsoft.com/office/officeart/2005/8/layout/process3"/>
+    <dgm:cxn modelId="{75F8EA0D-4227-467D-A95C-3BE4C3CAFE71}" type="presParOf" srcId="{293850E2-EC71-4729-9150-06B87B68AD28}" destId="{63A66173-B8AE-42BE-B943-75C51D4ADF2D}" srcOrd="2" destOrd="0" presId="urn:microsoft.com/office/officeart/2005/8/layout/process3"/>
+    <dgm:cxn modelId="{880D92A4-623E-4442-9AB2-DFE326FD9788}" type="presParOf" srcId="{CD62B700-1A69-4AF5-9A4A-26A59A12ED36}" destId="{395A3FC5-C68A-4A78-9E6D-A9AF0DBB0203}" srcOrd="1" destOrd="0" presId="urn:microsoft.com/office/officeart/2005/8/layout/process3"/>
+    <dgm:cxn modelId="{69702EA9-4226-4EE4-A669-FF5EA9B66168}" type="presParOf" srcId="{395A3FC5-C68A-4A78-9E6D-A9AF0DBB0203}" destId="{30EF8242-9D2E-4387-A5AA-282AF47D59FE}" srcOrd="0" destOrd="0" presId="urn:microsoft.com/office/officeart/2005/8/layout/process3"/>
+    <dgm:cxn modelId="{28CF5176-7A13-4A4E-8ACA-4FC6430A4864}" type="presParOf" srcId="{CD62B700-1A69-4AF5-9A4A-26A59A12ED36}" destId="{69DB64BA-6D7C-4FD0-9C2D-8A13F9914826}" srcOrd="2" destOrd="0" presId="urn:microsoft.com/office/officeart/2005/8/layout/process3"/>
+    <dgm:cxn modelId="{E079D327-3B42-461C-A878-F01F0FA7CA09}" type="presParOf" srcId="{69DB64BA-6D7C-4FD0-9C2D-8A13F9914826}" destId="{BB024F09-2E48-4D38-9D91-60B77E33B2F3}" srcOrd="0" destOrd="0" presId="urn:microsoft.com/office/officeart/2005/8/layout/process3"/>
+    <dgm:cxn modelId="{E32DEFA3-68B3-4126-A0C0-568DBABED9F2}" type="presParOf" srcId="{69DB64BA-6D7C-4FD0-9C2D-8A13F9914826}" destId="{D3769FCD-AC8F-4308-B70B-0DFA51FFB15A}" srcOrd="1" destOrd="0" presId="urn:microsoft.com/office/officeart/2005/8/layout/process3"/>
+    <dgm:cxn modelId="{FF9CC09D-3495-4BF0-AE4D-89B6DAABEFF4}" type="presParOf" srcId="{69DB64BA-6D7C-4FD0-9C2D-8A13F9914826}" destId="{2C46FF0A-16C6-43CC-88D4-3D3069BEDAEF}" srcOrd="2" destOrd="0" presId="urn:microsoft.com/office/officeart/2005/8/layout/process3"/>
+    <dgm:cxn modelId="{EEE3C0DC-6014-4FF0-86DF-310B5342ED3D}" type="presParOf" srcId="{CD62B700-1A69-4AF5-9A4A-26A59A12ED36}" destId="{87054365-ABD0-46C5-8420-AFF27AB043E5}" srcOrd="3" destOrd="0" presId="urn:microsoft.com/office/officeart/2005/8/layout/process3"/>
+    <dgm:cxn modelId="{A8BC9527-3A9C-4460-818B-041DD4A0B3D4}" type="presParOf" srcId="{87054365-ABD0-46C5-8420-AFF27AB043E5}" destId="{80AC934E-9F86-47A7-BF3D-096ADD1801B8}" srcOrd="0" destOrd="0" presId="urn:microsoft.com/office/officeart/2005/8/layout/process3"/>
+    <dgm:cxn modelId="{41F40747-90EA-4024-A7A6-7663F70AAC50}" type="presParOf" srcId="{CD62B700-1A69-4AF5-9A4A-26A59A12ED36}" destId="{B44D3B98-AF11-49BD-9C02-960920AB19B6}" srcOrd="4" destOrd="0" presId="urn:microsoft.com/office/officeart/2005/8/layout/process3"/>
+    <dgm:cxn modelId="{013F932A-0582-4624-8E61-8D6E9B70CAD4}" type="presParOf" srcId="{B44D3B98-AF11-49BD-9C02-960920AB19B6}" destId="{4F62ACB9-6EB3-46D3-88CE-775A05A10893}" srcOrd="0" destOrd="0" presId="urn:microsoft.com/office/officeart/2005/8/layout/process3"/>
+    <dgm:cxn modelId="{7529E42C-FCEC-42B8-8080-0C548F8CCF90}" type="presParOf" srcId="{B44D3B98-AF11-49BD-9C02-960920AB19B6}" destId="{D711F695-23F4-4BA0-B111-0CFDFD4832DB}" srcOrd="1" destOrd="0" presId="urn:microsoft.com/office/officeart/2005/8/layout/process3"/>
+    <dgm:cxn modelId="{63B973BD-064E-4B1C-8368-17D8A8B97686}" type="presParOf" srcId="{B44D3B98-AF11-49BD-9C02-960920AB19B6}" destId="{8910FE79-C8A6-4673-AC17-E82A107C5B80}" srcOrd="2" destOrd="0" presId="urn:microsoft.com/office/officeart/2005/8/layout/process3"/>
+  </dgm:cxnLst>
+  <dgm:bg/>
+  <dgm:whole/>
+  <dgm:extLst>
+    <a:ext uri="http://schemas.microsoft.com/office/drawing/2008/diagram">
+      <dsp:dataModelExt xmlns:dsp="http://schemas.microsoft.com/office/drawing/2008/diagram" relId="rId6" minVer="http://schemas.openxmlformats.org/drawingml/2006/diagram"/>
+    </a:ext>
+  </dgm:extLst>
+</dgm:dataModel>
+</file>
+
+<file path=ppt/diagrams/drawing1.xml><?xml version="1.0" encoding="utf-8"?>
+<dsp:drawing xmlns:dgm="http://schemas.openxmlformats.org/drawingml/2006/diagram" xmlns:dsp="http://schemas.microsoft.com/office/drawing/2008/diagram" xmlns:a="http://schemas.openxmlformats.org/drawingml/2006/main">
+  <dsp:spTree>
+    <dsp:nvGrpSpPr>
+      <dsp:cNvPr id="0" name=""/>
+      <dsp:cNvGrpSpPr/>
+    </dsp:nvGrpSpPr>
+    <dsp:grpSpPr/>
+    <dsp:sp modelId="{5010163B-E75D-4A5D-B0AC-2525A766492E}">
+      <dsp:nvSpPr>
+        <dsp:cNvPr id="0" name=""/>
+        <dsp:cNvSpPr/>
+      </dsp:nvSpPr>
+      <dsp:spPr>
+        <a:xfrm>
+          <a:off x="10508" y="611445"/>
+          <a:ext cx="1785381" cy="1026076"/>
+        </a:xfrm>
+        <a:prstGeom prst="roundRect">
+          <a:avLst>
+            <a:gd name="adj" fmla="val 10000"/>
+          </a:avLst>
+        </a:prstGeom>
+        <a:gradFill rotWithShape="0">
+          <a:gsLst>
+            <a:gs pos="0">
+              <a:schemeClr val="accent1">
+                <a:hueOff val="0"/>
+                <a:satOff val="0"/>
+                <a:lumOff val="0"/>
+                <a:alphaOff val="0"/>
+                <a:shade val="85000"/>
+                <a:satMod val="130000"/>
+              </a:schemeClr>
+            </a:gs>
+            <a:gs pos="34000">
+              <a:schemeClr val="accent1">
+                <a:hueOff val="0"/>
+                <a:satOff val="0"/>
+                <a:lumOff val="0"/>
+                <a:alphaOff val="0"/>
+                <a:shade val="87000"/>
+                <a:satMod val="125000"/>
+              </a:schemeClr>
+            </a:gs>
+            <a:gs pos="70000">
+              <a:schemeClr val="accent1">
+                <a:hueOff val="0"/>
+                <a:satOff val="0"/>
+                <a:lumOff val="0"/>
+                <a:alphaOff val="0"/>
+                <a:tint val="100000"/>
+                <a:shade val="90000"/>
+                <a:satMod val="130000"/>
+              </a:schemeClr>
+            </a:gs>
+            <a:gs pos="100000">
+              <a:schemeClr val="accent1">
+                <a:hueOff val="0"/>
+                <a:satOff val="0"/>
+                <a:lumOff val="0"/>
+                <a:alphaOff val="0"/>
+                <a:tint val="100000"/>
+                <a:shade val="100000"/>
+                <a:satMod val="110000"/>
+              </a:schemeClr>
+            </a:gs>
+          </a:gsLst>
+          <a:path path="circle">
+            <a:fillToRect l="100000" t="100000" r="100000" b="100000"/>
+          </a:path>
+        </a:gradFill>
+        <a:ln>
+          <a:noFill/>
+        </a:ln>
+        <a:effectLst>
+          <a:outerShdw blurRad="38100" dist="25400" dir="2700000" algn="br" rotWithShape="0">
+            <a:srgbClr val="000000">
+              <a:alpha val="60000"/>
+            </a:srgbClr>
+          </a:outerShdw>
+        </a:effectLst>
+      </dsp:spPr>
+      <dsp:style>
+        <a:lnRef idx="0">
+          <a:scrgbClr r="0" g="0" b="0"/>
+        </a:lnRef>
+        <a:fillRef idx="3">
+          <a:scrgbClr r="0" g="0" b="0"/>
+        </a:fillRef>
+        <a:effectRef idx="2">
+          <a:scrgbClr r="0" g="0" b="0"/>
+        </a:effectRef>
+        <a:fontRef idx="minor">
+          <a:schemeClr val="lt1"/>
+        </a:fontRef>
+      </dsp:style>
+      <dsp:txBody>
+        <a:bodyPr spcFirstLastPara="0" vert="horz" wrap="square" lIns="170688" tIns="170688" rIns="170688" bIns="91440" numCol="1" spcCol="1270" anchor="t" anchorCtr="0">
+          <a:noAutofit/>
+        </a:bodyPr>
+        <a:lstStyle/>
+        <a:p>
+          <a:pPr lvl="0" algn="l" defTabSz="1066800">
+            <a:lnSpc>
+              <a:spcPct val="90000"/>
+            </a:lnSpc>
+            <a:spcBef>
+              <a:spcPct val="0"/>
+            </a:spcBef>
+            <a:spcAft>
+              <a:spcPct val="35000"/>
+            </a:spcAft>
+          </a:pPr>
+          <a:r>
+            <a:rPr lang="zh-CN" altLang="en-US" sz="2400" kern="1200" dirty="0" smtClean="0">
+              <a:latin typeface="楷体_GB2312" panose="02010609030101010101" pitchFamily="49" charset="-122"/>
+              <a:ea typeface="楷体_GB2312" panose="02010609030101010101" pitchFamily="49" charset="-122"/>
+            </a:rPr>
+            <a:t>战术会议</a:t>
+          </a:r>
+          <a:endParaRPr lang="zh-CN" altLang="en-US" sz="2400" kern="1200" dirty="0">
+            <a:latin typeface="楷体_GB2312" panose="02010609030101010101" pitchFamily="49" charset="-122"/>
+            <a:ea typeface="楷体_GB2312" panose="02010609030101010101" pitchFamily="49" charset="-122"/>
+          </a:endParaRPr>
+        </a:p>
+      </dsp:txBody>
+      <dsp:txXfrm>
+        <a:off x="10508" y="611445"/>
+        <a:ext cx="1785381" cy="684051"/>
+      </dsp:txXfrm>
+    </dsp:sp>
+    <dsp:sp modelId="{63A66173-B8AE-42BE-B943-75C51D4ADF2D}">
+      <dsp:nvSpPr>
+        <dsp:cNvPr id="0" name=""/>
+        <dsp:cNvSpPr/>
+      </dsp:nvSpPr>
+      <dsp:spPr>
+        <a:xfrm>
+          <a:off x="337285" y="1259622"/>
+          <a:ext cx="2071578" cy="2654467"/>
+        </a:xfrm>
+        <a:prstGeom prst="roundRect">
+          <a:avLst>
+            <a:gd name="adj" fmla="val 10000"/>
+          </a:avLst>
+        </a:prstGeom>
+        <a:solidFill>
+          <a:schemeClr val="lt1">
+            <a:alpha val="90000"/>
+            <a:hueOff val="0"/>
+            <a:satOff val="0"/>
+            <a:lumOff val="0"/>
+            <a:alphaOff val="0"/>
+          </a:schemeClr>
+        </a:solidFill>
+        <a:ln w="12700" cap="flat" cmpd="sng" algn="ctr">
+          <a:solidFill>
+            <a:schemeClr val="accent1">
+              <a:hueOff val="0"/>
+              <a:satOff val="0"/>
+              <a:lumOff val="0"/>
+              <a:alphaOff val="0"/>
+            </a:schemeClr>
+          </a:solidFill>
+          <a:prstDash val="solid"/>
+        </a:ln>
+        <a:effectLst/>
+      </dsp:spPr>
+      <dsp:style>
+        <a:lnRef idx="1">
+          <a:scrgbClr r="0" g="0" b="0"/>
+        </a:lnRef>
+        <a:fillRef idx="1">
+          <a:scrgbClr r="0" g="0" b="0"/>
+        </a:fillRef>
+        <a:effectRef idx="0">
+          <a:scrgbClr r="0" g="0" b="0"/>
+        </a:effectRef>
+        <a:fontRef idx="minor"/>
+      </dsp:style>
+      <dsp:txBody>
+        <a:bodyPr spcFirstLastPara="0" vert="horz" wrap="square" lIns="71120" tIns="71120" rIns="71120" bIns="71120" numCol="1" spcCol="1270" anchor="t" anchorCtr="0">
+          <a:noAutofit/>
+        </a:bodyPr>
+        <a:lstStyle/>
+        <a:p>
+          <a:pPr marL="57150" lvl="1" indent="-57150" algn="l" defTabSz="444500">
+            <a:lnSpc>
+              <a:spcPct val="90000"/>
+            </a:lnSpc>
+            <a:spcBef>
+              <a:spcPct val="0"/>
+            </a:spcBef>
+            <a:spcAft>
+              <a:spcPct val="15000"/>
+            </a:spcAft>
+            <a:buChar char="••"/>
+          </a:pPr>
+          <a:endParaRPr lang="zh-CN" altLang="en-US" sz="1000" kern="1200" dirty="0">
+            <a:latin typeface="仿宋_GB2312" panose="02010609030101010101" pitchFamily="49" charset="-122"/>
+            <a:ea typeface="仿宋_GB2312" panose="02010609030101010101" pitchFamily="49" charset="-122"/>
+          </a:endParaRPr>
+        </a:p>
+        <a:p>
+          <a:pPr marL="57150" lvl="1" indent="-57150" algn="l" defTabSz="444500">
+            <a:lnSpc>
+              <a:spcPct val="90000"/>
+            </a:lnSpc>
+            <a:spcBef>
+              <a:spcPct val="0"/>
+            </a:spcBef>
+            <a:spcAft>
+              <a:spcPct val="15000"/>
+            </a:spcAft>
+            <a:buChar char="••"/>
+          </a:pPr>
+          <a:r>
+            <a:rPr lang="zh-CN" altLang="en-US" sz="1000" kern="1200" dirty="0" smtClean="0">
+              <a:latin typeface="仿宋_GB2312" panose="02010609030101010101" pitchFamily="49" charset="-122"/>
+              <a:ea typeface="仿宋_GB2312" panose="02010609030101010101" pitchFamily="49" charset="-122"/>
+            </a:rPr>
+            <a:t>议题：</a:t>
+          </a:r>
+          <a:endParaRPr lang="zh-CN" altLang="en-US" sz="1000" kern="1200" dirty="0">
+            <a:latin typeface="仿宋_GB2312" panose="02010609030101010101" pitchFamily="49" charset="-122"/>
+            <a:ea typeface="仿宋_GB2312" panose="02010609030101010101" pitchFamily="49" charset="-122"/>
+          </a:endParaRPr>
+        </a:p>
+        <a:p>
+          <a:pPr marL="57150" lvl="1" indent="-57150" algn="l" defTabSz="444500">
+            <a:lnSpc>
+              <a:spcPct val="90000"/>
+            </a:lnSpc>
+            <a:spcBef>
+              <a:spcPct val="0"/>
+            </a:spcBef>
+            <a:spcAft>
+              <a:spcPct val="15000"/>
+            </a:spcAft>
+            <a:buChar char="••"/>
+          </a:pPr>
+          <a:r>
+            <a:rPr lang="en-US" altLang="zh-CN" sz="1000" kern="1200" dirty="0" smtClean="0">
+              <a:latin typeface="仿宋_GB2312" panose="02010609030101010101" pitchFamily="49" charset="-122"/>
+              <a:ea typeface="仿宋_GB2312" panose="02010609030101010101" pitchFamily="49" charset="-122"/>
+            </a:rPr>
+            <a:t>1</a:t>
+          </a:r>
+          <a:r>
+            <a:rPr lang="zh-CN" altLang="en-US" sz="1000" kern="1200" dirty="0" smtClean="0">
+              <a:latin typeface="仿宋_GB2312" panose="02010609030101010101" pitchFamily="49" charset="-122"/>
+              <a:ea typeface="仿宋_GB2312" panose="02010609030101010101" pitchFamily="49" charset="-122"/>
+            </a:rPr>
+            <a:t>、本周应当完成哪些任务；</a:t>
+          </a:r>
+          <a:endParaRPr lang="zh-CN" altLang="en-US" sz="1000" kern="1200" dirty="0">
+            <a:latin typeface="仿宋_GB2312" panose="02010609030101010101" pitchFamily="49" charset="-122"/>
+            <a:ea typeface="仿宋_GB2312" panose="02010609030101010101" pitchFamily="49" charset="-122"/>
+          </a:endParaRPr>
+        </a:p>
+        <a:p>
+          <a:pPr marL="57150" lvl="1" indent="-57150" algn="l" defTabSz="444500">
+            <a:lnSpc>
+              <a:spcPct val="90000"/>
+            </a:lnSpc>
+            <a:spcBef>
+              <a:spcPct val="0"/>
+            </a:spcBef>
+            <a:spcAft>
+              <a:spcPct val="15000"/>
+            </a:spcAft>
+            <a:buChar char="••"/>
+          </a:pPr>
+          <a:r>
+            <a:rPr lang="en-US" altLang="zh-CN" sz="1000" kern="1200" dirty="0" smtClean="0">
+              <a:latin typeface="仿宋_GB2312" panose="02010609030101010101" pitchFamily="49" charset="-122"/>
+              <a:ea typeface="仿宋_GB2312" panose="02010609030101010101" pitchFamily="49" charset="-122"/>
+            </a:rPr>
+            <a:t>2</a:t>
+          </a:r>
+          <a:r>
+            <a:rPr lang="zh-CN" altLang="en-US" sz="1000" kern="1200" dirty="0" smtClean="0">
+              <a:latin typeface="仿宋_GB2312" panose="02010609030101010101" pitchFamily="49" charset="-122"/>
+              <a:ea typeface="仿宋_GB2312" panose="02010609030101010101" pitchFamily="49" charset="-122"/>
+            </a:rPr>
+            <a:t>、这些任务应当交由谁来完成；</a:t>
+          </a:r>
+          <a:endParaRPr lang="zh-CN" altLang="en-US" sz="1000" kern="1200" dirty="0">
+            <a:latin typeface="仿宋_GB2312" panose="02010609030101010101" pitchFamily="49" charset="-122"/>
+            <a:ea typeface="仿宋_GB2312" panose="02010609030101010101" pitchFamily="49" charset="-122"/>
+          </a:endParaRPr>
+        </a:p>
+        <a:p>
+          <a:pPr marL="57150" lvl="1" indent="-57150" algn="l" defTabSz="444500">
+            <a:lnSpc>
+              <a:spcPct val="90000"/>
+            </a:lnSpc>
+            <a:spcBef>
+              <a:spcPct val="0"/>
+            </a:spcBef>
+            <a:spcAft>
+              <a:spcPct val="15000"/>
+            </a:spcAft>
+            <a:buChar char="••"/>
+          </a:pPr>
+          <a:r>
+            <a:rPr lang="en-US" altLang="zh-CN" sz="1000" kern="1200" dirty="0" smtClean="0">
+              <a:latin typeface="仿宋_GB2312" panose="02010609030101010101" pitchFamily="49" charset="-122"/>
+              <a:ea typeface="仿宋_GB2312" panose="02010609030101010101" pitchFamily="49" charset="-122"/>
+            </a:rPr>
+            <a:t>3</a:t>
+          </a:r>
+          <a:r>
+            <a:rPr lang="zh-CN" altLang="en-US" sz="1000" kern="1200" dirty="0" smtClean="0">
+              <a:latin typeface="仿宋_GB2312" panose="02010609030101010101" pitchFamily="49" charset="-122"/>
+              <a:ea typeface="仿宋_GB2312" panose="02010609030101010101" pitchFamily="49" charset="-122"/>
+            </a:rPr>
+            <a:t>、时间节点。</a:t>
+          </a:r>
+          <a:endParaRPr lang="zh-CN" altLang="en-US" sz="1000" kern="1200" dirty="0">
+            <a:latin typeface="仿宋_GB2312" panose="02010609030101010101" pitchFamily="49" charset="-122"/>
+            <a:ea typeface="仿宋_GB2312" panose="02010609030101010101" pitchFamily="49" charset="-122"/>
+          </a:endParaRPr>
+        </a:p>
+        <a:p>
+          <a:pPr marL="57150" lvl="1" indent="-57150" algn="l" defTabSz="444500">
+            <a:lnSpc>
+              <a:spcPct val="90000"/>
+            </a:lnSpc>
+            <a:spcBef>
+              <a:spcPct val="0"/>
+            </a:spcBef>
+            <a:spcAft>
+              <a:spcPct val="15000"/>
+            </a:spcAft>
+            <a:buChar char="••"/>
+          </a:pPr>
+          <a:endParaRPr lang="zh-CN" altLang="en-US" sz="1000" kern="1200" dirty="0">
+            <a:latin typeface="仿宋_GB2312" panose="02010609030101010101" pitchFamily="49" charset="-122"/>
+            <a:ea typeface="仿宋_GB2312" panose="02010609030101010101" pitchFamily="49" charset="-122"/>
+          </a:endParaRPr>
+        </a:p>
+      </dsp:txBody>
+      <dsp:txXfrm>
+        <a:off x="397959" y="1320296"/>
+        <a:ext cx="1950230" cy="2533119"/>
+      </dsp:txXfrm>
+    </dsp:sp>
+    <dsp:sp modelId="{395A3FC5-C68A-4A78-9E6D-A9AF0DBB0203}">
+      <dsp:nvSpPr>
+        <dsp:cNvPr id="0" name=""/>
+        <dsp:cNvSpPr/>
+      </dsp:nvSpPr>
+      <dsp:spPr>
+        <a:xfrm rot="311">
+          <a:off x="2124800" y="795892"/>
+          <a:ext cx="660218" cy="444508"/>
+        </a:xfrm>
+        <a:prstGeom prst="rightArrow">
+          <a:avLst>
+            <a:gd name="adj1" fmla="val 60000"/>
+            <a:gd name="adj2" fmla="val 50000"/>
+          </a:avLst>
+        </a:prstGeom>
+        <a:gradFill rotWithShape="0">
+          <a:gsLst>
+            <a:gs pos="0">
+              <a:schemeClr val="accent1">
+                <a:tint val="60000"/>
+                <a:hueOff val="0"/>
+                <a:satOff val="0"/>
+                <a:lumOff val="0"/>
+                <a:alphaOff val="0"/>
+                <a:shade val="85000"/>
+                <a:satMod val="130000"/>
+              </a:schemeClr>
+            </a:gs>
+            <a:gs pos="34000">
+              <a:schemeClr val="accent1">
+                <a:tint val="60000"/>
+                <a:hueOff val="0"/>
+                <a:satOff val="0"/>
+                <a:lumOff val="0"/>
+                <a:alphaOff val="0"/>
+                <a:shade val="87000"/>
+                <a:satMod val="125000"/>
+              </a:schemeClr>
+            </a:gs>
+            <a:gs pos="70000">
+              <a:schemeClr val="accent1">
+                <a:tint val="60000"/>
+                <a:hueOff val="0"/>
+                <a:satOff val="0"/>
+                <a:lumOff val="0"/>
+                <a:alphaOff val="0"/>
+                <a:tint val="100000"/>
+                <a:shade val="90000"/>
+                <a:satMod val="130000"/>
+              </a:schemeClr>
+            </a:gs>
+            <a:gs pos="100000">
+              <a:schemeClr val="accent1">
+                <a:tint val="60000"/>
+                <a:hueOff val="0"/>
+                <a:satOff val="0"/>
+                <a:lumOff val="0"/>
+                <a:alphaOff val="0"/>
+                <a:tint val="100000"/>
+                <a:shade val="100000"/>
+                <a:satMod val="110000"/>
+              </a:schemeClr>
+            </a:gs>
+          </a:gsLst>
+          <a:path path="circle">
+            <a:fillToRect l="100000" t="100000" r="100000" b="100000"/>
+          </a:path>
+        </a:gradFill>
+        <a:ln>
+          <a:noFill/>
+        </a:ln>
+        <a:effectLst>
+          <a:outerShdw blurRad="38100" dist="25400" dir="2700000" algn="br" rotWithShape="0">
+            <a:srgbClr val="000000">
+              <a:alpha val="60000"/>
+            </a:srgbClr>
+          </a:outerShdw>
+        </a:effectLst>
+      </dsp:spPr>
+      <dsp:style>
+        <a:lnRef idx="0">
+          <a:scrgbClr r="0" g="0" b="0"/>
+        </a:lnRef>
+        <a:fillRef idx="3">
+          <a:scrgbClr r="0" g="0" b="0"/>
+        </a:fillRef>
+        <a:effectRef idx="2">
+          <a:scrgbClr r="0" g="0" b="0"/>
+        </a:effectRef>
+        <a:fontRef idx="minor">
+          <a:schemeClr val="lt1"/>
+        </a:fontRef>
+      </dsp:style>
+      <dsp:txBody>
+        <a:bodyPr spcFirstLastPara="0" vert="horz" wrap="square" lIns="0" tIns="0" rIns="0" bIns="0" numCol="1" spcCol="1270" anchor="ctr" anchorCtr="0">
+          <a:noAutofit/>
+        </a:bodyPr>
+        <a:lstStyle/>
+        <a:p>
+          <a:pPr lvl="0" algn="ctr" defTabSz="844550">
+            <a:lnSpc>
+              <a:spcPct val="90000"/>
+            </a:lnSpc>
+            <a:spcBef>
+              <a:spcPct val="0"/>
+            </a:spcBef>
+            <a:spcAft>
+              <a:spcPct val="35000"/>
+            </a:spcAft>
+          </a:pPr>
+          <a:endParaRPr lang="zh-CN" altLang="en-US" sz="1900" kern="1200"/>
+        </a:p>
+      </dsp:txBody>
+      <dsp:txXfrm>
+        <a:off x="2124800" y="884788"/>
+        <a:ext cx="526866" cy="266704"/>
+      </dsp:txXfrm>
+    </dsp:sp>
+    <dsp:sp modelId="{D3769FCD-AC8F-4308-B70B-0DFA51FFB15A}">
+      <dsp:nvSpPr>
+        <dsp:cNvPr id="0" name=""/>
+        <dsp:cNvSpPr/>
+      </dsp:nvSpPr>
+      <dsp:spPr>
+        <a:xfrm>
+          <a:off x="3041579" y="616247"/>
+          <a:ext cx="1751281" cy="982827"/>
+        </a:xfrm>
+        <a:prstGeom prst="roundRect">
+          <a:avLst>
+            <a:gd name="adj" fmla="val 10000"/>
+          </a:avLst>
+        </a:prstGeom>
+        <a:gradFill rotWithShape="0">
+          <a:gsLst>
+            <a:gs pos="0">
+              <a:schemeClr val="accent1">
+                <a:hueOff val="0"/>
+                <a:satOff val="0"/>
+                <a:lumOff val="0"/>
+                <a:alphaOff val="0"/>
+                <a:shade val="85000"/>
+                <a:satMod val="130000"/>
+              </a:schemeClr>
+            </a:gs>
+            <a:gs pos="34000">
+              <a:schemeClr val="accent1">
+                <a:hueOff val="0"/>
+                <a:satOff val="0"/>
+                <a:lumOff val="0"/>
+                <a:alphaOff val="0"/>
+                <a:shade val="87000"/>
+                <a:satMod val="125000"/>
+              </a:schemeClr>
+            </a:gs>
+            <a:gs pos="70000">
+              <a:schemeClr val="accent1">
+                <a:hueOff val="0"/>
+                <a:satOff val="0"/>
+                <a:lumOff val="0"/>
+                <a:alphaOff val="0"/>
+                <a:tint val="100000"/>
+                <a:shade val="90000"/>
+                <a:satMod val="130000"/>
+              </a:schemeClr>
+            </a:gs>
+            <a:gs pos="100000">
+              <a:schemeClr val="accent1">
+                <a:hueOff val="0"/>
+                <a:satOff val="0"/>
+                <a:lumOff val="0"/>
+                <a:alphaOff val="0"/>
+                <a:tint val="100000"/>
+                <a:shade val="100000"/>
+                <a:satMod val="110000"/>
+              </a:schemeClr>
+            </a:gs>
+          </a:gsLst>
+          <a:path path="circle">
+            <a:fillToRect l="100000" t="100000" r="100000" b="100000"/>
+          </a:path>
+        </a:gradFill>
+        <a:ln>
+          <a:noFill/>
+        </a:ln>
+        <a:effectLst>
+          <a:outerShdw blurRad="38100" dist="25400" dir="2700000" algn="br" rotWithShape="0">
+            <a:srgbClr val="000000">
+              <a:alpha val="60000"/>
+            </a:srgbClr>
+          </a:outerShdw>
+        </a:effectLst>
+      </dsp:spPr>
+      <dsp:style>
+        <a:lnRef idx="0">
+          <a:scrgbClr r="0" g="0" b="0"/>
+        </a:lnRef>
+        <a:fillRef idx="3">
+          <a:scrgbClr r="0" g="0" b="0"/>
+        </a:fillRef>
+        <a:effectRef idx="2">
+          <a:scrgbClr r="0" g="0" b="0"/>
+        </a:effectRef>
+        <a:fontRef idx="minor">
+          <a:schemeClr val="lt1"/>
+        </a:fontRef>
+      </dsp:style>
+      <dsp:txBody>
+        <a:bodyPr spcFirstLastPara="0" vert="horz" wrap="square" lIns="170688" tIns="170688" rIns="170688" bIns="91440" numCol="1" spcCol="1270" anchor="t" anchorCtr="0">
+          <a:noAutofit/>
+        </a:bodyPr>
+        <a:lstStyle/>
+        <a:p>
+          <a:pPr lvl="0" algn="l" defTabSz="1066800">
+            <a:lnSpc>
+              <a:spcPct val="90000"/>
+            </a:lnSpc>
+            <a:spcBef>
+              <a:spcPct val="0"/>
+            </a:spcBef>
+            <a:spcAft>
+              <a:spcPct val="35000"/>
+            </a:spcAft>
+          </a:pPr>
+          <a:r>
+            <a:rPr lang="zh-CN" altLang="en-US" sz="2400" kern="1200" dirty="0" smtClean="0">
+              <a:latin typeface="楷体_GB2312" panose="02010609030101010101" pitchFamily="49" charset="-122"/>
+              <a:ea typeface="楷体_GB2312" panose="02010609030101010101" pitchFamily="49" charset="-122"/>
+            </a:rPr>
+            <a:t>任务流程</a:t>
+          </a:r>
+          <a:endParaRPr lang="zh-CN" altLang="en-US" sz="2400" kern="1200" dirty="0">
+            <a:latin typeface="楷体_GB2312" panose="02010609030101010101" pitchFamily="49" charset="-122"/>
+            <a:ea typeface="楷体_GB2312" panose="02010609030101010101" pitchFamily="49" charset="-122"/>
+          </a:endParaRPr>
+        </a:p>
+      </dsp:txBody>
+      <dsp:txXfrm>
+        <a:off x="3041579" y="616247"/>
+        <a:ext cx="1751281" cy="655218"/>
+      </dsp:txXfrm>
+    </dsp:sp>
+    <dsp:sp modelId="{2C46FF0A-16C6-43CC-88D4-3D3069BEDAEF}">
+      <dsp:nvSpPr>
+        <dsp:cNvPr id="0" name=""/>
+        <dsp:cNvSpPr/>
+      </dsp:nvSpPr>
+      <dsp:spPr>
+        <a:xfrm>
+          <a:off x="3295825" y="1258383"/>
+          <a:ext cx="2043030" cy="2641488"/>
+        </a:xfrm>
+        <a:prstGeom prst="roundRect">
+          <a:avLst>
+            <a:gd name="adj" fmla="val 10000"/>
+          </a:avLst>
+        </a:prstGeom>
+        <a:solidFill>
+          <a:schemeClr val="lt1">
+            <a:alpha val="90000"/>
+            <a:hueOff val="0"/>
+            <a:satOff val="0"/>
+            <a:lumOff val="0"/>
+            <a:alphaOff val="0"/>
+          </a:schemeClr>
+        </a:solidFill>
+        <a:ln w="12700" cap="flat" cmpd="sng" algn="ctr">
+          <a:solidFill>
+            <a:schemeClr val="accent1">
+              <a:hueOff val="0"/>
+              <a:satOff val="0"/>
+              <a:lumOff val="0"/>
+              <a:alphaOff val="0"/>
+            </a:schemeClr>
+          </a:solidFill>
+          <a:prstDash val="solid"/>
+        </a:ln>
+        <a:effectLst/>
+      </dsp:spPr>
+      <dsp:style>
+        <a:lnRef idx="1">
+          <a:scrgbClr r="0" g="0" b="0"/>
+        </a:lnRef>
+        <a:fillRef idx="1">
+          <a:scrgbClr r="0" g="0" b="0"/>
+        </a:fillRef>
+        <a:effectRef idx="0">
+          <a:scrgbClr r="0" g="0" b="0"/>
+        </a:effectRef>
+        <a:fontRef idx="minor"/>
+      </dsp:style>
+      <dsp:txBody>
+        <a:bodyPr spcFirstLastPara="0" vert="horz" wrap="square" lIns="71120" tIns="71120" rIns="71120" bIns="71120" numCol="1" spcCol="1270" anchor="t" anchorCtr="0">
+          <a:noAutofit/>
+        </a:bodyPr>
+        <a:lstStyle/>
+        <a:p>
+          <a:pPr marL="57150" lvl="1" indent="-57150" algn="l" defTabSz="444500">
+            <a:lnSpc>
+              <a:spcPct val="90000"/>
+            </a:lnSpc>
+            <a:spcBef>
+              <a:spcPct val="0"/>
+            </a:spcBef>
+            <a:spcAft>
+              <a:spcPct val="15000"/>
+            </a:spcAft>
+            <a:buChar char="••"/>
+          </a:pPr>
+          <a:endParaRPr lang="zh-CN" altLang="en-US" sz="1000" kern="1200" dirty="0">
+            <a:latin typeface="仿宋_GB2312" panose="02010609030101010101" pitchFamily="49" charset="-122"/>
+            <a:ea typeface="仿宋_GB2312" panose="02010609030101010101" pitchFamily="49" charset="-122"/>
+          </a:endParaRPr>
+        </a:p>
+        <a:p>
+          <a:pPr marL="57150" lvl="1" indent="-57150" algn="l" defTabSz="444500">
+            <a:lnSpc>
+              <a:spcPct val="90000"/>
+            </a:lnSpc>
+            <a:spcBef>
+              <a:spcPct val="0"/>
+            </a:spcBef>
+            <a:spcAft>
+              <a:spcPct val="15000"/>
+            </a:spcAft>
+            <a:buChar char="••"/>
+          </a:pPr>
+          <a:r>
+            <a:rPr lang="en-US" altLang="zh-CN" sz="1000" kern="1200" dirty="0" smtClean="0">
+              <a:latin typeface="仿宋_GB2312" panose="02010609030101010101" pitchFamily="49" charset="-122"/>
+              <a:ea typeface="仿宋_GB2312" panose="02010609030101010101" pitchFamily="49" charset="-122"/>
+            </a:rPr>
+            <a:t>1</a:t>
+          </a:r>
+          <a:r>
+            <a:rPr lang="zh-CN" altLang="en-US" sz="1000" kern="1200" dirty="0" smtClean="0">
+              <a:latin typeface="仿宋_GB2312" panose="02010609030101010101" pitchFamily="49" charset="-122"/>
+              <a:ea typeface="仿宋_GB2312" panose="02010609030101010101" pitchFamily="49" charset="-122"/>
+            </a:rPr>
+            <a:t>、第三周应继续推进完成</a:t>
+          </a:r>
+          <a:r>
+            <a:rPr lang="en-US" altLang="en-US" sz="1000" kern="1200" dirty="0" smtClean="0">
+              <a:latin typeface="仿宋_GB2312" panose="02010609030101010101" pitchFamily="49" charset="-122"/>
+              <a:ea typeface="仿宋_GB2312" panose="02010609030101010101" pitchFamily="49" charset="-122"/>
+            </a:rPr>
+            <a:t>Nand2tetris</a:t>
+          </a:r>
+          <a:r>
+            <a:rPr lang="zh-CN" altLang="en-US" sz="1000" kern="1200" dirty="0" smtClean="0">
+              <a:latin typeface="仿宋_GB2312" panose="02010609030101010101" pitchFamily="49" charset="-122"/>
+              <a:ea typeface="仿宋_GB2312" panose="02010609030101010101" pitchFamily="49" charset="-122"/>
+            </a:rPr>
+            <a:t>作业，更新并修改</a:t>
+          </a:r>
+          <a:r>
+            <a:rPr lang="en-US" altLang="zh-CN" sz="1000" kern="1200" dirty="0" smtClean="0">
+              <a:latin typeface="仿宋_GB2312" panose="02010609030101010101" pitchFamily="49" charset="-122"/>
+              <a:ea typeface="仿宋_GB2312" panose="02010609030101010101" pitchFamily="49" charset="-122"/>
+            </a:rPr>
+            <a:t>Wiki</a:t>
+          </a:r>
+          <a:r>
+            <a:rPr lang="zh-CN" altLang="en-US" sz="1000" kern="1200" dirty="0" smtClean="0">
+              <a:latin typeface="仿宋_GB2312" panose="02010609030101010101" pitchFamily="49" charset="-122"/>
+              <a:ea typeface="仿宋_GB2312" panose="02010609030101010101" pitchFamily="49" charset="-122"/>
+            </a:rPr>
+            <a:t>上的个人与小组主页内容，增加</a:t>
+          </a:r>
+          <a:r>
+            <a:rPr lang="en-US" altLang="zh-CN" sz="1000" kern="1200" dirty="0" smtClean="0">
+              <a:latin typeface="仿宋_GB2312" panose="02010609030101010101" pitchFamily="49" charset="-122"/>
+              <a:ea typeface="仿宋_GB2312" panose="02010609030101010101" pitchFamily="49" charset="-122"/>
+            </a:rPr>
+            <a:t>project</a:t>
+          </a:r>
+          <a:r>
+            <a:rPr lang="zh-CN" altLang="en-US" sz="1000" kern="1200" dirty="0" smtClean="0">
+              <a:latin typeface="仿宋_GB2312" panose="02010609030101010101" pitchFamily="49" charset="-122"/>
+              <a:ea typeface="仿宋_GB2312" panose="02010609030101010101" pitchFamily="49" charset="-122"/>
+            </a:rPr>
+            <a:t>主页，增加</a:t>
+          </a:r>
+          <a:r>
+            <a:rPr lang="en-US" altLang="zh-CN" sz="1000" kern="1200" dirty="0" smtClean="0">
+              <a:latin typeface="仿宋_GB2312" panose="02010609030101010101" pitchFamily="49" charset="-122"/>
+              <a:ea typeface="仿宋_GB2312" panose="02010609030101010101" pitchFamily="49" charset="-122"/>
+            </a:rPr>
+            <a:t>Endnotes</a:t>
+          </a:r>
+          <a:r>
+            <a:rPr lang="zh-CN" altLang="en-US" sz="1000" kern="1200" dirty="0" smtClean="0">
+              <a:latin typeface="仿宋_GB2312" panose="02010609030101010101" pitchFamily="49" charset="-122"/>
+              <a:ea typeface="仿宋_GB2312" panose="02010609030101010101" pitchFamily="49" charset="-122"/>
+            </a:rPr>
+            <a:t>文献索引；</a:t>
+          </a:r>
+          <a:endParaRPr lang="zh-CN" altLang="en-US" sz="1000" kern="1200" dirty="0">
+            <a:latin typeface="仿宋_GB2312" panose="02010609030101010101" pitchFamily="49" charset="-122"/>
+            <a:ea typeface="仿宋_GB2312" panose="02010609030101010101" pitchFamily="49" charset="-122"/>
+          </a:endParaRPr>
+        </a:p>
+        <a:p>
+          <a:pPr marL="57150" lvl="1" indent="-57150" algn="l" defTabSz="444500">
+            <a:lnSpc>
+              <a:spcPct val="90000"/>
+            </a:lnSpc>
+            <a:spcBef>
+              <a:spcPct val="0"/>
+            </a:spcBef>
+            <a:spcAft>
+              <a:spcPct val="15000"/>
+            </a:spcAft>
+            <a:buChar char="••"/>
+          </a:pPr>
+          <a:r>
+            <a:rPr lang="en-US" altLang="zh-CN" sz="1000" kern="1200" dirty="0" smtClean="0">
+              <a:latin typeface="仿宋_GB2312" panose="02010609030101010101" pitchFamily="49" charset="-122"/>
+              <a:ea typeface="仿宋_GB2312" panose="02010609030101010101" pitchFamily="49" charset="-122"/>
+            </a:rPr>
+            <a:t>2</a:t>
+          </a:r>
+          <a:r>
+            <a:rPr lang="zh-CN" altLang="en-US" sz="1000" kern="1200" dirty="0" smtClean="0">
+              <a:latin typeface="仿宋_GB2312" panose="02010609030101010101" pitchFamily="49" charset="-122"/>
+              <a:ea typeface="仿宋_GB2312" panose="02010609030101010101" pitchFamily="49" charset="-122"/>
+            </a:rPr>
+            <a:t>、唐天映继续完成</a:t>
+          </a:r>
+          <a:r>
+            <a:rPr lang="en-US" altLang="zh-CN" sz="1000" kern="1200" dirty="0" smtClean="0">
+              <a:latin typeface="仿宋_GB2312" panose="02010609030101010101" pitchFamily="49" charset="-122"/>
+              <a:ea typeface="仿宋_GB2312" panose="02010609030101010101" pitchFamily="49" charset="-122"/>
+            </a:rPr>
+            <a:t>project9</a:t>
+          </a:r>
+          <a:r>
+            <a:rPr lang="zh-CN" altLang="en-US" sz="1000" kern="1200" dirty="0" smtClean="0">
+              <a:latin typeface="仿宋_GB2312" panose="02010609030101010101" pitchFamily="49" charset="-122"/>
+              <a:ea typeface="仿宋_GB2312" panose="02010609030101010101" pitchFamily="49" charset="-122"/>
+            </a:rPr>
+            <a:t>；</a:t>
+          </a:r>
+          <a:endParaRPr lang="zh-CN" altLang="en-US" sz="1000" kern="1200" dirty="0">
+            <a:latin typeface="仿宋_GB2312" panose="02010609030101010101" pitchFamily="49" charset="-122"/>
+            <a:ea typeface="仿宋_GB2312" panose="02010609030101010101" pitchFamily="49" charset="-122"/>
+          </a:endParaRPr>
+        </a:p>
+        <a:p>
+          <a:pPr marL="57150" lvl="1" indent="-57150" algn="l" defTabSz="444500">
+            <a:lnSpc>
+              <a:spcPct val="90000"/>
+            </a:lnSpc>
+            <a:spcBef>
+              <a:spcPct val="0"/>
+            </a:spcBef>
+            <a:spcAft>
+              <a:spcPct val="15000"/>
+            </a:spcAft>
+            <a:buChar char="••"/>
+          </a:pPr>
+          <a:r>
+            <a:rPr lang="en-US" altLang="zh-CN" sz="1000" kern="1200" dirty="0" smtClean="0">
+              <a:latin typeface="仿宋_GB2312" panose="02010609030101010101" pitchFamily="49" charset="-122"/>
+              <a:ea typeface="仿宋_GB2312" panose="02010609030101010101" pitchFamily="49" charset="-122"/>
+            </a:rPr>
+            <a:t>3</a:t>
+          </a:r>
+          <a:r>
+            <a:rPr lang="zh-CN" altLang="en-US" sz="1000" kern="1200" dirty="0" smtClean="0">
+              <a:latin typeface="仿宋_GB2312" panose="02010609030101010101" pitchFamily="49" charset="-122"/>
+              <a:ea typeface="仿宋_GB2312" panose="02010609030101010101" pitchFamily="49" charset="-122"/>
+            </a:rPr>
+            <a:t>、彭德利完成</a:t>
+          </a:r>
+          <a:r>
+            <a:rPr lang="en-US" altLang="zh-CN" sz="1000" kern="1200" dirty="0" smtClean="0">
+              <a:latin typeface="仿宋_GB2312" panose="02010609030101010101" pitchFamily="49" charset="-122"/>
+              <a:ea typeface="仿宋_GB2312" panose="02010609030101010101" pitchFamily="49" charset="-122"/>
+            </a:rPr>
+            <a:t>project3-4</a:t>
+          </a:r>
+          <a:r>
+            <a:rPr lang="zh-CN" altLang="en-US" sz="1000" kern="1200" dirty="0" smtClean="0">
+              <a:latin typeface="仿宋_GB2312" panose="02010609030101010101" pitchFamily="49" charset="-122"/>
+              <a:ea typeface="仿宋_GB2312" panose="02010609030101010101" pitchFamily="49" charset="-122"/>
+            </a:rPr>
+            <a:t>，并整理</a:t>
+          </a:r>
+          <a:r>
+            <a:rPr lang="en-US" altLang="zh-CN" sz="1000" kern="1200" dirty="0" smtClean="0">
+              <a:latin typeface="仿宋_GB2312" panose="02010609030101010101" pitchFamily="49" charset="-122"/>
+              <a:ea typeface="仿宋_GB2312" panose="02010609030101010101" pitchFamily="49" charset="-122"/>
+            </a:rPr>
+            <a:t>project1-2</a:t>
+          </a:r>
+          <a:r>
+            <a:rPr lang="zh-CN" altLang="en-US" sz="1000" kern="1200" dirty="0" smtClean="0">
+              <a:latin typeface="仿宋_GB2312" panose="02010609030101010101" pitchFamily="49" charset="-122"/>
+              <a:ea typeface="仿宋_GB2312" panose="02010609030101010101" pitchFamily="49" charset="-122"/>
+            </a:rPr>
+            <a:t>；</a:t>
+          </a:r>
+          <a:endParaRPr lang="zh-CN" altLang="en-US" sz="1000" kern="1200" dirty="0">
+            <a:latin typeface="仿宋_GB2312" panose="02010609030101010101" pitchFamily="49" charset="-122"/>
+            <a:ea typeface="仿宋_GB2312" panose="02010609030101010101" pitchFamily="49" charset="-122"/>
+          </a:endParaRPr>
+        </a:p>
+        <a:p>
+          <a:pPr marL="57150" lvl="1" indent="-57150" algn="l" defTabSz="444500">
+            <a:lnSpc>
+              <a:spcPct val="90000"/>
+            </a:lnSpc>
+            <a:spcBef>
+              <a:spcPct val="0"/>
+            </a:spcBef>
+            <a:spcAft>
+              <a:spcPct val="15000"/>
+            </a:spcAft>
+            <a:buChar char="••"/>
+          </a:pPr>
+          <a:r>
+            <a:rPr lang="en-US" altLang="zh-CN" sz="1000" kern="1200" dirty="0" smtClean="0">
+              <a:latin typeface="仿宋_GB2312" panose="02010609030101010101" pitchFamily="49" charset="-122"/>
+              <a:ea typeface="仿宋_GB2312" panose="02010609030101010101" pitchFamily="49" charset="-122"/>
+            </a:rPr>
+            <a:t>4</a:t>
+          </a:r>
+          <a:r>
+            <a:rPr lang="zh-CN" altLang="en-US" sz="1000" kern="1200" dirty="0" smtClean="0">
+              <a:latin typeface="仿宋_GB2312" panose="02010609030101010101" pitchFamily="49" charset="-122"/>
+              <a:ea typeface="仿宋_GB2312" panose="02010609030101010101" pitchFamily="49" charset="-122"/>
+            </a:rPr>
+            <a:t>、张恪易与张晨对</a:t>
+          </a:r>
+          <a:r>
+            <a:rPr lang="en-US" altLang="zh-CN" sz="1000" kern="1200" dirty="0" smtClean="0">
+              <a:latin typeface="仿宋_GB2312" panose="02010609030101010101" pitchFamily="49" charset="-122"/>
+              <a:ea typeface="仿宋_GB2312" panose="02010609030101010101" pitchFamily="49" charset="-122"/>
+            </a:rPr>
+            <a:t>Wiki</a:t>
+          </a:r>
+          <a:r>
+            <a:rPr lang="zh-CN" altLang="en-US" sz="1000" kern="1200" dirty="0" smtClean="0">
+              <a:latin typeface="仿宋_GB2312" panose="02010609030101010101" pitchFamily="49" charset="-122"/>
+              <a:ea typeface="仿宋_GB2312" panose="02010609030101010101" pitchFamily="49" charset="-122"/>
+            </a:rPr>
+            <a:t>主页进行维护，迭代新的内容。</a:t>
+          </a:r>
+          <a:endParaRPr lang="zh-CN" altLang="en-US" sz="1000" kern="1200" dirty="0">
+            <a:latin typeface="仿宋_GB2312" panose="02010609030101010101" pitchFamily="49" charset="-122"/>
+            <a:ea typeface="仿宋_GB2312" panose="02010609030101010101" pitchFamily="49" charset="-122"/>
+          </a:endParaRPr>
+        </a:p>
+        <a:p>
+          <a:pPr marL="57150" lvl="1" indent="-57150" algn="l" defTabSz="444500">
+            <a:lnSpc>
+              <a:spcPct val="90000"/>
+            </a:lnSpc>
+            <a:spcBef>
+              <a:spcPct val="0"/>
+            </a:spcBef>
+            <a:spcAft>
+              <a:spcPct val="15000"/>
+            </a:spcAft>
+            <a:buChar char="••"/>
+          </a:pPr>
+          <a:r>
+            <a:rPr lang="en-US" altLang="zh-CN" sz="1000" kern="1200" dirty="0" smtClean="0">
+              <a:latin typeface="仿宋_GB2312" panose="02010609030101010101" pitchFamily="49" charset="-122"/>
+              <a:ea typeface="仿宋_GB2312" panose="02010609030101010101" pitchFamily="49" charset="-122"/>
+            </a:rPr>
+            <a:t>5</a:t>
+          </a:r>
+          <a:r>
+            <a:rPr lang="zh-CN" altLang="en-US" sz="1000" kern="1200" dirty="0" smtClean="0">
+              <a:latin typeface="仿宋_GB2312" panose="02010609030101010101" pitchFamily="49" charset="-122"/>
+              <a:ea typeface="仿宋_GB2312" panose="02010609030101010101" pitchFamily="49" charset="-122"/>
+            </a:rPr>
+            <a:t>、没有设立特别明确的时间节点，</a:t>
+          </a:r>
+          <a:r>
+            <a:rPr lang="en-US" altLang="zh-CN" sz="1000" kern="1200" dirty="0" smtClean="0">
+              <a:latin typeface="仿宋_GB2312" panose="02010609030101010101" pitchFamily="49" charset="-122"/>
+              <a:ea typeface="仿宋_GB2312" panose="02010609030101010101" pitchFamily="49" charset="-122"/>
+            </a:rPr>
+            <a:t>Deadline</a:t>
+          </a:r>
+          <a:r>
+            <a:rPr lang="zh-CN" altLang="en-US" sz="1000" kern="1200" dirty="0" smtClean="0">
+              <a:latin typeface="仿宋_GB2312" panose="02010609030101010101" pitchFamily="49" charset="-122"/>
+              <a:ea typeface="仿宋_GB2312" panose="02010609030101010101" pitchFamily="49" charset="-122"/>
+            </a:rPr>
+            <a:t>为本周三。</a:t>
+          </a:r>
+          <a:endParaRPr lang="zh-CN" altLang="en-US" sz="1000" kern="1200" dirty="0">
+            <a:latin typeface="仿宋_GB2312" panose="02010609030101010101" pitchFamily="49" charset="-122"/>
+            <a:ea typeface="仿宋_GB2312" panose="02010609030101010101" pitchFamily="49" charset="-122"/>
+          </a:endParaRPr>
+        </a:p>
+      </dsp:txBody>
+      <dsp:txXfrm>
+        <a:off x="3355663" y="1318221"/>
+        <a:ext cx="1923354" cy="2521812"/>
+      </dsp:txXfrm>
+    </dsp:sp>
+    <dsp:sp modelId="{87054365-ABD0-46C5-8420-AFF27AB043E5}">
+      <dsp:nvSpPr>
+        <dsp:cNvPr id="0" name=""/>
+        <dsp:cNvSpPr/>
+      </dsp:nvSpPr>
+      <dsp:spPr>
+        <a:xfrm rot="7688">
+          <a:off x="5139280" y="812958"/>
+          <a:ext cx="678503" cy="444508"/>
+        </a:xfrm>
+        <a:prstGeom prst="rightArrow">
+          <a:avLst>
+            <a:gd name="adj1" fmla="val 60000"/>
+            <a:gd name="adj2" fmla="val 50000"/>
+          </a:avLst>
+        </a:prstGeom>
+        <a:gradFill rotWithShape="0">
+          <a:gsLst>
+            <a:gs pos="0">
+              <a:schemeClr val="accent1">
+                <a:tint val="60000"/>
+                <a:hueOff val="0"/>
+                <a:satOff val="0"/>
+                <a:lumOff val="0"/>
+                <a:alphaOff val="0"/>
+                <a:shade val="85000"/>
+                <a:satMod val="130000"/>
+              </a:schemeClr>
+            </a:gs>
+            <a:gs pos="34000">
+              <a:schemeClr val="accent1">
+                <a:tint val="60000"/>
+                <a:hueOff val="0"/>
+                <a:satOff val="0"/>
+                <a:lumOff val="0"/>
+                <a:alphaOff val="0"/>
+                <a:shade val="87000"/>
+                <a:satMod val="125000"/>
+              </a:schemeClr>
+            </a:gs>
+            <a:gs pos="70000">
+              <a:schemeClr val="accent1">
+                <a:tint val="60000"/>
+                <a:hueOff val="0"/>
+                <a:satOff val="0"/>
+                <a:lumOff val="0"/>
+                <a:alphaOff val="0"/>
+                <a:tint val="100000"/>
+                <a:shade val="90000"/>
+                <a:satMod val="130000"/>
+              </a:schemeClr>
+            </a:gs>
+            <a:gs pos="100000">
+              <a:schemeClr val="accent1">
+                <a:tint val="60000"/>
+                <a:hueOff val="0"/>
+                <a:satOff val="0"/>
+                <a:lumOff val="0"/>
+                <a:alphaOff val="0"/>
+                <a:tint val="100000"/>
+                <a:shade val="100000"/>
+                <a:satMod val="110000"/>
+              </a:schemeClr>
+            </a:gs>
+          </a:gsLst>
+          <a:path path="circle">
+            <a:fillToRect l="100000" t="100000" r="100000" b="100000"/>
+          </a:path>
+        </a:gradFill>
+        <a:ln>
+          <a:noFill/>
+        </a:ln>
+        <a:effectLst>
+          <a:outerShdw blurRad="38100" dist="25400" dir="2700000" algn="br" rotWithShape="0">
+            <a:srgbClr val="000000">
+              <a:alpha val="60000"/>
+            </a:srgbClr>
+          </a:outerShdw>
+        </a:effectLst>
+      </dsp:spPr>
+      <dsp:style>
+        <a:lnRef idx="0">
+          <a:scrgbClr r="0" g="0" b="0"/>
+        </a:lnRef>
+        <a:fillRef idx="3">
+          <a:scrgbClr r="0" g="0" b="0"/>
+        </a:fillRef>
+        <a:effectRef idx="2">
+          <a:scrgbClr r="0" g="0" b="0"/>
+        </a:effectRef>
+        <a:fontRef idx="minor">
+          <a:schemeClr val="lt1"/>
+        </a:fontRef>
+      </dsp:style>
+      <dsp:txBody>
+        <a:bodyPr spcFirstLastPara="0" vert="horz" wrap="square" lIns="0" tIns="0" rIns="0" bIns="0" numCol="1" spcCol="1270" anchor="ctr" anchorCtr="0">
+          <a:noAutofit/>
+        </a:bodyPr>
+        <a:lstStyle/>
+        <a:p>
+          <a:pPr lvl="0" algn="ctr" defTabSz="844550">
+            <a:lnSpc>
+              <a:spcPct val="90000"/>
+            </a:lnSpc>
+            <a:spcBef>
+              <a:spcPct val="0"/>
+            </a:spcBef>
+            <a:spcAft>
+              <a:spcPct val="35000"/>
+            </a:spcAft>
+          </a:pPr>
+          <a:endParaRPr lang="zh-CN" altLang="en-US" sz="1900" kern="1200"/>
+        </a:p>
+      </dsp:txBody>
+      <dsp:txXfrm>
+        <a:off x="5139280" y="901711"/>
+        <a:ext cx="545151" cy="266704"/>
+      </dsp:txXfrm>
+    </dsp:sp>
+    <dsp:sp modelId="{D711F695-23F4-4BA0-B111-0CFDFD4832DB}">
+      <dsp:nvSpPr>
+        <dsp:cNvPr id="0" name=""/>
+        <dsp:cNvSpPr/>
+      </dsp:nvSpPr>
+      <dsp:spPr>
+        <a:xfrm>
+          <a:off x="6073051" y="631780"/>
+          <a:ext cx="1743425" cy="956539"/>
+        </a:xfrm>
+        <a:prstGeom prst="roundRect">
+          <a:avLst>
+            <a:gd name="adj" fmla="val 10000"/>
+          </a:avLst>
+        </a:prstGeom>
+        <a:gradFill rotWithShape="0">
+          <a:gsLst>
+            <a:gs pos="0">
+              <a:schemeClr val="accent1">
+                <a:hueOff val="0"/>
+                <a:satOff val="0"/>
+                <a:lumOff val="0"/>
+                <a:alphaOff val="0"/>
+                <a:shade val="85000"/>
+                <a:satMod val="130000"/>
+              </a:schemeClr>
+            </a:gs>
+            <a:gs pos="34000">
+              <a:schemeClr val="accent1">
+                <a:hueOff val="0"/>
+                <a:satOff val="0"/>
+                <a:lumOff val="0"/>
+                <a:alphaOff val="0"/>
+                <a:shade val="87000"/>
+                <a:satMod val="125000"/>
+              </a:schemeClr>
+            </a:gs>
+            <a:gs pos="70000">
+              <a:schemeClr val="accent1">
+                <a:hueOff val="0"/>
+                <a:satOff val="0"/>
+                <a:lumOff val="0"/>
+                <a:alphaOff val="0"/>
+                <a:tint val="100000"/>
+                <a:shade val="90000"/>
+                <a:satMod val="130000"/>
+              </a:schemeClr>
+            </a:gs>
+            <a:gs pos="100000">
+              <a:schemeClr val="accent1">
+                <a:hueOff val="0"/>
+                <a:satOff val="0"/>
+                <a:lumOff val="0"/>
+                <a:alphaOff val="0"/>
+                <a:tint val="100000"/>
+                <a:shade val="100000"/>
+                <a:satMod val="110000"/>
+              </a:schemeClr>
+            </a:gs>
+          </a:gsLst>
+          <a:path path="circle">
+            <a:fillToRect l="100000" t="100000" r="100000" b="100000"/>
+          </a:path>
+        </a:gradFill>
+        <a:ln>
+          <a:noFill/>
+        </a:ln>
+        <a:effectLst>
+          <a:outerShdw blurRad="38100" dist="25400" dir="2700000" algn="br" rotWithShape="0">
+            <a:srgbClr val="000000">
+              <a:alpha val="60000"/>
+            </a:srgbClr>
+          </a:outerShdw>
+        </a:effectLst>
+      </dsp:spPr>
+      <dsp:style>
+        <a:lnRef idx="0">
+          <a:scrgbClr r="0" g="0" b="0"/>
+        </a:lnRef>
+        <a:fillRef idx="3">
+          <a:scrgbClr r="0" g="0" b="0"/>
+        </a:fillRef>
+        <a:effectRef idx="2">
+          <a:scrgbClr r="0" g="0" b="0"/>
+        </a:effectRef>
+        <a:fontRef idx="minor">
+          <a:schemeClr val="lt1"/>
+        </a:fontRef>
+      </dsp:style>
+      <dsp:txBody>
+        <a:bodyPr spcFirstLastPara="0" vert="horz" wrap="square" lIns="170688" tIns="170688" rIns="170688" bIns="91440" numCol="1" spcCol="1270" anchor="t" anchorCtr="0">
+          <a:noAutofit/>
+        </a:bodyPr>
+        <a:lstStyle/>
+        <a:p>
+          <a:pPr lvl="0" algn="l" defTabSz="1066800">
+            <a:lnSpc>
+              <a:spcPct val="90000"/>
+            </a:lnSpc>
+            <a:spcBef>
+              <a:spcPct val="0"/>
+            </a:spcBef>
+            <a:spcAft>
+              <a:spcPct val="35000"/>
+            </a:spcAft>
+          </a:pPr>
+          <a:r>
+            <a:rPr lang="zh-CN" altLang="en-US" sz="2400" kern="1200" dirty="0" smtClean="0">
+              <a:latin typeface="楷体_GB2312" panose="02010609030101010101" pitchFamily="49" charset="-122"/>
+              <a:ea typeface="楷体_GB2312" panose="02010609030101010101" pitchFamily="49" charset="-122"/>
+            </a:rPr>
+            <a:t>发掘问题</a:t>
+          </a:r>
+          <a:endParaRPr lang="zh-CN" altLang="en-US" sz="2400" kern="1200" dirty="0">
+            <a:latin typeface="楷体_GB2312" panose="02010609030101010101" pitchFamily="49" charset="-122"/>
+            <a:ea typeface="楷体_GB2312" panose="02010609030101010101" pitchFamily="49" charset="-122"/>
+          </a:endParaRPr>
+        </a:p>
+      </dsp:txBody>
+      <dsp:txXfrm>
+        <a:off x="6073051" y="631780"/>
+        <a:ext cx="1743425" cy="637693"/>
+      </dsp:txXfrm>
+    </dsp:sp>
+    <dsp:sp modelId="{8910FE79-C8A6-4673-AC17-E82A107C5B80}">
+      <dsp:nvSpPr>
+        <dsp:cNvPr id="0" name=""/>
+        <dsp:cNvSpPr/>
+      </dsp:nvSpPr>
+      <dsp:spPr>
+        <a:xfrm>
+          <a:off x="6342618" y="1245365"/>
+          <a:ext cx="1785381" cy="2655387"/>
+        </a:xfrm>
+        <a:prstGeom prst="roundRect">
+          <a:avLst>
+            <a:gd name="adj" fmla="val 10000"/>
+          </a:avLst>
+        </a:prstGeom>
+        <a:solidFill>
+          <a:schemeClr val="lt1">
+            <a:alpha val="90000"/>
+            <a:hueOff val="0"/>
+            <a:satOff val="0"/>
+            <a:lumOff val="0"/>
+            <a:alphaOff val="0"/>
+          </a:schemeClr>
+        </a:solidFill>
+        <a:ln w="12700" cap="flat" cmpd="sng" algn="ctr">
+          <a:solidFill>
+            <a:schemeClr val="accent1">
+              <a:hueOff val="0"/>
+              <a:satOff val="0"/>
+              <a:lumOff val="0"/>
+              <a:alphaOff val="0"/>
+            </a:schemeClr>
+          </a:solidFill>
+          <a:prstDash val="solid"/>
+        </a:ln>
+        <a:effectLst/>
+      </dsp:spPr>
+      <dsp:style>
+        <a:lnRef idx="1">
+          <a:scrgbClr r="0" g="0" b="0"/>
+        </a:lnRef>
+        <a:fillRef idx="1">
+          <a:scrgbClr r="0" g="0" b="0"/>
+        </a:fillRef>
+        <a:effectRef idx="0">
+          <a:scrgbClr r="0" g="0" b="0"/>
+        </a:effectRef>
+        <a:fontRef idx="minor"/>
+      </dsp:style>
+      <dsp:txBody>
+        <a:bodyPr spcFirstLastPara="0" vert="horz" wrap="square" lIns="71120" tIns="71120" rIns="71120" bIns="71120" numCol="1" spcCol="1270" anchor="t" anchorCtr="0">
+          <a:noAutofit/>
+        </a:bodyPr>
+        <a:lstStyle/>
+        <a:p>
+          <a:pPr marL="57150" lvl="1" indent="-57150" algn="l" defTabSz="444500">
+            <a:lnSpc>
+              <a:spcPct val="90000"/>
+            </a:lnSpc>
+            <a:spcBef>
+              <a:spcPct val="0"/>
+            </a:spcBef>
+            <a:spcAft>
+              <a:spcPct val="15000"/>
+            </a:spcAft>
+            <a:buChar char="••"/>
+          </a:pPr>
+          <a:r>
+            <a:rPr lang="en-US" altLang="zh-CN" sz="1000" kern="1200" dirty="0" smtClean="0">
+              <a:latin typeface="仿宋_GB2312" panose="02010609030101010101" pitchFamily="49" charset="-122"/>
+              <a:ea typeface="仿宋_GB2312" panose="02010609030101010101" pitchFamily="49" charset="-122"/>
+            </a:rPr>
+            <a:t>1</a:t>
+          </a:r>
+          <a:r>
+            <a:rPr lang="zh-CN" altLang="en-US" sz="1000" kern="1200" dirty="0" smtClean="0">
+              <a:latin typeface="仿宋_GB2312" panose="02010609030101010101" pitchFamily="49" charset="-122"/>
+              <a:ea typeface="仿宋_GB2312" panose="02010609030101010101" pitchFamily="49" charset="-122"/>
+            </a:rPr>
+            <a:t>、</a:t>
+          </a:r>
+          <a:r>
+            <a:rPr lang="en-US" altLang="zh-CN" sz="1000" kern="1200" dirty="0" smtClean="0">
+              <a:latin typeface="仿宋_GB2312" panose="02010609030101010101" pitchFamily="49" charset="-122"/>
+              <a:ea typeface="仿宋_GB2312" panose="02010609030101010101" pitchFamily="49" charset="-122"/>
+            </a:rPr>
+            <a:t>project9</a:t>
+          </a:r>
+          <a:r>
+            <a:rPr lang="zh-CN" altLang="en-US" sz="1000" kern="1200" dirty="0" smtClean="0">
+              <a:latin typeface="仿宋_GB2312" panose="02010609030101010101" pitchFamily="49" charset="-122"/>
+              <a:ea typeface="仿宋_GB2312" panose="02010609030101010101" pitchFamily="49" charset="-122"/>
+            </a:rPr>
+            <a:t>难度较大，由于</a:t>
+          </a:r>
+          <a:r>
+            <a:rPr lang="en-US" altLang="zh-CN" sz="1000" kern="1200" dirty="0" smtClean="0">
+              <a:latin typeface="仿宋_GB2312" panose="02010609030101010101" pitchFamily="49" charset="-122"/>
+              <a:ea typeface="仿宋_GB2312" panose="02010609030101010101" pitchFamily="49" charset="-122"/>
+            </a:rPr>
+            <a:t>Nand2tetris</a:t>
+          </a:r>
+          <a:r>
+            <a:rPr lang="zh-CN" altLang="en-US" sz="1000" kern="1200" dirty="0" smtClean="0">
+              <a:latin typeface="仿宋_GB2312" panose="02010609030101010101" pitchFamily="49" charset="-122"/>
+              <a:ea typeface="仿宋_GB2312" panose="02010609030101010101" pitchFamily="49" charset="-122"/>
+            </a:rPr>
+            <a:t>的课程内容是循序渐进式的，在没有前期作业基础的前提下独立完成</a:t>
+          </a:r>
+          <a:r>
+            <a:rPr lang="en-US" altLang="zh-CN" sz="1000" kern="1200" dirty="0" smtClean="0">
+              <a:latin typeface="仿宋_GB2312" panose="02010609030101010101" pitchFamily="49" charset="-122"/>
+              <a:ea typeface="仿宋_GB2312" panose="02010609030101010101" pitchFamily="49" charset="-122"/>
+            </a:rPr>
+            <a:t>project9</a:t>
+          </a:r>
+          <a:r>
+            <a:rPr lang="zh-CN" altLang="en-US" sz="1000" kern="1200" dirty="0" smtClean="0">
+              <a:latin typeface="仿宋_GB2312" panose="02010609030101010101" pitchFamily="49" charset="-122"/>
+              <a:ea typeface="仿宋_GB2312" panose="02010609030101010101" pitchFamily="49" charset="-122"/>
+            </a:rPr>
+            <a:t>耗时较长；</a:t>
+          </a:r>
+          <a:endParaRPr lang="zh-CN" altLang="en-US" sz="1000" kern="1200" dirty="0">
+            <a:latin typeface="仿宋_GB2312" panose="02010609030101010101" pitchFamily="49" charset="-122"/>
+            <a:ea typeface="仿宋_GB2312" panose="02010609030101010101" pitchFamily="49" charset="-122"/>
+          </a:endParaRPr>
+        </a:p>
+        <a:p>
+          <a:pPr marL="57150" lvl="1" indent="-57150" algn="l" defTabSz="444500">
+            <a:lnSpc>
+              <a:spcPct val="90000"/>
+            </a:lnSpc>
+            <a:spcBef>
+              <a:spcPct val="0"/>
+            </a:spcBef>
+            <a:spcAft>
+              <a:spcPct val="15000"/>
+            </a:spcAft>
+            <a:buChar char="••"/>
+          </a:pPr>
+          <a:r>
+            <a:rPr lang="en-US" altLang="zh-CN" sz="1000" kern="1200" dirty="0" smtClean="0">
+              <a:latin typeface="仿宋_GB2312" panose="02010609030101010101" pitchFamily="49" charset="-122"/>
+              <a:ea typeface="仿宋_GB2312" panose="02010609030101010101" pitchFamily="49" charset="-122"/>
+            </a:rPr>
+            <a:t>2</a:t>
+          </a:r>
+          <a:r>
+            <a:rPr lang="zh-CN" altLang="en-US" sz="1000" kern="1200" dirty="0" smtClean="0">
+              <a:latin typeface="仿宋_GB2312" panose="02010609030101010101" pitchFamily="49" charset="-122"/>
+              <a:ea typeface="仿宋_GB2312" panose="02010609030101010101" pitchFamily="49" charset="-122"/>
+            </a:rPr>
+            <a:t>、将完成</a:t>
+          </a:r>
+          <a:r>
+            <a:rPr lang="en-US" altLang="zh-CN" sz="1000" kern="1200" dirty="0" smtClean="0">
+              <a:latin typeface="仿宋_GB2312" panose="02010609030101010101" pitchFamily="49" charset="-122"/>
+              <a:ea typeface="仿宋_GB2312" panose="02010609030101010101" pitchFamily="49" charset="-122"/>
+            </a:rPr>
+            <a:t>project</a:t>
+          </a:r>
+          <a:r>
+            <a:rPr lang="zh-CN" altLang="en-US" sz="1000" kern="1200" dirty="0" smtClean="0">
+              <a:latin typeface="仿宋_GB2312" panose="02010609030101010101" pitchFamily="49" charset="-122"/>
+              <a:ea typeface="仿宋_GB2312" panose="02010609030101010101" pitchFamily="49" charset="-122"/>
+            </a:rPr>
+            <a:t>的思路和方法展示在</a:t>
+          </a:r>
+          <a:r>
+            <a:rPr lang="en-US" altLang="zh-CN" sz="1000" kern="1200" dirty="0" smtClean="0">
+              <a:latin typeface="仿宋_GB2312" panose="02010609030101010101" pitchFamily="49" charset="-122"/>
+              <a:ea typeface="仿宋_GB2312" panose="02010609030101010101" pitchFamily="49" charset="-122"/>
+            </a:rPr>
+            <a:t>wiki</a:t>
+          </a:r>
+          <a:r>
+            <a:rPr lang="zh-CN" altLang="en-US" sz="1000" kern="1200" dirty="0" smtClean="0">
+              <a:latin typeface="仿宋_GB2312" panose="02010609030101010101" pitchFamily="49" charset="-122"/>
+              <a:ea typeface="仿宋_GB2312" panose="02010609030101010101" pitchFamily="49" charset="-122"/>
+            </a:rPr>
+            <a:t>上有一定的难度，每个</a:t>
+          </a:r>
+          <a:r>
+            <a:rPr lang="en-US" altLang="zh-CN" sz="1000" kern="1200" dirty="0" smtClean="0">
+              <a:latin typeface="仿宋_GB2312" panose="02010609030101010101" pitchFamily="49" charset="-122"/>
+              <a:ea typeface="仿宋_GB2312" panose="02010609030101010101" pitchFamily="49" charset="-122"/>
+            </a:rPr>
+            <a:t>project</a:t>
+          </a:r>
+          <a:r>
+            <a:rPr lang="zh-CN" altLang="en-US" sz="1000" kern="1200" dirty="0" smtClean="0">
+              <a:latin typeface="仿宋_GB2312" panose="02010609030101010101" pitchFamily="49" charset="-122"/>
+              <a:ea typeface="仿宋_GB2312" panose="02010609030101010101" pitchFamily="49" charset="-122"/>
+            </a:rPr>
+            <a:t>内容不同，如何用比较通用的模板直观展现需要总结规律；</a:t>
+          </a:r>
+          <a:endParaRPr lang="zh-CN" altLang="en-US" sz="1000" kern="1200" dirty="0">
+            <a:latin typeface="仿宋_GB2312" panose="02010609030101010101" pitchFamily="49" charset="-122"/>
+            <a:ea typeface="仿宋_GB2312" panose="02010609030101010101" pitchFamily="49" charset="-122"/>
+          </a:endParaRPr>
+        </a:p>
+        <a:p>
+          <a:pPr marL="57150" lvl="1" indent="-57150" algn="l" defTabSz="444500">
+            <a:lnSpc>
+              <a:spcPct val="90000"/>
+            </a:lnSpc>
+            <a:spcBef>
+              <a:spcPct val="0"/>
+            </a:spcBef>
+            <a:spcAft>
+              <a:spcPct val="15000"/>
+            </a:spcAft>
+            <a:buChar char="••"/>
+          </a:pPr>
+          <a:r>
+            <a:rPr lang="en-US" altLang="zh-CN" sz="1000" kern="1200" dirty="0" smtClean="0">
+              <a:latin typeface="仿宋_GB2312" panose="02010609030101010101" pitchFamily="49" charset="-122"/>
+              <a:ea typeface="仿宋_GB2312" panose="02010609030101010101" pitchFamily="49" charset="-122"/>
+            </a:rPr>
+            <a:t>3</a:t>
+          </a:r>
+          <a:r>
+            <a:rPr lang="zh-CN" altLang="en-US" sz="1000" kern="1200" dirty="0" smtClean="0">
+              <a:latin typeface="仿宋_GB2312" panose="02010609030101010101" pitchFamily="49" charset="-122"/>
+              <a:ea typeface="仿宋_GB2312" panose="02010609030101010101" pitchFamily="49" charset="-122"/>
+            </a:rPr>
+            <a:t>、时间的不确定性。</a:t>
+          </a:r>
+          <a:endParaRPr lang="zh-CN" altLang="en-US" sz="1000" kern="1200" dirty="0">
+            <a:latin typeface="仿宋_GB2312" panose="02010609030101010101" pitchFamily="49" charset="-122"/>
+            <a:ea typeface="仿宋_GB2312" panose="02010609030101010101" pitchFamily="49" charset="-122"/>
+          </a:endParaRPr>
+        </a:p>
+      </dsp:txBody>
+      <dsp:txXfrm>
+        <a:off x="6394910" y="1297657"/>
+        <a:ext cx="1680797" cy="2550803"/>
+      </dsp:txXfrm>
+    </dsp:sp>
+  </dsp:spTree>
+</dsp:drawing>
+</file>
+
+<file path=ppt/diagrams/layout1.xml><?xml version="1.0" encoding="utf-8"?>
+<dgm:layoutDef xmlns:dgm="http://schemas.openxmlformats.org/drawingml/2006/diagram" xmlns:a="http://schemas.openxmlformats.org/drawingml/2006/main" uniqueId="urn:microsoft.com/office/officeart/2005/8/layout/process3">
+  <dgm:title val=""/>
+  <dgm:desc val=""/>
+  <dgm:catLst>
+    <dgm:cat type="process" pri="2000"/>
+  </dgm:catLst>
+  <dgm:sampData>
+    <dgm:dataModel>
+      <dgm:ptLst>
+        <dgm:pt modelId="0" type="doc"/>
+        <dgm:pt modelId="1">
+          <dgm:prSet phldr="1"/>
+        </dgm:pt>
+        <dgm:pt modelId="11">
+          <dgm:prSet phldr="1"/>
+        </dgm:pt>
+        <dgm:pt modelId="2">
+          <dgm:prSet phldr="1"/>
+        </dgm:pt>
+        <dgm:pt modelId="21">
+          <dgm:prSet phldr="1"/>
+        </dgm:pt>
+        <dgm:pt modelId="3">
+          <dgm:prSet phldr="1"/>
+        </dgm:pt>
+        <dgm:pt modelId="31">
+          <dgm:prSet phldr="1"/>
+        </dgm:pt>
+      </dgm:ptLst>
+      <dgm:cxnLst>
+        <dgm:cxn modelId="4" srcId="0" destId="1" srcOrd="0" destOrd="0"/>
+        <dgm:cxn modelId="5" srcId="0" destId="2" srcOrd="1" destOrd="0"/>
+        <dgm:cxn modelId="6" srcId="0" destId="3" srcOrd="3" destOrd="0"/>
+        <dgm:cxn modelId="12" srcId="1" destId="11" srcOrd="0" destOrd="0"/>
+        <dgm:cxn modelId="23" srcId="2" destId="21" srcOrd="0" destOrd="0"/>
+        <dgm:cxn modelId="34" srcId="3" destId="31" srcOrd="0" destOrd="0"/>
+      </dgm:cxnLst>
+      <dgm:bg/>
+      <dgm:whole/>
+    </dgm:dataModel>
+  </dgm:sampData>
+  <dgm:styleData>
+    <dgm:dataModel>
+      <dgm:ptLst>
+        <dgm:pt modelId="0" type="doc"/>
+        <dgm:pt modelId="1">
+          <dgm:prSet phldr="1"/>
+        </dgm:pt>
+        <dgm:pt modelId="11">
+          <dgm:prSet phldr="1"/>
+        </dgm:pt>
+        <dgm:pt modelId="2">
+          <dgm:prSet phldr="1"/>
+        </dgm:pt>
+        <dgm:pt modelId="21">
+          <dgm:prSet phldr="1"/>
+        </dgm:pt>
+      </dgm:ptLst>
+      <dgm:cxnLst>
+        <dgm:cxn modelId="4" srcId="0" destId="1" srcOrd="0" destOrd="0"/>
+        <dgm:cxn modelId="5" srcId="0" destId="2" srcOrd="1" destOrd="0"/>
+        <dgm:cxn modelId="13" srcId="1" destId="11" srcOrd="0" destOrd="0"/>
+        <dgm:cxn modelId="23" srcId="2" destId="21" srcOrd="0" destOrd="0"/>
+      </dgm:cxnLst>
+      <dgm:bg/>
+      <dgm:whole/>
+    </dgm:dataModel>
+  </dgm:styleData>
+  <dgm:clrData>
+    <dgm:dataModel>
+      <dgm:ptLst>
+        <dgm:pt modelId="0" type="doc"/>
+        <dgm:pt modelId="1">
+          <dgm:prSet phldr="1"/>
+        </dgm:pt>
+        <dgm:pt modelId="11">
+          <dgm:prSet phldr="1"/>
+        </dgm:pt>
+        <dgm:pt modelId="2">
+          <dgm:prSet phldr="1"/>
+        </dgm:pt>
+        <dgm:pt modelId="21">
+          <dgm:prSet phldr="1"/>
+        </dgm:pt>
+        <dgm:pt modelId="3">
+          <dgm:prSet phldr="1"/>
+        </dgm:pt>
+        <dgm:pt modelId="31">
+          <dgm:prSet phldr="1"/>
+        </dgm:pt>
+        <dgm:pt modelId="4">
+          <dgm:prSet phldr="1"/>
+        </dgm:pt>
+        <dgm:pt modelId="41">
+          <dgm:prSet phldr="1"/>
+        </dgm:pt>
+      </dgm:ptLst>
+      <dgm:cxnLst>
+        <dgm:cxn modelId="5" srcId="0" destId="1" srcOrd="0" destOrd="0"/>
+        <dgm:cxn modelId="6" srcId="0" destId="2" srcOrd="1" destOrd="0"/>
+        <dgm:cxn modelId="7" srcId="0" destId="3" srcOrd="2" destOrd="0"/>
+        <dgm:cxn modelId="8" srcId="0" destId="4" srcOrd="3" destOrd="0"/>
+        <dgm:cxn modelId="13" srcId="1" destId="11" srcOrd="0" destOrd="0"/>
+        <dgm:cxn modelId="23" srcId="2" destId="21" srcOrd="0" destOrd="0"/>
+        <dgm:cxn modelId="33" srcId="3" destId="31" srcOrd="0" destOrd="0"/>
+        <dgm:cxn modelId="43" srcId="4" destId="41" srcOrd="0" destOrd="0"/>
+      </dgm:cxnLst>
+      <dgm:bg/>
+      <dgm:whole/>
+    </dgm:dataModel>
+  </dgm:clrData>
+  <dgm:layoutNode name="linearFlow">
+    <dgm:varLst>
+      <dgm:dir/>
+      <dgm:animLvl val="lvl"/>
+      <dgm:resizeHandles val="exact"/>
+    </dgm:varLst>
+    <dgm:choose name="Name0">
+      <dgm:if name="Name1" func="var" arg="dir" op="equ" val="norm">
+        <dgm:alg type="lin"/>
+      </dgm:if>
+      <dgm:else name="Name2">
+        <dgm:alg type="lin">
+          <dgm:param type="linDir" val="fromR"/>
+        </dgm:alg>
+      </dgm:else>
+    </dgm:choose>
+    <dgm:shape xmlns:r="http://schemas.openxmlformats.org/officeDocument/2006/relationships" r:blip="">
+      <dgm:adjLst/>
+    </dgm:shape>
+    <dgm:presOf/>
+    <dgm:constrLst>
+      <dgm:constr type="w" for="ch" forName="composite" refType="w"/>
+      <dgm:constr type="w" for="ch" ptType="sibTrans" refType="w" refFor="ch" refForName="composite" fact="0.3333"/>
+      <dgm:constr type="w" for="des" forName="parTx"/>
+      <dgm:constr type="h" for="des" forName="parTx" op="equ"/>
+      <dgm:constr type="h" for="des" forName="parSh" op="equ"/>
+      <dgm:constr type="w" for="des" forName="desTx"/>
+      <dgm:constr type="h" for="des" forName="desTx" op="equ"/>
+      <dgm:constr type="w" for="des" forName="parSh"/>
+      <dgm:constr type="primFontSz" for="des" forName="parTx" val="65"/>
+      <dgm:constr type="secFontSz" for="des" forName="desTx" refType="primFontSz" refFor="des" refForName="parTx" op="equ"/>
+      <dgm:constr type="primFontSz" for="des" forName="connTx" refType="primFontSz" refFor="des" refForName="parTx" fact="0.8"/>
+      <dgm:constr type="primFontSz" for="des" forName="connTx" refType="primFontSz" refFor="des" refForName="parTx" op="lte" fact="0.8"/>
+      <dgm:constr type="h" for="des" forName="parTx" refType="primFontSz" refFor="des" refForName="parTx" fact="0.8"/>
+      <dgm:constr type="h" for="des" forName="parSh" refType="primFontSz" refFor="des" refForName="parTx" fact="1.2"/>
+      <dgm:constr type="h" for="des" forName="desTx" refType="primFontSz" refFor="des" refForName="parTx" fact="1.6"/>
+      <dgm:constr type="h" for="des" forName="parSh" refType="h" refFor="des" refForName="parTx" op="lte" fact="1.5"/>
+      <dgm:constr type="h" for="des" forName="parSh" refType="h" refFor="des" refForName="parTx" op="gte" fact="1.5"/>
+    </dgm:constrLst>
+    <dgm:ruleLst>
+      <dgm:rule type="w" for="ch" forName="composite" val="0" fact="NaN" max="NaN"/>
+      <dgm:rule type="primFontSz" for="des" forName="parTx" val="5" fact="NaN" max="NaN"/>
+    </dgm:ruleLst>
+    <dgm:forEach name="Name3" axis="ch" ptType="node">
+      <dgm:layoutNode name="composite">
+        <dgm:alg type="composite"/>
+        <dgm:shape xmlns:r="http://schemas.openxmlformats.org/officeDocument/2006/relationships" r:blip="">
+          <dgm:adjLst/>
+        </dgm:shape>
+        <dgm:presOf/>
+        <dgm:choose name="Name4">
+          <dgm:if name="Name5" func="var" arg="dir" op="equ" val="norm">
+            <dgm:constrLst>
+              <dgm:constr type="h" refType="w" fact="1000"/>
+              <dgm:constr type="l" for="ch" forName="parTx"/>
+              <dgm:constr type="w" for="ch" forName="parTx" refType="w" fact="0.83"/>
+              <dgm:constr type="t" for="ch" forName="parTx"/>
+              <dgm:constr type="l" for="ch" forName="parSh"/>
+              <dgm:constr type="w" for="ch" forName="parSh" refType="w" refFor="ch" refForName="parTx"/>
+              <dgm:constr type="t" for="ch" forName="parSh"/>
+              <dgm:constr type="l" for="ch" forName="desTx" refType="w" fact="0.17"/>
+              <dgm:constr type="w" for="ch" forName="desTx" refType="w" refFor="ch" refForName="parTx"/>
+              <dgm:constr type="t" for="ch" forName="desTx" refType="h" refFor="ch" refForName="parTx"/>
+            </dgm:constrLst>
+          </dgm:if>
+          <dgm:else name="Name6">
+            <dgm:constrLst>
+              <dgm:constr type="h" refType="w" fact="1000"/>
+              <dgm:constr type="l" for="ch" forName="parTx" refType="w" fact="0.17"/>
+              <dgm:constr type="w" for="ch" forName="parTx" refType="w" fact="0.83"/>
+              <dgm:constr type="t" for="ch" forName="parTx"/>
+              <dgm:constr type="l" for="ch" forName="parSh" refType="w" fact="0.15"/>
+              <dgm:constr type="w" for="ch" forName="parSh" refType="w" refFor="ch" refForName="parTx"/>
+              <dgm:constr type="t" for="ch" forName="parSh"/>
+              <dgm:constr type="l" for="ch" forName="desTx"/>
+              <dgm:constr type="w" for="ch" forName="desTx" refType="w" refFor="ch" refForName="parTx"/>
+              <dgm:constr type="t" for="ch" forName="desTx" refType="h" refFor="ch" refForName="parTx"/>
+            </dgm:constrLst>
+          </dgm:else>
+        </dgm:choose>
+        <dgm:ruleLst>
+          <dgm:rule type="h" val="INF" fact="NaN" max="NaN"/>
+        </dgm:ruleLst>
+        <dgm:layoutNode name="parTx">
+          <dgm:varLst>
+            <dgm:chMax val="0"/>
+            <dgm:chPref val="0"/>
+            <dgm:bulletEnabled val="1"/>
+          </dgm:varLst>
+          <dgm:alg type="tx">
+            <dgm:param type="parTxLTRAlign" val="l"/>
+            <dgm:param type="parTxRTLAlign" val="r"/>
+            <dgm:param type="txAnchorVert" val="t"/>
+          </dgm:alg>
+          <dgm:shape xmlns:r="http://schemas.openxmlformats.org/officeDocument/2006/relationships" type="rect" r:blip="" zOrderOff="1" hideGeom="1">
+            <dgm:adjLst>
+              <dgm:adj idx="1" val="0.1"/>
+            </dgm:adjLst>
+          </dgm:shape>
+          <dgm:presOf axis="self" ptType="node"/>
+          <dgm:constrLst>
+            <dgm:constr type="h" refType="w" op="lte" fact="0.4"/>
+            <dgm:constr type="bMarg" refType="primFontSz" fact="0.3"/>
+            <dgm:constr type="h"/>
+          </dgm:constrLst>
+          <dgm:ruleLst>
+            <dgm:rule type="h" val="INF" fact="NaN" max="NaN"/>
+          </dgm:ruleLst>
+        </dgm:layoutNode>
+        <dgm:layoutNode name="parSh">
+          <dgm:alg type="sp"/>
+          <dgm:shape xmlns:r="http://schemas.openxmlformats.org/officeDocument/2006/relationships" type="roundRect" r:blip="">
+            <dgm:adjLst>
+              <dgm:adj idx="1" val="0.1"/>
+            </dgm:adjLst>
+          </dgm:shape>
+          <dgm:presOf axis="self" ptType="node"/>
+          <dgm:constrLst>
+            <dgm:constr type="h"/>
+          </dgm:constrLst>
+          <dgm:ruleLst/>
+        </dgm:layoutNode>
+        <dgm:layoutNode name="desTx" styleLbl="fgAcc1">
+          <dgm:varLst>
+            <dgm:bulletEnabled val="1"/>
+          </dgm:varLst>
+          <dgm:alg type="tx">
+            <dgm:param type="stBulletLvl" val="1"/>
+          </dgm:alg>
+          <dgm:shape xmlns:r="http://schemas.openxmlformats.org/officeDocument/2006/relationships" type="roundRect" r:blip="">
+            <dgm:adjLst>
+              <dgm:adj idx="1" val="0.1"/>
+            </dgm:adjLst>
+          </dgm:shape>
+          <dgm:presOf axis="des" ptType="node"/>
+          <dgm:constrLst>
+            <dgm:constr type="secFontSz" val="65"/>
+            <dgm:constr type="primFontSz" refType="secFontSz"/>
+            <dgm:constr type="h"/>
+          </dgm:constrLst>
+          <dgm:ruleLst>
+            <dgm:rule type="h" val="INF" fact="NaN" max="NaN"/>
+          </dgm:ruleLst>
+        </dgm:layoutNode>
+      </dgm:layoutNode>
+      <dgm:forEach name="sibTransForEach" axis="followSib" ptType="sibTrans" cnt="1">
+        <dgm:layoutNode name="sibTrans">
+          <dgm:alg type="conn">
+            <dgm:param type="begPts" val="auto"/>
+            <dgm:param type="endPts" val="auto"/>
+            <dgm:param type="srcNode" val="parTx"/>
+            <dgm:param type="dstNode" val="parTx"/>
+          </dgm:alg>
+          <dgm:shape xmlns:r="http://schemas.openxmlformats.org/officeDocument/2006/relationships" type="conn" r:blip="">
+            <dgm:adjLst/>
+          </dgm:shape>
+          <dgm:presOf axis="self"/>
+          <dgm:constrLst>
+            <dgm:constr type="h" refType="w" fact="0.62"/>
+            <dgm:constr type="connDist"/>
+            <dgm:constr type="begPad" refType="connDist" fact="0.25"/>
+            <dgm:constr type="endPad" refType="connDist" fact="0.22"/>
+          </dgm:constrLst>
+          <dgm:ruleLst/>
+          <dgm:layoutNode name="connTx">
+            <dgm:alg type="tx">
+              <dgm:param type="autoTxRot" val="grav"/>
+            </dgm:alg>
+            <dgm:shape xmlns:r="http://schemas.openxmlformats.org/officeDocument/2006/relationships" type="conn" r:blip="" hideGeom="1">
+              <dgm:adjLst/>
+            </dgm:shape>
+            <dgm:presOf axis="self"/>
+            <dgm:constrLst>
+              <dgm:constr type="lMarg"/>
+              <dgm:constr type="rMarg"/>
+              <dgm:constr type="tMarg"/>
+              <dgm:constr type="bMarg"/>
+            </dgm:constrLst>
+            <dgm:ruleLst>
+              <dgm:rule type="primFontSz" val="5" fact="NaN" max="NaN"/>
+            </dgm:ruleLst>
+          </dgm:layoutNode>
+        </dgm:layoutNode>
+      </dgm:forEach>
+    </dgm:forEach>
+  </dgm:layoutNode>
+</dgm:layoutDef>
+</file>
+
+<file path=ppt/diagrams/quickStyle1.xml><?xml version="1.0" encoding="utf-8"?>
+<dgm:styleDef xmlns:dgm="http://schemas.openxmlformats.org/drawingml/2006/diagram" xmlns:a="http://schemas.openxmlformats.org/drawingml/2006/main" uniqueId="urn:microsoft.com/office/officeart/2005/8/quickstyle/simple4">
+  <dgm:title val=""/>
+  <dgm:desc val=""/>
+  <dgm:catLst>
+    <dgm:cat type="simple" pri="10400"/>
+  </dgm:catLst>
+  <dgm:scene3d>
+    <a:camera prst="orthographicFront"/>
+    <a:lightRig rig="threePt" dir="t"/>
+  </dgm:scene3d>
+  <dgm:styleLbl name="node0">
+    <dgm:scene3d>
+      <a:camera prst="orthographicFront"/>
+      <a:lightRig rig="threePt" dir="t"/>
+    </dgm:scene3d>
+    <dgm:sp3d/>
+    <dgm:txPr/>
+    <dgm:style>
+      <a:lnRef idx="0">
+        <a:scrgbClr r="0" g="0" b="0"/>
+      </a:lnRef>
+      <a:fillRef idx="3">
+        <a:scrgbClr r="0" g="0" b="0"/>
+      </a:fillRef>
+      <a:effectRef idx="2">
+        <a:scrgbClr r="0" g="0" b="0"/>
+      </a:effectRef>
+      <a:fontRef idx="minor">
+        <a:schemeClr val="lt1"/>
+      </a:fontRef>
+    </dgm:style>
+  </dgm:styleLbl>
+  <dgm:styleLbl name="lnNode1">
+    <dgm:scene3d>
+      <a:camera prst="orthographicFront"/>
+      <a:lightRig rig="threePt" dir="t"/>
+    </dgm:scene3d>
+    <dgm:sp3d/>
+    <dgm:txPr/>
+    <dgm:style>
+      <a:lnRef idx="1">
+        <a:scrgbClr r="0" g="0" b="0"/>
+      </a:lnRef>
+      <a:fillRef idx="3">
+        <a:scrgbClr r="0" g="0" b="0"/>
+      </a:fillRef>
+      <a:effectRef idx="2">
+        <a:scrgbClr r="0" g="0" b="0"/>
+      </a:effectRef>
+      <a:fontRef idx="minor">
+        <a:schemeClr val="lt1"/>
+      </a:fontRef>
+    </dgm:style>
+  </dgm:styleLbl>
+  <dgm:styleLbl name="vennNode1">
+    <dgm:scene3d>
+      <a:camera prst="orthographicFront"/>
+      <a:lightRig rig="threePt" dir="t"/>
+    </dgm:scene3d>
+    <dgm:sp3d/>
+    <dgm:txPr/>
+    <dgm:style>
+      <a:lnRef idx="0">
+        <a:scrgbClr r="0" g="0" b="0"/>
+      </a:lnRef>
+      <a:fillRef idx="3">
+        <a:scrgbClr r="0" g="0" b="0"/>
+      </a:fillRef>
+      <a:effectRef idx="0">
+        <a:scrgbClr r="0" g="0" b="0"/>
+      </a:effectRef>
+      <a:fontRef idx="minor">
+        <a:schemeClr val="tx1"/>
+      </a:fontRef>
+    </dgm:style>
+  </dgm:styleLbl>
+  <dgm:styleLbl name="alignNode1">
+    <dgm:scene3d>
+      <a:camera prst="orthographicFront"/>
+      <a:lightRig rig="threePt" dir="t"/>
+    </dgm:scene3d>
+    <dgm:sp3d/>
+    <dgm:txPr/>
+    <dgm:style>
+      <a:lnRef idx="1">
+        <a:scrgbClr r="0" g="0" b="0"/>
+      </a:lnRef>
+      <a:fillRef idx="3">
+        <a:scrgbClr r="0" g="0" b="0"/>
+      </a:fillRef>
+      <a:effectRef idx="2">
+        <a:scrgbClr r="0" g="0" b="0"/>
+      </a:effectRef>
+      <a:fontRef idx="minor">
+        <a:schemeClr val="lt1"/>
+      </a:fontRef>
+    </dgm:style>
+  </dgm:styleLbl>
+  <dgm:styleLbl name="node1">
+    <dgm:scene3d>
+      <a:camera prst="orthographicFront"/>
+      <a:lightRig rig="threePt" dir="t"/>
+    </dgm:scene3d>
+    <dgm:sp3d/>
+    <dgm:txPr/>
+    <dgm:style>
+      <a:lnRef idx="0">
+        <a:scrgbClr r="0" g="0" b="0"/>
+      </a:lnRef>
+      <a:fillRef idx="3">
+        <a:scrgbClr r="0" g="0" b="0"/>
+      </a:fillRef>
+      <a:effectRef idx="2">
+        <a:scrgbClr r="0" g="0" b="0"/>
+      </a:effectRef>
+      <a:fontRef idx="minor">
+        <a:schemeClr val="lt1"/>
+      </a:fontRef>
+    </dgm:style>
+  </dgm:styleLbl>
+  <dgm:styleLbl name="node2">
+    <dgm:scene3d>
+      <a:camera prst="orthographicFront"/>
+      <a:lightRig rig="threePt" dir="t"/>
+    </dgm:scene3d>
+    <dgm:sp3d/>
+    <dgm:txPr/>
+    <dgm:style>
+      <a:lnRef idx="0">
+        <a:scrgbClr r="0" g="0" b="0"/>
+      </a:lnRef>
+      <a:fillRef idx="3">
+        <a:scrgbClr r="0" g="0" b="0"/>
+      </a:fillRef>
+      <a:effectRef idx="2">
+        <a:scrgbClr r="0" g="0" b="0"/>
+      </a:effectRef>
+      <a:fontRef idx="minor">
+        <a:schemeClr val="lt1"/>
+      </a:fontRef>
+    </dgm:style>
+  </dgm:styleLbl>
+  <dgm:styleLbl name="node3">
+    <dgm:scene3d>
+      <a:camera prst="orthographicFront"/>
+      <a:lightRig rig="threePt" dir="t"/>
+    </dgm:scene3d>
+    <dgm:sp3d/>
+    <dgm:txPr/>
+    <dgm:style>
+      <a:lnRef idx="0">
+        <a:scrgbClr r="0" g="0" b="0"/>
+      </a:lnRef>
+      <a:fillRef idx="3">
+        <a:scrgbClr r="0" g="0" b="0"/>
+      </a:fillRef>
+      <a:effectRef idx="2">
+        <a:scrgbClr r="0" g="0" b="0"/>
+      </a:effectRef>
+      <a:fontRef idx="minor">
+        <a:schemeClr val="lt1"/>
+      </a:fontRef>
+    </dgm:style>
+  </dgm:styleLbl>
+  <dgm:styleLbl name="node4">
+    <dgm:scene3d>
+      <a:camera prst="orthographicFront"/>
+      <a:lightRig rig="threePt" dir="t"/>
+    </dgm:scene3d>
+    <dgm:sp3d/>
+    <dgm:txPr/>
+    <dgm:style>
+      <a:lnRef idx="0">
+        <a:scrgbClr r="0" g="0" b="0"/>
+      </a:lnRef>
+      <a:fillRef idx="3">
+        <a:scrgbClr r="0" g="0" b="0"/>
+      </a:fillRef>
+      <a:effectRef idx="2">
+        <a:scrgbClr r="0" g="0" b="0"/>
+      </a:effectRef>
+      <a:fontRef idx="minor">
+        <a:schemeClr val="lt1"/>
+      </a:fontRef>
+    </dgm:style>
+  </dgm:styleLbl>
+  <dgm:styleLbl name="fgImgPlace1">
+    <dgm:scene3d>
+      <a:camera prst="orthographicFront"/>
+      <a:lightRig rig="threePt" dir="t"/>
+    </dgm:scene3d>
+    <dgm:sp3d/>
+    <dgm:txPr/>
+    <dgm:style>
+      <a:lnRef idx="0">
+        <a:scrgbClr r="0" g="0" b="0"/>
+      </a:lnRef>
+      <a:fillRef idx="1">
+        <a:scrgbClr r="0" g="0" b="0"/>
+      </a:fillRef>
+      <a:effectRef idx="2">
+        <a:scrgbClr r="0" g="0" b="0"/>
+      </a:effectRef>
+      <a:fontRef idx="minor"/>
+    </dgm:style>
+  </dgm:styleLbl>
+  <dgm:styleLbl name="alignImgPlace1">
+    <dgm:scene3d>
+      <a:camera prst="orthographicFront"/>
+      <a:lightRig rig="threePt" dir="t"/>
+    </dgm:scene3d>
+    <dgm:sp3d/>
+    <dgm:txPr/>
+    <dgm:style>
+      <a:lnRef idx="0">
+        <a:scrgbClr r="0" g="0" b="0"/>
+      </a:lnRef>
+      <a:fillRef idx="1">
+        <a:scrgbClr r="0" g="0" b="0"/>
+      </a:fillRef>
+      <a:effectRef idx="2">
+        <a:scrgbClr r="0" g="0" b="0"/>
+      </a:effectRef>
+      <a:fontRef idx="minor"/>
+    </dgm:style>
+  </dgm:styleLbl>
+  <dgm:styleLbl name="bgImgPlace1">
+    <dgm:scene3d>
+      <a:camera prst="orthographicFront"/>
+      <a:lightRig rig="threePt" dir="t"/>
+    </dgm:scene3d>
+    <dgm:sp3d/>
+    <dgm:txPr/>
+    <dgm:style>
+      <a:lnRef idx="0">
+        <a:scrgbClr r="0" g="0" b="0"/>
+      </a:lnRef>
+      <a:fillRef idx="1">
+        <a:scrgbClr r="0" g="0" b="0"/>
+      </a:fillRef>
+      <a:effectRef idx="2">
+        <a:scrgbClr r="0" g="0" b="0"/>
+      </a:effectRef>
+      <a:fontRef idx="minor"/>
+    </dgm:style>
+  </dgm:styleLbl>
+  <dgm:styleLbl name="sibTrans2D1">
+    <dgm:scene3d>
+      <a:camera prst="orthographicFront"/>
+      <a:lightRig rig="threePt" dir="t"/>
+    </dgm:scene3d>
+    <dgm:sp3d/>
+    <dgm:txPr/>
+    <dgm:style>
+      <a:lnRef idx="0">
+        <a:scrgbClr r="0" g="0" b="0"/>
+      </a:lnRef>
+      <a:fillRef idx="3">
+        <a:scrgbClr r="0" g="0" b="0"/>
+      </a:fillRef>
+      <a:effectRef idx="2">
+        <a:scrgbClr r="0" g="0" b="0"/>
+      </a:effectRef>
+      <a:fontRef idx="minor">
+        <a:schemeClr val="lt1"/>
+      </a:fontRef>
+    </dgm:style>
+  </dgm:styleLbl>
+  <dgm:styleLbl name="fgSibTrans2D1">
+    <dgm:scene3d>
+      <a:camera prst="orthographicFront"/>
+      <a:lightRig rig="threePt" dir="t"/>
+    </dgm:scene3d>
+    <dgm:sp3d/>
+    <dgm:txPr/>
+    <dgm:style>
+      <a:lnRef idx="0">
+        <a:scrgbClr r="0" g="0" b="0"/>
+      </a:lnRef>
+      <a:fillRef idx="3">
+        <a:scrgbClr r="0" g="0" b="0"/>
+      </a:fillRef>
+      <a:effectRef idx="2">
+        <a:scrgbClr r="0" g="0" b="0"/>
+      </a:effectRef>
+      <a:fontRef idx="minor">
+        <a:schemeClr val="lt1"/>
+      </a:fontRef>
+    </dgm:style>
+  </dgm:styleLbl>
+  <dgm:styleLbl name="bgSibTrans2D1">
+    <dgm:scene3d>
+      <a:camera prst="orthographicFront"/>
+      <a:lightRig rig="threePt" dir="t"/>
+    </dgm:scene3d>
+    <dgm:sp3d/>
+    <dgm:txPr/>
+    <dgm:style>
+      <a:lnRef idx="0">
+        <a:scrgbClr r="0" g="0" b="0"/>
+      </a:lnRef>
+      <a:fillRef idx="3">
+        <a:scrgbClr r="0" g="0" b="0"/>
+      </a:fillRef>
+      <a:effectRef idx="2">
+        <a:scrgbClr r="0" g="0" b="0"/>
+      </a:effectRef>
+      <a:fontRef idx="minor">
+        <a:schemeClr val="lt1"/>
+      </a:fontRef>
+    </dgm:style>
+  </dgm:styleLbl>
+  <dgm:styleLbl name="sibTrans1D1">
+    <dgm:scene3d>
+      <a:camera prst="orthographicFront"/>
+      <a:lightRig rig="threePt" dir="t"/>
+    </dgm:scene3d>
+    <dgm:sp3d/>
+    <dgm:txPr/>
+    <dgm:style>
+      <a:lnRef idx="1">
+        <a:scrgbClr r="0" g="0" b="0"/>
+      </a:lnRef>
+      <a:fillRef idx="0">
+        <a:scrgbClr r="0" g="0" b="0"/>
+      </a:fillRef>
+      <a:effectRef idx="0">
+        <a:scrgbClr r="0" g="0" b="0"/>
+      </a:effectRef>
+      <a:fontRef idx="minor"/>
+    </dgm:style>
+  </dgm:styleLbl>
+  <dgm:styleLbl name="callout">
+    <dgm:scene3d>
+      <a:camera prst="orthographicFront"/>
+      <a:lightRig rig="threePt" dir="t"/>
+    </dgm:scene3d>
+    <dgm:sp3d/>
+    <dgm:txPr/>
+    <dgm:style>
+      <a:lnRef idx="2">
+        <a:scrgbClr r="0" g="0" b="0"/>
+      </a:lnRef>
+      <a:fillRef idx="1">
+        <a:scrgbClr r="0" g="0" b="0"/>
+      </a:fillRef>
+      <a:effectRef idx="1">
+        <a:scrgbClr r="0" g="0" b="0"/>
+      </a:effectRef>
+      <a:fontRef idx="minor"/>
+    </dgm:style>
+  </dgm:styleLbl>
+  <dgm:styleLbl name="asst0">
+    <dgm:scene3d>
+      <a:camera prst="orthographicFront"/>
+      <a:lightRig rig="threePt" dir="t"/>
+    </dgm:scene3d>
+    <dgm:sp3d/>
+    <dgm:txPr/>
+    <dgm:style>
+      <a:lnRef idx="0">
+        <a:scrgbClr r="0" g="0" b="0"/>
+      </a:lnRef>
+      <a:fillRef idx="3">
+        <a:scrgbClr r="0" g="0" b="0"/>
+      </a:fillRef>
+      <a:effectRef idx="2">
+        <a:scrgbClr r="0" g="0" b="0"/>
+      </a:effectRef>
+      <a:fontRef idx="minor">
+        <a:schemeClr val="lt1"/>
+      </a:fontRef>
+    </dgm:style>
+  </dgm:styleLbl>
+  <dgm:styleLbl name="asst1">
+    <dgm:scene3d>
+      <a:camera prst="orthographicFront"/>
+      <a:lightRig rig="threePt" dir="t"/>
+    </dgm:scene3d>
+    <dgm:sp3d/>
+    <dgm:txPr/>
+    <dgm:style>
+      <a:lnRef idx="0">
+        <a:scrgbClr r="0" g="0" b="0"/>
+      </a:lnRef>
+      <a:fillRef idx="3">
+        <a:scrgbClr r="0" g="0" b="0"/>
+      </a:fillRef>
+      <a:effectRef idx="2">
+        <a:scrgbClr r="0" g="0" b="0"/>
+      </a:effectRef>
+      <a:fontRef idx="minor">
+        <a:schemeClr val="lt1"/>
+      </a:fontRef>
+    </dgm:style>
+  </dgm:styleLbl>
+  <dgm:styleLbl name="asst2">
+    <dgm:scene3d>
+      <a:camera prst="orthographicFront"/>
+      <a:lightRig rig="threePt" dir="t"/>
+    </dgm:scene3d>
+    <dgm:sp3d/>
+    <dgm:txPr/>
+    <dgm:style>
+      <a:lnRef idx="0">
+        <a:scrgbClr r="0" g="0" b="0"/>
+      </a:lnRef>
+      <a:fillRef idx="3">
+        <a:scrgbClr r="0" g="0" b="0"/>
+      </a:fillRef>
+      <a:effectRef idx="2">
+        <a:scrgbClr r="0" g="0" b="0"/>
+      </a:effectRef>
+      <a:fontRef idx="minor">
+        <a:schemeClr val="lt1"/>
+      </a:fontRef>
+    </dgm:style>
+  </dgm:styleLbl>
+  <dgm:styleLbl name="asst3">
+    <dgm:scene3d>
+      <a:camera prst="orthographicFront"/>
+      <a:lightRig rig="threePt" dir="t"/>
+    </dgm:scene3d>
+    <dgm:sp3d/>
+    <dgm:txPr/>
+    <dgm:style>
+      <a:lnRef idx="0">
+        <a:scrgbClr r="0" g="0" b="0"/>
+      </a:lnRef>
+      <a:fillRef idx="3">
+        <a:scrgbClr r="0" g="0" b="0"/>
+      </a:fillRef>
+      <a:effectRef idx="2">
+        <a:scrgbClr r="0" g="0" b="0"/>
+      </a:effectRef>
+      <a:fontRef idx="minor">
+        <a:schemeClr val="lt1"/>
+      </a:fontRef>
+    </dgm:style>
+  </dgm:styleLbl>
+  <dgm:styleLbl name="asst4">
+    <dgm:scene3d>
+      <a:camera prst="orthographicFront"/>
+      <a:lightRig rig="threePt" dir="t"/>
+    </dgm:scene3d>
+    <dgm:sp3d/>
+    <dgm:txPr/>
+    <dgm:style>
+      <a:lnRef idx="0">
+        <a:scrgbClr r="0" g="0" b="0"/>
+      </a:lnRef>
+      <a:fillRef idx="3">
+        <a:scrgbClr r="0" g="0" b="0"/>
+      </a:fillRef>
+      <a:effectRef idx="2">
+        <a:scrgbClr r="0" g="0" b="0"/>
+      </a:effectRef>
+      <a:fontRef idx="minor">
+        <a:schemeClr val="lt1"/>
+      </a:fontRef>
+    </dgm:style>
+  </dgm:styleLbl>
+  <dgm:styleLbl name="parChTrans2D1">
+    <dgm:scene3d>
+      <a:camera prst="orthographicFront"/>
+      <a:lightRig rig="threePt" dir="t"/>
+    </dgm:scene3d>
+    <dgm:sp3d/>
+    <dgm:txPr/>
+    <dgm:style>
+      <a:lnRef idx="0">
+        <a:scrgbClr r="0" g="0" b="0"/>
+      </a:lnRef>
+      <a:fillRef idx="3">
+        <a:scrgbClr r="0" g="0" b="0"/>
+      </a:fillRef>
+      <a:effectRef idx="2">
+        <a:scrgbClr r="0" g="0" b="0"/>
+      </a:effectRef>
+      <a:fontRef idx="minor">
+        <a:schemeClr val="lt1"/>
+      </a:fontRef>
+    </dgm:style>
+  </dgm:styleLbl>
+  <dgm:styleLbl name="parChTrans2D2">
+    <dgm:scene3d>
+      <a:camera prst="orthographicFront"/>
+      <a:lightRig rig="threePt" dir="t"/>
+    </dgm:scene3d>
+    <dgm:sp3d/>
+    <dgm:txPr/>
+    <dgm:style>
+      <a:lnRef idx="0">
+        <a:scrgbClr r="0" g="0" b="0"/>
+      </a:lnRef>
+      <a:fillRef idx="3">
+        <a:scrgbClr r="0" g="0" b="0"/>
+      </a:fillRef>
+      <a:effectRef idx="2">
+        <a:scrgbClr r="0" g="0" b="0"/>
+      </a:effectRef>
+      <a:fontRef idx="minor">
+        <a:schemeClr val="lt1"/>
+      </a:fontRef>
+    </dgm:style>
+  </dgm:styleLbl>
+  <dgm:styleLbl name="parChTrans2D3">
+    <dgm:scene3d>
+      <a:camera prst="orthographicFront"/>
+      <a:lightRig rig="threePt" dir="t"/>
+    </dgm:scene3d>
+    <dgm:sp3d/>
+    <dgm:txPr/>
+    <dgm:style>
+      <a:lnRef idx="1">
+        <a:scrgbClr r="0" g="0" b="0"/>
+      </a:lnRef>
+      <a:fillRef idx="3">
+        <a:scrgbClr r="0" g="0" b="0"/>
+      </a:fillRef>
+      <a:effectRef idx="2">
+        <a:scrgbClr r="0" g="0" b="0"/>
+      </a:effectRef>
+      <a:fontRef idx="minor">
+        <a:schemeClr val="lt1"/>
+      </a:fontRef>
+    </dgm:style>
+  </dgm:styleLbl>
+  <dgm:styleLbl name="parChTrans2D4">
+    <dgm:scene3d>
+      <a:camera prst="orthographicFront"/>
+      <a:lightRig rig="threePt" dir="t"/>
+    </dgm:scene3d>
+    <dgm:sp3d/>
+    <dgm:txPr/>
+    <dgm:style>
+      <a:lnRef idx="1">
+        <a:scrgbClr r="0" g="0" b="0"/>
+      </a:lnRef>
+      <a:fillRef idx="3">
+        <a:scrgbClr r="0" g="0" b="0"/>
+      </a:fillRef>
+      <a:effectRef idx="2">
+        <a:scrgbClr r="0" g="0" b="0"/>
+      </a:effectRef>
+      <a:fontRef idx="minor">
+        <a:schemeClr val="lt1"/>
+      </a:fontRef>
+    </dgm:style>
+  </dgm:styleLbl>
+  <dgm:styleLbl name="parChTrans1D1">
+    <dgm:scene3d>
+      <a:camera prst="orthographicFront"/>
+      <a:lightRig rig="threePt" dir="t"/>
+    </dgm:scene3d>
+    <dgm:sp3d/>
+    <dgm:txPr/>
+    <dgm:style>
+      <a:lnRef idx="1">
+        <a:scrgbClr r="0" g="0" b="0"/>
+      </a:lnRef>
+      <a:fillRef idx="0">
+        <a:scrgbClr r="0" g="0" b="0"/>
+      </a:fillRef>
+      <a:effectRef idx="0">
+        <a:scrgbClr r="0" g="0" b="0"/>
+      </a:effectRef>
+      <a:fontRef idx="minor"/>
+    </dgm:style>
+  </dgm:styleLbl>
+  <dgm:styleLbl name="parChTrans1D2">
+    <dgm:scene3d>
+      <a:camera prst="orthographicFront"/>
+      <a:lightRig rig="threePt" dir="t"/>
+    </dgm:scene3d>
+    <dgm:sp3d/>
+    <dgm:txPr/>
+    <dgm:style>
+      <a:lnRef idx="1">
+        <a:scrgbClr r="0" g="0" b="0"/>
+      </a:lnRef>
+      <a:fillRef idx="0">
+        <a:scrgbClr r="0" g="0" b="0"/>
+      </a:fillRef>
+      <a:effectRef idx="0">
+        <a:scrgbClr r="0" g="0" b="0"/>
+      </a:effectRef>
+      <a:fontRef idx="minor"/>
+    </dgm:style>
+  </dgm:styleLbl>
+  <dgm:styleLbl name="parChTrans1D3">
+    <dgm:scene3d>
+      <a:camera prst="orthographicFront"/>
+      <a:lightRig rig="threePt" dir="t"/>
+    </dgm:scene3d>
+    <dgm:sp3d/>
+    <dgm:txPr/>
+    <dgm:style>
+      <a:lnRef idx="1">
+        <a:scrgbClr r="0" g="0" b="0"/>
+      </a:lnRef>
+      <a:fillRef idx="0">
+        <a:scrgbClr r="0" g="0" b="0"/>
+      </a:fillRef>
+      <a:effectRef idx="0">
+        <a:scrgbClr r="0" g="0" b="0"/>
+      </a:effectRef>
+      <a:fontRef idx="minor"/>
+    </dgm:style>
+  </dgm:styleLbl>
+  <dgm:styleLbl name="parChTrans1D4">
+    <dgm:scene3d>
+      <a:camera prst="orthographicFront"/>
+      <a:lightRig rig="threePt" dir="t"/>
+    </dgm:scene3d>
+    <dgm:sp3d/>
+    <dgm:txPr/>
+    <dgm:style>
+      <a:lnRef idx="1">
+        <a:scrgbClr r="0" g="0" b="0"/>
+      </a:lnRef>
+      <a:fillRef idx="0">
+        <a:scrgbClr r="0" g="0" b="0"/>
+      </a:fillRef>
+      <a:effectRef idx="0">
+        <a:scrgbClr r="0" g="0" b="0"/>
+      </a:effectRef>
+      <a:fontRef idx="minor"/>
+    </dgm:style>
+  </dgm:styleLbl>
+  <dgm:styleLbl name="fgAcc1">
+    <dgm:scene3d>
+      <a:camera prst="orthographicFront"/>
+      <a:lightRig rig="threePt" dir="t"/>
+    </dgm:scene3d>
+    <dgm:sp3d/>
+    <dgm:txPr/>
+    <dgm:style>
+      <a:lnRef idx="1">
+        <a:scrgbClr r="0" g="0" b="0"/>
+      </a:lnRef>
+      <a:fillRef idx="1">
+        <a:scrgbClr r="0" g="0" b="0"/>
+      </a:fillRef>
+      <a:effectRef idx="0">
+        <a:scrgbClr r="0" g="0" b="0"/>
+      </a:effectRef>
+      <a:fontRef idx="minor"/>
+    </dgm:style>
+  </dgm:styleLbl>
+  <dgm:styleLbl name="conFgAcc1">
+    <dgm:scene3d>
+      <a:camera prst="orthographicFront"/>
+      <a:lightRig rig="threePt" dir="t"/>
+    </dgm:scene3d>
+    <dgm:sp3d/>
+    <dgm:txPr/>
+    <dgm:style>
+      <a:lnRef idx="1">
+        <a:scrgbClr r="0" g="0" b="0"/>
+      </a:lnRef>
+      <a:fillRef idx="1">
+        <a:scrgbClr r="0" g="0" b="0"/>
+      </a:fillRef>
+      <a:effectRef idx="0">
+        <a:scrgbClr r="0" g="0" b="0"/>
+      </a:effectRef>
+      <a:fontRef idx="minor"/>
+    </dgm:style>
+  </dgm:styleLbl>
+  <dgm:styleLbl name="alignAcc1">
+    <dgm:scene3d>
+      <a:camera prst="orthographicFront"/>
+      <a:lightRig rig="threePt" dir="t"/>
+    </dgm:scene3d>
+    <dgm:sp3d/>
+    <dgm:txPr/>
+    <dgm:style>
+      <a:lnRef idx="1">
+        <a:scrgbClr r="0" g="0" b="0"/>
+      </a:lnRef>
+      <a:fillRef idx="1">
+        <a:scrgbClr r="0" g="0" b="0"/>
+      </a:fillRef>
+      <a:effectRef idx="0">
+        <a:scrgbClr r="0" g="0" b="0"/>
+      </a:effectRef>
+      <a:fontRef idx="minor"/>
+    </dgm:style>
+  </dgm:styleLbl>
+  <dgm:styleLbl name="trAlignAcc1">
+    <dgm:scene3d>
+      <a:camera prst="orthographicFront"/>
+      <a:lightRig rig="threePt" dir="t"/>
+    </dgm:scene3d>
+    <dgm:sp3d/>
+    <dgm:txPr/>
+    <dgm:style>
+      <a:lnRef idx="1">
+        <a:scrgbClr r="0" g="0" b="0"/>
+      </a:lnRef>
+      <a:fillRef idx="1">
+        <a:scrgbClr r="0" g="0" b="0"/>
+      </a:fillRef>
+      <a:effectRef idx="0">
+        <a:scrgbClr r="0" g="0" b="0"/>
+      </a:effectRef>
+      <a:fontRef idx="minor"/>
+    </dgm:style>
+  </dgm:styleLbl>
+  <dgm:styleLbl name="bgAcc1">
+    <dgm:scene3d>
+      <a:camera prst="orthographicFront"/>
+      <a:lightRig rig="threePt" dir="t"/>
+    </dgm:scene3d>
+    <dgm:sp3d/>
+    <dgm:txPr/>
+    <dgm:style>
+      <a:lnRef idx="1">
+        <a:scrgbClr r="0" g="0" b="0"/>
+      </a:lnRef>
+      <a:fillRef idx="1">
+        <a:scrgbClr r="0" g="0" b="0"/>
+      </a:fillRef>
+      <a:effectRef idx="0">
+        <a:scrgbClr r="0" g="0" b="0"/>
+      </a:effectRef>
+      <a:fontRef idx="minor"/>
+    </dgm:style>
+  </dgm:styleLbl>
+  <dgm:styleLbl name="solidFgAcc1">
+    <dgm:scene3d>
+      <a:camera prst="orthographicFront"/>
+      <a:lightRig rig="threePt" dir="t"/>
+    </dgm:scene3d>
+    <dgm:sp3d/>
+    <dgm:txPr/>
+    <dgm:style>
+      <a:lnRef idx="1">
+        <a:scrgbClr r="0" g="0" b="0"/>
+      </a:lnRef>
+      <a:fillRef idx="1">
+        <a:scrgbClr r="0" g="0" b="0"/>
+      </a:fillRef>
+      <a:effectRef idx="0">
+        <a:scrgbClr r="0" g="0" b="0"/>
+      </a:effectRef>
+      <a:fontRef idx="minor"/>
+    </dgm:style>
+  </dgm:styleLbl>
+  <dgm:styleLbl name="solidAlignAcc1">
+    <dgm:scene3d>
+      <a:camera prst="orthographicFront"/>
+      <a:lightRig rig="threePt" dir="t"/>
+    </dgm:scene3d>
+    <dgm:sp3d/>
+    <dgm:txPr/>
+    <dgm:style>
+      <a:lnRef idx="1">
+        <a:scrgbClr r="0" g="0" b="0"/>
+      </a:lnRef>
+      <a:fillRef idx="1">
+        <a:scrgbClr r="0" g="0" b="0"/>
+      </a:fillRef>
+      <a:effectRef idx="0">
+        <a:scrgbClr r="0" g="0" b="0"/>
+      </a:effectRef>
+      <a:fontRef idx="minor"/>
+    </dgm:style>
+  </dgm:styleLbl>
+  <dgm:styleLbl name="solidBgAcc1">
+    <dgm:scene3d>
+      <a:camera prst="orthographicFront"/>
+      <a:lightRig rig="threePt" dir="t"/>
+    </dgm:scene3d>
+    <dgm:sp3d/>
+    <dgm:txPr/>
+    <dgm:style>
+      <a:lnRef idx="1">
+        <a:scrgbClr r="0" g="0" b="0"/>
+      </a:lnRef>
+      <a:fillRef idx="1">
+        <a:scrgbClr r="0" g="0" b="0"/>
+      </a:fillRef>
+      <a:effectRef idx="0">
+        <a:scrgbClr r="0" g="0" b="0"/>
+      </a:effectRef>
+      <a:fontRef idx="minor"/>
+    </dgm:style>
+  </dgm:styleLbl>
+  <dgm:styleLbl name="fgAccFollowNode1">
+    <dgm:scene3d>
+      <a:camera prst="orthographicFront"/>
+      <a:lightRig rig="threePt" dir="t"/>
+    </dgm:scene3d>
+    <dgm:sp3d/>
+    <dgm:txPr/>
+    <dgm:style>
+      <a:lnRef idx="1">
+        <a:scrgbClr r="0" g="0" b="0"/>
+      </a:lnRef>
+      <a:fillRef idx="1">
+        <a:scrgbClr r="0" g="0" b="0"/>
+      </a:fillRef>
+      <a:effectRef idx="0">
+        <a:scrgbClr r="0" g="0" b="0"/>
+      </a:effectRef>
+      <a:fontRef idx="minor"/>
+    </dgm:style>
+  </dgm:styleLbl>
+  <dgm:styleLbl name="alignAccFollowNode1">
+    <dgm:scene3d>
+      <a:camera prst="orthographicFront"/>
+      <a:lightRig rig="threePt" dir="t"/>
+    </dgm:scene3d>
+    <dgm:sp3d/>
+    <dgm:txPr/>
+    <dgm:style>
+      <a:lnRef idx="1">
+        <a:scrgbClr r="0" g="0" b="0"/>
+      </a:lnRef>
+      <a:fillRef idx="1">
+        <a:scrgbClr r="0" g="0" b="0"/>
+      </a:fillRef>
+      <a:effectRef idx="0">
+        <a:scrgbClr r="0" g="0" b="0"/>
+      </a:effectRef>
+      <a:fontRef idx="minor"/>
+    </dgm:style>
+  </dgm:styleLbl>
+  <dgm:styleLbl name="bgAccFollowNode1">
+    <dgm:scene3d>
+      <a:camera prst="orthographicFront"/>
+      <a:lightRig rig="threePt" dir="t"/>
+    </dgm:scene3d>
+    <dgm:sp3d/>
+    <dgm:txPr/>
+    <dgm:style>
+      <a:lnRef idx="1">
+        <a:scrgbClr r="0" g="0" b="0"/>
+      </a:lnRef>
+      <a:fillRef idx="1">
+        <a:scrgbClr r="0" g="0" b="0"/>
+      </a:fillRef>
+      <a:effectRef idx="0">
+        <a:scrgbClr r="0" g="0" b="0"/>
+      </a:effectRef>
+      <a:fontRef idx="minor"/>
+    </dgm:style>
+  </dgm:styleLbl>
+  <dgm:styleLbl name="fgAcc0">
+    <dgm:scene3d>
+      <a:camera prst="orthographicFront"/>
+      <a:lightRig rig="threePt" dir="t"/>
+    </dgm:scene3d>
+    <dgm:sp3d/>
+    <dgm:txPr/>
+    <dgm:style>
+      <a:lnRef idx="1">
+        <a:scrgbClr r="0" g="0" b="0"/>
+      </a:lnRef>
+      <a:fillRef idx="1">
+        <a:scrgbClr r="0" g="0" b="0"/>
+      </a:fillRef>
+      <a:effectRef idx="0">
+        <a:scrgbClr r="0" g="0" b="0"/>
+      </a:effectRef>
+      <a:fontRef idx="minor"/>
+    </dgm:style>
+  </dgm:styleLbl>
+  <dgm:styleLbl name="fgAcc2">
+    <dgm:scene3d>
+      <a:camera prst="orthographicFront"/>
+      <a:lightRig rig="threePt" dir="t"/>
+    </dgm:scene3d>
+    <dgm:sp3d/>
+    <dgm:txPr/>
+    <dgm:style>
+      <a:lnRef idx="1">
+        <a:scrgbClr r="0" g="0" b="0"/>
+      </a:lnRef>
+      <a:fillRef idx="1">
+        <a:scrgbClr r="0" g="0" b="0"/>
+      </a:fillRef>
+      <a:effectRef idx="0">
+        <a:scrgbClr r="0" g="0" b="0"/>
+      </a:effectRef>
+      <a:fontRef idx="minor"/>
+    </dgm:style>
+  </dgm:styleLbl>
+  <dgm:styleLbl name="fgAcc3">
+    <dgm:scene3d>
+      <a:camera prst="orthographicFront"/>
+      <a:lightRig rig="threePt" dir="t"/>
+    </dgm:scene3d>
+    <dgm:sp3d/>
+    <dgm:txPr/>
+    <dgm:style>
+      <a:lnRef idx="1">
+        <a:scrgbClr r="0" g="0" b="0"/>
+      </a:lnRef>
+      <a:fillRef idx="1">
+        <a:scrgbClr r="0" g="0" b="0"/>
+      </a:fillRef>
+      <a:effectRef idx="0">
+        <a:scrgbClr r="0" g="0" b="0"/>
+      </a:effectRef>
+      <a:fontRef idx="minor"/>
+    </dgm:style>
+  </dgm:styleLbl>
+  <dgm:styleLbl name="fgAcc4">
+    <dgm:scene3d>
+      <a:camera prst="orthographicFront"/>
+      <a:lightRig rig="threePt" dir="t"/>
+    </dgm:scene3d>
+    <dgm:sp3d/>
+    <dgm:txPr/>
+    <dgm:style>
+      <a:lnRef idx="1">
+        <a:scrgbClr r="0" g="0" b="0"/>
+      </a:lnRef>
+      <a:fillRef idx="1">
+        <a:scrgbClr r="0" g="0" b="0"/>
+      </a:fillRef>
+      <a:effectRef idx="0">
+        <a:scrgbClr r="0" g="0" b="0"/>
+      </a:effectRef>
+      <a:fontRef idx="minor"/>
+    </dgm:style>
+  </dgm:styleLbl>
+  <dgm:styleLbl name="bgShp">
+    <dgm:scene3d>
+      <a:camera prst="orthographicFront"/>
+      <a:lightRig rig="threePt" dir="t"/>
+    </dgm:scene3d>
+    <dgm:sp3d/>
+    <dgm:txPr/>
+    <dgm:style>
+      <a:lnRef idx="0">
+        <a:scrgbClr r="0" g="0" b="0"/>
+      </a:lnRef>
+      <a:fillRef idx="1">
+        <a:scrgbClr r="0" g="0" b="0"/>
+      </a:fillRef>
+      <a:effectRef idx="2">
+        <a:scrgbClr r="0" g="0" b="0"/>
+      </a:effectRef>
+      <a:fontRef idx="minor"/>
+    </dgm:style>
+  </dgm:styleLbl>
+  <dgm:styleLbl name="dkBgShp">
+    <dgm:scene3d>
+      <a:camera prst="orthographicFront"/>
+      <a:lightRig rig="threePt" dir="t"/>
+    </dgm:scene3d>
+    <dgm:sp3d/>
+    <dgm:txPr/>
+    <dgm:style>
+      <a:lnRef idx="0">
+        <a:scrgbClr r="0" g="0" b="0"/>
+      </a:lnRef>
+      <a:fillRef idx="1">
+        <a:scrgbClr r="0" g="0" b="0"/>
+      </a:fillRef>
+      <a:effectRef idx="2">
+        <a:scrgbClr r="0" g="0" b="0"/>
+      </a:effectRef>
+      <a:fontRef idx="minor"/>
+    </dgm:style>
+  </dgm:styleLbl>
+  <dgm:styleLbl name="trBgShp">
+    <dgm:scene3d>
+      <a:camera prst="orthographicFront"/>
+      <a:lightRig rig="threePt" dir="t"/>
+    </dgm:scene3d>
+    <dgm:sp3d/>
+    <dgm:txPr/>
+    <dgm:style>
+      <a:lnRef idx="0">
+        <a:scrgbClr r="0" g="0" b="0"/>
+      </a:lnRef>
+      <a:fillRef idx="1">
+        <a:scrgbClr r="0" g="0" b="0"/>
+      </a:fillRef>
+      <a:effectRef idx="0">
+        <a:scrgbClr r="0" g="0" b="0"/>
+      </a:effectRef>
+      <a:fontRef idx="minor"/>
+    </dgm:style>
+  </dgm:styleLbl>
+  <dgm:styleLbl name="fgShp">
+    <dgm:scene3d>
+      <a:camera prst="orthographicFront"/>
+      <a:lightRig rig="threePt" dir="t"/>
+    </dgm:scene3d>
+    <dgm:sp3d/>
+    <dgm:txPr/>
+    <dgm:style>
+      <a:lnRef idx="0">
+        <a:scrgbClr r="0" g="0" b="0"/>
+      </a:lnRef>
+      <a:fillRef idx="3">
+        <a:scrgbClr r="0" g="0" b="0"/>
+      </a:fillRef>
+      <a:effectRef idx="2">
+        <a:scrgbClr r="0" g="0" b="0"/>
+      </a:effectRef>
+      <a:fontRef idx="minor"/>
+    </dgm:style>
+  </dgm:styleLbl>
+  <dgm:styleLbl name="revTx">
+    <dgm:scene3d>
+      <a:camera prst="orthographicFront"/>
+      <a:lightRig rig="threePt" dir="t"/>
+    </dgm:scene3d>
+    <dgm:sp3d/>
+    <dgm:txPr/>
+    <dgm:style>
+      <a:lnRef idx="0">
+        <a:scrgbClr r="0" g="0" b="0"/>
+      </a:lnRef>
+      <a:fillRef idx="0">
+        <a:scrgbClr r="0" g="0" b="0"/>
+      </a:fillRef>
+      <a:effectRef idx="0">
+        <a:scrgbClr r="0" g="0" b="0"/>
+      </a:effectRef>
+      <a:fontRef idx="minor"/>
+    </dgm:style>
+  </dgm:styleLbl>
+</dgm:styleDef>
 </file>
 
 <file path=ppt/slideLayouts/slideLayout1.xml><?xml version="1.0" encoding="utf-8"?>
@@ -3860,7 +8714,12 @@
             <p:ph type="subTitle" idx="1"/>
           </p:nvPr>
         </p:nvSpPr>
-        <p:spPr/>
+        <p:spPr>
+          <a:xfrm>
+            <a:off x="1100051" y="4598377"/>
+            <a:ext cx="10058400" cy="1000244"/>
+          </a:xfrm>
+        </p:spPr>
         <p:txBody>
           <a:bodyPr/>
           <a:lstStyle/>
@@ -3960,31 +8819,207 @@
             <p:ph type="title"/>
           </p:nvPr>
         </p:nvSpPr>
-        <p:spPr/>
+        <p:spPr>
+          <a:xfrm>
+            <a:off x="1097280" y="286604"/>
+            <a:ext cx="10058400" cy="1401520"/>
+          </a:xfrm>
+        </p:spPr>
         <p:txBody>
           <a:bodyPr/>
           <a:lstStyle/>
           <a:p>
+            <a:r>
+              <a:rPr lang="zh-CN" altLang="en-US" dirty="0"/>
+              <a:t>合弄</a:t>
+            </a:r>
+            <a:r>
+              <a:rPr lang="zh-CN" altLang="en-US" dirty="0" smtClean="0"/>
+              <a:t>制</a:t>
+            </a:r>
+            <a:r>
+              <a:rPr lang="en-US" altLang="zh-CN" dirty="0" smtClean="0"/>
+              <a:t>—</a:t>
+            </a:r>
+            <a:r>
+              <a:rPr lang="zh-CN" altLang="en-US" dirty="0" smtClean="0"/>
+              <a:t>战术会议</a:t>
+            </a:r>
             <a:endParaRPr lang="zh-CN" altLang="en-US" dirty="0"/>
           </a:p>
         </p:txBody>
       </p:sp>
+      <p:graphicFrame>
+        <p:nvGraphicFramePr>
+          <p:cNvPr id="4" name="图示 3"/>
+          <p:cNvGraphicFramePr/>
+          <p:nvPr>
+            <p:extLst>
+              <p:ext uri="{D42A27DB-BD31-4B8C-83A1-F6EECF244321}">
+                <p14:modId xmlns:p14="http://schemas.microsoft.com/office/powerpoint/2010/main" val="480251320"/>
+              </p:ext>
+            </p:extLst>
+          </p:nvPr>
+        </p:nvGraphicFramePr>
+        <p:xfrm>
+          <a:off x="2032000" y="1617785"/>
+          <a:ext cx="8128000" cy="4520548"/>
+        </p:xfrm>
+        <a:graphic>
+          <a:graphicData uri="http://schemas.openxmlformats.org/drawingml/2006/diagram">
+            <dgm:relIds xmlns:dgm="http://schemas.openxmlformats.org/drawingml/2006/diagram" xmlns:r="http://schemas.openxmlformats.org/officeDocument/2006/relationships" r:dm="rId2" r:lo="rId3" r:qs="rId4" r:cs="rId5"/>
+          </a:graphicData>
+        </a:graphic>
+      </p:graphicFrame>
+      <p:grpSp>
+        <p:nvGrpSpPr>
+          <p:cNvPr id="16" name="组合 15"/>
+          <p:cNvGrpSpPr/>
+          <p:nvPr/>
+        </p:nvGrpSpPr>
+        <p:grpSpPr>
+          <a:xfrm flipH="1">
+            <a:off x="2945421" y="5539154"/>
+            <a:ext cx="5943599" cy="599179"/>
+            <a:chOff x="5139280" y="812958"/>
+            <a:chExt cx="678503" cy="444508"/>
+          </a:xfrm>
+        </p:grpSpPr>
+        <p:sp>
+          <p:nvSpPr>
+            <p:cNvPr id="17" name="右箭头 16"/>
+            <p:cNvSpPr/>
+            <p:nvPr/>
+          </p:nvSpPr>
+          <p:spPr>
+            <a:xfrm rot="7688">
+              <a:off x="5139280" y="812958"/>
+              <a:ext cx="678503" cy="444508"/>
+            </a:xfrm>
+            <a:prstGeom prst="rightArrow">
+              <a:avLst>
+                <a:gd name="adj1" fmla="val 60000"/>
+                <a:gd name="adj2" fmla="val 50000"/>
+              </a:avLst>
+            </a:prstGeom>
+          </p:spPr>
+          <p:style>
+            <a:lnRef idx="0">
+              <a:schemeClr val="accent1">
+                <a:tint val="60000"/>
+                <a:hueOff val="0"/>
+                <a:satOff val="0"/>
+                <a:lumOff val="0"/>
+                <a:alphaOff val="0"/>
+              </a:schemeClr>
+            </a:lnRef>
+            <a:fillRef idx="3">
+              <a:schemeClr val="accent1">
+                <a:tint val="60000"/>
+                <a:hueOff val="0"/>
+                <a:satOff val="0"/>
+                <a:lumOff val="0"/>
+                <a:alphaOff val="0"/>
+              </a:schemeClr>
+            </a:fillRef>
+            <a:effectRef idx="2">
+              <a:schemeClr val="accent1">
+                <a:tint val="60000"/>
+                <a:hueOff val="0"/>
+                <a:satOff val="0"/>
+                <a:lumOff val="0"/>
+                <a:alphaOff val="0"/>
+              </a:schemeClr>
+            </a:effectRef>
+            <a:fontRef idx="minor">
+              <a:schemeClr val="lt1"/>
+            </a:fontRef>
+          </p:style>
+        </p:sp>
+        <p:sp>
+          <p:nvSpPr>
+            <p:cNvPr id="18" name="右箭头 4"/>
+            <p:cNvSpPr txBox="1"/>
+            <p:nvPr/>
+          </p:nvSpPr>
+          <p:spPr>
+            <a:xfrm rot="7688">
+              <a:off x="5139280" y="901711"/>
+              <a:ext cx="545151" cy="266704"/>
+            </a:xfrm>
+            <a:prstGeom prst="rect">
+              <a:avLst/>
+            </a:prstGeom>
+          </p:spPr>
+          <p:style>
+            <a:lnRef idx="0">
+              <a:scrgbClr r="0" g="0" b="0"/>
+            </a:lnRef>
+            <a:fillRef idx="0">
+              <a:scrgbClr r="0" g="0" b="0"/>
+            </a:fillRef>
+            <a:effectRef idx="0">
+              <a:scrgbClr r="0" g="0" b="0"/>
+            </a:effectRef>
+            <a:fontRef idx="minor">
+              <a:schemeClr val="lt1"/>
+            </a:fontRef>
+          </p:style>
+          <p:txBody>
+            <a:bodyPr spcFirstLastPara="0" vert="horz" wrap="square" lIns="0" tIns="0" rIns="0" bIns="0" numCol="1" spcCol="1270" anchor="ctr" anchorCtr="0">
+              <a:noAutofit/>
+            </a:bodyPr>
+            <a:lstStyle/>
+            <a:p>
+              <a:pPr lvl="0" algn="ctr" defTabSz="844550">
+                <a:lnSpc>
+                  <a:spcPct val="90000"/>
+                </a:lnSpc>
+                <a:spcBef>
+                  <a:spcPct val="0"/>
+                </a:spcBef>
+                <a:spcAft>
+                  <a:spcPct val="35000"/>
+                </a:spcAft>
+              </a:pPr>
+              <a:endParaRPr lang="zh-CN" altLang="en-US" sz="1900" kern="1200"/>
+            </a:p>
+          </p:txBody>
+        </p:sp>
+      </p:grpSp>
       <p:sp>
         <p:nvSpPr>
-          <p:cNvPr id="3" name="内容占位符 2"/>
-          <p:cNvSpPr>
-            <a:spLocks noGrp="1"/>
-          </p:cNvSpPr>
-          <p:nvPr>
-            <p:ph idx="1"/>
-          </p:nvPr>
+          <p:cNvPr id="19" name="文本框 18"/>
+          <p:cNvSpPr txBox="1"/>
+          <p:nvPr/>
         </p:nvSpPr>
-        <p:spPr/>
+        <p:spPr>
+          <a:xfrm>
+            <a:off x="5234060" y="5607709"/>
+            <a:ext cx="1784839" cy="461665"/>
+          </a:xfrm>
+          <a:prstGeom prst="rect">
+            <a:avLst/>
+          </a:prstGeom>
+          <a:noFill/>
+        </p:spPr>
         <p:txBody>
-          <a:bodyPr/>
+          <a:bodyPr wrap="square" rtlCol="0">
+            <a:spAutoFit/>
+          </a:bodyPr>
           <a:lstStyle/>
           <a:p>
-            <a:endParaRPr lang="zh-CN" altLang="en-US"/>
+            <a:r>
+              <a:rPr lang="zh-CN" altLang="en-US" sz="2400" dirty="0" smtClean="0">
+                <a:latin typeface="楷体_GB2312" panose="02010609030101010101" pitchFamily="49" charset="-122"/>
+                <a:ea typeface="楷体_GB2312" panose="02010609030101010101" pitchFamily="49" charset="-122"/>
+              </a:rPr>
+              <a:t>治理会议</a:t>
+            </a:r>
+            <a:endParaRPr lang="zh-CN" altLang="en-US" sz="2400" dirty="0">
+              <a:latin typeface="楷体_GB2312" panose="02010609030101010101" pitchFamily="49" charset="-122"/>
+              <a:ea typeface="楷体_GB2312" panose="02010609030101010101" pitchFamily="49" charset="-122"/>
+            </a:endParaRPr>
           </a:p>
         </p:txBody>
       </p:sp>
@@ -4025,44 +9060,3071 @@
           <a:chExt cx="0" cy="0"/>
         </a:xfrm>
       </p:grpSpPr>
-      <p:sp>
-        <p:nvSpPr>
-          <p:cNvPr id="2" name="标题 1"/>
-          <p:cNvSpPr>
-            <a:spLocks noGrp="1"/>
-          </p:cNvSpPr>
-          <p:nvPr>
-            <p:ph type="title"/>
-          </p:nvPr>
-        </p:nvSpPr>
-        <p:spPr/>
-        <p:txBody>
-          <a:bodyPr/>
-          <a:lstStyle/>
-          <a:p>
-            <a:endParaRPr lang="zh-CN" altLang="en-US"/>
-          </a:p>
-        </p:txBody>
-      </p:sp>
-      <p:sp>
-        <p:nvSpPr>
-          <p:cNvPr id="3" name="内容占位符 2"/>
-          <p:cNvSpPr>
-            <a:spLocks noGrp="1"/>
-          </p:cNvSpPr>
-          <p:nvPr>
-            <p:ph idx="1"/>
-          </p:nvPr>
-        </p:nvSpPr>
-        <p:spPr/>
-        <p:txBody>
-          <a:bodyPr/>
-          <a:lstStyle/>
-          <a:p>
-            <a:endParaRPr lang="zh-CN" altLang="en-US"/>
-          </a:p>
-        </p:txBody>
-      </p:sp>
+      <p:grpSp>
+        <p:nvGrpSpPr>
+          <p:cNvPr id="104" name="组合 103"/>
+          <p:cNvGrpSpPr/>
+          <p:nvPr/>
+        </p:nvGrpSpPr>
+        <p:grpSpPr>
+          <a:xfrm>
+            <a:off x="666207" y="326571"/>
+            <a:ext cx="10860895" cy="5852160"/>
+            <a:chOff x="1540395" y="842963"/>
+            <a:chExt cx="9120598" cy="5157788"/>
+          </a:xfrm>
+        </p:grpSpPr>
+        <p:grpSp>
+          <p:nvGrpSpPr>
+            <p:cNvPr id="71" name="组合 70"/>
+            <p:cNvGrpSpPr/>
+            <p:nvPr/>
+          </p:nvGrpSpPr>
+          <p:grpSpPr>
+            <a:xfrm>
+              <a:off x="2790929" y="973804"/>
+              <a:ext cx="7701813" cy="4960472"/>
+              <a:chOff x="1689236" y="155405"/>
+              <a:chExt cx="8658545" cy="6613963"/>
+            </a:xfrm>
+          </p:grpSpPr>
+          <p:grpSp>
+            <p:nvGrpSpPr>
+              <p:cNvPr id="72" name="组合 71"/>
+              <p:cNvGrpSpPr/>
+              <p:nvPr/>
+            </p:nvGrpSpPr>
+            <p:grpSpPr>
+              <a:xfrm>
+                <a:off x="1791948" y="1677450"/>
+                <a:ext cx="8453120" cy="4346802"/>
+                <a:chOff x="1788160" y="1716959"/>
+                <a:chExt cx="8453120" cy="4346802"/>
+              </a:xfrm>
+            </p:grpSpPr>
+            <p:grpSp>
+              <p:nvGrpSpPr>
+                <p:cNvPr id="79" name="组合 78"/>
+                <p:cNvGrpSpPr/>
+                <p:nvPr/>
+              </p:nvGrpSpPr>
+              <p:grpSpPr>
+                <a:xfrm>
+                  <a:off x="1788160" y="1717895"/>
+                  <a:ext cx="8453120" cy="4345866"/>
+                  <a:chOff x="1788160" y="1717895"/>
+                  <a:chExt cx="8204778" cy="4345866"/>
+                </a:xfrm>
+              </p:grpSpPr>
+              <p:sp>
+                <p:nvSpPr>
+                  <p:cNvPr id="84" name="矩形 83"/>
+                  <p:cNvSpPr/>
+                  <p:nvPr/>
+                </p:nvSpPr>
+                <p:spPr>
+                  <a:xfrm>
+                    <a:off x="7950778" y="1726132"/>
+                    <a:ext cx="2042160" cy="4337629"/>
+                  </a:xfrm>
+                  <a:prstGeom prst="rect">
+                    <a:avLst/>
+                  </a:prstGeom>
+                  <a:noFill/>
+                  <a:ln w="76200">
+                    <a:solidFill>
+                      <a:srgbClr val="F6BB00"/>
+                    </a:solidFill>
+                  </a:ln>
+                </p:spPr>
+                <p:style>
+                  <a:lnRef idx="2">
+                    <a:schemeClr val="accent1">
+                      <a:shade val="50000"/>
+                    </a:schemeClr>
+                  </a:lnRef>
+                  <a:fillRef idx="1">
+                    <a:schemeClr val="accent1"/>
+                  </a:fillRef>
+                  <a:effectRef idx="0">
+                    <a:schemeClr val="accent1"/>
+                  </a:effectRef>
+                  <a:fontRef idx="minor">
+                    <a:schemeClr val="lt1"/>
+                  </a:fontRef>
+                </p:style>
+                <p:txBody>
+                  <a:bodyPr rtlCol="0" anchor="ctr"/>
+                  <a:lstStyle/>
+                  <a:p>
+                    <a:pPr algn="ctr" defTabSz="685800" eaLnBrk="0" fontAlgn="base" hangingPunct="0">
+                      <a:spcBef>
+                        <a:spcPct val="0"/>
+                      </a:spcBef>
+                      <a:spcAft>
+                        <a:spcPct val="0"/>
+                      </a:spcAft>
+                    </a:pPr>
+                    <a:endParaRPr lang="zh-CN" altLang="en-US" sz="975" b="1">
+                      <a:solidFill>
+                        <a:srgbClr val="FFFFFF"/>
+                      </a:solidFill>
+                      <a:latin typeface="微軟正黑體" panose="020B0604030504040204" pitchFamily="34" charset="-120"/>
+                      <a:ea typeface="微軟正黑體" panose="020B0604030504040204" pitchFamily="34" charset="-120"/>
+                      <a:cs typeface="Lantinghei SC Extralight" charset="-122"/>
+                    </a:endParaRPr>
+                  </a:p>
+                </p:txBody>
+              </p:sp>
+              <p:sp>
+                <p:nvSpPr>
+                  <p:cNvPr id="85" name="矩形 84"/>
+                  <p:cNvSpPr/>
+                  <p:nvPr/>
+                </p:nvSpPr>
+                <p:spPr>
+                  <a:xfrm>
+                    <a:off x="5890549" y="1726132"/>
+                    <a:ext cx="2042160" cy="4337629"/>
+                  </a:xfrm>
+                  <a:prstGeom prst="rect">
+                    <a:avLst/>
+                  </a:prstGeom>
+                  <a:noFill/>
+                  <a:ln w="76200">
+                    <a:solidFill>
+                      <a:srgbClr val="F6BB00"/>
+                    </a:solidFill>
+                  </a:ln>
+                </p:spPr>
+                <p:style>
+                  <a:lnRef idx="2">
+                    <a:schemeClr val="accent1">
+                      <a:shade val="50000"/>
+                    </a:schemeClr>
+                  </a:lnRef>
+                  <a:fillRef idx="1">
+                    <a:schemeClr val="accent1"/>
+                  </a:fillRef>
+                  <a:effectRef idx="0">
+                    <a:schemeClr val="accent1"/>
+                  </a:effectRef>
+                  <a:fontRef idx="minor">
+                    <a:schemeClr val="lt1"/>
+                  </a:fontRef>
+                </p:style>
+                <p:txBody>
+                  <a:bodyPr rtlCol="0" anchor="ctr"/>
+                  <a:lstStyle/>
+                  <a:p>
+                    <a:pPr algn="ctr" defTabSz="685800" eaLnBrk="0" fontAlgn="base" hangingPunct="0">
+                      <a:spcBef>
+                        <a:spcPct val="0"/>
+                      </a:spcBef>
+                      <a:spcAft>
+                        <a:spcPct val="0"/>
+                      </a:spcAft>
+                    </a:pPr>
+                    <a:endParaRPr lang="zh-CN" altLang="en-US" sz="975" b="1">
+                      <a:solidFill>
+                        <a:srgbClr val="FFFFFF"/>
+                      </a:solidFill>
+                      <a:latin typeface="微軟正黑體" panose="020B0604030504040204" pitchFamily="34" charset="-120"/>
+                      <a:ea typeface="微軟正黑體" panose="020B0604030504040204" pitchFamily="34" charset="-120"/>
+                      <a:cs typeface="Lantinghei SC Extralight" charset="-122"/>
+                    </a:endParaRPr>
+                  </a:p>
+                </p:txBody>
+              </p:sp>
+              <p:sp>
+                <p:nvSpPr>
+                  <p:cNvPr id="86" name="矩形 85"/>
+                  <p:cNvSpPr/>
+                  <p:nvPr/>
+                </p:nvSpPr>
+                <p:spPr>
+                  <a:xfrm>
+                    <a:off x="3848389" y="1717895"/>
+                    <a:ext cx="2042160" cy="4337629"/>
+                  </a:xfrm>
+                  <a:prstGeom prst="rect">
+                    <a:avLst/>
+                  </a:prstGeom>
+                  <a:noFill/>
+                  <a:ln w="76200">
+                    <a:solidFill>
+                      <a:srgbClr val="F6BB00"/>
+                    </a:solidFill>
+                  </a:ln>
+                </p:spPr>
+                <p:style>
+                  <a:lnRef idx="2">
+                    <a:schemeClr val="accent1">
+                      <a:shade val="50000"/>
+                    </a:schemeClr>
+                  </a:lnRef>
+                  <a:fillRef idx="1">
+                    <a:schemeClr val="accent1"/>
+                  </a:fillRef>
+                  <a:effectRef idx="0">
+                    <a:schemeClr val="accent1"/>
+                  </a:effectRef>
+                  <a:fontRef idx="minor">
+                    <a:schemeClr val="lt1"/>
+                  </a:fontRef>
+                </p:style>
+                <p:txBody>
+                  <a:bodyPr rtlCol="0" anchor="ctr"/>
+                  <a:lstStyle/>
+                  <a:p>
+                    <a:pPr algn="ctr" defTabSz="685800" eaLnBrk="0" fontAlgn="base" hangingPunct="0">
+                      <a:spcBef>
+                        <a:spcPct val="0"/>
+                      </a:spcBef>
+                      <a:spcAft>
+                        <a:spcPct val="0"/>
+                      </a:spcAft>
+                    </a:pPr>
+                    <a:endParaRPr lang="zh-CN" altLang="en-US" sz="975" b="1">
+                      <a:solidFill>
+                        <a:srgbClr val="FFFFFF"/>
+                      </a:solidFill>
+                      <a:latin typeface="微軟正黑體" panose="020B0604030504040204" pitchFamily="34" charset="-120"/>
+                      <a:ea typeface="微軟正黑體" panose="020B0604030504040204" pitchFamily="34" charset="-120"/>
+                      <a:cs typeface="Lantinghei SC Extralight" charset="-122"/>
+                    </a:endParaRPr>
+                  </a:p>
+                </p:txBody>
+              </p:sp>
+              <p:sp>
+                <p:nvSpPr>
+                  <p:cNvPr id="87" name="矩形 86"/>
+                  <p:cNvSpPr/>
+                  <p:nvPr/>
+                </p:nvSpPr>
+                <p:spPr>
+                  <a:xfrm>
+                    <a:off x="1788160" y="1717896"/>
+                    <a:ext cx="2042160" cy="4337629"/>
+                  </a:xfrm>
+                  <a:prstGeom prst="rect">
+                    <a:avLst/>
+                  </a:prstGeom>
+                  <a:noFill/>
+                  <a:ln w="76200">
+                    <a:solidFill>
+                      <a:srgbClr val="F6BB00"/>
+                    </a:solidFill>
+                  </a:ln>
+                </p:spPr>
+                <p:style>
+                  <a:lnRef idx="2">
+                    <a:schemeClr val="accent1">
+                      <a:shade val="50000"/>
+                    </a:schemeClr>
+                  </a:lnRef>
+                  <a:fillRef idx="1">
+                    <a:schemeClr val="accent1"/>
+                  </a:fillRef>
+                  <a:effectRef idx="0">
+                    <a:schemeClr val="accent1"/>
+                  </a:effectRef>
+                  <a:fontRef idx="minor">
+                    <a:schemeClr val="lt1"/>
+                  </a:fontRef>
+                </p:style>
+                <p:txBody>
+                  <a:bodyPr rtlCol="0" anchor="ctr"/>
+                  <a:lstStyle/>
+                  <a:p>
+                    <a:pPr algn="ctr" defTabSz="685800" eaLnBrk="0" fontAlgn="base" hangingPunct="0">
+                      <a:spcBef>
+                        <a:spcPct val="0"/>
+                      </a:spcBef>
+                      <a:spcAft>
+                        <a:spcPct val="0"/>
+                      </a:spcAft>
+                    </a:pPr>
+                    <a:endParaRPr lang="zh-CN" altLang="en-US" sz="975" b="1">
+                      <a:solidFill>
+                        <a:srgbClr val="FFFFFF"/>
+                      </a:solidFill>
+                      <a:latin typeface="微軟正黑體" panose="020B0604030504040204" pitchFamily="34" charset="-120"/>
+                      <a:ea typeface="微軟正黑體" panose="020B0604030504040204" pitchFamily="34" charset="-120"/>
+                      <a:cs typeface="Lantinghei SC Extralight" charset="-122"/>
+                    </a:endParaRPr>
+                  </a:p>
+                </p:txBody>
+              </p:sp>
+            </p:grpSp>
+            <p:sp>
+              <p:nvSpPr>
+                <p:cNvPr id="80" name="直角三角形 79"/>
+                <p:cNvSpPr/>
+                <p:nvPr/>
+              </p:nvSpPr>
+              <p:spPr>
+                <a:xfrm rot="5400000" flipV="1">
+                  <a:off x="3377225" y="1726132"/>
+                  <a:ext cx="487945" cy="487945"/>
+                </a:xfrm>
+                <a:prstGeom prst="rtTriangle">
+                  <a:avLst/>
+                </a:prstGeom>
+                <a:solidFill>
+                  <a:srgbClr val="F6BB00"/>
+                </a:solidFill>
+                <a:ln>
+                  <a:solidFill>
+                    <a:srgbClr val="F6BB00"/>
+                  </a:solidFill>
+                </a:ln>
+              </p:spPr>
+              <p:style>
+                <a:lnRef idx="2">
+                  <a:schemeClr val="accent1">
+                    <a:shade val="50000"/>
+                  </a:schemeClr>
+                </a:lnRef>
+                <a:fillRef idx="1">
+                  <a:schemeClr val="accent1"/>
+                </a:fillRef>
+                <a:effectRef idx="0">
+                  <a:schemeClr val="accent1"/>
+                </a:effectRef>
+                <a:fontRef idx="minor">
+                  <a:schemeClr val="lt1"/>
+                </a:fontRef>
+              </p:style>
+              <p:txBody>
+                <a:bodyPr rtlCol="0" anchor="ctr"/>
+                <a:lstStyle/>
+                <a:p>
+                  <a:pPr algn="ctr" defTabSz="685800" eaLnBrk="0" fontAlgn="base" hangingPunct="0">
+                    <a:spcBef>
+                      <a:spcPct val="0"/>
+                    </a:spcBef>
+                    <a:spcAft>
+                      <a:spcPct val="0"/>
+                    </a:spcAft>
+                  </a:pPr>
+                  <a:endParaRPr lang="zh-CN" altLang="en-US" sz="975" b="1">
+                    <a:solidFill>
+                      <a:srgbClr val="FFFFFF"/>
+                    </a:solidFill>
+                    <a:latin typeface="微軟正黑體" panose="020B0604030504040204" pitchFamily="34" charset="-120"/>
+                    <a:ea typeface="微軟正黑體" panose="020B0604030504040204" pitchFamily="34" charset="-120"/>
+                    <a:cs typeface="Lantinghei SC Extralight" charset="-122"/>
+                  </a:endParaRPr>
+                </a:p>
+              </p:txBody>
+            </p:sp>
+            <p:sp>
+              <p:nvSpPr>
+                <p:cNvPr id="81" name="直角三角形 80"/>
+                <p:cNvSpPr/>
+                <p:nvPr/>
+              </p:nvSpPr>
+              <p:spPr>
+                <a:xfrm rot="5400000" flipV="1">
+                  <a:off x="5522592" y="1726132"/>
+                  <a:ext cx="487945" cy="487945"/>
+                </a:xfrm>
+                <a:prstGeom prst="rtTriangle">
+                  <a:avLst/>
+                </a:prstGeom>
+                <a:solidFill>
+                  <a:srgbClr val="F6BB00"/>
+                </a:solidFill>
+                <a:ln>
+                  <a:solidFill>
+                    <a:srgbClr val="F6BB00"/>
+                  </a:solidFill>
+                </a:ln>
+              </p:spPr>
+              <p:style>
+                <a:lnRef idx="2">
+                  <a:schemeClr val="accent1">
+                    <a:shade val="50000"/>
+                  </a:schemeClr>
+                </a:lnRef>
+                <a:fillRef idx="1">
+                  <a:schemeClr val="accent1"/>
+                </a:fillRef>
+                <a:effectRef idx="0">
+                  <a:schemeClr val="accent1"/>
+                </a:effectRef>
+                <a:fontRef idx="minor">
+                  <a:schemeClr val="lt1"/>
+                </a:fontRef>
+              </p:style>
+              <p:txBody>
+                <a:bodyPr rtlCol="0" anchor="ctr"/>
+                <a:lstStyle/>
+                <a:p>
+                  <a:pPr algn="ctr" defTabSz="685800" eaLnBrk="0" fontAlgn="base" hangingPunct="0">
+                    <a:spcBef>
+                      <a:spcPct val="0"/>
+                    </a:spcBef>
+                    <a:spcAft>
+                      <a:spcPct val="0"/>
+                    </a:spcAft>
+                  </a:pPr>
+                  <a:endParaRPr lang="zh-CN" altLang="en-US" sz="975" b="1">
+                    <a:solidFill>
+                      <a:srgbClr val="FFFFFF"/>
+                    </a:solidFill>
+                    <a:latin typeface="微軟正黑體" panose="020B0604030504040204" pitchFamily="34" charset="-120"/>
+                    <a:ea typeface="微軟正黑體" panose="020B0604030504040204" pitchFamily="34" charset="-120"/>
+                    <a:cs typeface="Lantinghei SC Extralight" charset="-122"/>
+                  </a:endParaRPr>
+                </a:p>
+              </p:txBody>
+            </p:sp>
+            <p:sp>
+              <p:nvSpPr>
+                <p:cNvPr id="82" name="直角三角形 81"/>
+                <p:cNvSpPr/>
+                <p:nvPr/>
+              </p:nvSpPr>
+              <p:spPr>
+                <a:xfrm rot="5400000" flipV="1">
+                  <a:off x="7591307" y="1726132"/>
+                  <a:ext cx="487945" cy="487945"/>
+                </a:xfrm>
+                <a:prstGeom prst="rtTriangle">
+                  <a:avLst/>
+                </a:prstGeom>
+                <a:solidFill>
+                  <a:srgbClr val="F6BB00"/>
+                </a:solidFill>
+                <a:ln>
+                  <a:solidFill>
+                    <a:srgbClr val="F6BB00"/>
+                  </a:solidFill>
+                </a:ln>
+              </p:spPr>
+              <p:style>
+                <a:lnRef idx="2">
+                  <a:schemeClr val="accent1">
+                    <a:shade val="50000"/>
+                  </a:schemeClr>
+                </a:lnRef>
+                <a:fillRef idx="1">
+                  <a:schemeClr val="accent1"/>
+                </a:fillRef>
+                <a:effectRef idx="0">
+                  <a:schemeClr val="accent1"/>
+                </a:effectRef>
+                <a:fontRef idx="minor">
+                  <a:schemeClr val="lt1"/>
+                </a:fontRef>
+              </p:style>
+              <p:txBody>
+                <a:bodyPr rtlCol="0" anchor="ctr"/>
+                <a:lstStyle/>
+                <a:p>
+                  <a:pPr algn="ctr" defTabSz="685800" eaLnBrk="0" fontAlgn="base" hangingPunct="0">
+                    <a:spcBef>
+                      <a:spcPct val="0"/>
+                    </a:spcBef>
+                    <a:spcAft>
+                      <a:spcPct val="0"/>
+                    </a:spcAft>
+                  </a:pPr>
+                  <a:endParaRPr lang="zh-CN" altLang="en-US" sz="975" b="1">
+                    <a:solidFill>
+                      <a:srgbClr val="FFFFFF"/>
+                    </a:solidFill>
+                    <a:latin typeface="微軟正黑體" panose="020B0604030504040204" pitchFamily="34" charset="-120"/>
+                    <a:ea typeface="微軟正黑體" panose="020B0604030504040204" pitchFamily="34" charset="-120"/>
+                    <a:cs typeface="Lantinghei SC Extralight" charset="-122"/>
+                  </a:endParaRPr>
+                </a:p>
+              </p:txBody>
+            </p:sp>
+            <p:sp>
+              <p:nvSpPr>
+                <p:cNvPr id="83" name="直角三角形 82"/>
+                <p:cNvSpPr/>
+                <p:nvPr/>
+              </p:nvSpPr>
+              <p:spPr>
+                <a:xfrm rot="5400000" flipV="1">
+                  <a:off x="9726373" y="1716959"/>
+                  <a:ext cx="487945" cy="487945"/>
+                </a:xfrm>
+                <a:prstGeom prst="rtTriangle">
+                  <a:avLst/>
+                </a:prstGeom>
+                <a:solidFill>
+                  <a:srgbClr val="F6BB00"/>
+                </a:solidFill>
+                <a:ln>
+                  <a:solidFill>
+                    <a:srgbClr val="F6BB00"/>
+                  </a:solidFill>
+                </a:ln>
+              </p:spPr>
+              <p:style>
+                <a:lnRef idx="2">
+                  <a:schemeClr val="accent1">
+                    <a:shade val="50000"/>
+                  </a:schemeClr>
+                </a:lnRef>
+                <a:fillRef idx="1">
+                  <a:schemeClr val="accent1"/>
+                </a:fillRef>
+                <a:effectRef idx="0">
+                  <a:schemeClr val="accent1"/>
+                </a:effectRef>
+                <a:fontRef idx="minor">
+                  <a:schemeClr val="lt1"/>
+                </a:fontRef>
+              </p:style>
+              <p:txBody>
+                <a:bodyPr rtlCol="0" anchor="ctr"/>
+                <a:lstStyle/>
+                <a:p>
+                  <a:pPr algn="ctr" defTabSz="685800" eaLnBrk="0" fontAlgn="base" hangingPunct="0">
+                    <a:spcBef>
+                      <a:spcPct val="0"/>
+                    </a:spcBef>
+                    <a:spcAft>
+                      <a:spcPct val="0"/>
+                    </a:spcAft>
+                  </a:pPr>
+                  <a:endParaRPr lang="zh-CN" altLang="en-US" sz="975" b="1">
+                    <a:solidFill>
+                      <a:srgbClr val="FFFFFF"/>
+                    </a:solidFill>
+                    <a:latin typeface="微軟正黑體" panose="020B0604030504040204" pitchFamily="34" charset="-120"/>
+                    <a:ea typeface="微軟正黑體" panose="020B0604030504040204" pitchFamily="34" charset="-120"/>
+                    <a:cs typeface="Lantinghei SC Extralight" charset="-122"/>
+                  </a:endParaRPr>
+                </a:p>
+              </p:txBody>
+            </p:sp>
+          </p:grpSp>
+          <p:sp>
+            <p:nvSpPr>
+              <p:cNvPr id="73" name="Rounded Rectangle 7"/>
+              <p:cNvSpPr/>
+              <p:nvPr/>
+            </p:nvSpPr>
+            <p:spPr>
+              <a:xfrm>
+                <a:off x="1689236" y="954608"/>
+                <a:ext cx="8658544" cy="686164"/>
+              </a:xfrm>
+              <a:prstGeom prst="roundRect">
+                <a:avLst/>
+              </a:prstGeom>
+              <a:noFill/>
+              <a:ln w="28575">
+                <a:solidFill>
+                  <a:schemeClr val="bg2">
+                    <a:lumMod val="25000"/>
+                  </a:schemeClr>
+                </a:solidFill>
+              </a:ln>
+              <a:effectLst/>
+            </p:spPr>
+            <p:style>
+              <a:lnRef idx="1">
+                <a:schemeClr val="accent1"/>
+              </a:lnRef>
+              <a:fillRef idx="3">
+                <a:schemeClr val="accent1"/>
+              </a:fillRef>
+              <a:effectRef idx="2">
+                <a:schemeClr val="accent1"/>
+              </a:effectRef>
+              <a:fontRef idx="minor">
+                <a:schemeClr val="lt1"/>
+              </a:fontRef>
+            </p:style>
+            <p:txBody>
+              <a:bodyPr rtlCol="0" anchor="ctr"/>
+              <a:lstStyle/>
+              <a:p>
+                <a:pPr defTabSz="685800" eaLnBrk="0" fontAlgn="base" hangingPunct="0">
+                  <a:spcBef>
+                    <a:spcPct val="0"/>
+                  </a:spcBef>
+                  <a:spcAft>
+                    <a:spcPct val="0"/>
+                  </a:spcAft>
+                </a:pPr>
+                <a:endParaRPr lang="en-US" sz="2100" b="1" dirty="0">
+                  <a:solidFill>
+                    <a:srgbClr val="E7E6E6">
+                      <a:lumMod val="25000"/>
+                    </a:srgbClr>
+                  </a:solidFill>
+                  <a:latin typeface="微軟正黑體" panose="020B0604030504040204" pitchFamily="34" charset="-120"/>
+                  <a:ea typeface="微軟正黑體" panose="020B0604030504040204" pitchFamily="34" charset="-120"/>
+                  <a:cs typeface="Lantinghei SC Extralight" charset="-122"/>
+                </a:endParaRPr>
+              </a:p>
+            </p:txBody>
+          </p:sp>
+          <p:sp>
+            <p:nvSpPr>
+              <p:cNvPr id="74" name="Rounded Rectangle 3"/>
+              <p:cNvSpPr/>
+              <p:nvPr/>
+            </p:nvSpPr>
+            <p:spPr>
+              <a:xfrm>
+                <a:off x="1689236" y="155405"/>
+                <a:ext cx="8658544" cy="713843"/>
+              </a:xfrm>
+              <a:prstGeom prst="roundRect">
+                <a:avLst/>
+              </a:prstGeom>
+              <a:noFill/>
+              <a:ln w="28575">
+                <a:solidFill>
+                  <a:schemeClr val="bg2">
+                    <a:lumMod val="25000"/>
+                  </a:schemeClr>
+                </a:solidFill>
+              </a:ln>
+              <a:effectLst/>
+            </p:spPr>
+            <p:style>
+              <a:lnRef idx="1">
+                <a:schemeClr val="accent1"/>
+              </a:lnRef>
+              <a:fillRef idx="3">
+                <a:schemeClr val="accent1"/>
+              </a:fillRef>
+              <a:effectRef idx="2">
+                <a:schemeClr val="accent1"/>
+              </a:effectRef>
+              <a:fontRef idx="minor">
+                <a:schemeClr val="lt1"/>
+              </a:fontRef>
+            </p:style>
+            <p:txBody>
+              <a:bodyPr rtlCol="0" anchor="ctr"/>
+              <a:lstStyle/>
+              <a:p>
+                <a:pPr defTabSz="685800" eaLnBrk="0" fontAlgn="base" hangingPunct="0">
+                  <a:spcBef>
+                    <a:spcPct val="0"/>
+                  </a:spcBef>
+                  <a:spcAft>
+                    <a:spcPct val="0"/>
+                  </a:spcAft>
+                </a:pPr>
+                <a:endParaRPr lang="en-US" sz="900" b="1" dirty="0">
+                  <a:solidFill>
+                    <a:srgbClr val="E7E6E6">
+                      <a:lumMod val="25000"/>
+                    </a:srgbClr>
+                  </a:solidFill>
+                  <a:latin typeface="微軟正黑體" panose="020B0604030504040204" pitchFamily="34" charset="-120"/>
+                  <a:ea typeface="微軟正黑體" panose="020B0604030504040204" pitchFamily="34" charset="-120"/>
+                  <a:cs typeface="Lantinghei SC Extralight" charset="-122"/>
+                </a:endParaRPr>
+              </a:p>
+            </p:txBody>
+          </p:sp>
+          <p:sp>
+            <p:nvSpPr>
+              <p:cNvPr id="75" name="Rounded Rectangle 15"/>
+              <p:cNvSpPr/>
+              <p:nvPr/>
+            </p:nvSpPr>
+            <p:spPr>
+              <a:xfrm>
+                <a:off x="1689236" y="6083204"/>
+                <a:ext cx="8658545" cy="686164"/>
+              </a:xfrm>
+              <a:prstGeom prst="roundRect">
+                <a:avLst/>
+              </a:prstGeom>
+              <a:noFill/>
+              <a:ln w="28575">
+                <a:solidFill>
+                  <a:schemeClr val="bg2">
+                    <a:lumMod val="25000"/>
+                  </a:schemeClr>
+                </a:solidFill>
+              </a:ln>
+              <a:effectLst/>
+            </p:spPr>
+            <p:style>
+              <a:lnRef idx="1">
+                <a:schemeClr val="accent1"/>
+              </a:lnRef>
+              <a:fillRef idx="3">
+                <a:schemeClr val="accent1"/>
+              </a:fillRef>
+              <a:effectRef idx="2">
+                <a:schemeClr val="accent1"/>
+              </a:effectRef>
+              <a:fontRef idx="minor">
+                <a:schemeClr val="lt1"/>
+              </a:fontRef>
+            </p:style>
+            <p:txBody>
+              <a:bodyPr rtlCol="0" anchor="ctr"/>
+              <a:lstStyle/>
+              <a:p>
+                <a:pPr defTabSz="685800" eaLnBrk="0" fontAlgn="base" hangingPunct="0">
+                  <a:spcBef>
+                    <a:spcPct val="0"/>
+                  </a:spcBef>
+                  <a:spcAft>
+                    <a:spcPct val="0"/>
+                  </a:spcAft>
+                </a:pPr>
+                <a:endParaRPr lang="en-US" sz="2100" b="1" dirty="0">
+                  <a:solidFill>
+                    <a:srgbClr val="E7E6E6">
+                      <a:lumMod val="25000"/>
+                    </a:srgbClr>
+                  </a:solidFill>
+                  <a:latin typeface="微軟正黑體" panose="020B0604030504040204" pitchFamily="34" charset="-120"/>
+                  <a:ea typeface="微軟正黑體" panose="020B0604030504040204" pitchFamily="34" charset="-120"/>
+                  <a:cs typeface="Lantinghei SC Extralight" charset="-122"/>
+                </a:endParaRPr>
+              </a:p>
+            </p:txBody>
+          </p:sp>
+          <p:sp>
+            <p:nvSpPr>
+              <p:cNvPr id="76" name="Rounded Rectangle 7"/>
+              <p:cNvSpPr/>
+              <p:nvPr/>
+            </p:nvSpPr>
+            <p:spPr>
+              <a:xfrm>
+                <a:off x="1689236" y="946372"/>
+                <a:ext cx="970154" cy="686164"/>
+              </a:xfrm>
+              <a:prstGeom prst="roundRect">
+                <a:avLst/>
+              </a:prstGeom>
+              <a:solidFill>
+                <a:srgbClr val="3A3A3A"/>
+              </a:solidFill>
+              <a:ln w="28575">
+                <a:solidFill>
+                  <a:schemeClr val="bg2">
+                    <a:lumMod val="25000"/>
+                  </a:schemeClr>
+                </a:solidFill>
+              </a:ln>
+              <a:effectLst/>
+            </p:spPr>
+            <p:style>
+              <a:lnRef idx="1">
+                <a:schemeClr val="accent1"/>
+              </a:lnRef>
+              <a:fillRef idx="3">
+                <a:schemeClr val="accent1"/>
+              </a:fillRef>
+              <a:effectRef idx="2">
+                <a:schemeClr val="accent1"/>
+              </a:effectRef>
+              <a:fontRef idx="minor">
+                <a:schemeClr val="lt1"/>
+              </a:fontRef>
+            </p:style>
+            <p:txBody>
+              <a:bodyPr rtlCol="0" anchor="ctr"/>
+              <a:lstStyle/>
+              <a:p>
+                <a:pPr algn="ctr" defTabSz="685800" eaLnBrk="0" fontAlgn="base" hangingPunct="0">
+                  <a:spcBef>
+                    <a:spcPct val="0"/>
+                  </a:spcBef>
+                  <a:spcAft>
+                    <a:spcPct val="0"/>
+                  </a:spcAft>
+                </a:pPr>
+                <a:r>
+                  <a:rPr lang="zh-CN" altLang="en-US" sz="2100" b="1" dirty="0">
+                    <a:solidFill>
+                      <a:srgbClr val="FFFFFF"/>
+                    </a:solidFill>
+                    <a:latin typeface="微軟正黑體" panose="020B0604030504040204" pitchFamily="34" charset="-120"/>
+                    <a:ea typeface="微軟正黑體" panose="020B0604030504040204" pitchFamily="34" charset="-120"/>
+                    <a:cs typeface="Lantinghei SC Extralight" charset="-122"/>
+                  </a:rPr>
+                  <a:t>目标</a:t>
+                </a:r>
+                <a:endParaRPr lang="en-US" sz="2100" b="1" dirty="0">
+                  <a:solidFill>
+                    <a:srgbClr val="FFFFFF"/>
+                  </a:solidFill>
+                  <a:latin typeface="微軟正黑體" panose="020B0604030504040204" pitchFamily="34" charset="-120"/>
+                  <a:ea typeface="微軟正黑體" panose="020B0604030504040204" pitchFamily="34" charset="-120"/>
+                  <a:cs typeface="Lantinghei SC Extralight" charset="-122"/>
+                </a:endParaRPr>
+              </a:p>
+            </p:txBody>
+          </p:sp>
+          <p:sp>
+            <p:nvSpPr>
+              <p:cNvPr id="77" name="Rounded Rectangle 7"/>
+              <p:cNvSpPr/>
+              <p:nvPr/>
+            </p:nvSpPr>
+            <p:spPr>
+              <a:xfrm>
+                <a:off x="1689236" y="155405"/>
+                <a:ext cx="970154" cy="686164"/>
+              </a:xfrm>
+              <a:prstGeom prst="roundRect">
+                <a:avLst/>
+              </a:prstGeom>
+              <a:solidFill>
+                <a:srgbClr val="3A3A3A"/>
+              </a:solidFill>
+              <a:ln w="28575">
+                <a:solidFill>
+                  <a:schemeClr val="bg2">
+                    <a:lumMod val="25000"/>
+                  </a:schemeClr>
+                </a:solidFill>
+              </a:ln>
+              <a:effectLst/>
+            </p:spPr>
+            <p:style>
+              <a:lnRef idx="1">
+                <a:schemeClr val="accent1"/>
+              </a:lnRef>
+              <a:fillRef idx="3">
+                <a:schemeClr val="accent1"/>
+              </a:fillRef>
+              <a:effectRef idx="2">
+                <a:schemeClr val="accent1"/>
+              </a:effectRef>
+              <a:fontRef idx="minor">
+                <a:schemeClr val="lt1"/>
+              </a:fontRef>
+            </p:style>
+            <p:txBody>
+              <a:bodyPr rtlCol="0" anchor="ctr"/>
+              <a:lstStyle/>
+              <a:p>
+                <a:pPr algn="ctr" defTabSz="685800" eaLnBrk="0" fontAlgn="base" hangingPunct="0">
+                  <a:spcBef>
+                    <a:spcPct val="0"/>
+                  </a:spcBef>
+                  <a:spcAft>
+                    <a:spcPct val="0"/>
+                  </a:spcAft>
+                </a:pPr>
+                <a:r>
+                  <a:rPr lang="zh-CN" altLang="en-US" sz="2100" b="1" dirty="0">
+                    <a:solidFill>
+                      <a:srgbClr val="FFFFFF"/>
+                    </a:solidFill>
+                    <a:latin typeface="微軟正黑體" panose="020B0604030504040204" pitchFamily="34" charset="-120"/>
+                    <a:ea typeface="微軟正黑體" panose="020B0604030504040204" pitchFamily="34" charset="-120"/>
+                    <a:cs typeface="Lantinghei SC Extralight" charset="-122"/>
+                  </a:rPr>
+                  <a:t>背景</a:t>
+                </a:r>
+                <a:endParaRPr lang="en-US" sz="2100" b="1" dirty="0">
+                  <a:solidFill>
+                    <a:srgbClr val="FFFFFF"/>
+                  </a:solidFill>
+                  <a:latin typeface="微軟正黑體" panose="020B0604030504040204" pitchFamily="34" charset="-120"/>
+                  <a:ea typeface="微軟正黑體" panose="020B0604030504040204" pitchFamily="34" charset="-120"/>
+                  <a:cs typeface="Lantinghei SC Extralight" charset="-122"/>
+                </a:endParaRPr>
+              </a:p>
+            </p:txBody>
+          </p:sp>
+          <p:sp>
+            <p:nvSpPr>
+              <p:cNvPr id="78" name="Rounded Rectangle 7"/>
+              <p:cNvSpPr/>
+              <p:nvPr/>
+            </p:nvSpPr>
+            <p:spPr>
+              <a:xfrm>
+                <a:off x="1712908" y="6083204"/>
+                <a:ext cx="1489587" cy="686164"/>
+              </a:xfrm>
+              <a:prstGeom prst="roundRect">
+                <a:avLst/>
+              </a:prstGeom>
+              <a:solidFill>
+                <a:srgbClr val="3A3A3A"/>
+              </a:solidFill>
+              <a:ln w="28575">
+                <a:solidFill>
+                  <a:schemeClr val="bg2">
+                    <a:lumMod val="25000"/>
+                  </a:schemeClr>
+                </a:solidFill>
+              </a:ln>
+              <a:effectLst/>
+            </p:spPr>
+            <p:style>
+              <a:lnRef idx="1">
+                <a:schemeClr val="accent1"/>
+              </a:lnRef>
+              <a:fillRef idx="3">
+                <a:schemeClr val="accent1"/>
+              </a:fillRef>
+              <a:effectRef idx="2">
+                <a:schemeClr val="accent1"/>
+              </a:effectRef>
+              <a:fontRef idx="minor">
+                <a:schemeClr val="lt1"/>
+              </a:fontRef>
+            </p:style>
+            <p:txBody>
+              <a:bodyPr rtlCol="0" anchor="ctr"/>
+              <a:lstStyle/>
+              <a:p>
+                <a:pPr algn="ctr" defTabSz="685800" eaLnBrk="0" fontAlgn="base" hangingPunct="0">
+                  <a:spcBef>
+                    <a:spcPct val="0"/>
+                  </a:spcBef>
+                  <a:spcAft>
+                    <a:spcPct val="0"/>
+                  </a:spcAft>
+                </a:pPr>
+                <a:r>
+                  <a:rPr lang="zh-CN" altLang="en-US" sz="2100" b="1" dirty="0">
+                    <a:solidFill>
+                      <a:srgbClr val="FFFFFF"/>
+                    </a:solidFill>
+                    <a:latin typeface="微軟正黑體" panose="020B0604030504040204" pitchFamily="34" charset="-120"/>
+                    <a:ea typeface="微軟正黑體" panose="020B0604030504040204" pitchFamily="34" charset="-120"/>
+                    <a:cs typeface="Lantinghei SC Extralight" charset="-122"/>
+                  </a:rPr>
+                  <a:t>外部因素</a:t>
+                </a:r>
+                <a:endParaRPr lang="en-US" sz="2100" b="1" dirty="0">
+                  <a:solidFill>
+                    <a:srgbClr val="FFFFFF"/>
+                  </a:solidFill>
+                  <a:latin typeface="微軟正黑體" panose="020B0604030504040204" pitchFamily="34" charset="-120"/>
+                  <a:ea typeface="微軟正黑體" panose="020B0604030504040204" pitchFamily="34" charset="-120"/>
+                  <a:cs typeface="Lantinghei SC Extralight" charset="-122"/>
+                </a:endParaRPr>
+              </a:p>
+            </p:txBody>
+          </p:sp>
+        </p:grpSp>
+        <p:grpSp>
+          <p:nvGrpSpPr>
+            <p:cNvPr id="88" name="组合 87"/>
+            <p:cNvGrpSpPr/>
+            <p:nvPr/>
+          </p:nvGrpSpPr>
+          <p:grpSpPr>
+            <a:xfrm>
+              <a:off x="1540395" y="842963"/>
+              <a:ext cx="1082282" cy="5157788"/>
+              <a:chOff x="-80966" y="-19050"/>
+              <a:chExt cx="1443043" cy="6877051"/>
+            </a:xfrm>
+          </p:grpSpPr>
+          <p:sp>
+            <p:nvSpPr>
+              <p:cNvPr id="89" name="任意多边形 88"/>
+              <p:cNvSpPr/>
+              <p:nvPr/>
+            </p:nvSpPr>
+            <p:spPr>
+              <a:xfrm rot="16200000" flipV="1">
+                <a:off x="-2489564" y="2408598"/>
+                <a:ext cx="6260239" cy="1443042"/>
+              </a:xfrm>
+              <a:custGeom>
+                <a:avLst/>
+                <a:gdLst>
+                  <a:gd name="connsiteX0" fmla="*/ 6260239 w 6260239"/>
+                  <a:gd name="connsiteY0" fmla="*/ 1443042 h 1443042"/>
+                  <a:gd name="connsiteX1" fmla="*/ 6260239 w 6260239"/>
+                  <a:gd name="connsiteY1" fmla="*/ 1370077 h 1443042"/>
+                  <a:gd name="connsiteX2" fmla="*/ 3239468 w 6260239"/>
+                  <a:gd name="connsiteY2" fmla="*/ 0 h 1443042"/>
+                  <a:gd name="connsiteX3" fmla="*/ 0 w 6260239"/>
+                  <a:gd name="connsiteY3" fmla="*/ 1443042 h 1443042"/>
+                </a:gdLst>
+                <a:ahLst/>
+                <a:cxnLst>
+                  <a:cxn ang="0">
+                    <a:pos x="connsiteX0" y="connsiteY0"/>
+                  </a:cxn>
+                  <a:cxn ang="0">
+                    <a:pos x="connsiteX1" y="connsiteY1"/>
+                  </a:cxn>
+                  <a:cxn ang="0">
+                    <a:pos x="connsiteX2" y="connsiteY2"/>
+                  </a:cxn>
+                  <a:cxn ang="0">
+                    <a:pos x="connsiteX3" y="connsiteY3"/>
+                  </a:cxn>
+                </a:cxnLst>
+                <a:rect l="l" t="t" r="r" b="b"/>
+                <a:pathLst>
+                  <a:path w="6260239" h="1443042">
+                    <a:moveTo>
+                      <a:pt x="6260239" y="1443042"/>
+                    </a:moveTo>
+                    <a:lnTo>
+                      <a:pt x="6260239" y="1370077"/>
+                    </a:lnTo>
+                    <a:lnTo>
+                      <a:pt x="3239468" y="0"/>
+                    </a:lnTo>
+                    <a:lnTo>
+                      <a:pt x="0" y="1443042"/>
+                    </a:lnTo>
+                    <a:close/>
+                  </a:path>
+                </a:pathLst>
+              </a:custGeom>
+              <a:solidFill>
+                <a:srgbClr val="FFC001"/>
+              </a:solidFill>
+              <a:ln>
+                <a:solidFill>
+                  <a:srgbClr val="DBB76C"/>
+                </a:solidFill>
+              </a:ln>
+            </p:spPr>
+            <p:style>
+              <a:lnRef idx="2">
+                <a:schemeClr val="accent1">
+                  <a:shade val="50000"/>
+                </a:schemeClr>
+              </a:lnRef>
+              <a:fillRef idx="1">
+                <a:schemeClr val="accent1"/>
+              </a:fillRef>
+              <a:effectRef idx="0">
+                <a:schemeClr val="accent1"/>
+              </a:effectRef>
+              <a:fontRef idx="minor">
+                <a:schemeClr val="lt1"/>
+              </a:fontRef>
+            </p:style>
+            <p:txBody>
+              <a:bodyPr rtlCol="0" anchor="ctr"/>
+              <a:lstStyle/>
+              <a:p>
+                <a:pPr algn="ctr" defTabSz="685800" eaLnBrk="0" fontAlgn="base" hangingPunct="0">
+                  <a:spcBef>
+                    <a:spcPct val="0"/>
+                  </a:spcBef>
+                  <a:spcAft>
+                    <a:spcPct val="0"/>
+                  </a:spcAft>
+                </a:pPr>
+                <a:endParaRPr lang="zh-CN" altLang="en-US" sz="975" b="1">
+                  <a:solidFill>
+                    <a:srgbClr val="FFFFFF"/>
+                  </a:solidFill>
+                  <a:latin typeface="微軟正黑體" panose="020B0604030504040204" pitchFamily="34" charset="-120"/>
+                  <a:ea typeface="微軟正黑體" panose="020B0604030504040204" pitchFamily="34" charset="-120"/>
+                  <a:cs typeface="Lantinghei SC Extralight" charset="-122"/>
+                </a:endParaRPr>
+              </a:p>
+            </p:txBody>
+          </p:sp>
+          <p:sp>
+            <p:nvSpPr>
+              <p:cNvPr id="90" name="任意多边形 89"/>
+              <p:cNvSpPr/>
+              <p:nvPr/>
+            </p:nvSpPr>
+            <p:spPr>
+              <a:xfrm rot="16200000" flipV="1">
+                <a:off x="-2557704" y="2938221"/>
+                <a:ext cx="6396518" cy="1443041"/>
+              </a:xfrm>
+              <a:custGeom>
+                <a:avLst/>
+                <a:gdLst>
+                  <a:gd name="connsiteX0" fmla="*/ 6396518 w 6396518"/>
+                  <a:gd name="connsiteY0" fmla="*/ 1443041 h 1443041"/>
+                  <a:gd name="connsiteX1" fmla="*/ 3214875 w 6396518"/>
+                  <a:gd name="connsiteY1" fmla="*/ 0 h 1443041"/>
+                  <a:gd name="connsiteX2" fmla="*/ 0 w 6396518"/>
+                  <a:gd name="connsiteY2" fmla="*/ 1432086 h 1443041"/>
+                  <a:gd name="connsiteX3" fmla="*/ 0 w 6396518"/>
+                  <a:gd name="connsiteY3" fmla="*/ 1443041 h 1443041"/>
+                </a:gdLst>
+                <a:ahLst/>
+                <a:cxnLst>
+                  <a:cxn ang="0">
+                    <a:pos x="connsiteX0" y="connsiteY0"/>
+                  </a:cxn>
+                  <a:cxn ang="0">
+                    <a:pos x="connsiteX1" y="connsiteY1"/>
+                  </a:cxn>
+                  <a:cxn ang="0">
+                    <a:pos x="connsiteX2" y="connsiteY2"/>
+                  </a:cxn>
+                  <a:cxn ang="0">
+                    <a:pos x="connsiteX3" y="connsiteY3"/>
+                  </a:cxn>
+                </a:cxnLst>
+                <a:rect l="l" t="t" r="r" b="b"/>
+                <a:pathLst>
+                  <a:path w="6396518" h="1443041">
+                    <a:moveTo>
+                      <a:pt x="6396518" y="1443041"/>
+                    </a:moveTo>
+                    <a:lnTo>
+                      <a:pt x="3214875" y="0"/>
+                    </a:lnTo>
+                    <a:lnTo>
+                      <a:pt x="0" y="1432086"/>
+                    </a:lnTo>
+                    <a:lnTo>
+                      <a:pt x="0" y="1443041"/>
+                    </a:lnTo>
+                    <a:close/>
+                  </a:path>
+                </a:pathLst>
+              </a:custGeom>
+              <a:solidFill>
+                <a:srgbClr val="3A3A3A"/>
+              </a:solidFill>
+              <a:ln>
+                <a:noFill/>
+              </a:ln>
+            </p:spPr>
+            <p:style>
+              <a:lnRef idx="2">
+                <a:schemeClr val="accent1">
+                  <a:shade val="50000"/>
+                </a:schemeClr>
+              </a:lnRef>
+              <a:fillRef idx="1">
+                <a:schemeClr val="accent1"/>
+              </a:fillRef>
+              <a:effectRef idx="0">
+                <a:schemeClr val="accent1"/>
+              </a:effectRef>
+              <a:fontRef idx="minor">
+                <a:schemeClr val="lt1"/>
+              </a:fontRef>
+            </p:style>
+            <p:txBody>
+              <a:bodyPr rtlCol="0" anchor="ctr"/>
+              <a:lstStyle/>
+              <a:p>
+                <a:pPr algn="ctr" defTabSz="685800" eaLnBrk="0" fontAlgn="base" hangingPunct="0">
+                  <a:spcBef>
+                    <a:spcPct val="0"/>
+                  </a:spcBef>
+                  <a:spcAft>
+                    <a:spcPct val="0"/>
+                  </a:spcAft>
+                </a:pPr>
+                <a:endParaRPr lang="zh-CN" altLang="en-US" sz="975" b="1">
+                  <a:solidFill>
+                    <a:srgbClr val="FFFFFF"/>
+                  </a:solidFill>
+                  <a:latin typeface="微軟正黑體" panose="020B0604030504040204" pitchFamily="34" charset="-120"/>
+                  <a:ea typeface="微軟正黑體" panose="020B0604030504040204" pitchFamily="34" charset="-120"/>
+                  <a:cs typeface="Lantinghei SC Extralight" charset="-122"/>
+                </a:endParaRPr>
+              </a:p>
+            </p:txBody>
+          </p:sp>
+          <p:cxnSp>
+            <p:nvCxnSpPr>
+              <p:cNvPr id="91" name="直接连接符 90"/>
+              <p:cNvCxnSpPr/>
+              <p:nvPr/>
+            </p:nvCxnSpPr>
+            <p:spPr>
+              <a:xfrm rot="16200000" flipV="1">
+                <a:off x="-529500" y="638885"/>
+                <a:ext cx="2419074" cy="1103204"/>
+              </a:xfrm>
+              <a:prstGeom prst="line">
+                <a:avLst/>
+              </a:prstGeom>
+              <a:ln>
+                <a:solidFill>
+                  <a:srgbClr val="3A3A3A"/>
+                </a:solidFill>
+              </a:ln>
+            </p:spPr>
+            <p:style>
+              <a:lnRef idx="1">
+                <a:schemeClr val="accent1"/>
+              </a:lnRef>
+              <a:fillRef idx="0">
+                <a:schemeClr val="accent1"/>
+              </a:fillRef>
+              <a:effectRef idx="0">
+                <a:schemeClr val="accent1"/>
+              </a:effectRef>
+              <a:fontRef idx="minor">
+                <a:schemeClr val="tx1"/>
+              </a:fontRef>
+            </p:style>
+          </p:cxnSp>
+        </p:grpSp>
+        <p:sp>
+          <p:nvSpPr>
+            <p:cNvPr id="92" name="文本框 91"/>
+            <p:cNvSpPr txBox="1"/>
+            <p:nvPr/>
+          </p:nvSpPr>
+          <p:spPr>
+            <a:xfrm>
+              <a:off x="1546671" y="1814862"/>
+              <a:ext cx="553998" cy="3661181"/>
+            </a:xfrm>
+            <a:prstGeom prst="rect">
+              <a:avLst/>
+            </a:prstGeom>
+            <a:noFill/>
+          </p:spPr>
+          <p:txBody>
+            <a:bodyPr vert="eaVert" wrap="square" rtlCol="0">
+              <a:spAutoFit/>
+            </a:bodyPr>
+            <a:lstStyle/>
+            <a:p>
+              <a:pPr algn="ctr" defTabSz="685800" eaLnBrk="0" fontAlgn="base" hangingPunct="0">
+                <a:spcBef>
+                  <a:spcPct val="0"/>
+                </a:spcBef>
+                <a:spcAft>
+                  <a:spcPct val="0"/>
+                </a:spcAft>
+              </a:pPr>
+              <a:r>
+                <a:rPr lang="zh-CN" altLang="en-US" sz="2400" b="1" dirty="0">
+                  <a:solidFill>
+                    <a:srgbClr val="FFFFFF"/>
+                  </a:solidFill>
+                  <a:latin typeface="微軟正黑體" panose="020B0604030504040204" pitchFamily="34" charset="-120"/>
+                  <a:ea typeface="微軟正黑體" panose="020B0604030504040204" pitchFamily="34" charset="-120"/>
+                  <a:cs typeface="Lantinghei SC Extralight" charset="-122"/>
+                </a:rPr>
+                <a:t>计算思维 </a:t>
+              </a:r>
+              <a:r>
+                <a:rPr lang="en-US" altLang="zh-CN" sz="2400" b="1" dirty="0">
+                  <a:solidFill>
+                    <a:srgbClr val="FFFFFF"/>
+                  </a:solidFill>
+                  <a:latin typeface="微軟正黑體" panose="020B0604030504040204" pitchFamily="34" charset="-120"/>
+                  <a:ea typeface="微軟正黑體" panose="020B0604030504040204" pitchFamily="34" charset="-120"/>
+                  <a:cs typeface="Lantinghei SC Extralight" charset="-122"/>
+                </a:rPr>
+                <a:t>- </a:t>
+              </a:r>
+              <a:r>
+                <a:rPr lang="zh-CN" altLang="en-US" sz="2400" b="1" dirty="0">
+                  <a:solidFill>
+                    <a:srgbClr val="FFFFFF"/>
+                  </a:solidFill>
+                  <a:latin typeface="微軟正黑體" panose="020B0604030504040204" pitchFamily="34" charset="-120"/>
+                  <a:ea typeface="微軟正黑體" panose="020B0604030504040204" pitchFamily="34" charset="-120"/>
+                  <a:cs typeface="Lantinghei SC Extralight" charset="-122"/>
+                </a:rPr>
+                <a:t>逻辑模型</a:t>
+              </a:r>
+              <a:endParaRPr lang="en-US" altLang="zh-CN" sz="2400" b="1" dirty="0">
+                <a:solidFill>
+                  <a:srgbClr val="FFFFFF"/>
+                </a:solidFill>
+                <a:latin typeface="微軟正黑體" panose="020B0604030504040204" pitchFamily="34" charset="-120"/>
+                <a:ea typeface="微軟正黑體" panose="020B0604030504040204" pitchFamily="34" charset="-120"/>
+                <a:cs typeface="Lantinghei SC Extralight" charset="-122"/>
+              </a:endParaRPr>
+            </a:p>
+          </p:txBody>
+        </p:sp>
+        <p:sp>
+          <p:nvSpPr>
+            <p:cNvPr id="93" name="Rectangle 11"/>
+            <p:cNvSpPr/>
+            <p:nvPr/>
+          </p:nvSpPr>
+          <p:spPr>
+            <a:xfrm>
+              <a:off x="8586717" y="2583624"/>
+              <a:ext cx="1790679" cy="1871681"/>
+            </a:xfrm>
+            <a:prstGeom prst="rect">
+              <a:avLst/>
+            </a:prstGeom>
+          </p:spPr>
+          <p:txBody>
+            <a:bodyPr wrap="square">
+              <a:spAutoFit/>
+            </a:bodyPr>
+            <a:lstStyle/>
+            <a:p>
+              <a:pPr marL="214313" lvl="1" indent="-214313" defTabSz="685800" eaLnBrk="0" fontAlgn="base" hangingPunct="0">
+                <a:lnSpc>
+                  <a:spcPct val="150000"/>
+                </a:lnSpc>
+                <a:spcBef>
+                  <a:spcPct val="0"/>
+                </a:spcBef>
+                <a:spcAft>
+                  <a:spcPct val="0"/>
+                </a:spcAft>
+                <a:buFont typeface="Arial" panose="020B0604020202020204" pitchFamily="34" charset="0"/>
+                <a:buChar char="•"/>
+              </a:pPr>
+              <a:r>
+                <a:rPr lang="zh-CN" altLang="en-US" sz="1100" b="1" dirty="0" smtClean="0">
+                  <a:latin typeface="微軟正黑體" panose="020B0604030504040204" pitchFamily="34" charset="-120"/>
+                  <a:ea typeface="微軟正黑體" panose="020B0604030504040204" pitchFamily="34" charset="-120"/>
+                  <a:cs typeface="Lantinghei SC Extralight" charset="-122"/>
+                </a:rPr>
+                <a:t>课堂教学资源（集中在</a:t>
+              </a:r>
+              <a:r>
+                <a:rPr lang="en-US" altLang="zh-CN" sz="1100" b="1" dirty="0" smtClean="0">
+                  <a:latin typeface="微軟正黑體" panose="020B0604030504040204" pitchFamily="34" charset="-120"/>
+                  <a:ea typeface="微軟正黑體" panose="020B0604030504040204" pitchFamily="34" charset="-120"/>
+                  <a:cs typeface="Lantinghei SC Extralight" charset="-122"/>
+                </a:rPr>
+                <a:t>Wiki</a:t>
+              </a:r>
+              <a:r>
+                <a:rPr lang="zh-CN" altLang="en-US" sz="1100" b="1" dirty="0" smtClean="0">
+                  <a:latin typeface="微軟正黑體" panose="020B0604030504040204" pitchFamily="34" charset="-120"/>
+                  <a:ea typeface="微軟正黑體" panose="020B0604030504040204" pitchFamily="34" charset="-120"/>
+                  <a:cs typeface="Lantinghei SC Extralight" charset="-122"/>
+                </a:rPr>
+                <a:t>课程主页之中）；</a:t>
+              </a:r>
+              <a:endParaRPr lang="en-US" altLang="zh-CN" sz="1100" b="1" dirty="0">
+                <a:latin typeface="微軟正黑體" panose="020B0604030504040204" pitchFamily="34" charset="-120"/>
+                <a:ea typeface="微軟正黑體" panose="020B0604030504040204" pitchFamily="34" charset="-120"/>
+                <a:cs typeface="Lantinghei SC Extralight" charset="-122"/>
+              </a:endParaRPr>
+            </a:p>
+            <a:p>
+              <a:pPr marL="214313" lvl="1" indent="-214313" defTabSz="685800" eaLnBrk="0" fontAlgn="base" hangingPunct="0">
+                <a:lnSpc>
+                  <a:spcPct val="150000"/>
+                </a:lnSpc>
+                <a:spcBef>
+                  <a:spcPct val="0"/>
+                </a:spcBef>
+                <a:spcAft>
+                  <a:spcPct val="0"/>
+                </a:spcAft>
+                <a:buFont typeface="Arial" panose="020B0604020202020204" pitchFamily="34" charset="0"/>
+                <a:buChar char="•"/>
+              </a:pPr>
+              <a:r>
+                <a:rPr lang="en-US" altLang="zh-CN" sz="1100" b="1" dirty="0" smtClean="0">
+                  <a:latin typeface="微軟正黑體" panose="020B0604030504040204" pitchFamily="34" charset="-120"/>
+                  <a:ea typeface="微軟正黑體" panose="020B0604030504040204" pitchFamily="34" charset="-120"/>
+                  <a:cs typeface="Lantinghei SC Extralight" charset="-122"/>
+                </a:rPr>
+                <a:t>Wiki</a:t>
+              </a:r>
+              <a:r>
+                <a:rPr lang="zh-CN" altLang="en-US" sz="1100" b="1" dirty="0" smtClean="0">
+                  <a:latin typeface="微軟正黑體" panose="020B0604030504040204" pitchFamily="34" charset="-120"/>
+                  <a:ea typeface="微軟正黑體" panose="020B0604030504040204" pitchFamily="34" charset="-120"/>
+                  <a:cs typeface="Lantinghei SC Extralight" charset="-122"/>
+                </a:rPr>
+                <a:t>，</a:t>
+              </a:r>
+              <a:r>
+                <a:rPr lang="en-US" altLang="zh-CN" sz="1100" b="1" dirty="0" err="1" smtClean="0">
+                  <a:latin typeface="微軟正黑體" panose="020B0604030504040204" pitchFamily="34" charset="-120"/>
+                  <a:ea typeface="微軟正黑體" panose="020B0604030504040204" pitchFamily="34" charset="-120"/>
+                  <a:cs typeface="Lantinghei SC Extralight" charset="-122"/>
+                </a:rPr>
+                <a:t>Git</a:t>
+              </a:r>
+              <a:r>
+                <a:rPr lang="zh-CN" altLang="en-US" sz="1100" b="1" dirty="0" smtClean="0">
+                  <a:latin typeface="微軟正黑體" panose="020B0604030504040204" pitchFamily="34" charset="-120"/>
+                  <a:ea typeface="微軟正黑體" panose="020B0604030504040204" pitchFamily="34" charset="-120"/>
+                  <a:cs typeface="Lantinghei SC Extralight" charset="-122"/>
+                </a:rPr>
+                <a:t>，</a:t>
+              </a:r>
+              <a:r>
+                <a:rPr lang="en-US" altLang="zh-CN" sz="1100" b="1" dirty="0" smtClean="0">
+                  <a:latin typeface="微軟正黑體" panose="020B0604030504040204" pitchFamily="34" charset="-120"/>
+                  <a:ea typeface="微軟正黑體" panose="020B0604030504040204" pitchFamily="34" charset="-120"/>
+                  <a:cs typeface="Lantinghei SC Extralight" charset="-122"/>
+                </a:rPr>
+                <a:t>Endnote</a:t>
+              </a:r>
+              <a:r>
+                <a:rPr lang="zh-CN" altLang="en-US" sz="1100" b="1" dirty="0">
+                  <a:latin typeface="微軟正黑體" panose="020B0604030504040204" pitchFamily="34" charset="-120"/>
+                  <a:ea typeface="微軟正黑體" panose="020B0604030504040204" pitchFamily="34" charset="-120"/>
+                  <a:cs typeface="Lantinghei SC Extralight" charset="-122"/>
+                </a:rPr>
+                <a:t>等</a:t>
+              </a:r>
+              <a:r>
+                <a:rPr lang="zh-CN" altLang="en-US" sz="1100" b="1" dirty="0" smtClean="0">
+                  <a:latin typeface="微軟正黑體" panose="020B0604030504040204" pitchFamily="34" charset="-120"/>
+                  <a:ea typeface="微軟正黑體" panose="020B0604030504040204" pitchFamily="34" charset="-120"/>
+                  <a:cs typeface="Lantinghei SC Extralight" charset="-122"/>
+                </a:rPr>
+                <a:t>工具；</a:t>
+              </a:r>
+              <a:endParaRPr lang="en-US" altLang="zh-CN" sz="1100" b="1" dirty="0">
+                <a:latin typeface="微軟正黑體" panose="020B0604030504040204" pitchFamily="34" charset="-120"/>
+                <a:ea typeface="微軟正黑體" panose="020B0604030504040204" pitchFamily="34" charset="-120"/>
+                <a:cs typeface="Lantinghei SC Extralight" charset="-122"/>
+              </a:endParaRPr>
+            </a:p>
+            <a:p>
+              <a:pPr marL="214313" lvl="1" indent="-214313" defTabSz="685800" eaLnBrk="0" fontAlgn="base" hangingPunct="0">
+                <a:lnSpc>
+                  <a:spcPct val="150000"/>
+                </a:lnSpc>
+                <a:spcBef>
+                  <a:spcPct val="0"/>
+                </a:spcBef>
+                <a:spcAft>
+                  <a:spcPct val="0"/>
+                </a:spcAft>
+                <a:buFont typeface="Arial" panose="020B0604020202020204" pitchFamily="34" charset="0"/>
+                <a:buChar char="•"/>
+              </a:pPr>
+              <a:r>
+                <a:rPr lang="zh-CN" altLang="en-US" sz="1100" b="1" dirty="0" smtClean="0">
+                  <a:latin typeface="微軟正黑體" panose="020B0604030504040204" pitchFamily="34" charset="-120"/>
+                  <a:ea typeface="微軟正黑體" panose="020B0604030504040204" pitchFamily="34" charset="-120"/>
+                  <a:cs typeface="Lantinghei SC Extralight" charset="-122"/>
+                </a:rPr>
+                <a:t>清华大学图书馆资源；</a:t>
+              </a:r>
+              <a:endParaRPr lang="en-US" altLang="zh-CN" sz="1100" b="1" dirty="0">
+                <a:latin typeface="微軟正黑體" panose="020B0604030504040204" pitchFamily="34" charset="-120"/>
+                <a:ea typeface="微軟正黑體" panose="020B0604030504040204" pitchFamily="34" charset="-120"/>
+                <a:cs typeface="Lantinghei SC Extralight" charset="-122"/>
+              </a:endParaRPr>
+            </a:p>
+            <a:p>
+              <a:pPr marL="214313" lvl="1" indent="-214313" defTabSz="685800" eaLnBrk="0" fontAlgn="base" hangingPunct="0">
+                <a:lnSpc>
+                  <a:spcPct val="150000"/>
+                </a:lnSpc>
+                <a:spcBef>
+                  <a:spcPct val="0"/>
+                </a:spcBef>
+                <a:spcAft>
+                  <a:spcPct val="0"/>
+                </a:spcAft>
+                <a:buFont typeface="Arial" panose="020B0604020202020204" pitchFamily="34" charset="0"/>
+                <a:buChar char="•"/>
+              </a:pPr>
+              <a:r>
+                <a:rPr lang="en-CA" altLang="zh-CN" sz="1100" b="1" dirty="0" smtClean="0">
+                  <a:latin typeface="微軟正黑體" panose="020B0604030504040204" pitchFamily="34" charset="-120"/>
+                  <a:ea typeface="微軟正黑體" panose="020B0604030504040204" pitchFamily="34" charset="-120"/>
+                  <a:cs typeface="Lantinghei SC Extralight" charset="-122"/>
+                </a:rPr>
+                <a:t>Nand2Tetris</a:t>
+              </a:r>
+              <a:r>
+                <a:rPr lang="zh-CN" altLang="en-US" sz="1100" b="1" dirty="0" smtClean="0">
+                  <a:latin typeface="微軟正黑體" panose="020B0604030504040204" pitchFamily="34" charset="-120"/>
+                  <a:ea typeface="微軟正黑體" panose="020B0604030504040204" pitchFamily="34" charset="-120"/>
+                  <a:cs typeface="Lantinghei SC Extralight" charset="-122"/>
+                </a:rPr>
+                <a:t>网站材料；</a:t>
+              </a:r>
+              <a:endParaRPr lang="en-US" altLang="zh-CN" sz="1100" b="1" dirty="0" smtClean="0">
+                <a:latin typeface="微軟正黑體" panose="020B0604030504040204" pitchFamily="34" charset="-120"/>
+                <a:ea typeface="微軟正黑體" panose="020B0604030504040204" pitchFamily="34" charset="-120"/>
+                <a:cs typeface="Lantinghei SC Extralight" charset="-122"/>
+              </a:endParaRPr>
+            </a:p>
+            <a:p>
+              <a:pPr marL="214313" lvl="1" indent="-214313" defTabSz="685800" eaLnBrk="0" fontAlgn="base" hangingPunct="0">
+                <a:lnSpc>
+                  <a:spcPct val="150000"/>
+                </a:lnSpc>
+                <a:spcBef>
+                  <a:spcPct val="0"/>
+                </a:spcBef>
+                <a:spcAft>
+                  <a:spcPct val="0"/>
+                </a:spcAft>
+                <a:buFont typeface="Arial" panose="020B0604020202020204" pitchFamily="34" charset="0"/>
+                <a:buChar char="•"/>
+              </a:pPr>
+              <a:r>
+                <a:rPr lang="zh-CN" altLang="en-US" sz="1100" b="1" dirty="0" smtClean="0">
+                  <a:latin typeface="微軟正黑體" panose="020B0604030504040204" pitchFamily="34" charset="-120"/>
+                  <a:ea typeface="微軟正黑體" panose="020B0604030504040204" pitchFamily="34" charset="-120"/>
+                  <a:cs typeface="Lantinghei SC Extralight" charset="-122"/>
+                </a:rPr>
+                <a:t>其他网络资源。</a:t>
+              </a:r>
+              <a:endParaRPr lang="zh-CN" altLang="en-US" sz="1100" b="1" dirty="0">
+                <a:latin typeface="微軟正黑體" panose="020B0604030504040204" pitchFamily="34" charset="-120"/>
+                <a:ea typeface="微軟正黑體" panose="020B0604030504040204" pitchFamily="34" charset="-120"/>
+                <a:cs typeface="Lantinghei SC Extralight" charset="-122"/>
+              </a:endParaRPr>
+            </a:p>
+            <a:p>
+              <a:pPr marL="214313" lvl="1" indent="-214313" defTabSz="685800" eaLnBrk="0" fontAlgn="base" hangingPunct="0">
+                <a:lnSpc>
+                  <a:spcPct val="150000"/>
+                </a:lnSpc>
+                <a:spcBef>
+                  <a:spcPct val="0"/>
+                </a:spcBef>
+                <a:spcAft>
+                  <a:spcPct val="0"/>
+                </a:spcAft>
+                <a:buFont typeface="Arial" panose="020B0604020202020204" pitchFamily="34" charset="0"/>
+                <a:buChar char="•"/>
+              </a:pPr>
+              <a:endParaRPr lang="en-US" altLang="zh-CN" sz="1100" b="1" dirty="0">
+                <a:latin typeface="微軟正黑體" panose="020B0604030504040204" pitchFamily="34" charset="-120"/>
+                <a:ea typeface="微軟正黑體" panose="020B0604030504040204" pitchFamily="34" charset="-120"/>
+                <a:cs typeface="Lantinghei SC Extralight" charset="-122"/>
+              </a:endParaRPr>
+            </a:p>
+          </p:txBody>
+        </p:sp>
+        <p:sp>
+          <p:nvSpPr>
+            <p:cNvPr id="94" name="TextBox 12"/>
+            <p:cNvSpPr txBox="1"/>
+            <p:nvPr/>
+          </p:nvSpPr>
+          <p:spPr>
+            <a:xfrm>
+              <a:off x="6703695" y="2584341"/>
+              <a:ext cx="1774551" cy="1871681"/>
+            </a:xfrm>
+            <a:prstGeom prst="rect">
+              <a:avLst/>
+            </a:prstGeom>
+            <a:noFill/>
+          </p:spPr>
+          <p:txBody>
+            <a:bodyPr wrap="square" rtlCol="0">
+              <a:spAutoFit/>
+            </a:bodyPr>
+            <a:lstStyle/>
+            <a:p>
+              <a:pPr marL="88900" indent="-88900" defTabSz="685800" eaLnBrk="0" fontAlgn="base" hangingPunct="0">
+                <a:lnSpc>
+                  <a:spcPct val="120000"/>
+                </a:lnSpc>
+                <a:spcBef>
+                  <a:spcPct val="0"/>
+                </a:spcBef>
+                <a:spcAft>
+                  <a:spcPct val="0"/>
+                </a:spcAft>
+                <a:buFont typeface="Arial" panose="020B0604020202020204" pitchFamily="34" charset="0"/>
+                <a:buChar char="•"/>
+              </a:pPr>
+              <a:r>
+                <a:rPr lang="zh-CN" altLang="en-US" sz="1100" b="1" dirty="0" smtClean="0">
+                  <a:latin typeface="微軟正黑體" panose="020B0604030504040204" pitchFamily="34" charset="-120"/>
+                  <a:ea typeface="微軟正黑體" panose="020B0604030504040204" pitchFamily="34" charset="-120"/>
+                  <a:cs typeface="Lantinghei SC Extralight" charset="-122"/>
+                </a:rPr>
+                <a:t>课堂教学；</a:t>
+              </a:r>
+              <a:endParaRPr lang="en-CA" altLang="zh-CN" sz="1100" b="1" dirty="0">
+                <a:latin typeface="微軟正黑體" panose="020B0604030504040204" pitchFamily="34" charset="-120"/>
+                <a:ea typeface="微軟正黑體" panose="020B0604030504040204" pitchFamily="34" charset="-120"/>
+                <a:cs typeface="Lantinghei SC Extralight" charset="-122"/>
+              </a:endParaRPr>
+            </a:p>
+            <a:p>
+              <a:pPr marL="88900" indent="-88900" defTabSz="685800" eaLnBrk="0" fontAlgn="base" hangingPunct="0">
+                <a:lnSpc>
+                  <a:spcPct val="120000"/>
+                </a:lnSpc>
+                <a:spcBef>
+                  <a:spcPct val="0"/>
+                </a:spcBef>
+                <a:spcAft>
+                  <a:spcPct val="0"/>
+                </a:spcAft>
+                <a:buFont typeface="Arial" panose="020B0604020202020204" pitchFamily="34" charset="0"/>
+                <a:buChar char="•"/>
+              </a:pPr>
+              <a:r>
+                <a:rPr lang="zh-CN" altLang="en-US" sz="1100" b="1" dirty="0" smtClean="0">
+                  <a:latin typeface="微軟正黑體" panose="020B0604030504040204" pitchFamily="34" charset="-120"/>
+                  <a:ea typeface="微軟正黑體" panose="020B0604030504040204" pitchFamily="34" charset="-120"/>
+                  <a:cs typeface="Lantinghei SC Extralight" charset="-122"/>
+                </a:rPr>
+                <a:t>以查找网络资源，小组微信群讨论等方式学习</a:t>
+              </a:r>
+              <a:r>
+                <a:rPr lang="en-CA" altLang="zh-CN" sz="1100" b="1" dirty="0" smtClean="0">
+                  <a:latin typeface="微軟正黑體" panose="020B0604030504040204" pitchFamily="34" charset="-120"/>
+                  <a:ea typeface="微軟正黑體" panose="020B0604030504040204" pitchFamily="34" charset="-120"/>
+                  <a:cs typeface="Lantinghei SC Extralight" charset="-122"/>
+                </a:rPr>
+                <a:t>Wiki</a:t>
+              </a:r>
+              <a:r>
+                <a:rPr lang="zh-CN" altLang="en-US" sz="1100" b="1" dirty="0" smtClean="0">
+                  <a:latin typeface="微軟正黑體" panose="020B0604030504040204" pitchFamily="34" charset="-120"/>
+                  <a:ea typeface="微軟正黑體" panose="020B0604030504040204" pitchFamily="34" charset="-120"/>
+                  <a:cs typeface="Lantinghei SC Extralight" charset="-122"/>
+                </a:rPr>
+                <a:t>，</a:t>
+              </a:r>
+              <a:r>
+                <a:rPr lang="en-CA" altLang="zh-CN" sz="1100" b="1" dirty="0" smtClean="0">
+                  <a:latin typeface="微軟正黑體" panose="020B0604030504040204" pitchFamily="34" charset="-120"/>
+                  <a:ea typeface="微軟正黑體" panose="020B0604030504040204" pitchFamily="34" charset="-120"/>
+                  <a:cs typeface="Lantinghei SC Extralight" charset="-122"/>
+                </a:rPr>
+                <a:t>Git</a:t>
+              </a:r>
+              <a:r>
+                <a:rPr lang="zh-CN" altLang="en-US" sz="1100" b="1" dirty="0" smtClean="0">
+                  <a:latin typeface="微軟正黑體" panose="020B0604030504040204" pitchFamily="34" charset="-120"/>
+                  <a:ea typeface="微軟正黑體" panose="020B0604030504040204" pitchFamily="34" charset="-120"/>
+                  <a:cs typeface="Lantinghei SC Extralight" charset="-122"/>
+                </a:rPr>
+                <a:t>，</a:t>
+              </a:r>
+              <a:r>
+                <a:rPr lang="en-CA" altLang="zh-CN" sz="1100" b="1" dirty="0" smtClean="0">
+                  <a:latin typeface="微軟正黑體" panose="020B0604030504040204" pitchFamily="34" charset="-120"/>
+                  <a:ea typeface="微軟正黑體" panose="020B0604030504040204" pitchFamily="34" charset="-120"/>
+                  <a:cs typeface="Lantinghei SC Extralight" charset="-122"/>
+                </a:rPr>
+                <a:t>EndNote</a:t>
+              </a:r>
+              <a:r>
+                <a:rPr lang="zh-CN" altLang="en-US" sz="1100" b="1" dirty="0">
+                  <a:latin typeface="微軟正黑體" panose="020B0604030504040204" pitchFamily="34" charset="-120"/>
+                  <a:ea typeface="微軟正黑體" panose="020B0604030504040204" pitchFamily="34" charset="-120"/>
+                  <a:cs typeface="Lantinghei SC Extralight" charset="-122"/>
+                </a:rPr>
+                <a:t>等</a:t>
+              </a:r>
+              <a:r>
+                <a:rPr lang="zh-CN" altLang="en-US" sz="1100" b="1" dirty="0" smtClean="0">
+                  <a:latin typeface="微軟正黑體" panose="020B0604030504040204" pitchFamily="34" charset="-120"/>
+                  <a:ea typeface="微軟正黑體" panose="020B0604030504040204" pitchFamily="34" charset="-120"/>
+                  <a:cs typeface="Lantinghei SC Extralight" charset="-122"/>
+                </a:rPr>
+                <a:t>工具的使用；</a:t>
+              </a:r>
+              <a:endParaRPr lang="en-CA" altLang="zh-CN" sz="1100" b="1" dirty="0">
+                <a:latin typeface="微軟正黑體" panose="020B0604030504040204" pitchFamily="34" charset="-120"/>
+                <a:ea typeface="微軟正黑體" panose="020B0604030504040204" pitchFamily="34" charset="-120"/>
+                <a:cs typeface="Lantinghei SC Extralight" charset="-122"/>
+              </a:endParaRPr>
+            </a:p>
+            <a:p>
+              <a:pPr marL="88900" indent="-88900" defTabSz="685800" eaLnBrk="0" fontAlgn="base" hangingPunct="0">
+                <a:lnSpc>
+                  <a:spcPct val="120000"/>
+                </a:lnSpc>
+                <a:spcBef>
+                  <a:spcPct val="0"/>
+                </a:spcBef>
+                <a:spcAft>
+                  <a:spcPct val="0"/>
+                </a:spcAft>
+                <a:buFont typeface="Arial" panose="020B0604020202020204" pitchFamily="34" charset="0"/>
+                <a:buChar char="•"/>
+              </a:pPr>
+              <a:r>
+                <a:rPr lang="zh-CN" altLang="en-US" sz="1100" b="1" dirty="0" smtClean="0">
+                  <a:latin typeface="微軟正黑體" panose="020B0604030504040204" pitchFamily="34" charset="-120"/>
+                  <a:ea typeface="微軟正黑體" panose="020B0604030504040204" pitchFamily="34" charset="-120"/>
+                  <a:cs typeface="Lantinghei SC Extralight" charset="-122"/>
+                </a:rPr>
+                <a:t>对遇到的问题采用面对面小组讨论交流的方式解决；</a:t>
+              </a:r>
+              <a:endParaRPr lang="en-US" altLang="zh-CN" sz="1100" b="1" dirty="0" smtClean="0">
+                <a:latin typeface="微軟正黑體" panose="020B0604030504040204" pitchFamily="34" charset="-120"/>
+                <a:ea typeface="微軟正黑體" panose="020B0604030504040204" pitchFamily="34" charset="-120"/>
+                <a:cs typeface="Lantinghei SC Extralight" charset="-122"/>
+              </a:endParaRPr>
+            </a:p>
+            <a:p>
+              <a:pPr marL="88900" indent="-88900" defTabSz="685800" eaLnBrk="0" fontAlgn="base" hangingPunct="0">
+                <a:lnSpc>
+                  <a:spcPct val="120000"/>
+                </a:lnSpc>
+                <a:spcBef>
+                  <a:spcPct val="0"/>
+                </a:spcBef>
+                <a:spcAft>
+                  <a:spcPct val="0"/>
+                </a:spcAft>
+                <a:buFont typeface="Arial" panose="020B0604020202020204" pitchFamily="34" charset="0"/>
+                <a:buChar char="•"/>
+              </a:pPr>
+              <a:r>
+                <a:rPr lang="zh-CN" altLang="en-US" sz="1100" b="1" dirty="0" smtClean="0">
+                  <a:latin typeface="微軟正黑體" panose="020B0604030504040204" pitchFamily="34" charset="-120"/>
+                  <a:ea typeface="微軟正黑體" panose="020B0604030504040204" pitchFamily="34" charset="-120"/>
+                  <a:cs typeface="Lantinghei SC Extralight" charset="-122"/>
+                </a:rPr>
+                <a:t>对</a:t>
+              </a:r>
+              <a:r>
+                <a:rPr lang="en-CA" altLang="zh-CN" sz="1100" b="1" dirty="0" smtClean="0">
+                  <a:latin typeface="微軟正黑體" panose="020B0604030504040204" pitchFamily="34" charset="-120"/>
+                  <a:ea typeface="微軟正黑體" panose="020B0604030504040204" pitchFamily="34" charset="-120"/>
+                  <a:cs typeface="Lantinghei SC Extralight" charset="-122"/>
+                </a:rPr>
+                <a:t>Nand2Tetris</a:t>
+              </a:r>
+              <a:r>
+                <a:rPr lang="zh-CN" altLang="en-US" sz="1100" b="1" dirty="0" smtClean="0">
+                  <a:latin typeface="微軟正黑體" panose="020B0604030504040204" pitchFamily="34" charset="-120"/>
+                  <a:ea typeface="微軟正黑體" panose="020B0604030504040204" pitchFamily="34" charset="-120"/>
+                  <a:cs typeface="Lantinghei SC Extralight" charset="-122"/>
+                </a:rPr>
+                <a:t>第</a:t>
+              </a:r>
+              <a:r>
+                <a:rPr lang="en-US" altLang="zh-CN" sz="1100" b="1" dirty="0" smtClean="0">
+                  <a:latin typeface="微軟正黑體" panose="020B0604030504040204" pitchFamily="34" charset="-120"/>
+                  <a:ea typeface="微軟正黑體" panose="020B0604030504040204" pitchFamily="34" charset="-120"/>
+                  <a:cs typeface="Lantinghei SC Extralight" charset="-122"/>
+                </a:rPr>
+                <a:t>1</a:t>
+              </a:r>
+              <a:r>
+                <a:rPr lang="zh-CN" altLang="en-US" sz="1100" b="1" dirty="0" smtClean="0">
+                  <a:latin typeface="微軟正黑體" panose="020B0604030504040204" pitchFamily="34" charset="-120"/>
+                  <a:ea typeface="微軟正黑體" panose="020B0604030504040204" pitchFamily="34" charset="-120"/>
+                  <a:cs typeface="Lantinghei SC Extralight" charset="-122"/>
+                </a:rPr>
+                <a:t>和</a:t>
+              </a:r>
+              <a:r>
+                <a:rPr lang="en-US" altLang="zh-CN" sz="1100" b="1" dirty="0" smtClean="0">
+                  <a:latin typeface="微軟正黑體" panose="020B0604030504040204" pitchFamily="34" charset="-120"/>
+                  <a:ea typeface="微軟正黑體" panose="020B0604030504040204" pitchFamily="34" charset="-120"/>
+                  <a:cs typeface="Lantinghei SC Extralight" charset="-122"/>
+                </a:rPr>
+                <a:t>2</a:t>
+              </a:r>
+              <a:r>
+                <a:rPr lang="zh-CN" altLang="en-US" sz="1100" b="1" dirty="0" smtClean="0">
+                  <a:latin typeface="微軟正黑體" panose="020B0604030504040204" pitchFamily="34" charset="-120"/>
+                  <a:ea typeface="微軟正黑體" panose="020B0604030504040204" pitchFamily="34" charset="-120"/>
+                  <a:cs typeface="Lantinghei SC Extralight" charset="-122"/>
+                </a:rPr>
+                <a:t>章已完成的作业进行总结梳理；</a:t>
+              </a:r>
+              <a:endParaRPr lang="en-US" altLang="zh-CN" sz="1100" b="1" dirty="0" smtClean="0">
+                <a:latin typeface="微軟正黑體" panose="020B0604030504040204" pitchFamily="34" charset="-120"/>
+                <a:ea typeface="微軟正黑體" panose="020B0604030504040204" pitchFamily="34" charset="-120"/>
+                <a:cs typeface="Lantinghei SC Extralight" charset="-122"/>
+              </a:endParaRPr>
+            </a:p>
+            <a:p>
+              <a:pPr marL="88900" indent="-88900" defTabSz="685800" eaLnBrk="0" fontAlgn="base" hangingPunct="0">
+                <a:lnSpc>
+                  <a:spcPct val="120000"/>
+                </a:lnSpc>
+                <a:spcBef>
+                  <a:spcPct val="0"/>
+                </a:spcBef>
+                <a:spcAft>
+                  <a:spcPct val="0"/>
+                </a:spcAft>
+                <a:buFont typeface="Arial" panose="020B0604020202020204" pitchFamily="34" charset="0"/>
+                <a:buChar char="•"/>
+              </a:pPr>
+              <a:r>
+                <a:rPr lang="zh-CN" altLang="en-US" sz="1100" b="1" dirty="0" smtClean="0">
+                  <a:latin typeface="微軟正黑體" panose="020B0604030504040204" pitchFamily="34" charset="-120"/>
+                  <a:ea typeface="微軟正黑體" panose="020B0604030504040204" pitchFamily="34" charset="-120"/>
+                  <a:cs typeface="Lantinghei SC Extralight" charset="-122"/>
+                </a:rPr>
+                <a:t>继续推进</a:t>
+              </a:r>
+              <a:r>
+                <a:rPr lang="en-CA" altLang="zh-CN" sz="1100" b="1" dirty="0" smtClean="0">
+                  <a:latin typeface="微軟正黑體" panose="020B0604030504040204" pitchFamily="34" charset="-120"/>
+                  <a:ea typeface="微軟正黑體" panose="020B0604030504040204" pitchFamily="34" charset="-120"/>
+                  <a:cs typeface="Lantinghei SC Extralight" charset="-122"/>
+                </a:rPr>
+                <a:t>Nand2Tetris</a:t>
+              </a:r>
+              <a:r>
+                <a:rPr lang="zh-CN" altLang="en-US" sz="1100" b="1" dirty="0">
+                  <a:latin typeface="微軟正黑體" panose="020B0604030504040204" pitchFamily="34" charset="-120"/>
+                  <a:ea typeface="微軟正黑體" panose="020B0604030504040204" pitchFamily="34" charset="-120"/>
+                  <a:cs typeface="Lantinghei SC Extralight" charset="-122"/>
+                </a:rPr>
+                <a:t>第</a:t>
+              </a:r>
+              <a:r>
+                <a:rPr lang="en-CA" altLang="zh-CN" sz="1100" b="1" dirty="0">
+                  <a:latin typeface="微軟正黑體" panose="020B0604030504040204" pitchFamily="34" charset="-120"/>
+                  <a:ea typeface="微軟正黑體" panose="020B0604030504040204" pitchFamily="34" charset="-120"/>
+                  <a:cs typeface="Lantinghei SC Extralight" charset="-122"/>
+                </a:rPr>
+                <a:t> </a:t>
+              </a:r>
+              <a:r>
+                <a:rPr lang="en-CA" altLang="zh-CN" sz="1100" b="1" dirty="0" smtClean="0">
+                  <a:latin typeface="微軟正黑體" panose="020B0604030504040204" pitchFamily="34" charset="-120"/>
+                  <a:ea typeface="微軟正黑體" panose="020B0604030504040204" pitchFamily="34" charset="-120"/>
+                  <a:cs typeface="Lantinghei SC Extralight" charset="-122"/>
+                </a:rPr>
+                <a:t>3</a:t>
+              </a:r>
+              <a:r>
+                <a:rPr lang="zh-CN" altLang="en-US" sz="1100" b="1" dirty="0" smtClean="0">
+                  <a:latin typeface="微軟正黑體" panose="020B0604030504040204" pitchFamily="34" charset="-120"/>
+                  <a:ea typeface="微軟正黑體" panose="020B0604030504040204" pitchFamily="34" charset="-120"/>
+                  <a:cs typeface="Lantinghei SC Extralight" charset="-122"/>
+                </a:rPr>
+                <a:t>、</a:t>
+              </a:r>
+              <a:r>
+                <a:rPr lang="en-US" altLang="zh-CN" sz="1100" b="1" dirty="0" smtClean="0">
+                  <a:latin typeface="微軟正黑體" panose="020B0604030504040204" pitchFamily="34" charset="-120"/>
+                  <a:ea typeface="微軟正黑體" panose="020B0604030504040204" pitchFamily="34" charset="-120"/>
+                  <a:cs typeface="Lantinghei SC Extralight" charset="-122"/>
+                </a:rPr>
+                <a:t>4</a:t>
+              </a:r>
+              <a:r>
+                <a:rPr lang="zh-CN" altLang="en-US" sz="1100" b="1" dirty="0" smtClean="0">
+                  <a:latin typeface="微軟正黑體" panose="020B0604030504040204" pitchFamily="34" charset="-120"/>
+                  <a:ea typeface="微軟正黑體" panose="020B0604030504040204" pitchFamily="34" charset="-120"/>
+                  <a:cs typeface="Lantinghei SC Extralight" charset="-122"/>
+                </a:rPr>
+                <a:t>、</a:t>
+              </a:r>
+              <a:r>
+                <a:rPr lang="en-US" altLang="zh-CN" sz="1100" b="1" dirty="0" smtClean="0">
+                  <a:latin typeface="微軟正黑體" panose="020B0604030504040204" pitchFamily="34" charset="-120"/>
+                  <a:ea typeface="微軟正黑體" panose="020B0604030504040204" pitchFamily="34" charset="-120"/>
+                  <a:cs typeface="Lantinghei SC Extralight" charset="-122"/>
+                </a:rPr>
+                <a:t>9</a:t>
+              </a:r>
+              <a:r>
+                <a:rPr lang="zh-CN" altLang="en-US" sz="1100" b="1" dirty="0" smtClean="0">
+                  <a:latin typeface="微軟正黑體" panose="020B0604030504040204" pitchFamily="34" charset="-120"/>
+                  <a:ea typeface="微軟正黑體" panose="020B0604030504040204" pitchFamily="34" charset="-120"/>
+                  <a:cs typeface="Lantinghei SC Extralight" charset="-122"/>
+                </a:rPr>
+                <a:t>章的作业进度。</a:t>
+              </a:r>
+              <a:endParaRPr lang="en-CA" altLang="zh-CN" sz="1100" b="1" dirty="0">
+                <a:latin typeface="微軟正黑體" panose="020B0604030504040204" pitchFamily="34" charset="-120"/>
+                <a:ea typeface="微軟正黑體" panose="020B0604030504040204" pitchFamily="34" charset="-120"/>
+                <a:cs typeface="Lantinghei SC Extralight" charset="-122"/>
+              </a:endParaRPr>
+            </a:p>
+          </p:txBody>
+        </p:sp>
+        <p:sp>
+          <p:nvSpPr>
+            <p:cNvPr id="95" name="TextBox 25"/>
+            <p:cNvSpPr txBox="1"/>
+            <p:nvPr/>
+          </p:nvSpPr>
+          <p:spPr>
+            <a:xfrm>
+              <a:off x="4819934" y="2583972"/>
+              <a:ext cx="1805341" cy="1334591"/>
+            </a:xfrm>
+            <a:prstGeom prst="rect">
+              <a:avLst/>
+            </a:prstGeom>
+            <a:noFill/>
+          </p:spPr>
+          <p:txBody>
+            <a:bodyPr wrap="square" rtlCol="0">
+              <a:spAutoFit/>
+            </a:bodyPr>
+            <a:lstStyle/>
+            <a:p>
+              <a:pPr marL="177800" indent="-177800" defTabSz="685800" eaLnBrk="0" fontAlgn="base" hangingPunct="0">
+                <a:lnSpc>
+                  <a:spcPct val="120000"/>
+                </a:lnSpc>
+                <a:spcBef>
+                  <a:spcPct val="0"/>
+                </a:spcBef>
+                <a:spcAft>
+                  <a:spcPct val="0"/>
+                </a:spcAft>
+                <a:buFont typeface="Arial" panose="020B0604020202020204" pitchFamily="34" charset="0"/>
+                <a:buChar char="•"/>
+              </a:pPr>
+              <a:r>
+                <a:rPr lang="zh-CN" altLang="en-US" sz="1100" b="1" dirty="0" smtClean="0">
+                  <a:latin typeface="微軟正黑體" panose="020B0604030504040204" pitchFamily="34" charset="-120"/>
+                  <a:ea typeface="微軟正黑體" panose="020B0604030504040204" pitchFamily="34" charset="-120"/>
+                  <a:cs typeface="Lantinghei SC Extralight" charset="-122"/>
+                </a:rPr>
+                <a:t>个人简历维护；</a:t>
+              </a:r>
+              <a:endParaRPr lang="en-US" altLang="zh-CN" sz="1100" b="1" dirty="0" smtClean="0">
+                <a:latin typeface="微軟正黑體" panose="020B0604030504040204" pitchFamily="34" charset="-120"/>
+                <a:ea typeface="微軟正黑體" panose="020B0604030504040204" pitchFamily="34" charset="-120"/>
+                <a:cs typeface="Lantinghei SC Extralight" charset="-122"/>
+              </a:endParaRPr>
+            </a:p>
+            <a:p>
+              <a:pPr marL="177800" indent="-177800" defTabSz="685800" eaLnBrk="0" fontAlgn="base" hangingPunct="0">
+                <a:lnSpc>
+                  <a:spcPct val="120000"/>
+                </a:lnSpc>
+                <a:spcBef>
+                  <a:spcPct val="0"/>
+                </a:spcBef>
+                <a:spcAft>
+                  <a:spcPct val="0"/>
+                </a:spcAft>
+                <a:buFont typeface="Arial" panose="020B0604020202020204" pitchFamily="34" charset="0"/>
+                <a:buChar char="•"/>
+              </a:pPr>
+              <a:r>
+                <a:rPr lang="zh-CN" altLang="en-US" sz="1100" b="1" dirty="0">
+                  <a:latin typeface="微軟正黑體" panose="020B0604030504040204" pitchFamily="34" charset="-120"/>
+                  <a:ea typeface="微軟正黑體" panose="020B0604030504040204" pitchFamily="34" charset="-120"/>
+                  <a:cs typeface="Lantinghei SC Extralight" charset="-122"/>
+                </a:rPr>
+                <a:t>个人</a:t>
+              </a:r>
+              <a:r>
+                <a:rPr lang="zh-CN" altLang="en-US" sz="1100" b="1" dirty="0" smtClean="0">
+                  <a:latin typeface="微軟正黑體" panose="020B0604030504040204" pitchFamily="34" charset="-120"/>
+                  <a:ea typeface="微軟正黑體" panose="020B0604030504040204" pitchFamily="34" charset="-120"/>
+                  <a:cs typeface="Lantinghei SC Extralight" charset="-122"/>
+                </a:rPr>
+                <a:t>学习报告；</a:t>
+              </a:r>
+              <a:endParaRPr lang="en-US" altLang="zh-CN" sz="1100" b="1" dirty="0" smtClean="0">
+                <a:latin typeface="微軟正黑體" panose="020B0604030504040204" pitchFamily="34" charset="-120"/>
+                <a:ea typeface="微軟正黑體" panose="020B0604030504040204" pitchFamily="34" charset="-120"/>
+                <a:cs typeface="Lantinghei SC Extralight" charset="-122"/>
+              </a:endParaRPr>
+            </a:p>
+            <a:p>
+              <a:pPr marL="177800" indent="-177800" defTabSz="685800" eaLnBrk="0" fontAlgn="base" hangingPunct="0">
+                <a:lnSpc>
+                  <a:spcPct val="120000"/>
+                </a:lnSpc>
+                <a:spcBef>
+                  <a:spcPct val="0"/>
+                </a:spcBef>
+                <a:spcAft>
+                  <a:spcPct val="0"/>
+                </a:spcAft>
+                <a:buFont typeface="Arial" panose="020B0604020202020204" pitchFamily="34" charset="0"/>
+                <a:buChar char="•"/>
+              </a:pPr>
+              <a:r>
+                <a:rPr lang="zh-CN" altLang="en-US" sz="1100" b="1" dirty="0" smtClean="0">
+                  <a:latin typeface="微軟正黑體" panose="020B0604030504040204" pitchFamily="34" charset="-120"/>
+                  <a:ea typeface="微軟正黑體" panose="020B0604030504040204" pitchFamily="34" charset="-120"/>
+                  <a:cs typeface="Lantinghei SC Extralight" charset="-122"/>
+                </a:rPr>
+                <a:t>设计团队主页；</a:t>
+              </a:r>
+              <a:endParaRPr lang="en-US" altLang="zh-CN" sz="1100" b="1" dirty="0" smtClean="0">
+                <a:latin typeface="微軟正黑體" panose="020B0604030504040204" pitchFamily="34" charset="-120"/>
+                <a:ea typeface="微軟正黑體" panose="020B0604030504040204" pitchFamily="34" charset="-120"/>
+                <a:cs typeface="Lantinghei SC Extralight" charset="-122"/>
+              </a:endParaRPr>
+            </a:p>
+            <a:p>
+              <a:pPr marL="177800" indent="-177800" defTabSz="685800" eaLnBrk="0" fontAlgn="base" hangingPunct="0">
+                <a:lnSpc>
+                  <a:spcPct val="120000"/>
+                </a:lnSpc>
+                <a:spcBef>
+                  <a:spcPct val="0"/>
+                </a:spcBef>
+                <a:spcAft>
+                  <a:spcPct val="0"/>
+                </a:spcAft>
+                <a:buFont typeface="Arial" panose="020B0604020202020204" pitchFamily="34" charset="0"/>
+                <a:buChar char="•"/>
+              </a:pPr>
+              <a:r>
+                <a:rPr lang="zh-CN" altLang="en-US" sz="1100" b="1" dirty="0" smtClean="0">
+                  <a:latin typeface="微軟正黑體" panose="020B0604030504040204" pitchFamily="34" charset="-120"/>
+                  <a:ea typeface="微軟正黑體" panose="020B0604030504040204" pitchFamily="34" charset="-120"/>
+                  <a:cs typeface="Lantinghei SC Extralight" charset="-122"/>
+                </a:rPr>
+                <a:t>小组学习报告；</a:t>
+              </a:r>
+              <a:endParaRPr lang="en-US" altLang="zh-CN" sz="1100" b="1" dirty="0" smtClean="0">
+                <a:latin typeface="微軟正黑體" panose="020B0604030504040204" pitchFamily="34" charset="-120"/>
+                <a:ea typeface="微軟正黑體" panose="020B0604030504040204" pitchFamily="34" charset="-120"/>
+                <a:cs typeface="Lantinghei SC Extralight" charset="-122"/>
+              </a:endParaRPr>
+            </a:p>
+            <a:p>
+              <a:pPr marL="177800" indent="-177800" defTabSz="685800" eaLnBrk="0" fontAlgn="base" hangingPunct="0">
+                <a:lnSpc>
+                  <a:spcPct val="120000"/>
+                </a:lnSpc>
+                <a:spcBef>
+                  <a:spcPct val="0"/>
+                </a:spcBef>
+                <a:spcAft>
+                  <a:spcPct val="0"/>
+                </a:spcAft>
+                <a:buFont typeface="Arial" panose="020B0604020202020204" pitchFamily="34" charset="0"/>
+                <a:buChar char="•"/>
+              </a:pPr>
+              <a:r>
+                <a:rPr lang="zh-CN" altLang="en-US" sz="1100" b="1" dirty="0" smtClean="0">
+                  <a:latin typeface="微軟正黑體" panose="020B0604030504040204" pitchFamily="34" charset="-120"/>
+                  <a:ea typeface="微軟正黑體" panose="020B0604030504040204" pitchFamily="34" charset="-120"/>
+                  <a:cs typeface="Lantinghei SC Extralight" charset="-122"/>
+                </a:rPr>
+                <a:t>小组</a:t>
+              </a:r>
+              <a:r>
+                <a:rPr lang="en-US" altLang="zh-CN" sz="1100" b="1" dirty="0" smtClean="0">
+                  <a:latin typeface="微軟正黑體" panose="020B0604030504040204" pitchFamily="34" charset="-120"/>
+                  <a:ea typeface="微軟正黑體" panose="020B0604030504040204" pitchFamily="34" charset="-120"/>
+                  <a:cs typeface="Lantinghei SC Extralight" charset="-122"/>
+                </a:rPr>
+                <a:t>project</a:t>
+              </a:r>
+              <a:r>
+                <a:rPr lang="zh-CN" altLang="en-US" sz="1100" b="1" dirty="0" smtClean="0">
+                  <a:latin typeface="微軟正黑體" panose="020B0604030504040204" pitchFamily="34" charset="-120"/>
+                  <a:ea typeface="微軟正黑體" panose="020B0604030504040204" pitchFamily="34" charset="-120"/>
+                  <a:cs typeface="Lantinghei SC Extralight" charset="-122"/>
+                </a:rPr>
+                <a:t>展示；</a:t>
+              </a:r>
+              <a:endParaRPr lang="en-CA" altLang="zh-CN" sz="1100" b="1" dirty="0">
+                <a:latin typeface="微軟正黑體" panose="020B0604030504040204" pitchFamily="34" charset="-120"/>
+                <a:ea typeface="微軟正黑體" panose="020B0604030504040204" pitchFamily="34" charset="-120"/>
+                <a:cs typeface="Lantinghei SC Extralight" charset="-122"/>
+              </a:endParaRPr>
+            </a:p>
+            <a:p>
+              <a:pPr marL="177800" lvl="1" indent="-177800" defTabSz="685800" eaLnBrk="0" fontAlgn="base" hangingPunct="0">
+                <a:lnSpc>
+                  <a:spcPct val="120000"/>
+                </a:lnSpc>
+                <a:spcBef>
+                  <a:spcPct val="0"/>
+                </a:spcBef>
+                <a:spcAft>
+                  <a:spcPct val="0"/>
+                </a:spcAft>
+                <a:buFont typeface="Arial" panose="020B0604020202020204" pitchFamily="34" charset="0"/>
+                <a:buChar char="•"/>
+              </a:pPr>
+              <a:r>
+                <a:rPr lang="en-CA" altLang="zh-CN" sz="1100" b="1" dirty="0" smtClean="0">
+                  <a:latin typeface="微軟正黑體" panose="020B0604030504040204" pitchFamily="34" charset="-120"/>
+                  <a:ea typeface="微軟正黑體" panose="020B0604030504040204" pitchFamily="34" charset="-120"/>
+                  <a:cs typeface="Lantinghei SC Extralight" charset="-122"/>
+                </a:rPr>
+                <a:t>Nand2Tetris </a:t>
+              </a:r>
+              <a:r>
+                <a:rPr lang="zh-CN" altLang="en-US" sz="1100" b="1" dirty="0">
+                  <a:latin typeface="微軟正黑體" panose="020B0604030504040204" pitchFamily="34" charset="-120"/>
+                  <a:ea typeface="微軟正黑體" panose="020B0604030504040204" pitchFamily="34" charset="-120"/>
+                  <a:cs typeface="Lantinghei SC Extralight" charset="-122"/>
+                </a:rPr>
+                <a:t>章节</a:t>
+              </a:r>
+              <a:r>
+                <a:rPr lang="zh-CN" altLang="en-US" sz="1100" b="1" dirty="0" smtClean="0">
+                  <a:latin typeface="微軟正黑體" panose="020B0604030504040204" pitchFamily="34" charset="-120"/>
+                  <a:ea typeface="微軟正黑體" panose="020B0604030504040204" pitchFamily="34" charset="-120"/>
+                  <a:cs typeface="Lantinghei SC Extralight" charset="-122"/>
+                </a:rPr>
+                <a:t>任务；</a:t>
+              </a:r>
+              <a:endParaRPr lang="en-CA" altLang="zh-CN" sz="1100" b="1" dirty="0">
+                <a:latin typeface="微軟正黑體" panose="020B0604030504040204" pitchFamily="34" charset="-120"/>
+                <a:ea typeface="微軟正黑體" panose="020B0604030504040204" pitchFamily="34" charset="-120"/>
+                <a:cs typeface="Lantinghei SC Extralight" charset="-122"/>
+              </a:endParaRPr>
+            </a:p>
+            <a:p>
+              <a:pPr marL="177800" lvl="1" indent="-177800" defTabSz="685800" eaLnBrk="0" fontAlgn="base" hangingPunct="0">
+                <a:lnSpc>
+                  <a:spcPct val="120000"/>
+                </a:lnSpc>
+                <a:spcBef>
+                  <a:spcPct val="0"/>
+                </a:spcBef>
+                <a:spcAft>
+                  <a:spcPct val="0"/>
+                </a:spcAft>
+                <a:buFont typeface="Arial" panose="020B0604020202020204" pitchFamily="34" charset="0"/>
+                <a:buChar char="•"/>
+              </a:pPr>
+              <a:r>
+                <a:rPr lang="zh-CN" altLang="en-US" sz="1100" b="1" dirty="0">
+                  <a:latin typeface="微軟正黑體" panose="020B0604030504040204" pitchFamily="34" charset="-120"/>
+                  <a:ea typeface="微軟正黑體" panose="020B0604030504040204" pitchFamily="34" charset="-120"/>
+                  <a:cs typeface="Lantinghei SC Extralight" charset="-122"/>
+                </a:rPr>
+                <a:t>第三周学习小组报告</a:t>
+              </a:r>
+              <a:r>
+                <a:rPr lang="en-CA" altLang="zh-CN" sz="1100" b="1" dirty="0" smtClean="0">
+                  <a:latin typeface="微軟正黑體" panose="020B0604030504040204" pitchFamily="34" charset="-120"/>
+                  <a:ea typeface="微軟正黑體" panose="020B0604030504040204" pitchFamily="34" charset="-120"/>
+                  <a:cs typeface="Lantinghei SC Extralight" charset="-122"/>
+                </a:rPr>
+                <a:t>PPT</a:t>
+              </a:r>
+              <a:r>
+                <a:rPr lang="zh-CN" altLang="en-US" sz="1100" b="1" dirty="0" smtClean="0">
+                  <a:latin typeface="微軟正黑體" panose="020B0604030504040204" pitchFamily="34" charset="-120"/>
+                  <a:ea typeface="微軟正黑體" panose="020B0604030504040204" pitchFamily="34" charset="-120"/>
+                  <a:cs typeface="Lantinghei SC Extralight" charset="-122"/>
+                </a:rPr>
+                <a:t>。</a:t>
+              </a:r>
+              <a:endParaRPr lang="en-CA" altLang="zh-CN" sz="1100" b="1" dirty="0">
+                <a:latin typeface="微軟正黑體" panose="020B0604030504040204" pitchFamily="34" charset="-120"/>
+                <a:ea typeface="微軟正黑體" panose="020B0604030504040204" pitchFamily="34" charset="-120"/>
+                <a:cs typeface="Lantinghei SC Extralight" charset="-122"/>
+              </a:endParaRPr>
+            </a:p>
+          </p:txBody>
+        </p:sp>
+        <p:sp>
+          <p:nvSpPr>
+            <p:cNvPr id="96" name="TextBox 27"/>
+            <p:cNvSpPr txBox="1"/>
+            <p:nvPr/>
+          </p:nvSpPr>
+          <p:spPr>
+            <a:xfrm>
+              <a:off x="2930061" y="2574861"/>
+              <a:ext cx="1799742" cy="1155560"/>
+            </a:xfrm>
+            <a:prstGeom prst="rect">
+              <a:avLst/>
+            </a:prstGeom>
+            <a:noFill/>
+          </p:spPr>
+          <p:txBody>
+            <a:bodyPr wrap="square" rtlCol="0">
+              <a:spAutoFit/>
+            </a:bodyPr>
+            <a:lstStyle/>
+            <a:p>
+              <a:pPr marL="214313" indent="-214313" defTabSz="685800" eaLnBrk="0" fontAlgn="base" hangingPunct="0">
+                <a:lnSpc>
+                  <a:spcPct val="120000"/>
+                </a:lnSpc>
+                <a:spcBef>
+                  <a:spcPct val="0"/>
+                </a:spcBef>
+                <a:spcAft>
+                  <a:spcPct val="0"/>
+                </a:spcAft>
+                <a:buFont typeface="Arial" panose="020B0604020202020204" pitchFamily="34" charset="0"/>
+                <a:buChar char="•"/>
+              </a:pPr>
+              <a:r>
+                <a:rPr lang="zh-CN" altLang="en-US" sz="1100" b="1" dirty="0" smtClean="0">
+                  <a:latin typeface="微軟正黑體" panose="020B0604030504040204" pitchFamily="34" charset="-120"/>
+                  <a:ea typeface="微軟正黑體" panose="020B0604030504040204" pitchFamily="34" charset="-120"/>
+                  <a:cs typeface="Lantinghei SC Extralight" charset="-122"/>
+                </a:rPr>
+                <a:t>了解</a:t>
+              </a:r>
+              <a:r>
+                <a:rPr lang="zh-CN" altLang="en-US" sz="1100" b="1" dirty="0">
+                  <a:latin typeface="微軟正黑體" panose="020B0604030504040204" pitchFamily="34" charset="-120"/>
+                  <a:ea typeface="微軟正黑體" panose="020B0604030504040204" pitchFamily="34" charset="-120"/>
+                  <a:cs typeface="Lantinghei SC Extralight" charset="-122"/>
+                </a:rPr>
+                <a:t>汇编语言与虚拟机的基础</a:t>
+              </a:r>
+              <a:r>
+                <a:rPr lang="zh-CN" altLang="en-US" sz="1100" b="1" dirty="0" smtClean="0">
+                  <a:latin typeface="微軟正黑體" panose="020B0604030504040204" pitchFamily="34" charset="-120"/>
+                  <a:ea typeface="微軟正黑體" panose="020B0604030504040204" pitchFamily="34" charset="-120"/>
+                  <a:cs typeface="Lantinghei SC Extralight" charset="-122"/>
+                </a:rPr>
+                <a:t>机制；</a:t>
+              </a:r>
+              <a:endParaRPr lang="en-US" altLang="zh-CN" sz="1100" b="1" dirty="0" smtClean="0">
+                <a:latin typeface="微軟正黑體" panose="020B0604030504040204" pitchFamily="34" charset="-120"/>
+                <a:ea typeface="微軟正黑體" panose="020B0604030504040204" pitchFamily="34" charset="-120"/>
+                <a:cs typeface="Lantinghei SC Extralight" charset="-122"/>
+              </a:endParaRPr>
+            </a:p>
+            <a:p>
+              <a:pPr marL="214313" indent="-214313" defTabSz="685800" eaLnBrk="0" fontAlgn="base" hangingPunct="0">
+                <a:lnSpc>
+                  <a:spcPct val="120000"/>
+                </a:lnSpc>
+                <a:spcBef>
+                  <a:spcPct val="0"/>
+                </a:spcBef>
+                <a:spcAft>
+                  <a:spcPct val="0"/>
+                </a:spcAft>
+                <a:buFont typeface="Arial" panose="020B0604020202020204" pitchFamily="34" charset="0"/>
+                <a:buChar char="•"/>
+              </a:pPr>
+              <a:r>
+                <a:rPr lang="zh-CN" altLang="en-US" sz="1100" b="1" dirty="0" smtClean="0">
+                  <a:latin typeface="微軟正黑體" panose="020B0604030504040204" pitchFamily="34" charset="-120"/>
+                  <a:ea typeface="微軟正黑體" panose="020B0604030504040204" pitchFamily="34" charset="-120"/>
+                  <a:cs typeface="Lantinghei SC Extralight" charset="-122"/>
+                </a:rPr>
+                <a:t>获得初步的计算思维；</a:t>
+              </a:r>
+              <a:endParaRPr lang="en-CA" altLang="zh-CN" sz="1100" b="1" dirty="0">
+                <a:latin typeface="微軟正黑體" panose="020B0604030504040204" pitchFamily="34" charset="-120"/>
+                <a:ea typeface="微軟正黑體" panose="020B0604030504040204" pitchFamily="34" charset="-120"/>
+                <a:cs typeface="Lantinghei SC Extralight" charset="-122"/>
+              </a:endParaRPr>
+            </a:p>
+            <a:p>
+              <a:pPr marL="214313" indent="-214313" defTabSz="685800" eaLnBrk="0" fontAlgn="base" hangingPunct="0">
+                <a:lnSpc>
+                  <a:spcPct val="120000"/>
+                </a:lnSpc>
+                <a:spcBef>
+                  <a:spcPct val="0"/>
+                </a:spcBef>
+                <a:spcAft>
+                  <a:spcPct val="0"/>
+                </a:spcAft>
+                <a:buFont typeface="Arial" panose="020B0604020202020204" pitchFamily="34" charset="0"/>
+                <a:buChar char="•"/>
+              </a:pPr>
+              <a:r>
+                <a:rPr lang="zh-CN" altLang="en-US" sz="1100" b="1" dirty="0" smtClean="0">
+                  <a:latin typeface="微軟正黑體" panose="020B0604030504040204" pitchFamily="34" charset="-120"/>
+                  <a:ea typeface="微軟正黑體" panose="020B0604030504040204" pitchFamily="34" charset="-120"/>
+                  <a:cs typeface="Lantinghei SC Extralight" charset="-122"/>
+                </a:rPr>
+                <a:t>熟悉</a:t>
+              </a:r>
+              <a:r>
+                <a:rPr lang="en-CA" altLang="zh-CN" sz="1100" b="1" dirty="0" smtClean="0">
+                  <a:latin typeface="微軟正黑體" panose="020B0604030504040204" pitchFamily="34" charset="-120"/>
+                  <a:ea typeface="微軟正黑體" panose="020B0604030504040204" pitchFamily="34" charset="-120"/>
+                  <a:cs typeface="Lantinghei SC Extralight" charset="-122"/>
+                </a:rPr>
+                <a:t>Wiki</a:t>
+              </a:r>
+              <a:r>
+                <a:rPr lang="zh-CN" altLang="en-US" sz="1100" b="1" dirty="0" smtClean="0">
+                  <a:latin typeface="微軟正黑體" panose="020B0604030504040204" pitchFamily="34" charset="-120"/>
+                  <a:ea typeface="微軟正黑體" panose="020B0604030504040204" pitchFamily="34" charset="-120"/>
+                  <a:cs typeface="Lantinghei SC Extralight" charset="-122"/>
+                </a:rPr>
+                <a:t>，</a:t>
+              </a:r>
+              <a:r>
+                <a:rPr lang="en-CA" altLang="zh-CN" sz="1100" b="1" dirty="0" smtClean="0">
+                  <a:latin typeface="微軟正黑體" panose="020B0604030504040204" pitchFamily="34" charset="-120"/>
+                  <a:ea typeface="微軟正黑體" panose="020B0604030504040204" pitchFamily="34" charset="-120"/>
+                  <a:cs typeface="Lantinghei SC Extralight" charset="-122"/>
+                </a:rPr>
+                <a:t>Git</a:t>
+              </a:r>
+              <a:r>
+                <a:rPr lang="zh-CN" altLang="en-US" sz="1100" b="1" dirty="0" smtClean="0">
+                  <a:latin typeface="微軟正黑體" panose="020B0604030504040204" pitchFamily="34" charset="-120"/>
+                  <a:ea typeface="微軟正黑體" panose="020B0604030504040204" pitchFamily="34" charset="-120"/>
+                  <a:cs typeface="Lantinghei SC Extralight" charset="-122"/>
+                </a:rPr>
+                <a:t>，</a:t>
+              </a:r>
+              <a:r>
+                <a:rPr lang="en-CA" altLang="zh-CN" sz="1100" b="1" dirty="0" smtClean="0">
+                  <a:latin typeface="微軟正黑體" panose="020B0604030504040204" pitchFamily="34" charset="-120"/>
+                  <a:ea typeface="微軟正黑體" panose="020B0604030504040204" pitchFamily="34" charset="-120"/>
+                  <a:cs typeface="Lantinghei SC Extralight" charset="-122"/>
+                </a:rPr>
+                <a:t>Endnote</a:t>
+              </a:r>
+              <a:r>
+                <a:rPr lang="zh-CN" altLang="en-US" sz="1100" b="1" dirty="0">
+                  <a:latin typeface="微軟正黑體" panose="020B0604030504040204" pitchFamily="34" charset="-120"/>
+                  <a:ea typeface="微軟正黑體" panose="020B0604030504040204" pitchFamily="34" charset="-120"/>
+                  <a:cs typeface="Lantinghei SC Extralight" charset="-122"/>
+                </a:rPr>
+                <a:t>等</a:t>
+              </a:r>
+              <a:r>
+                <a:rPr lang="zh-CN" altLang="en-US" sz="1100" b="1" dirty="0" smtClean="0">
+                  <a:latin typeface="微軟正黑體" panose="020B0604030504040204" pitchFamily="34" charset="-120"/>
+                  <a:ea typeface="微軟正黑體" panose="020B0604030504040204" pitchFamily="34" charset="-120"/>
+                  <a:cs typeface="Lantinghei SC Extralight" charset="-122"/>
+                </a:rPr>
+                <a:t>工具的使用方法；</a:t>
+              </a:r>
+              <a:endParaRPr lang="en-CA" altLang="zh-CN" sz="1100" b="1" dirty="0">
+                <a:latin typeface="微軟正黑體" panose="020B0604030504040204" pitchFamily="34" charset="-120"/>
+                <a:ea typeface="微軟正黑體" panose="020B0604030504040204" pitchFamily="34" charset="-120"/>
+                <a:cs typeface="Lantinghei SC Extralight" charset="-122"/>
+              </a:endParaRPr>
+            </a:p>
+            <a:p>
+              <a:pPr marL="214313" indent="-214313" defTabSz="685800" eaLnBrk="0" fontAlgn="base" hangingPunct="0">
+                <a:lnSpc>
+                  <a:spcPct val="120000"/>
+                </a:lnSpc>
+                <a:spcBef>
+                  <a:spcPct val="0"/>
+                </a:spcBef>
+                <a:spcAft>
+                  <a:spcPct val="0"/>
+                </a:spcAft>
+                <a:buFont typeface="Arial" panose="020B0604020202020204" pitchFamily="34" charset="0"/>
+                <a:buChar char="•"/>
+              </a:pPr>
+              <a:r>
+                <a:rPr lang="zh-CN" altLang="en-US" sz="1100" b="1" dirty="0" smtClean="0">
+                  <a:latin typeface="微軟正黑體" panose="020B0604030504040204" pitchFamily="34" charset="-120"/>
+                  <a:ea typeface="微軟正黑體" panose="020B0604030504040204" pitchFamily="34" charset="-120"/>
+                  <a:cs typeface="Lantinghei SC Extralight" charset="-122"/>
+                </a:rPr>
+                <a:t>完成每周课程作业。</a:t>
+              </a:r>
+              <a:endParaRPr lang="en-US" altLang="zh-CN" sz="1100" b="1" dirty="0">
+                <a:latin typeface="微軟正黑體" panose="020B0604030504040204" pitchFamily="34" charset="-120"/>
+                <a:ea typeface="微軟正黑體" panose="020B0604030504040204" pitchFamily="34" charset="-120"/>
+                <a:cs typeface="Lantinghei SC Extralight" charset="-122"/>
+              </a:endParaRPr>
+            </a:p>
+          </p:txBody>
+        </p:sp>
+        <p:sp>
+          <p:nvSpPr>
+            <p:cNvPr id="97" name="TextBox 25"/>
+            <p:cNvSpPr txBox="1"/>
+            <p:nvPr/>
+          </p:nvSpPr>
+          <p:spPr>
+            <a:xfrm>
+              <a:off x="3637886" y="1576323"/>
+              <a:ext cx="6671448" cy="528953"/>
+            </a:xfrm>
+            <a:prstGeom prst="rect">
+              <a:avLst/>
+            </a:prstGeom>
+            <a:noFill/>
+          </p:spPr>
+          <p:txBody>
+            <a:bodyPr wrap="square" rtlCol="0">
+              <a:spAutoFit/>
+            </a:bodyPr>
+            <a:lstStyle/>
+            <a:p>
+              <a:pPr defTabSz="685800" eaLnBrk="0" fontAlgn="base" hangingPunct="0">
+                <a:spcBef>
+                  <a:spcPct val="0"/>
+                </a:spcBef>
+                <a:spcAft>
+                  <a:spcPct val="0"/>
+                </a:spcAft>
+              </a:pPr>
+              <a:r>
+                <a:rPr lang="zh-CN" altLang="en-US" sz="1100" b="1" dirty="0">
+                  <a:latin typeface="微軟正黑體" panose="020B0604030504040204" pitchFamily="34" charset="-120"/>
+                  <a:ea typeface="微軟正黑體" panose="020B0604030504040204" pitchFamily="34" charset="-120"/>
+                  <a:cs typeface="Lantinghei SC Extralight" charset="-122"/>
+                </a:rPr>
+                <a:t>宏观</a:t>
+              </a:r>
+              <a:r>
+                <a:rPr lang="zh-CN" altLang="en-US" sz="1100" b="1" dirty="0" smtClean="0">
+                  <a:latin typeface="微軟正黑體" panose="020B0604030504040204" pitchFamily="34" charset="-120"/>
+                  <a:ea typeface="微軟正黑體" panose="020B0604030504040204" pitchFamily="34" charset="-120"/>
+                  <a:cs typeface="Lantinghei SC Extralight" charset="-122"/>
+                </a:rPr>
+                <a:t>：获得计算思维的能力，并可以学以致用</a:t>
+              </a:r>
+              <a:endParaRPr lang="en-US" altLang="zh-CN" sz="1100" b="1" dirty="0" smtClean="0">
+                <a:latin typeface="微軟正黑體" panose="020B0604030504040204" pitchFamily="34" charset="-120"/>
+                <a:ea typeface="微軟正黑體" panose="020B0604030504040204" pitchFamily="34" charset="-120"/>
+                <a:cs typeface="Lantinghei SC Extralight" charset="-122"/>
+              </a:endParaRPr>
+            </a:p>
+            <a:p>
+              <a:pPr defTabSz="685800" eaLnBrk="0" fontAlgn="base" hangingPunct="0">
+                <a:spcBef>
+                  <a:spcPct val="0"/>
+                </a:spcBef>
+                <a:spcAft>
+                  <a:spcPct val="0"/>
+                </a:spcAft>
+              </a:pPr>
+              <a:r>
+                <a:rPr lang="zh-CN" altLang="en-US" sz="1100" b="1" dirty="0" smtClean="0">
+                  <a:latin typeface="微軟正黑體" panose="020B0604030504040204" pitchFamily="34" charset="-120"/>
+                  <a:ea typeface="微軟正黑體" panose="020B0604030504040204" pitchFamily="34" charset="-120"/>
+                  <a:cs typeface="Lantinghei SC Extralight" charset="-122"/>
+                </a:rPr>
+                <a:t>中</a:t>
+              </a:r>
+              <a:r>
+                <a:rPr lang="zh-CN" altLang="en-US" sz="1100" b="1" dirty="0">
+                  <a:latin typeface="微軟正黑體" panose="020B0604030504040204" pitchFamily="34" charset="-120"/>
+                  <a:ea typeface="微軟正黑體" panose="020B0604030504040204" pitchFamily="34" charset="-120"/>
+                  <a:cs typeface="Lantinghei SC Extralight" charset="-122"/>
+                </a:rPr>
+                <a:t>观：理解计算机不同</a:t>
+              </a:r>
+              <a:r>
+                <a:rPr lang="zh-CN" altLang="en-US" sz="1100" b="1" dirty="0" smtClean="0">
+                  <a:latin typeface="微軟正黑體" panose="020B0604030504040204" pitchFamily="34" charset="-120"/>
+                  <a:ea typeface="微軟正黑體" panose="020B0604030504040204" pitchFamily="34" charset="-120"/>
+                  <a:cs typeface="Lantinghei SC Extralight" charset="-122"/>
+                </a:rPr>
+                <a:t>层面的架构，学习汇编语言</a:t>
+              </a:r>
+              <a:r>
+                <a:rPr lang="zh-CN" altLang="en-US" sz="1100" b="1" dirty="0">
+                  <a:latin typeface="微軟正黑體" panose="020B0604030504040204" pitchFamily="34" charset="-120"/>
+                  <a:ea typeface="微軟正黑體" panose="020B0604030504040204" pitchFamily="34" charset="-120"/>
+                  <a:cs typeface="Lantinghei SC Extralight" charset="-122"/>
+                </a:rPr>
+                <a:t>与</a:t>
+              </a:r>
+              <a:r>
+                <a:rPr lang="zh-CN" altLang="en-US" sz="1100" b="1" dirty="0" smtClean="0">
+                  <a:latin typeface="微軟正黑體" panose="020B0604030504040204" pitchFamily="34" charset="-120"/>
+                  <a:ea typeface="微軟正黑體" panose="020B0604030504040204" pitchFamily="34" charset="-120"/>
+                  <a:cs typeface="Lantinghei SC Extralight" charset="-122"/>
+                </a:rPr>
+                <a:t>虚拟机</a:t>
+              </a:r>
+              <a:r>
+                <a:rPr lang="zh-CN" altLang="en-US" sz="1100" b="1" dirty="0" smtClean="0">
+                  <a:latin typeface="微軟正黑體" panose="020B0604030504040204" pitchFamily="34" charset="-120"/>
+                  <a:ea typeface="微軟正黑體" panose="020B0604030504040204" pitchFamily="34" charset="-120"/>
+                  <a:cs typeface="Lantinghei SC Extralight" charset="-122"/>
+                </a:rPr>
+                <a:t>，掌握与计算机对话的能力</a:t>
+              </a:r>
+              <a:endParaRPr lang="en-CA" altLang="zh-CN" sz="1100" b="1" dirty="0">
+                <a:latin typeface="微軟正黑體" panose="020B0604030504040204" pitchFamily="34" charset="-120"/>
+                <a:ea typeface="微軟正黑體" panose="020B0604030504040204" pitchFamily="34" charset="-120"/>
+                <a:cs typeface="Lantinghei SC Extralight" charset="-122"/>
+              </a:endParaRPr>
+            </a:p>
+            <a:p>
+              <a:pPr defTabSz="685800" eaLnBrk="0" fontAlgn="base" hangingPunct="0">
+                <a:spcBef>
+                  <a:spcPct val="0"/>
+                </a:spcBef>
+                <a:spcAft>
+                  <a:spcPct val="0"/>
+                </a:spcAft>
+              </a:pPr>
+              <a:r>
+                <a:rPr lang="zh-CN" altLang="en-US" sz="1100" b="1" dirty="0">
+                  <a:latin typeface="微軟正黑體" panose="020B0604030504040204" pitchFamily="34" charset="-120"/>
+                  <a:ea typeface="微軟正黑體" panose="020B0604030504040204" pitchFamily="34" charset="-120"/>
+                  <a:cs typeface="Lantinghei SC Extralight" charset="-122"/>
+                </a:rPr>
+                <a:t>微观：</a:t>
+              </a:r>
+              <a:r>
+                <a:rPr lang="zh-CN" altLang="en-US" sz="1100" b="1" dirty="0" smtClean="0">
+                  <a:latin typeface="微軟正黑體" panose="020B0604030504040204" pitchFamily="34" charset="-120"/>
+                  <a:ea typeface="微軟正黑體" panose="020B0604030504040204" pitchFamily="34" charset="-120"/>
+                  <a:cs typeface="Lantinghei SC Extralight" charset="-122"/>
+                </a:rPr>
+                <a:t>掌握</a:t>
+              </a:r>
+              <a:r>
+                <a:rPr lang="en-US" altLang="zh-CN" sz="1100" b="1" dirty="0" err="1" smtClean="0">
+                  <a:latin typeface="微軟正黑體" panose="020B0604030504040204" pitchFamily="34" charset="-120"/>
+                  <a:ea typeface="微軟正黑體" panose="020B0604030504040204" pitchFamily="34" charset="-120"/>
+                  <a:cs typeface="Lantinghei SC Extralight" charset="-122"/>
+                </a:rPr>
+                <a:t>Git</a:t>
+              </a:r>
+              <a:r>
+                <a:rPr lang="zh-CN" altLang="en-US" sz="1100" b="1" dirty="0" smtClean="0">
+                  <a:latin typeface="微軟正黑體" panose="020B0604030504040204" pitchFamily="34" charset="-120"/>
+                  <a:ea typeface="微軟正黑體" panose="020B0604030504040204" pitchFamily="34" charset="-120"/>
+                  <a:cs typeface="Lantinghei SC Extralight" charset="-122"/>
+                </a:rPr>
+                <a:t>，</a:t>
+              </a:r>
+              <a:r>
+                <a:rPr lang="en-US" altLang="zh-CN" sz="1100" b="1" dirty="0" smtClean="0">
+                  <a:latin typeface="微軟正黑體" panose="020B0604030504040204" pitchFamily="34" charset="-120"/>
+                  <a:ea typeface="微軟正黑體" panose="020B0604030504040204" pitchFamily="34" charset="-120"/>
+                  <a:cs typeface="Lantinghei SC Extralight" charset="-122"/>
+                </a:rPr>
+                <a:t>Wiki</a:t>
+              </a:r>
+              <a:r>
+                <a:rPr lang="zh-CN" altLang="en-US" sz="1100" b="1" dirty="0" smtClean="0">
+                  <a:latin typeface="微軟正黑體" panose="020B0604030504040204" pitchFamily="34" charset="-120"/>
+                  <a:ea typeface="微軟正黑體" panose="020B0604030504040204" pitchFamily="34" charset="-120"/>
+                  <a:cs typeface="Lantinghei SC Extralight" charset="-122"/>
+                </a:rPr>
+                <a:t>的操作方式，了解工作流</a:t>
+              </a:r>
+              <a:endParaRPr lang="zh-CN" altLang="en-US" sz="1100" b="1" dirty="0">
+                <a:latin typeface="微軟正黑體" panose="020B0604030504040204" pitchFamily="34" charset="-120"/>
+                <a:ea typeface="微軟正黑體" panose="020B0604030504040204" pitchFamily="34" charset="-120"/>
+                <a:cs typeface="Lantinghei SC Extralight" charset="-122"/>
+              </a:endParaRPr>
+            </a:p>
+          </p:txBody>
+        </p:sp>
+        <p:sp>
+          <p:nvSpPr>
+            <p:cNvPr id="99" name="Rounded Rectangle 7"/>
+            <p:cNvSpPr/>
+            <p:nvPr/>
+          </p:nvSpPr>
+          <p:spPr>
+            <a:xfrm>
+              <a:off x="3418163" y="2188618"/>
+              <a:ext cx="718814" cy="347089"/>
+            </a:xfrm>
+            <a:prstGeom prst="roundRect">
+              <a:avLst/>
+            </a:prstGeom>
+            <a:solidFill>
+              <a:srgbClr val="3A3A3A"/>
+            </a:solidFill>
+            <a:ln w="28575">
+              <a:solidFill>
+                <a:schemeClr val="bg2">
+                  <a:lumMod val="25000"/>
+                </a:schemeClr>
+              </a:solidFill>
+            </a:ln>
+            <a:effectLst/>
+          </p:spPr>
+          <p:style>
+            <a:lnRef idx="1">
+              <a:schemeClr val="accent1"/>
+            </a:lnRef>
+            <a:fillRef idx="3">
+              <a:schemeClr val="accent1"/>
+            </a:fillRef>
+            <a:effectRef idx="2">
+              <a:schemeClr val="accent1"/>
+            </a:effectRef>
+            <a:fontRef idx="minor">
+              <a:schemeClr val="lt1"/>
+            </a:fontRef>
+          </p:style>
+          <p:txBody>
+            <a:bodyPr rtlCol="0" anchor="ctr"/>
+            <a:lstStyle/>
+            <a:p>
+              <a:pPr algn="ctr" defTabSz="685800" eaLnBrk="0" fontAlgn="base" hangingPunct="0">
+                <a:spcBef>
+                  <a:spcPct val="0"/>
+                </a:spcBef>
+                <a:spcAft>
+                  <a:spcPct val="0"/>
+                </a:spcAft>
+              </a:pPr>
+              <a:r>
+                <a:rPr lang="zh-CN" altLang="en-US" b="1" dirty="0">
+                  <a:solidFill>
+                    <a:srgbClr val="FFFFFF"/>
+                  </a:solidFill>
+                  <a:latin typeface="微軟正黑體" panose="020B0604030504040204" pitchFamily="34" charset="-120"/>
+                  <a:ea typeface="微軟正黑體" panose="020B0604030504040204" pitchFamily="34" charset="-120"/>
+                  <a:cs typeface="Lantinghei SC Extralight" charset="-122"/>
+                </a:rPr>
+                <a:t>效果</a:t>
+              </a:r>
+              <a:endParaRPr lang="en-US" b="1" dirty="0">
+                <a:solidFill>
+                  <a:srgbClr val="FFFFFF"/>
+                </a:solidFill>
+                <a:latin typeface="微軟正黑體" panose="020B0604030504040204" pitchFamily="34" charset="-120"/>
+                <a:ea typeface="微軟正黑體" panose="020B0604030504040204" pitchFamily="34" charset="-120"/>
+                <a:cs typeface="Lantinghei SC Extralight" charset="-122"/>
+              </a:endParaRPr>
+            </a:p>
+          </p:txBody>
+        </p:sp>
+        <p:sp>
+          <p:nvSpPr>
+            <p:cNvPr id="100" name="Rounded Rectangle 7"/>
+            <p:cNvSpPr/>
+            <p:nvPr/>
+          </p:nvSpPr>
+          <p:spPr>
+            <a:xfrm>
+              <a:off x="5295856" y="2196254"/>
+              <a:ext cx="712615" cy="339453"/>
+            </a:xfrm>
+            <a:prstGeom prst="roundRect">
+              <a:avLst/>
+            </a:prstGeom>
+            <a:solidFill>
+              <a:srgbClr val="3A3A3A"/>
+            </a:solidFill>
+            <a:ln w="28575">
+              <a:solidFill>
+                <a:schemeClr val="bg2">
+                  <a:lumMod val="25000"/>
+                </a:schemeClr>
+              </a:solidFill>
+            </a:ln>
+            <a:effectLst/>
+          </p:spPr>
+          <p:style>
+            <a:lnRef idx="1">
+              <a:schemeClr val="accent1"/>
+            </a:lnRef>
+            <a:fillRef idx="3">
+              <a:schemeClr val="accent1"/>
+            </a:fillRef>
+            <a:effectRef idx="2">
+              <a:schemeClr val="accent1"/>
+            </a:effectRef>
+            <a:fontRef idx="minor">
+              <a:schemeClr val="lt1"/>
+            </a:fontRef>
+          </p:style>
+          <p:txBody>
+            <a:bodyPr rtlCol="0" anchor="ctr"/>
+            <a:lstStyle/>
+            <a:p>
+              <a:pPr algn="ctr" defTabSz="685800" eaLnBrk="0" fontAlgn="base" hangingPunct="0">
+                <a:spcBef>
+                  <a:spcPct val="0"/>
+                </a:spcBef>
+                <a:spcAft>
+                  <a:spcPct val="0"/>
+                </a:spcAft>
+              </a:pPr>
+              <a:r>
+                <a:rPr lang="zh-CN" altLang="en-US" b="1" dirty="0">
+                  <a:solidFill>
+                    <a:srgbClr val="FFFFFF"/>
+                  </a:solidFill>
+                  <a:latin typeface="微軟正黑體" panose="020B0604030504040204" pitchFamily="34" charset="-120"/>
+                  <a:ea typeface="微軟正黑體" panose="020B0604030504040204" pitchFamily="34" charset="-120"/>
+                  <a:cs typeface="Lantinghei SC Extralight" charset="-122"/>
+                </a:rPr>
+                <a:t>输出</a:t>
+              </a:r>
+              <a:endParaRPr lang="en-US" b="1" dirty="0">
+                <a:solidFill>
+                  <a:srgbClr val="FFFFFF"/>
+                </a:solidFill>
+                <a:latin typeface="微軟正黑體" panose="020B0604030504040204" pitchFamily="34" charset="-120"/>
+                <a:ea typeface="微軟正黑體" panose="020B0604030504040204" pitchFamily="34" charset="-120"/>
+                <a:cs typeface="Lantinghei SC Extralight" charset="-122"/>
+              </a:endParaRPr>
+            </a:p>
+          </p:txBody>
+        </p:sp>
+        <p:sp>
+          <p:nvSpPr>
+            <p:cNvPr id="101" name="Rounded Rectangle 7"/>
+            <p:cNvSpPr/>
+            <p:nvPr/>
+          </p:nvSpPr>
+          <p:spPr>
+            <a:xfrm>
+              <a:off x="7155655" y="2188618"/>
+              <a:ext cx="740867" cy="347089"/>
+            </a:xfrm>
+            <a:prstGeom prst="roundRect">
+              <a:avLst/>
+            </a:prstGeom>
+            <a:solidFill>
+              <a:srgbClr val="3A3A3A"/>
+            </a:solidFill>
+            <a:ln w="28575">
+              <a:solidFill>
+                <a:schemeClr val="bg2">
+                  <a:lumMod val="25000"/>
+                </a:schemeClr>
+              </a:solidFill>
+            </a:ln>
+            <a:effectLst/>
+          </p:spPr>
+          <p:style>
+            <a:lnRef idx="1">
+              <a:schemeClr val="accent1"/>
+            </a:lnRef>
+            <a:fillRef idx="3">
+              <a:schemeClr val="accent1"/>
+            </a:fillRef>
+            <a:effectRef idx="2">
+              <a:schemeClr val="accent1"/>
+            </a:effectRef>
+            <a:fontRef idx="minor">
+              <a:schemeClr val="lt1"/>
+            </a:fontRef>
+          </p:style>
+          <p:txBody>
+            <a:bodyPr rtlCol="0" anchor="ctr"/>
+            <a:lstStyle/>
+            <a:p>
+              <a:pPr algn="ctr" defTabSz="685800" eaLnBrk="0" fontAlgn="base" hangingPunct="0">
+                <a:spcBef>
+                  <a:spcPct val="0"/>
+                </a:spcBef>
+                <a:spcAft>
+                  <a:spcPct val="0"/>
+                </a:spcAft>
+              </a:pPr>
+              <a:r>
+                <a:rPr lang="zh-CN" altLang="en-US" b="1" dirty="0">
+                  <a:solidFill>
+                    <a:srgbClr val="FFFFFF"/>
+                  </a:solidFill>
+                  <a:latin typeface="微軟正黑體" panose="020B0604030504040204" pitchFamily="34" charset="-120"/>
+                  <a:ea typeface="微軟正黑體" panose="020B0604030504040204" pitchFamily="34" charset="-120"/>
+                  <a:cs typeface="Lantinghei SC Extralight" charset="-122"/>
+                </a:rPr>
+                <a:t>过程</a:t>
+              </a:r>
+              <a:endParaRPr lang="en-US" b="1" dirty="0">
+                <a:solidFill>
+                  <a:srgbClr val="FFFFFF"/>
+                </a:solidFill>
+                <a:latin typeface="微軟正黑體" panose="020B0604030504040204" pitchFamily="34" charset="-120"/>
+                <a:ea typeface="微軟正黑體" panose="020B0604030504040204" pitchFamily="34" charset="-120"/>
+                <a:cs typeface="Lantinghei SC Extralight" charset="-122"/>
+              </a:endParaRPr>
+            </a:p>
+          </p:txBody>
+        </p:sp>
+        <p:sp>
+          <p:nvSpPr>
+            <p:cNvPr id="102" name="Rounded Rectangle 7"/>
+            <p:cNvSpPr/>
+            <p:nvPr/>
+          </p:nvSpPr>
+          <p:spPr>
+            <a:xfrm>
+              <a:off x="9027146" y="2188618"/>
+              <a:ext cx="726454" cy="347089"/>
+            </a:xfrm>
+            <a:prstGeom prst="roundRect">
+              <a:avLst/>
+            </a:prstGeom>
+            <a:solidFill>
+              <a:srgbClr val="3A3A3A"/>
+            </a:solidFill>
+            <a:ln w="28575">
+              <a:solidFill>
+                <a:schemeClr val="bg2">
+                  <a:lumMod val="25000"/>
+                </a:schemeClr>
+              </a:solidFill>
+            </a:ln>
+            <a:effectLst/>
+          </p:spPr>
+          <p:style>
+            <a:lnRef idx="1">
+              <a:schemeClr val="accent1"/>
+            </a:lnRef>
+            <a:fillRef idx="3">
+              <a:schemeClr val="accent1"/>
+            </a:fillRef>
+            <a:effectRef idx="2">
+              <a:schemeClr val="accent1"/>
+            </a:effectRef>
+            <a:fontRef idx="minor">
+              <a:schemeClr val="lt1"/>
+            </a:fontRef>
+          </p:style>
+          <p:txBody>
+            <a:bodyPr rtlCol="0" anchor="ctr"/>
+            <a:lstStyle/>
+            <a:p>
+              <a:pPr algn="ctr" defTabSz="685800" eaLnBrk="0" fontAlgn="base" hangingPunct="0">
+                <a:spcBef>
+                  <a:spcPct val="0"/>
+                </a:spcBef>
+                <a:spcAft>
+                  <a:spcPct val="0"/>
+                </a:spcAft>
+              </a:pPr>
+              <a:r>
+                <a:rPr lang="zh-CN" altLang="en-US" b="1" dirty="0">
+                  <a:solidFill>
+                    <a:srgbClr val="FFFFFF"/>
+                  </a:solidFill>
+                  <a:latin typeface="微軟正黑體" panose="020B0604030504040204" pitchFamily="34" charset="-120"/>
+                  <a:ea typeface="微軟正黑體" panose="020B0604030504040204" pitchFamily="34" charset="-120"/>
+                  <a:cs typeface="Lantinghei SC Extralight" charset="-122"/>
+                </a:rPr>
+                <a:t>输入</a:t>
+              </a:r>
+              <a:endParaRPr lang="en-US" b="1" dirty="0">
+                <a:solidFill>
+                  <a:srgbClr val="FFFFFF"/>
+                </a:solidFill>
+                <a:latin typeface="微軟正黑體" panose="020B0604030504040204" pitchFamily="34" charset="-120"/>
+                <a:ea typeface="微軟正黑體" panose="020B0604030504040204" pitchFamily="34" charset="-120"/>
+                <a:cs typeface="Lantinghei SC Extralight" charset="-122"/>
+              </a:endParaRPr>
+            </a:p>
+          </p:txBody>
+        </p:sp>
+        <p:sp>
+          <p:nvSpPr>
+            <p:cNvPr id="103" name="文本框 102"/>
+            <p:cNvSpPr txBox="1"/>
+            <p:nvPr/>
+          </p:nvSpPr>
+          <p:spPr>
+            <a:xfrm>
+              <a:off x="4158033" y="5471173"/>
+              <a:ext cx="5172398" cy="379761"/>
+            </a:xfrm>
+            <a:prstGeom prst="rect">
+              <a:avLst/>
+            </a:prstGeom>
+            <a:noFill/>
+          </p:spPr>
+          <p:txBody>
+            <a:bodyPr wrap="square" rtlCol="0">
+              <a:spAutoFit/>
+            </a:bodyPr>
+            <a:lstStyle/>
+            <a:p>
+              <a:pPr defTabSz="685800" eaLnBrk="0" fontAlgn="base" hangingPunct="0">
+                <a:spcBef>
+                  <a:spcPct val="0"/>
+                </a:spcBef>
+                <a:spcAft>
+                  <a:spcPct val="0"/>
+                </a:spcAft>
+              </a:pPr>
+              <a:r>
+                <a:rPr lang="en-US" altLang="zh-CN" sz="1100" b="1" dirty="0">
+                  <a:solidFill>
+                    <a:srgbClr val="FFFFFF"/>
+                  </a:solidFill>
+                  <a:latin typeface="微軟正黑體" panose="020B0604030504040204" pitchFamily="34" charset="-120"/>
+                  <a:ea typeface="微軟正黑體" panose="020B0604030504040204" pitchFamily="34" charset="-120"/>
+                  <a:cs typeface="Lantinghei SC Extralight" charset="-122"/>
+                </a:rPr>
+                <a:t> </a:t>
+              </a:r>
+              <a:r>
+                <a:rPr lang="en-US" altLang="zh-CN" sz="1100" b="1" dirty="0">
+                  <a:latin typeface="微軟正黑體" panose="020B0604030504040204" pitchFamily="34" charset="-120"/>
+                  <a:ea typeface="微軟正黑體" panose="020B0604030504040204" pitchFamily="34" charset="-120"/>
+                  <a:cs typeface="Lantinghei SC Extralight" charset="-122"/>
+                </a:rPr>
+                <a:t>1. </a:t>
+              </a:r>
+              <a:r>
+                <a:rPr lang="zh-CN" altLang="en-US" sz="1100" b="1" dirty="0">
+                  <a:latin typeface="微軟正黑體" panose="020B0604030504040204" pitchFamily="34" charset="-120"/>
+                  <a:ea typeface="微軟正黑體" panose="020B0604030504040204" pitchFamily="34" charset="-120"/>
+                  <a:cs typeface="Lantinghei SC Extralight" charset="-122"/>
+                </a:rPr>
+                <a:t>时间课业紧张</a:t>
+              </a:r>
+              <a:endParaRPr lang="en-US" altLang="zh-CN" sz="1100" b="1" dirty="0">
+                <a:latin typeface="微軟正黑體" panose="020B0604030504040204" pitchFamily="34" charset="-120"/>
+                <a:ea typeface="微軟正黑體" panose="020B0604030504040204" pitchFamily="34" charset="-120"/>
+                <a:cs typeface="Lantinghei SC Extralight" charset="-122"/>
+              </a:endParaRPr>
+            </a:p>
+            <a:p>
+              <a:pPr defTabSz="685800" eaLnBrk="0" fontAlgn="base" hangingPunct="0">
+                <a:spcBef>
+                  <a:spcPct val="0"/>
+                </a:spcBef>
+                <a:spcAft>
+                  <a:spcPct val="0"/>
+                </a:spcAft>
+              </a:pPr>
+              <a:r>
+                <a:rPr lang="zh-CN" altLang="en-US" sz="1100" b="1" dirty="0">
+                  <a:latin typeface="微軟正黑體" panose="020B0604030504040204" pitchFamily="34" charset="-120"/>
+                  <a:ea typeface="微軟正黑體" panose="020B0604030504040204" pitchFamily="34" charset="-120"/>
+                  <a:cs typeface="Lantinghei SC Extralight" charset="-122"/>
+                </a:rPr>
+                <a:t> </a:t>
+              </a:r>
+              <a:r>
+                <a:rPr lang="en-US" altLang="zh-CN" sz="1100" b="1" dirty="0">
+                  <a:latin typeface="微軟正黑體" panose="020B0604030504040204" pitchFamily="34" charset="-120"/>
+                  <a:ea typeface="微軟正黑體" panose="020B0604030504040204" pitchFamily="34" charset="-120"/>
+                  <a:cs typeface="Lantinghei SC Extralight" charset="-122"/>
+                </a:rPr>
+                <a:t>2. </a:t>
+              </a:r>
+              <a:r>
+                <a:rPr lang="en-CA" altLang="zh-CN" sz="1100" b="1" dirty="0">
+                  <a:latin typeface="微軟正黑體" panose="020B0604030504040204" pitchFamily="34" charset="-120"/>
+                  <a:ea typeface="微軟正黑體" panose="020B0604030504040204" pitchFamily="34" charset="-120"/>
+                  <a:cs typeface="Lantinghei SC Extralight" charset="-122"/>
+                </a:rPr>
+                <a:t>Toyhouse.cc </a:t>
+              </a:r>
+              <a:r>
+                <a:rPr lang="zh-CN" altLang="en-US" sz="1100" b="1" dirty="0">
+                  <a:latin typeface="微軟正黑體" panose="020B0604030504040204" pitchFamily="34" charset="-120"/>
+                  <a:ea typeface="微軟正黑體" panose="020B0604030504040204" pitchFamily="34" charset="-120"/>
+                  <a:cs typeface="Lantinghei SC Extralight" charset="-122"/>
+                </a:rPr>
+                <a:t>服务器不稳定</a:t>
+              </a:r>
+            </a:p>
+          </p:txBody>
+        </p:sp>
+        <p:sp>
+          <p:nvSpPr>
+            <p:cNvPr id="98" name="TextBox 25"/>
+            <p:cNvSpPr txBox="1"/>
+            <p:nvPr/>
+          </p:nvSpPr>
+          <p:spPr>
+            <a:xfrm>
+              <a:off x="3637886" y="993694"/>
+              <a:ext cx="7023107" cy="528953"/>
+            </a:xfrm>
+            <a:prstGeom prst="rect">
+              <a:avLst/>
+            </a:prstGeom>
+            <a:noFill/>
+          </p:spPr>
+          <p:txBody>
+            <a:bodyPr wrap="square" rtlCol="0">
+              <a:spAutoFit/>
+            </a:bodyPr>
+            <a:lstStyle/>
+            <a:p>
+              <a:pPr defTabSz="685800" eaLnBrk="0" fontAlgn="base" hangingPunct="0">
+                <a:spcBef>
+                  <a:spcPct val="0"/>
+                </a:spcBef>
+                <a:spcAft>
+                  <a:spcPct val="0"/>
+                </a:spcAft>
+              </a:pPr>
+              <a:r>
+                <a:rPr lang="zh-CN" altLang="en-US" sz="1100" b="1" dirty="0" smtClean="0">
+                  <a:latin typeface="微軟正黑體" panose="020B0604030504040204" pitchFamily="34" charset="-120"/>
+                  <a:ea typeface="微軟正黑體" panose="020B0604030504040204" pitchFamily="34" charset="-120"/>
+                  <a:cs typeface="Lantinghei SC Extralight" charset="-122"/>
+                </a:rPr>
+                <a:t>宏观：学习计算思维与系统设计这门课程</a:t>
+              </a:r>
+              <a:endParaRPr lang="en-US" altLang="zh-CN" sz="1100" b="1" dirty="0" smtClean="0">
+                <a:latin typeface="微軟正黑體" panose="020B0604030504040204" pitchFamily="34" charset="-120"/>
+                <a:ea typeface="微軟正黑體" panose="020B0604030504040204" pitchFamily="34" charset="-120"/>
+                <a:cs typeface="Lantinghei SC Extralight" charset="-122"/>
+              </a:endParaRPr>
+            </a:p>
+            <a:p>
+              <a:pPr defTabSz="685800" eaLnBrk="0" fontAlgn="base" hangingPunct="0">
+                <a:spcBef>
+                  <a:spcPct val="0"/>
+                </a:spcBef>
+                <a:spcAft>
+                  <a:spcPct val="0"/>
+                </a:spcAft>
+              </a:pPr>
+              <a:r>
+                <a:rPr lang="zh-CN" altLang="en-US" sz="1100" b="1" dirty="0" smtClean="0">
+                  <a:latin typeface="微軟正黑體" panose="020B0604030504040204" pitchFamily="34" charset="-120"/>
+                  <a:ea typeface="微軟正黑體" panose="020B0604030504040204" pitchFamily="34" charset="-120"/>
+                  <a:cs typeface="Lantinghei SC Extralight" charset="-122"/>
+                </a:rPr>
+                <a:t>中</a:t>
+              </a:r>
+              <a:r>
+                <a:rPr lang="zh-CN" altLang="en-US" sz="1100" b="1" dirty="0">
+                  <a:latin typeface="微軟正黑體" panose="020B0604030504040204" pitchFamily="34" charset="-120"/>
+                  <a:ea typeface="微軟正黑體" panose="020B0604030504040204" pitchFamily="34" charset="-120"/>
+                  <a:cs typeface="Lantinghei SC Extralight" charset="-122"/>
+                </a:rPr>
+                <a:t>观</a:t>
+              </a:r>
+              <a:r>
+                <a:rPr lang="zh-CN" altLang="en-US" sz="1100" b="1" dirty="0" smtClean="0">
+                  <a:latin typeface="微軟正黑體" panose="020B0604030504040204" pitchFamily="34" charset="-120"/>
+                  <a:ea typeface="微軟正黑體" panose="020B0604030504040204" pitchFamily="34" charset="-120"/>
+                  <a:cs typeface="Lantinghei SC Extralight" charset="-122"/>
+                </a:rPr>
+                <a:t>：了解计算机的基本架构</a:t>
+              </a:r>
+              <a:endParaRPr lang="en-CA" altLang="zh-CN" sz="1100" b="1" dirty="0">
+                <a:latin typeface="微軟正黑體" panose="020B0604030504040204" pitchFamily="34" charset="-120"/>
+                <a:ea typeface="微軟正黑體" panose="020B0604030504040204" pitchFamily="34" charset="-120"/>
+                <a:cs typeface="Lantinghei SC Extralight" charset="-122"/>
+              </a:endParaRPr>
+            </a:p>
+            <a:p>
+              <a:pPr defTabSz="685800" eaLnBrk="0" fontAlgn="base" hangingPunct="0">
+                <a:spcBef>
+                  <a:spcPct val="0"/>
+                </a:spcBef>
+                <a:spcAft>
+                  <a:spcPct val="0"/>
+                </a:spcAft>
+              </a:pPr>
+              <a:r>
+                <a:rPr lang="zh-CN" altLang="en-US" sz="1100" b="1" dirty="0">
+                  <a:latin typeface="微軟正黑體" panose="020B0604030504040204" pitchFamily="34" charset="-120"/>
+                  <a:ea typeface="微軟正黑體" panose="020B0604030504040204" pitchFamily="34" charset="-120"/>
+                  <a:cs typeface="Lantinghei SC Extralight" charset="-122"/>
+                </a:rPr>
+                <a:t>微观：学习</a:t>
+              </a:r>
+              <a:r>
+                <a:rPr lang="zh-CN" altLang="en-US" sz="1100" b="1" dirty="0" smtClean="0">
+                  <a:latin typeface="微軟正黑體" panose="020B0604030504040204" pitchFamily="34" charset="-120"/>
+                  <a:ea typeface="微軟正黑體" panose="020B0604030504040204" pitchFamily="34" charset="-120"/>
+                  <a:cs typeface="Lantinghei SC Extralight" charset="-122"/>
+                </a:rPr>
+                <a:t>汇编语言，尝试制作虚拟机</a:t>
+              </a:r>
+              <a:endParaRPr lang="en-US" altLang="zh-CN" sz="1100" b="1" dirty="0">
+                <a:latin typeface="微軟正黑體" panose="020B0604030504040204" pitchFamily="34" charset="-120"/>
+                <a:ea typeface="微軟正黑體" panose="020B0604030504040204" pitchFamily="34" charset="-120"/>
+                <a:cs typeface="Lantinghei SC Extralight" charset="-122"/>
+              </a:endParaRPr>
+            </a:p>
+          </p:txBody>
+        </p:sp>
+      </p:grpSp>
     </p:spTree>
     <p:extLst>
       <p:ext uri="{BB962C8B-B14F-4D97-AF65-F5344CB8AC3E}">

--- a/weekly_report/group3/week3.pptx
+++ b/weekly_report/group3/week3.pptx
@@ -9,6 +9,11 @@
     <p:sldId id="257" r:id="rId3"/>
     <p:sldId id="258" r:id="rId4"/>
     <p:sldId id="259" r:id="rId5"/>
+    <p:sldId id="260" r:id="rId6"/>
+    <p:sldId id="261" r:id="rId7"/>
+    <p:sldId id="262" r:id="rId8"/>
+    <p:sldId id="263" r:id="rId9"/>
+    <p:sldId id="264" r:id="rId10"/>
   </p:sldIdLst>
   <p:sldSz cx="12192000" cy="6858000"/>
   <p:notesSz cx="6858000" cy="9144000"/>
@@ -2120,50 +2125,50 @@
     </dgm:pt>
   </dgm:ptLst>
   <dgm:cxnLst>
+    <dgm:cxn modelId="{8835C5F2-FD9B-4EEE-AC9F-DAA4332FEE09}" type="presOf" srcId="{7888E13F-A1AE-47A6-9BBA-F2975C194E0D}" destId="{63A66173-B8AE-42BE-B943-75C51D4ADF2D}" srcOrd="0" destOrd="0" presId="urn:microsoft.com/office/officeart/2005/8/layout/process3"/>
+    <dgm:cxn modelId="{5DD18197-8C19-4297-B592-3922736E1BCD}" srcId="{9052052F-38A7-4201-B112-CA14C9C8815A}" destId="{4281A2C1-760C-4C85-AD68-5CDC1F263DC8}" srcOrd="2" destOrd="0" parTransId="{019B936D-2AEF-4F24-9334-33724BAB770B}" sibTransId="{68C5AA54-7E21-44CF-B08B-93E62EFFEDD4}"/>
+    <dgm:cxn modelId="{A3B0D6CB-EB91-4C8C-83B6-9EDE791147DB}" type="presOf" srcId="{49B5A52F-98BC-44F6-AF2F-91AAD82698E5}" destId="{63A66173-B8AE-42BE-B943-75C51D4ADF2D}" srcOrd="0" destOrd="1" presId="urn:microsoft.com/office/officeart/2005/8/layout/process3"/>
+    <dgm:cxn modelId="{4942B35A-9FA7-4090-9FF6-4E75C73D5C28}" type="presOf" srcId="{6E040E3E-DDC4-4872-BFB3-6D91583E24FC}" destId="{2C46FF0A-16C6-43CC-88D4-3D3069BEDAEF}" srcOrd="0" destOrd="5" presId="urn:microsoft.com/office/officeart/2005/8/layout/process3"/>
+    <dgm:cxn modelId="{615B396E-839B-4ECC-85B2-DBED3E2B94B8}" srcId="{0C160F14-3E4B-45AF-9158-0B1FF390997D}" destId="{5D0E23DD-9A2F-4662-A9AD-1E84A7315B5A}" srcOrd="0" destOrd="0" parTransId="{3889AA5F-DA56-45E0-BA2D-64720D8A7675}" sibTransId="{E2300830-89A7-4A06-9CDA-A985E43132AE}"/>
+    <dgm:cxn modelId="{D4CF5538-9ABA-4B1C-9991-AA29F6ACEEC4}" type="presOf" srcId="{5D0E23DD-9A2F-4662-A9AD-1E84A7315B5A}" destId="{8910FE79-C8A6-4673-AC17-E82A107C5B80}" srcOrd="0" destOrd="0" presId="urn:microsoft.com/office/officeart/2005/8/layout/process3"/>
+    <dgm:cxn modelId="{D6D039DA-A644-41C0-803A-F02410548FFA}" srcId="{FD5D7C33-5B40-4D2D-99C8-FDCD8145A005}" destId="{7B389182-7A39-4F15-A616-3AA7A9BF72D4}" srcOrd="2" destOrd="0" parTransId="{30882FE3-B493-4947-9003-10B1B3BDC842}" sibTransId="{E4F06F49-F179-4706-A025-96AE20B7A78A}"/>
+    <dgm:cxn modelId="{1D1E15B4-24E4-45BC-92CA-33A86F98BE21}" type="presOf" srcId="{1673962B-9B2E-4750-9E62-ACDA23AE2482}" destId="{80AC934E-9F86-47A7-BF3D-096ADD1801B8}" srcOrd="1" destOrd="0" presId="urn:microsoft.com/office/officeart/2005/8/layout/process3"/>
+    <dgm:cxn modelId="{AAB104AD-118E-4B2E-93CB-79280A2A00A8}" type="presOf" srcId="{9052052F-38A7-4201-B112-CA14C9C8815A}" destId="{D3769FCD-AC8F-4308-B70B-0DFA51FFB15A}" srcOrd="1" destOrd="0" presId="urn:microsoft.com/office/officeart/2005/8/layout/process3"/>
+    <dgm:cxn modelId="{F5D51562-2082-4022-A73C-AC07ECA78452}" type="presOf" srcId="{4281A2C1-760C-4C85-AD68-5CDC1F263DC8}" destId="{2C46FF0A-16C6-43CC-88D4-3D3069BEDAEF}" srcOrd="0" destOrd="2" presId="urn:microsoft.com/office/officeart/2005/8/layout/process3"/>
+    <dgm:cxn modelId="{256C3C96-B41F-4DB3-8BA2-5BA5AF4C9EB2}" type="presOf" srcId="{816BD05A-B666-4527-A915-C6083E175BC9}" destId="{8910FE79-C8A6-4673-AC17-E82A107C5B80}" srcOrd="0" destOrd="1" presId="urn:microsoft.com/office/officeart/2005/8/layout/process3"/>
+    <dgm:cxn modelId="{9D8B90CF-693E-4206-BB33-E237F25C3311}" srcId="{0C160F14-3E4B-45AF-9158-0B1FF390997D}" destId="{BDF85E73-A8EB-4A70-B17D-128A2C0489D4}" srcOrd="2" destOrd="0" parTransId="{350C608B-2897-4CED-8113-D8BFE8B626A0}" sibTransId="{6AB3DF0D-9D20-455B-AE9D-BDFB09277D36}"/>
+    <dgm:cxn modelId="{A3A0C972-02DC-4643-AC1E-38C8EFB0A638}" srcId="{436265AB-5390-49EF-9C63-9544117A7036}" destId="{FD5D7C33-5B40-4D2D-99C8-FDCD8145A005}" srcOrd="0" destOrd="0" parTransId="{9AA715F6-5C71-445B-9B09-6BF69B5D790F}" sibTransId="{D06FC83E-3D2D-464E-9E71-BE6472C0B57E}"/>
+    <dgm:cxn modelId="{D6CF09E8-4FA5-496B-8337-0FCD097E1880}" type="presOf" srcId="{9052052F-38A7-4201-B112-CA14C9C8815A}" destId="{BB024F09-2E48-4D38-9D91-60B77E33B2F3}" srcOrd="0" destOrd="0" presId="urn:microsoft.com/office/officeart/2005/8/layout/process3"/>
     <dgm:cxn modelId="{86D4B130-EFEA-4FBF-AB00-B1757F1A7488}" srcId="{9052052F-38A7-4201-B112-CA14C9C8815A}" destId="{DFFB30B2-6DC5-4B93-87CB-AE0B143499C6}" srcOrd="1" destOrd="0" parTransId="{F101860D-B691-47CF-A7F6-5C39F7D6D66D}" sibTransId="{1845DA81-98EA-438A-853E-C31749D96526}"/>
+    <dgm:cxn modelId="{9DD8E704-A1F1-430C-8EA4-2460B5017936}" srcId="{9052052F-38A7-4201-B112-CA14C9C8815A}" destId="{728CF6FA-6D2A-49AE-9A77-66CC39C4C355}" srcOrd="4" destOrd="0" parTransId="{D073AEDF-DEB1-4FDC-A9B1-C42EA052A1B1}" sibTransId="{F85F4C43-0A87-48E1-A3D4-F65824DE0AB2}"/>
+    <dgm:cxn modelId="{0699077F-22BF-4C87-9B29-7133A85584B8}" type="presOf" srcId="{D06FC83E-3D2D-464E-9E71-BE6472C0B57E}" destId="{395A3FC5-C68A-4A78-9E6D-A9AF0DBB0203}" srcOrd="0" destOrd="0" presId="urn:microsoft.com/office/officeart/2005/8/layout/process3"/>
+    <dgm:cxn modelId="{3F6E9858-683A-46CE-97E2-8BEB7AF10679}" type="presOf" srcId="{FD5D7C33-5B40-4D2D-99C8-FDCD8145A005}" destId="{5010163B-E75D-4A5D-B0AC-2525A766492E}" srcOrd="1" destOrd="0" presId="urn:microsoft.com/office/officeart/2005/8/layout/process3"/>
+    <dgm:cxn modelId="{D21F60F3-FAFB-4F1E-AB90-418982BE33E8}" type="presOf" srcId="{D06FC83E-3D2D-464E-9E71-BE6472C0B57E}" destId="{30EF8242-9D2E-4387-A5AA-282AF47D59FE}" srcOrd="1" destOrd="0" presId="urn:microsoft.com/office/officeart/2005/8/layout/process3"/>
+    <dgm:cxn modelId="{DC921C70-2953-4F3F-A41B-D4BB491AFF73}" type="presOf" srcId="{5A0C7119-A1BD-48D1-9C85-11D77F31FD13}" destId="{63A66173-B8AE-42BE-B943-75C51D4ADF2D}" srcOrd="0" destOrd="5" presId="urn:microsoft.com/office/officeart/2005/8/layout/process3"/>
+    <dgm:cxn modelId="{E199F463-ACD1-4060-BA53-2624D5D03BC6}" type="presOf" srcId="{728CF6FA-6D2A-49AE-9A77-66CC39C4C355}" destId="{2C46FF0A-16C6-43CC-88D4-3D3069BEDAEF}" srcOrd="0" destOrd="4" presId="urn:microsoft.com/office/officeart/2005/8/layout/process3"/>
+    <dgm:cxn modelId="{3DE4FC61-2F3F-4057-8538-A68D2A5E1EA6}" type="presOf" srcId="{FD5D7C33-5B40-4D2D-99C8-FDCD8145A005}" destId="{2FD6B1F5-6AAC-452D-BA1A-0791EB1FA462}" srcOrd="0" destOrd="0" presId="urn:microsoft.com/office/officeart/2005/8/layout/process3"/>
+    <dgm:cxn modelId="{D42EF04A-1BED-43AB-A400-1EB84839F6B2}" type="presOf" srcId="{7B389182-7A39-4F15-A616-3AA7A9BF72D4}" destId="{63A66173-B8AE-42BE-B943-75C51D4ADF2D}" srcOrd="0" destOrd="2" presId="urn:microsoft.com/office/officeart/2005/8/layout/process3"/>
+    <dgm:cxn modelId="{58906139-FF0C-400A-B719-62AFC4A9B594}" type="presOf" srcId="{1673962B-9B2E-4750-9E62-ACDA23AE2482}" destId="{87054365-ABD0-46C5-8420-AFF27AB043E5}" srcOrd="0" destOrd="0" presId="urn:microsoft.com/office/officeart/2005/8/layout/process3"/>
+    <dgm:cxn modelId="{69DA632A-A728-4EEE-9C54-A5BC3D8C1F09}" type="presOf" srcId="{436265AB-5390-49EF-9C63-9544117A7036}" destId="{CD62B700-1A69-4AF5-9A4A-26A59A12ED36}" srcOrd="0" destOrd="0" presId="urn:microsoft.com/office/officeart/2005/8/layout/process3"/>
     <dgm:cxn modelId="{7B0ABF47-7D5A-4B11-A79B-F865F8FA71D8}" type="presOf" srcId="{9EE95152-C004-4064-A828-85FDC1B05E62}" destId="{2C46FF0A-16C6-43CC-88D4-3D3069BEDAEF}" srcOrd="0" destOrd="3" presId="urn:microsoft.com/office/officeart/2005/8/layout/process3"/>
+    <dgm:cxn modelId="{8FCF1209-A4E5-498F-84D8-823B66241AF1}" srcId="{9052052F-38A7-4201-B112-CA14C9C8815A}" destId="{EF4507D7-48A6-405A-914C-E3CDBF58DF16}" srcOrd="0" destOrd="0" parTransId="{20E89B3B-4589-4AF5-837A-44D0A0CDF486}" sibTransId="{3E44D100-D4E3-473B-BFB4-048E8FE82F67}"/>
+    <dgm:cxn modelId="{2A12F9C2-4510-4A0A-975E-3D3FE1435637}" srcId="{9052052F-38A7-4201-B112-CA14C9C8815A}" destId="{9EE95152-C004-4064-A828-85FDC1B05E62}" srcOrd="3" destOrd="0" parTransId="{373FCBAA-F87B-47E7-8BF5-58BCA959003B}" sibTransId="{6BD1BFFA-2497-4924-A826-6C8C15D07432}"/>
+    <dgm:cxn modelId="{2C7106E9-2709-4E0E-9974-F82464CE08E4}" srcId="{0C160F14-3E4B-45AF-9158-0B1FF390997D}" destId="{816BD05A-B666-4527-A915-C6083E175BC9}" srcOrd="1" destOrd="0" parTransId="{EBD294CE-F349-4781-9312-E1E8BD415EB8}" sibTransId="{E519ABAF-750F-4497-8ECE-C3605C00467E}"/>
     <dgm:cxn modelId="{35F57EBE-A36E-426C-BFA5-FDF255CED757}" type="presOf" srcId="{5448FD1C-6B01-4FAD-B48C-A4FA70B155D6}" destId="{63A66173-B8AE-42BE-B943-75C51D4ADF2D}" srcOrd="0" destOrd="4" presId="urn:microsoft.com/office/officeart/2005/8/layout/process3"/>
-    <dgm:cxn modelId="{AAB104AD-118E-4B2E-93CB-79280A2A00A8}" type="presOf" srcId="{9052052F-38A7-4201-B112-CA14C9C8815A}" destId="{D3769FCD-AC8F-4308-B70B-0DFA51FFB15A}" srcOrd="1" destOrd="0" presId="urn:microsoft.com/office/officeart/2005/8/layout/process3"/>
-    <dgm:cxn modelId="{4942B35A-9FA7-4090-9FF6-4E75C73D5C28}" type="presOf" srcId="{6E040E3E-DDC4-4872-BFB3-6D91583E24FC}" destId="{2C46FF0A-16C6-43CC-88D4-3D3069BEDAEF}" srcOrd="0" destOrd="5" presId="urn:microsoft.com/office/officeart/2005/8/layout/process3"/>
-    <dgm:cxn modelId="{F5C08C81-AD72-4715-BED0-B26520D8E0F2}" srcId="{FD5D7C33-5B40-4D2D-99C8-FDCD8145A005}" destId="{5A0C7119-A1BD-48D1-9C85-11D77F31FD13}" srcOrd="5" destOrd="0" parTransId="{58CC2421-0972-4E54-8350-831047A979C0}" sibTransId="{4AB4685F-BC4D-4536-A688-2929EA53B112}"/>
-    <dgm:cxn modelId="{9DD8E704-A1F1-430C-8EA4-2460B5017936}" srcId="{9052052F-38A7-4201-B112-CA14C9C8815A}" destId="{728CF6FA-6D2A-49AE-9A77-66CC39C4C355}" srcOrd="4" destOrd="0" parTransId="{D073AEDF-DEB1-4FDC-A9B1-C42EA052A1B1}" sibTransId="{F85F4C43-0A87-48E1-A3D4-F65824DE0AB2}"/>
-    <dgm:cxn modelId="{8835C5F2-FD9B-4EEE-AC9F-DAA4332FEE09}" type="presOf" srcId="{7888E13F-A1AE-47A6-9BBA-F2975C194E0D}" destId="{63A66173-B8AE-42BE-B943-75C51D4ADF2D}" srcOrd="0" destOrd="0" presId="urn:microsoft.com/office/officeart/2005/8/layout/process3"/>
-    <dgm:cxn modelId="{D6CF09E8-4FA5-496B-8337-0FCD097E1880}" type="presOf" srcId="{9052052F-38A7-4201-B112-CA14C9C8815A}" destId="{BB024F09-2E48-4D38-9D91-60B77E33B2F3}" srcOrd="0" destOrd="0" presId="urn:microsoft.com/office/officeart/2005/8/layout/process3"/>
-    <dgm:cxn modelId="{776B0168-0875-4BE6-9CB4-3A2D7C209330}" srcId="{FD5D7C33-5B40-4D2D-99C8-FDCD8145A005}" destId="{49B5A52F-98BC-44F6-AF2F-91AAD82698E5}" srcOrd="1" destOrd="0" parTransId="{2A51BE62-FD7A-4CA2-80A0-9BC4C2868D35}" sibTransId="{F8F23646-2814-4D74-8554-1548AFA2FE2A}"/>
-    <dgm:cxn modelId="{1E2CCF8E-5D19-4D55-96F5-C28B74434192}" srcId="{FD5D7C33-5B40-4D2D-99C8-FDCD8145A005}" destId="{99404280-CF2D-4307-8490-3FA43639810E}" srcOrd="3" destOrd="0" parTransId="{0E06ACCF-7314-4C03-B8B8-3D9C64C9F894}" sibTransId="{5F4E7FEE-5812-484E-AE0D-8596BBB5D997}"/>
+    <dgm:cxn modelId="{0CA55BC6-A00D-4E97-8292-2E897884BBB0}" srcId="{FD5D7C33-5B40-4D2D-99C8-FDCD8145A005}" destId="{5448FD1C-6B01-4FAD-B48C-A4FA70B155D6}" srcOrd="4" destOrd="0" parTransId="{E4C54084-B576-4806-BA9C-1232CD25A7C7}" sibTransId="{051A74E7-E9D5-4FC4-A733-EBF0DC1C75BB}"/>
     <dgm:cxn modelId="{61BFEB92-097A-45AE-8F89-D8177A039025}" srcId="{FD5D7C33-5B40-4D2D-99C8-FDCD8145A005}" destId="{7888E13F-A1AE-47A6-9BBA-F2975C194E0D}" srcOrd="0" destOrd="0" parTransId="{3AA0A440-9B19-4ABC-9E54-52C14E942D43}" sibTransId="{B908E332-5876-417D-BBCA-AFD8707CD173}"/>
     <dgm:cxn modelId="{30FC9B8B-E1BF-4832-8A11-ABD078F7777A}" type="presOf" srcId="{0C160F14-3E4B-45AF-9158-0B1FF390997D}" destId="{D711F695-23F4-4BA0-B111-0CFDFD4832DB}" srcOrd="1" destOrd="0" presId="urn:microsoft.com/office/officeart/2005/8/layout/process3"/>
-    <dgm:cxn modelId="{D21F60F3-FAFB-4F1E-AB90-418982BE33E8}" type="presOf" srcId="{D06FC83E-3D2D-464E-9E71-BE6472C0B57E}" destId="{30EF8242-9D2E-4387-A5AA-282AF47D59FE}" srcOrd="1" destOrd="0" presId="urn:microsoft.com/office/officeart/2005/8/layout/process3"/>
-    <dgm:cxn modelId="{69DA632A-A728-4EEE-9C54-A5BC3D8C1F09}" type="presOf" srcId="{436265AB-5390-49EF-9C63-9544117A7036}" destId="{CD62B700-1A69-4AF5-9A4A-26A59A12ED36}" srcOrd="0" destOrd="0" presId="urn:microsoft.com/office/officeart/2005/8/layout/process3"/>
-    <dgm:cxn modelId="{F5D51562-2082-4022-A73C-AC07ECA78452}" type="presOf" srcId="{4281A2C1-760C-4C85-AD68-5CDC1F263DC8}" destId="{2C46FF0A-16C6-43CC-88D4-3D3069BEDAEF}" srcOrd="0" destOrd="2" presId="urn:microsoft.com/office/officeart/2005/8/layout/process3"/>
-    <dgm:cxn modelId="{1D1E15B4-24E4-45BC-92CA-33A86F98BE21}" type="presOf" srcId="{1673962B-9B2E-4750-9E62-ACDA23AE2482}" destId="{80AC934E-9F86-47A7-BF3D-096ADD1801B8}" srcOrd="1" destOrd="0" presId="urn:microsoft.com/office/officeart/2005/8/layout/process3"/>
-    <dgm:cxn modelId="{D42EF04A-1BED-43AB-A400-1EB84839F6B2}" type="presOf" srcId="{7B389182-7A39-4F15-A616-3AA7A9BF72D4}" destId="{63A66173-B8AE-42BE-B943-75C51D4ADF2D}" srcOrd="0" destOrd="2" presId="urn:microsoft.com/office/officeart/2005/8/layout/process3"/>
-    <dgm:cxn modelId="{A3B0D6CB-EB91-4C8C-83B6-9EDE791147DB}" type="presOf" srcId="{49B5A52F-98BC-44F6-AF2F-91AAD82698E5}" destId="{63A66173-B8AE-42BE-B943-75C51D4ADF2D}" srcOrd="0" destOrd="1" presId="urn:microsoft.com/office/officeart/2005/8/layout/process3"/>
     <dgm:cxn modelId="{190A16B4-497A-4E28-8037-20B66A4CCF1C}" srcId="{9052052F-38A7-4201-B112-CA14C9C8815A}" destId="{6E040E3E-DDC4-4872-BFB3-6D91583E24FC}" srcOrd="5" destOrd="0" parTransId="{3541A6C0-0898-4C76-B980-9DC16190B996}" sibTransId="{ED9B230D-5C3E-41F4-89C7-795B582AA79C}"/>
-    <dgm:cxn modelId="{DC921C70-2953-4F3F-A41B-D4BB491AFF73}" type="presOf" srcId="{5A0C7119-A1BD-48D1-9C85-11D77F31FD13}" destId="{63A66173-B8AE-42BE-B943-75C51D4ADF2D}" srcOrd="0" destOrd="5" presId="urn:microsoft.com/office/officeart/2005/8/layout/process3"/>
+    <dgm:cxn modelId="{1E2CCF8E-5D19-4D55-96F5-C28B74434192}" srcId="{FD5D7C33-5B40-4D2D-99C8-FDCD8145A005}" destId="{99404280-CF2D-4307-8490-3FA43639810E}" srcOrd="3" destOrd="0" parTransId="{0E06ACCF-7314-4C03-B8B8-3D9C64C9F894}" sibTransId="{5F4E7FEE-5812-484E-AE0D-8596BBB5D997}"/>
     <dgm:cxn modelId="{1AC11690-1488-4005-B65B-78AC9EC868EA}" type="presOf" srcId="{EF4507D7-48A6-405A-914C-E3CDBF58DF16}" destId="{2C46FF0A-16C6-43CC-88D4-3D3069BEDAEF}" srcOrd="0" destOrd="0" presId="urn:microsoft.com/office/officeart/2005/8/layout/process3"/>
-    <dgm:cxn modelId="{D6D039DA-A644-41C0-803A-F02410548FFA}" srcId="{FD5D7C33-5B40-4D2D-99C8-FDCD8145A005}" destId="{7B389182-7A39-4F15-A616-3AA7A9BF72D4}" srcOrd="2" destOrd="0" parTransId="{30882FE3-B493-4947-9003-10B1B3BDC842}" sibTransId="{E4F06F49-F179-4706-A025-96AE20B7A78A}"/>
+    <dgm:cxn modelId="{776B0168-0875-4BE6-9CB4-3A2D7C209330}" srcId="{FD5D7C33-5B40-4D2D-99C8-FDCD8145A005}" destId="{49B5A52F-98BC-44F6-AF2F-91AAD82698E5}" srcOrd="1" destOrd="0" parTransId="{2A51BE62-FD7A-4CA2-80A0-9BC4C2868D35}" sibTransId="{F8F23646-2814-4D74-8554-1548AFA2FE2A}"/>
+    <dgm:cxn modelId="{0FF529A8-56E4-4859-AD7B-946AAFD41D27}" type="presOf" srcId="{BDF85E73-A8EB-4A70-B17D-128A2C0489D4}" destId="{8910FE79-C8A6-4673-AC17-E82A107C5B80}" srcOrd="0" destOrd="2" presId="urn:microsoft.com/office/officeart/2005/8/layout/process3"/>
     <dgm:cxn modelId="{B363A496-C46A-4EAD-9F7F-C3156D1616E9}" type="presOf" srcId="{99404280-CF2D-4307-8490-3FA43639810E}" destId="{63A66173-B8AE-42BE-B943-75C51D4ADF2D}" srcOrd="0" destOrd="3" presId="urn:microsoft.com/office/officeart/2005/8/layout/process3"/>
-    <dgm:cxn modelId="{615B396E-839B-4ECC-85B2-DBED3E2B94B8}" srcId="{0C160F14-3E4B-45AF-9158-0B1FF390997D}" destId="{5D0E23DD-9A2F-4662-A9AD-1E84A7315B5A}" srcOrd="0" destOrd="0" parTransId="{3889AA5F-DA56-45E0-BA2D-64720D8A7675}" sibTransId="{E2300830-89A7-4A06-9CDA-A985E43132AE}"/>
-    <dgm:cxn modelId="{2C7106E9-2709-4E0E-9974-F82464CE08E4}" srcId="{0C160F14-3E4B-45AF-9158-0B1FF390997D}" destId="{816BD05A-B666-4527-A915-C6083E175BC9}" srcOrd="1" destOrd="0" parTransId="{EBD294CE-F349-4781-9312-E1E8BD415EB8}" sibTransId="{E519ABAF-750F-4497-8ECE-C3605C00467E}"/>
-    <dgm:cxn modelId="{8FCF1209-A4E5-498F-84D8-823B66241AF1}" srcId="{9052052F-38A7-4201-B112-CA14C9C8815A}" destId="{EF4507D7-48A6-405A-914C-E3CDBF58DF16}" srcOrd="0" destOrd="0" parTransId="{20E89B3B-4589-4AF5-837A-44D0A0CDF486}" sibTransId="{3E44D100-D4E3-473B-BFB4-048E8FE82F67}"/>
-    <dgm:cxn modelId="{2A12F9C2-4510-4A0A-975E-3D3FE1435637}" srcId="{9052052F-38A7-4201-B112-CA14C9C8815A}" destId="{9EE95152-C004-4064-A828-85FDC1B05E62}" srcOrd="3" destOrd="0" parTransId="{373FCBAA-F87B-47E7-8BF5-58BCA959003B}" sibTransId="{6BD1BFFA-2497-4924-A826-6C8C15D07432}"/>
-    <dgm:cxn modelId="{9D8B90CF-693E-4206-BB33-E237F25C3311}" srcId="{0C160F14-3E4B-45AF-9158-0B1FF390997D}" destId="{BDF85E73-A8EB-4A70-B17D-128A2C0489D4}" srcOrd="2" destOrd="0" parTransId="{350C608B-2897-4CED-8113-D8BFE8B626A0}" sibTransId="{6AB3DF0D-9D20-455B-AE9D-BDFB09277D36}"/>
+    <dgm:cxn modelId="{E32E827B-F0B3-4894-9F54-2089CA706BEA}" type="presOf" srcId="{0C160F14-3E4B-45AF-9158-0B1FF390997D}" destId="{4F62ACB9-6EB3-46D3-88CE-775A05A10893}" srcOrd="0" destOrd="0" presId="urn:microsoft.com/office/officeart/2005/8/layout/process3"/>
+    <dgm:cxn modelId="{D3E3131B-D328-4741-85B9-40128CD27EDA}" srcId="{436265AB-5390-49EF-9C63-9544117A7036}" destId="{9052052F-38A7-4201-B112-CA14C9C8815A}" srcOrd="1" destOrd="0" parTransId="{033DE8E8-09B3-49BD-8710-606E7D30ECFE}" sibTransId="{1673962B-9B2E-4750-9E62-ACDA23AE2482}"/>
+    <dgm:cxn modelId="{F5C08C81-AD72-4715-BED0-B26520D8E0F2}" srcId="{FD5D7C33-5B40-4D2D-99C8-FDCD8145A005}" destId="{5A0C7119-A1BD-48D1-9C85-11D77F31FD13}" srcOrd="5" destOrd="0" parTransId="{58CC2421-0972-4E54-8350-831047A979C0}" sibTransId="{4AB4685F-BC4D-4536-A688-2929EA53B112}"/>
     <dgm:cxn modelId="{6680EFAD-814C-443B-942C-2484603330A1}" type="presOf" srcId="{DFFB30B2-6DC5-4B93-87CB-AE0B143499C6}" destId="{2C46FF0A-16C6-43CC-88D4-3D3069BEDAEF}" srcOrd="0" destOrd="1" presId="urn:microsoft.com/office/officeart/2005/8/layout/process3"/>
-    <dgm:cxn modelId="{E199F463-ACD1-4060-BA53-2624D5D03BC6}" type="presOf" srcId="{728CF6FA-6D2A-49AE-9A77-66CC39C4C355}" destId="{2C46FF0A-16C6-43CC-88D4-3D3069BEDAEF}" srcOrd="0" destOrd="4" presId="urn:microsoft.com/office/officeart/2005/8/layout/process3"/>
-    <dgm:cxn modelId="{256C3C96-B41F-4DB3-8BA2-5BA5AF4C9EB2}" type="presOf" srcId="{816BD05A-B666-4527-A915-C6083E175BC9}" destId="{8910FE79-C8A6-4673-AC17-E82A107C5B80}" srcOrd="0" destOrd="1" presId="urn:microsoft.com/office/officeart/2005/8/layout/process3"/>
-    <dgm:cxn modelId="{D4CF5538-9ABA-4B1C-9991-AA29F6ACEEC4}" type="presOf" srcId="{5D0E23DD-9A2F-4662-A9AD-1E84A7315B5A}" destId="{8910FE79-C8A6-4673-AC17-E82A107C5B80}" srcOrd="0" destOrd="0" presId="urn:microsoft.com/office/officeart/2005/8/layout/process3"/>
     <dgm:cxn modelId="{8ACD4300-5B50-46E0-854E-B62509487159}" srcId="{436265AB-5390-49EF-9C63-9544117A7036}" destId="{0C160F14-3E4B-45AF-9158-0B1FF390997D}" srcOrd="2" destOrd="0" parTransId="{59011C91-C7A1-414A-938D-62A041C25E6D}" sibTransId="{C1EFF36B-D73F-433C-911B-0853FCE89D5F}"/>
-    <dgm:cxn modelId="{0CA55BC6-A00D-4E97-8292-2E897884BBB0}" srcId="{FD5D7C33-5B40-4D2D-99C8-FDCD8145A005}" destId="{5448FD1C-6B01-4FAD-B48C-A4FA70B155D6}" srcOrd="4" destOrd="0" parTransId="{E4C54084-B576-4806-BA9C-1232CD25A7C7}" sibTransId="{051A74E7-E9D5-4FC4-A733-EBF0DC1C75BB}"/>
-    <dgm:cxn modelId="{3DE4FC61-2F3F-4057-8538-A68D2A5E1EA6}" type="presOf" srcId="{FD5D7C33-5B40-4D2D-99C8-FDCD8145A005}" destId="{2FD6B1F5-6AAC-452D-BA1A-0791EB1FA462}" srcOrd="0" destOrd="0" presId="urn:microsoft.com/office/officeart/2005/8/layout/process3"/>
-    <dgm:cxn modelId="{A3A0C972-02DC-4643-AC1E-38C8EFB0A638}" srcId="{436265AB-5390-49EF-9C63-9544117A7036}" destId="{FD5D7C33-5B40-4D2D-99C8-FDCD8145A005}" srcOrd="0" destOrd="0" parTransId="{9AA715F6-5C71-445B-9B09-6BF69B5D790F}" sibTransId="{D06FC83E-3D2D-464E-9E71-BE6472C0B57E}"/>
-    <dgm:cxn modelId="{0699077F-22BF-4C87-9B29-7133A85584B8}" type="presOf" srcId="{D06FC83E-3D2D-464E-9E71-BE6472C0B57E}" destId="{395A3FC5-C68A-4A78-9E6D-A9AF0DBB0203}" srcOrd="0" destOrd="0" presId="urn:microsoft.com/office/officeart/2005/8/layout/process3"/>
-    <dgm:cxn modelId="{58906139-FF0C-400A-B719-62AFC4A9B594}" type="presOf" srcId="{1673962B-9B2E-4750-9E62-ACDA23AE2482}" destId="{87054365-ABD0-46C5-8420-AFF27AB043E5}" srcOrd="0" destOrd="0" presId="urn:microsoft.com/office/officeart/2005/8/layout/process3"/>
-    <dgm:cxn modelId="{D3E3131B-D328-4741-85B9-40128CD27EDA}" srcId="{436265AB-5390-49EF-9C63-9544117A7036}" destId="{9052052F-38A7-4201-B112-CA14C9C8815A}" srcOrd="1" destOrd="0" parTransId="{033DE8E8-09B3-49BD-8710-606E7D30ECFE}" sibTransId="{1673962B-9B2E-4750-9E62-ACDA23AE2482}"/>
-    <dgm:cxn modelId="{3F6E9858-683A-46CE-97E2-8BEB7AF10679}" type="presOf" srcId="{FD5D7C33-5B40-4D2D-99C8-FDCD8145A005}" destId="{5010163B-E75D-4A5D-B0AC-2525A766492E}" srcOrd="1" destOrd="0" presId="urn:microsoft.com/office/officeart/2005/8/layout/process3"/>
-    <dgm:cxn modelId="{5DD18197-8C19-4297-B592-3922736E1BCD}" srcId="{9052052F-38A7-4201-B112-CA14C9C8815A}" destId="{4281A2C1-760C-4C85-AD68-5CDC1F263DC8}" srcOrd="2" destOrd="0" parTransId="{019B936D-2AEF-4F24-9334-33724BAB770B}" sibTransId="{68C5AA54-7E21-44CF-B08B-93E62EFFEDD4}"/>
-    <dgm:cxn modelId="{E32E827B-F0B3-4894-9F54-2089CA706BEA}" type="presOf" srcId="{0C160F14-3E4B-45AF-9158-0B1FF390997D}" destId="{4F62ACB9-6EB3-46D3-88CE-775A05A10893}" srcOrd="0" destOrd="0" presId="urn:microsoft.com/office/officeart/2005/8/layout/process3"/>
-    <dgm:cxn modelId="{0FF529A8-56E4-4859-AD7B-946AAFD41D27}" type="presOf" srcId="{BDF85E73-A8EB-4A70-B17D-128A2C0489D4}" destId="{8910FE79-C8A6-4673-AC17-E82A107C5B80}" srcOrd="0" destOrd="2" presId="urn:microsoft.com/office/officeart/2005/8/layout/process3"/>
     <dgm:cxn modelId="{A512BBAD-7D0C-4FAD-832A-312D85F0BEA6}" type="presParOf" srcId="{CD62B700-1A69-4AF5-9A4A-26A59A12ED36}" destId="{293850E2-EC71-4729-9150-06B87B68AD28}" srcOrd="0" destOrd="0" presId="urn:microsoft.com/office/officeart/2005/8/layout/process3"/>
     <dgm:cxn modelId="{C56E28A9-6EE5-4765-B39A-F9F5901101E7}" type="presParOf" srcId="{293850E2-EC71-4729-9150-06B87B68AD28}" destId="{2FD6B1F5-6AAC-452D-BA1A-0791EB1FA462}" srcOrd="0" destOrd="0" presId="urn:microsoft.com/office/officeart/2005/8/layout/process3"/>
     <dgm:cxn modelId="{FE41A00C-7CA0-4312-9978-A981970517A2}" type="presParOf" srcId="{293850E2-EC71-4729-9150-06B87B68AD28}" destId="{5010163B-E75D-4A5D-B0AC-2525A766492E}" srcOrd="1" destOrd="0" presId="urn:microsoft.com/office/officeart/2005/8/layout/process3"/>
@@ -11524,15 +11529,7 @@
                   <a:ea typeface="微軟正黑體" panose="020B0604030504040204" pitchFamily="34" charset="-120"/>
                   <a:cs typeface="Lantinghei SC Extralight" charset="-122"/>
                 </a:rPr>
-                <a:t>虚拟机</a:t>
-              </a:r>
-              <a:r>
-                <a:rPr lang="zh-CN" altLang="en-US" sz="1100" b="1" dirty="0" smtClean="0">
-                  <a:latin typeface="微軟正黑體" panose="020B0604030504040204" pitchFamily="34" charset="-120"/>
-                  <a:ea typeface="微軟正黑體" panose="020B0604030504040204" pitchFamily="34" charset="-120"/>
-                  <a:cs typeface="Lantinghei SC Extralight" charset="-122"/>
-                </a:rPr>
-                <a:t>，掌握与计算机对话的能力</a:t>
+                <a:t>虚拟机，掌握与计算机对话的能力</a:t>
               </a:r>
               <a:endParaRPr lang="en-CA" altLang="zh-CN" sz="1100" b="1" dirty="0">
                 <a:latin typeface="微軟正黑體" panose="020B0604030504040204" pitchFamily="34" charset="-120"/>
@@ -12177,6 +12174,1080 @@
           <a:bodyPr/>
           <a:lstStyle/>
           <a:p>
+            <a:r>
+              <a:rPr lang="en-US" altLang="zh-CN" dirty="0" smtClean="0"/>
+              <a:t>Wiki</a:t>
+            </a:r>
+            <a:r>
+              <a:rPr lang="zh-CN" altLang="en-US" dirty="0" smtClean="0"/>
+              <a:t>主页维护数据</a:t>
+            </a:r>
+            <a:endParaRPr lang="zh-CN" altLang="en-US" dirty="0"/>
+          </a:p>
+        </p:txBody>
+      </p:sp>
+      <p:graphicFrame>
+        <p:nvGraphicFramePr>
+          <p:cNvPr id="4" name="内容占位符 3"/>
+          <p:cNvGraphicFramePr>
+            <a:graphicFrameLocks noGrp="1"/>
+          </p:cNvGraphicFramePr>
+          <p:nvPr>
+            <p:ph idx="1"/>
+            <p:extLst>
+              <p:ext uri="{D42A27DB-BD31-4B8C-83A1-F6EECF244321}">
+                <p14:modId xmlns:p14="http://schemas.microsoft.com/office/powerpoint/2010/main" val="837882505"/>
+              </p:ext>
+            </p:extLst>
+          </p:nvPr>
+        </p:nvGraphicFramePr>
+        <p:xfrm>
+          <a:off x="1096962" y="1846260"/>
+          <a:ext cx="4893020" cy="4382262"/>
+        </p:xfrm>
+        <a:graphic>
+          <a:graphicData uri="http://schemas.openxmlformats.org/drawingml/2006/table">
+            <a:tbl>
+              <a:tblPr firstRow="1" bandRow="1">
+                <a:tableStyleId>{5C22544A-7EE6-4342-B048-85BDC9FD1C3A}</a:tableStyleId>
+              </a:tblPr>
+              <a:tblGrid>
+                <a:gridCol w="1044995">
+                  <a:extLst>
+                    <a:ext uri="{9D8B030D-6E8A-4147-A177-3AD203B41FA5}">
+                      <a16:colId xmlns:a16="http://schemas.microsoft.com/office/drawing/2014/main" val="2646045668"/>
+                    </a:ext>
+                  </a:extLst>
+                </a:gridCol>
+                <a:gridCol w="1436130">
+                  <a:extLst>
+                    <a:ext uri="{9D8B030D-6E8A-4147-A177-3AD203B41FA5}">
+                      <a16:colId xmlns:a16="http://schemas.microsoft.com/office/drawing/2014/main" val="1675523504"/>
+                    </a:ext>
+                  </a:extLst>
+                </a:gridCol>
+                <a:gridCol w="1417983">
+                  <a:extLst>
+                    <a:ext uri="{9D8B030D-6E8A-4147-A177-3AD203B41FA5}">
+                      <a16:colId xmlns:a16="http://schemas.microsoft.com/office/drawing/2014/main" val="1031129292"/>
+                    </a:ext>
+                  </a:extLst>
+                </a:gridCol>
+                <a:gridCol w="993912">
+                  <a:extLst>
+                    <a:ext uri="{9D8B030D-6E8A-4147-A177-3AD203B41FA5}">
+                      <a16:colId xmlns:a16="http://schemas.microsoft.com/office/drawing/2014/main" val="3036816578"/>
+                    </a:ext>
+                  </a:extLst>
+                </a:gridCol>
+              </a:tblGrid>
+              <a:tr h="730377">
+                <a:tc>
+                  <a:txBody>
+                    <a:bodyPr/>
+                    <a:lstStyle/>
+                    <a:p>
+                      <a:pPr algn="ctr"/>
+                      <a:r>
+                        <a:rPr lang="zh-CN" altLang="en-US" dirty="0" smtClean="0">
+                          <a:latin typeface="楷体_GB2312" panose="02010609030101010101" pitchFamily="49" charset="-122"/>
+                          <a:ea typeface="楷体_GB2312" panose="02010609030101010101" pitchFamily="49" charset="-122"/>
+                        </a:rPr>
+                        <a:t>组员</a:t>
+                      </a:r>
+                      <a:endParaRPr lang="zh-CN" altLang="en-US" dirty="0">
+                        <a:latin typeface="楷体_GB2312" panose="02010609030101010101" pitchFamily="49" charset="-122"/>
+                        <a:ea typeface="楷体_GB2312" panose="02010609030101010101" pitchFamily="49" charset="-122"/>
+                      </a:endParaRPr>
+                    </a:p>
+                  </a:txBody>
+                  <a:tcPr anchor="ctr"/>
+                </a:tc>
+                <a:tc>
+                  <a:txBody>
+                    <a:bodyPr/>
+                    <a:lstStyle/>
+                    <a:p>
+                      <a:pPr algn="ctr"/>
+                      <a:r>
+                        <a:rPr lang="zh-CN" altLang="en-US" dirty="0" smtClean="0">
+                          <a:latin typeface="楷体_GB2312" panose="02010609030101010101" pitchFamily="49" charset="-122"/>
+                          <a:ea typeface="楷体_GB2312" panose="02010609030101010101" pitchFamily="49" charset="-122"/>
+                        </a:rPr>
+                        <a:t>上周字符</a:t>
+                      </a:r>
+                      <a:r>
+                        <a:rPr lang="zh-CN" altLang="en-US" dirty="0" smtClean="0">
+                          <a:latin typeface="楷体_GB2312" panose="02010609030101010101" pitchFamily="49" charset="-122"/>
+                          <a:ea typeface="楷体_GB2312" panose="02010609030101010101" pitchFamily="49" charset="-122"/>
+                        </a:rPr>
+                        <a:t>数</a:t>
+                      </a:r>
+                      <a:endParaRPr lang="zh-CN" altLang="en-US" dirty="0">
+                        <a:latin typeface="楷体_GB2312" panose="02010609030101010101" pitchFamily="49" charset="-122"/>
+                        <a:ea typeface="楷体_GB2312" panose="02010609030101010101" pitchFamily="49" charset="-122"/>
+                      </a:endParaRPr>
+                    </a:p>
+                  </a:txBody>
+                  <a:tcPr anchor="ctr"/>
+                </a:tc>
+                <a:tc>
+                  <a:txBody>
+                    <a:bodyPr/>
+                    <a:lstStyle/>
+                    <a:p>
+                      <a:pPr algn="ctr"/>
+                      <a:r>
+                        <a:rPr lang="zh-CN" altLang="en-US" dirty="0" smtClean="0">
+                          <a:latin typeface="楷体_GB2312" panose="02010609030101010101" pitchFamily="49" charset="-122"/>
+                          <a:ea typeface="楷体_GB2312" panose="02010609030101010101" pitchFamily="49" charset="-122"/>
+                        </a:rPr>
+                        <a:t>本周字符数</a:t>
+                      </a:r>
+                      <a:endParaRPr lang="zh-CN" altLang="en-US" dirty="0">
+                        <a:latin typeface="楷体_GB2312" panose="02010609030101010101" pitchFamily="49" charset="-122"/>
+                        <a:ea typeface="楷体_GB2312" panose="02010609030101010101" pitchFamily="49" charset="-122"/>
+                      </a:endParaRPr>
+                    </a:p>
+                  </a:txBody>
+                  <a:tcPr anchor="ctr"/>
+                </a:tc>
+                <a:tc>
+                  <a:txBody>
+                    <a:bodyPr/>
+                    <a:lstStyle/>
+                    <a:p>
+                      <a:pPr algn="ctr"/>
+                      <a:r>
+                        <a:rPr lang="zh-CN" altLang="en-US" dirty="0" smtClean="0">
+                          <a:latin typeface="楷体_GB2312" panose="02010609030101010101" pitchFamily="49" charset="-122"/>
+                          <a:ea typeface="楷体_GB2312" panose="02010609030101010101" pitchFamily="49" charset="-122"/>
+                        </a:rPr>
+                        <a:t>增加量</a:t>
+                      </a:r>
+                      <a:endParaRPr lang="zh-CN" altLang="en-US" dirty="0">
+                        <a:latin typeface="楷体_GB2312" panose="02010609030101010101" pitchFamily="49" charset="-122"/>
+                        <a:ea typeface="楷体_GB2312" panose="02010609030101010101" pitchFamily="49" charset="-122"/>
+                      </a:endParaRPr>
+                    </a:p>
+                  </a:txBody>
+                  <a:tcPr anchor="ctr"/>
+                </a:tc>
+                <a:extLst>
+                  <a:ext uri="{0D108BD9-81ED-4DB2-BD59-A6C34878D82A}">
+                    <a16:rowId xmlns:a16="http://schemas.microsoft.com/office/drawing/2014/main" val="2141551142"/>
+                  </a:ext>
+                </a:extLst>
+              </a:tr>
+              <a:tr h="730377">
+                <a:tc>
+                  <a:txBody>
+                    <a:bodyPr/>
+                    <a:lstStyle/>
+                    <a:p>
+                      <a:r>
+                        <a:rPr lang="zh-CN" altLang="en-US" dirty="0" smtClean="0">
+                          <a:latin typeface="仿宋_GB2312" panose="02010609030101010101" pitchFamily="49" charset="-122"/>
+                          <a:ea typeface="仿宋_GB2312" panose="02010609030101010101" pitchFamily="49" charset="-122"/>
+                        </a:rPr>
+                        <a:t>全小组</a:t>
+                      </a:r>
+                      <a:endParaRPr lang="zh-CN" altLang="en-US" dirty="0">
+                        <a:latin typeface="仿宋_GB2312" panose="02010609030101010101" pitchFamily="49" charset="-122"/>
+                        <a:ea typeface="仿宋_GB2312" panose="02010609030101010101" pitchFamily="49" charset="-122"/>
+                      </a:endParaRPr>
+                    </a:p>
+                  </a:txBody>
+                  <a:tcPr anchor="ctr" anchorCtr="1"/>
+                </a:tc>
+                <a:tc>
+                  <a:txBody>
+                    <a:bodyPr/>
+                    <a:lstStyle/>
+                    <a:p>
+                      <a:endParaRPr lang="zh-CN" altLang="en-US" dirty="0">
+                        <a:latin typeface="仿宋_GB2312" panose="02010609030101010101" pitchFamily="49" charset="-122"/>
+                        <a:ea typeface="仿宋_GB2312" panose="02010609030101010101" pitchFamily="49" charset="-122"/>
+                      </a:endParaRPr>
+                    </a:p>
+                  </a:txBody>
+                  <a:tcPr anchor="ctr" anchorCtr="1"/>
+                </a:tc>
+                <a:tc>
+                  <a:txBody>
+                    <a:bodyPr/>
+                    <a:lstStyle/>
+                    <a:p>
+                      <a:endParaRPr lang="zh-CN" altLang="en-US" dirty="0">
+                        <a:latin typeface="仿宋_GB2312" panose="02010609030101010101" pitchFamily="49" charset="-122"/>
+                        <a:ea typeface="仿宋_GB2312" panose="02010609030101010101" pitchFamily="49" charset="-122"/>
+                      </a:endParaRPr>
+                    </a:p>
+                  </a:txBody>
+                  <a:tcPr anchor="ctr" anchorCtr="1"/>
+                </a:tc>
+                <a:tc>
+                  <a:txBody>
+                    <a:bodyPr/>
+                    <a:lstStyle/>
+                    <a:p>
+                      <a:endParaRPr lang="zh-CN" altLang="en-US" dirty="0">
+                        <a:latin typeface="仿宋_GB2312" panose="02010609030101010101" pitchFamily="49" charset="-122"/>
+                        <a:ea typeface="仿宋_GB2312" panose="02010609030101010101" pitchFamily="49" charset="-122"/>
+                      </a:endParaRPr>
+                    </a:p>
+                  </a:txBody>
+                  <a:tcPr anchor="ctr" anchorCtr="1"/>
+                </a:tc>
+                <a:extLst>
+                  <a:ext uri="{0D108BD9-81ED-4DB2-BD59-A6C34878D82A}">
+                    <a16:rowId xmlns:a16="http://schemas.microsoft.com/office/drawing/2014/main" val="1524435293"/>
+                  </a:ext>
+                </a:extLst>
+              </a:tr>
+              <a:tr h="730377">
+                <a:tc>
+                  <a:txBody>
+                    <a:bodyPr/>
+                    <a:lstStyle/>
+                    <a:p>
+                      <a:r>
+                        <a:rPr lang="zh-CN" altLang="en-US" dirty="0" smtClean="0">
+                          <a:latin typeface="仿宋_GB2312" panose="02010609030101010101" pitchFamily="49" charset="-122"/>
+                          <a:ea typeface="仿宋_GB2312" panose="02010609030101010101" pitchFamily="49" charset="-122"/>
+                        </a:rPr>
+                        <a:t>唐天映</a:t>
+                      </a:r>
+                      <a:endParaRPr lang="zh-CN" altLang="en-US" dirty="0">
+                        <a:latin typeface="仿宋_GB2312" panose="02010609030101010101" pitchFamily="49" charset="-122"/>
+                        <a:ea typeface="仿宋_GB2312" panose="02010609030101010101" pitchFamily="49" charset="-122"/>
+                      </a:endParaRPr>
+                    </a:p>
+                  </a:txBody>
+                  <a:tcPr anchor="ctr" anchorCtr="1"/>
+                </a:tc>
+                <a:tc>
+                  <a:txBody>
+                    <a:bodyPr/>
+                    <a:lstStyle/>
+                    <a:p>
+                      <a:endParaRPr lang="zh-CN" altLang="en-US">
+                        <a:latin typeface="仿宋_GB2312" panose="02010609030101010101" pitchFamily="49" charset="-122"/>
+                        <a:ea typeface="仿宋_GB2312" panose="02010609030101010101" pitchFamily="49" charset="-122"/>
+                      </a:endParaRPr>
+                    </a:p>
+                  </a:txBody>
+                  <a:tcPr anchor="ctr" anchorCtr="1"/>
+                </a:tc>
+                <a:tc>
+                  <a:txBody>
+                    <a:bodyPr/>
+                    <a:lstStyle/>
+                    <a:p>
+                      <a:endParaRPr lang="zh-CN" altLang="en-US" dirty="0">
+                        <a:latin typeface="仿宋_GB2312" panose="02010609030101010101" pitchFamily="49" charset="-122"/>
+                        <a:ea typeface="仿宋_GB2312" panose="02010609030101010101" pitchFamily="49" charset="-122"/>
+                      </a:endParaRPr>
+                    </a:p>
+                  </a:txBody>
+                  <a:tcPr anchor="ctr" anchorCtr="1"/>
+                </a:tc>
+                <a:tc>
+                  <a:txBody>
+                    <a:bodyPr/>
+                    <a:lstStyle/>
+                    <a:p>
+                      <a:endParaRPr lang="zh-CN" altLang="en-US" dirty="0">
+                        <a:latin typeface="仿宋_GB2312" panose="02010609030101010101" pitchFamily="49" charset="-122"/>
+                        <a:ea typeface="仿宋_GB2312" panose="02010609030101010101" pitchFamily="49" charset="-122"/>
+                      </a:endParaRPr>
+                    </a:p>
+                  </a:txBody>
+                  <a:tcPr anchor="ctr" anchorCtr="1"/>
+                </a:tc>
+                <a:extLst>
+                  <a:ext uri="{0D108BD9-81ED-4DB2-BD59-A6C34878D82A}">
+                    <a16:rowId xmlns:a16="http://schemas.microsoft.com/office/drawing/2014/main" val="1797493047"/>
+                  </a:ext>
+                </a:extLst>
+              </a:tr>
+              <a:tr h="730377">
+                <a:tc>
+                  <a:txBody>
+                    <a:bodyPr/>
+                    <a:lstStyle/>
+                    <a:p>
+                      <a:r>
+                        <a:rPr lang="zh-CN" altLang="en-US" dirty="0" smtClean="0">
+                          <a:latin typeface="仿宋_GB2312" panose="02010609030101010101" pitchFamily="49" charset="-122"/>
+                          <a:ea typeface="仿宋_GB2312" panose="02010609030101010101" pitchFamily="49" charset="-122"/>
+                        </a:rPr>
+                        <a:t>彭德利</a:t>
+                      </a:r>
+                      <a:endParaRPr lang="zh-CN" altLang="en-US" dirty="0">
+                        <a:latin typeface="仿宋_GB2312" panose="02010609030101010101" pitchFamily="49" charset="-122"/>
+                        <a:ea typeface="仿宋_GB2312" panose="02010609030101010101" pitchFamily="49" charset="-122"/>
+                      </a:endParaRPr>
+                    </a:p>
+                  </a:txBody>
+                  <a:tcPr anchor="ctr" anchorCtr="1"/>
+                </a:tc>
+                <a:tc>
+                  <a:txBody>
+                    <a:bodyPr/>
+                    <a:lstStyle/>
+                    <a:p>
+                      <a:endParaRPr lang="zh-CN" altLang="en-US" dirty="0">
+                        <a:latin typeface="仿宋_GB2312" panose="02010609030101010101" pitchFamily="49" charset="-122"/>
+                        <a:ea typeface="仿宋_GB2312" panose="02010609030101010101" pitchFamily="49" charset="-122"/>
+                      </a:endParaRPr>
+                    </a:p>
+                  </a:txBody>
+                  <a:tcPr anchor="ctr" anchorCtr="1"/>
+                </a:tc>
+                <a:tc>
+                  <a:txBody>
+                    <a:bodyPr/>
+                    <a:lstStyle/>
+                    <a:p>
+                      <a:endParaRPr lang="zh-CN" altLang="en-US">
+                        <a:latin typeface="仿宋_GB2312" panose="02010609030101010101" pitchFamily="49" charset="-122"/>
+                        <a:ea typeface="仿宋_GB2312" panose="02010609030101010101" pitchFamily="49" charset="-122"/>
+                      </a:endParaRPr>
+                    </a:p>
+                  </a:txBody>
+                  <a:tcPr anchor="ctr" anchorCtr="1"/>
+                </a:tc>
+                <a:tc>
+                  <a:txBody>
+                    <a:bodyPr/>
+                    <a:lstStyle/>
+                    <a:p>
+                      <a:endParaRPr lang="zh-CN" altLang="en-US">
+                        <a:latin typeface="仿宋_GB2312" panose="02010609030101010101" pitchFamily="49" charset="-122"/>
+                        <a:ea typeface="仿宋_GB2312" panose="02010609030101010101" pitchFamily="49" charset="-122"/>
+                      </a:endParaRPr>
+                    </a:p>
+                  </a:txBody>
+                  <a:tcPr anchor="ctr" anchorCtr="1"/>
+                </a:tc>
+                <a:extLst>
+                  <a:ext uri="{0D108BD9-81ED-4DB2-BD59-A6C34878D82A}">
+                    <a16:rowId xmlns:a16="http://schemas.microsoft.com/office/drawing/2014/main" val="3981332351"/>
+                  </a:ext>
+                </a:extLst>
+              </a:tr>
+              <a:tr h="730377">
+                <a:tc>
+                  <a:txBody>
+                    <a:bodyPr/>
+                    <a:lstStyle/>
+                    <a:p>
+                      <a:r>
+                        <a:rPr lang="zh-CN" altLang="en-US" dirty="0" smtClean="0">
+                          <a:latin typeface="仿宋_GB2312" panose="02010609030101010101" pitchFamily="49" charset="-122"/>
+                          <a:ea typeface="仿宋_GB2312" panose="02010609030101010101" pitchFamily="49" charset="-122"/>
+                        </a:rPr>
+                        <a:t>张恪易</a:t>
+                      </a:r>
+                      <a:endParaRPr lang="zh-CN" altLang="en-US" dirty="0">
+                        <a:latin typeface="仿宋_GB2312" panose="02010609030101010101" pitchFamily="49" charset="-122"/>
+                        <a:ea typeface="仿宋_GB2312" panose="02010609030101010101" pitchFamily="49" charset="-122"/>
+                      </a:endParaRPr>
+                    </a:p>
+                  </a:txBody>
+                  <a:tcPr anchor="ctr" anchorCtr="1"/>
+                </a:tc>
+                <a:tc>
+                  <a:txBody>
+                    <a:bodyPr/>
+                    <a:lstStyle/>
+                    <a:p>
+                      <a:endParaRPr lang="zh-CN" altLang="en-US" dirty="0">
+                        <a:latin typeface="仿宋_GB2312" panose="02010609030101010101" pitchFamily="49" charset="-122"/>
+                        <a:ea typeface="仿宋_GB2312" panose="02010609030101010101" pitchFamily="49" charset="-122"/>
+                      </a:endParaRPr>
+                    </a:p>
+                  </a:txBody>
+                  <a:tcPr anchor="ctr" anchorCtr="1"/>
+                </a:tc>
+                <a:tc>
+                  <a:txBody>
+                    <a:bodyPr/>
+                    <a:lstStyle/>
+                    <a:p>
+                      <a:endParaRPr lang="zh-CN" altLang="en-US" dirty="0">
+                        <a:latin typeface="仿宋_GB2312" panose="02010609030101010101" pitchFamily="49" charset="-122"/>
+                        <a:ea typeface="仿宋_GB2312" panose="02010609030101010101" pitchFamily="49" charset="-122"/>
+                      </a:endParaRPr>
+                    </a:p>
+                  </a:txBody>
+                  <a:tcPr anchor="ctr" anchorCtr="1"/>
+                </a:tc>
+                <a:tc>
+                  <a:txBody>
+                    <a:bodyPr/>
+                    <a:lstStyle/>
+                    <a:p>
+                      <a:endParaRPr lang="zh-CN" altLang="en-US">
+                        <a:latin typeface="仿宋_GB2312" panose="02010609030101010101" pitchFamily="49" charset="-122"/>
+                        <a:ea typeface="仿宋_GB2312" panose="02010609030101010101" pitchFamily="49" charset="-122"/>
+                      </a:endParaRPr>
+                    </a:p>
+                  </a:txBody>
+                  <a:tcPr anchor="ctr" anchorCtr="1"/>
+                </a:tc>
+                <a:extLst>
+                  <a:ext uri="{0D108BD9-81ED-4DB2-BD59-A6C34878D82A}">
+                    <a16:rowId xmlns:a16="http://schemas.microsoft.com/office/drawing/2014/main" val="1135050104"/>
+                  </a:ext>
+                </a:extLst>
+              </a:tr>
+              <a:tr h="730377">
+                <a:tc>
+                  <a:txBody>
+                    <a:bodyPr/>
+                    <a:lstStyle/>
+                    <a:p>
+                      <a:r>
+                        <a:rPr lang="zh-CN" altLang="en-US" dirty="0" smtClean="0">
+                          <a:latin typeface="仿宋_GB2312" panose="02010609030101010101" pitchFamily="49" charset="-122"/>
+                          <a:ea typeface="仿宋_GB2312" panose="02010609030101010101" pitchFamily="49" charset="-122"/>
+                        </a:rPr>
+                        <a:t>张晨</a:t>
+                      </a:r>
+                      <a:endParaRPr lang="zh-CN" altLang="en-US" dirty="0">
+                        <a:latin typeface="仿宋_GB2312" panose="02010609030101010101" pitchFamily="49" charset="-122"/>
+                        <a:ea typeface="仿宋_GB2312" panose="02010609030101010101" pitchFamily="49" charset="-122"/>
+                      </a:endParaRPr>
+                    </a:p>
+                  </a:txBody>
+                  <a:tcPr anchor="ctr" anchorCtr="1"/>
+                </a:tc>
+                <a:tc>
+                  <a:txBody>
+                    <a:bodyPr/>
+                    <a:lstStyle/>
+                    <a:p>
+                      <a:endParaRPr lang="zh-CN" altLang="en-US" dirty="0">
+                        <a:latin typeface="仿宋_GB2312" panose="02010609030101010101" pitchFamily="49" charset="-122"/>
+                        <a:ea typeface="仿宋_GB2312" panose="02010609030101010101" pitchFamily="49" charset="-122"/>
+                      </a:endParaRPr>
+                    </a:p>
+                  </a:txBody>
+                  <a:tcPr anchor="ctr" anchorCtr="1"/>
+                </a:tc>
+                <a:tc>
+                  <a:txBody>
+                    <a:bodyPr/>
+                    <a:lstStyle/>
+                    <a:p>
+                      <a:endParaRPr lang="zh-CN" altLang="en-US" dirty="0">
+                        <a:latin typeface="仿宋_GB2312" panose="02010609030101010101" pitchFamily="49" charset="-122"/>
+                        <a:ea typeface="仿宋_GB2312" panose="02010609030101010101" pitchFamily="49" charset="-122"/>
+                      </a:endParaRPr>
+                    </a:p>
+                  </a:txBody>
+                  <a:tcPr anchor="ctr" anchorCtr="1"/>
+                </a:tc>
+                <a:tc>
+                  <a:txBody>
+                    <a:bodyPr/>
+                    <a:lstStyle/>
+                    <a:p>
+                      <a:endParaRPr lang="zh-CN" altLang="en-US" dirty="0">
+                        <a:latin typeface="仿宋_GB2312" panose="02010609030101010101" pitchFamily="49" charset="-122"/>
+                        <a:ea typeface="仿宋_GB2312" panose="02010609030101010101" pitchFamily="49" charset="-122"/>
+                      </a:endParaRPr>
+                    </a:p>
+                  </a:txBody>
+                  <a:tcPr anchor="ctr" anchorCtr="1"/>
+                </a:tc>
+                <a:extLst>
+                  <a:ext uri="{0D108BD9-81ED-4DB2-BD59-A6C34878D82A}">
+                    <a16:rowId xmlns:a16="http://schemas.microsoft.com/office/drawing/2014/main" val="1213248429"/>
+                  </a:ext>
+                </a:extLst>
+              </a:tr>
+            </a:tbl>
+          </a:graphicData>
+        </a:graphic>
+      </p:graphicFrame>
+    </p:spTree>
+    <p:extLst>
+      <p:ext uri="{BB962C8B-B14F-4D97-AF65-F5344CB8AC3E}">
+        <p14:creationId xmlns:p14="http://schemas.microsoft.com/office/powerpoint/2010/main" val="2734355751"/>
+      </p:ext>
+    </p:extLst>
+  </p:cSld>
+  <p:clrMapOvr>
+    <a:masterClrMapping/>
+  </p:clrMapOvr>
+  <p:timing>
+    <p:tnLst>
+      <p:par>
+        <p:cTn id="1" dur="indefinite" restart="never" nodeType="tmRoot"/>
+      </p:par>
+    </p:tnLst>
+  </p:timing>
+</p:sld>
+</file>
+
+<file path=ppt/slides/slide5.xml><?xml version="1.0" encoding="utf-8"?>
+<p:sld xmlns:a="http://schemas.openxmlformats.org/drawingml/2006/main" xmlns:r="http://schemas.openxmlformats.org/officeDocument/2006/relationships" xmlns:p="http://schemas.openxmlformats.org/presentationml/2006/main">
+  <p:cSld>
+    <p:spTree>
+      <p:nvGrpSpPr>
+        <p:cNvPr id="1" name=""/>
+        <p:cNvGrpSpPr/>
+        <p:nvPr/>
+      </p:nvGrpSpPr>
+      <p:grpSpPr>
+        <a:xfrm>
+          <a:off x="0" y="0"/>
+          <a:ext cx="0" cy="0"/>
+          <a:chOff x="0" y="0"/>
+          <a:chExt cx="0" cy="0"/>
+        </a:xfrm>
+      </p:grpSpPr>
+      <p:sp>
+        <p:nvSpPr>
+          <p:cNvPr id="2" name="标题 1"/>
+          <p:cNvSpPr>
+            <a:spLocks noGrp="1"/>
+          </p:cNvSpPr>
+          <p:nvPr>
+            <p:ph type="title"/>
+          </p:nvPr>
+        </p:nvSpPr>
+        <p:spPr/>
+        <p:txBody>
+          <a:bodyPr/>
+          <a:lstStyle/>
+          <a:p>
+            <a:r>
+              <a:rPr lang="zh-CN" altLang="en-US" dirty="0" smtClean="0"/>
+              <a:t>个人</a:t>
+            </a:r>
+            <a:r>
+              <a:rPr lang="en-US" altLang="zh-CN" dirty="0" smtClean="0"/>
+              <a:t>Wiki</a:t>
+            </a:r>
+            <a:r>
+              <a:rPr lang="zh-CN" altLang="en-US" dirty="0" smtClean="0"/>
+              <a:t>主页</a:t>
+            </a:r>
+            <a:endParaRPr lang="zh-CN" altLang="en-US" dirty="0"/>
+          </a:p>
+        </p:txBody>
+      </p:sp>
+      <p:sp>
+        <p:nvSpPr>
+          <p:cNvPr id="3" name="内容占位符 2"/>
+          <p:cNvSpPr>
+            <a:spLocks noGrp="1"/>
+          </p:cNvSpPr>
+          <p:nvPr>
+            <p:ph idx="1"/>
+          </p:nvPr>
+        </p:nvSpPr>
+        <p:spPr>
+          <a:xfrm>
+            <a:off x="1097280" y="1845734"/>
+            <a:ext cx="10058400" cy="1175762"/>
+          </a:xfrm>
+        </p:spPr>
+        <p:txBody>
+          <a:bodyPr>
+            <a:normAutofit/>
+          </a:bodyPr>
+          <a:lstStyle/>
+          <a:p>
+            <a:pPr>
+              <a:buFont typeface="Wingdings" panose="05000000000000000000" pitchFamily="2" charset="2"/>
+              <a:buChar char="n"/>
+            </a:pPr>
+            <a:r>
+              <a:rPr lang="zh-CN" altLang="en-US" sz="2800" dirty="0" smtClean="0"/>
+              <a:t>梳理内容，规范格式；</a:t>
+            </a:r>
+            <a:endParaRPr lang="en-US" altLang="zh-CN" sz="2800" dirty="0" smtClean="0"/>
+          </a:p>
+          <a:p>
+            <a:pPr>
+              <a:buFont typeface="Wingdings" panose="05000000000000000000" pitchFamily="2" charset="2"/>
+              <a:buChar char="n"/>
+            </a:pPr>
+            <a:r>
+              <a:rPr lang="zh-CN" altLang="en-US" sz="2800" dirty="0" smtClean="0"/>
+              <a:t>每个人增加个人思维记录主页并连接到个人主页中。</a:t>
+            </a:r>
+            <a:endParaRPr lang="zh-CN" altLang="en-US" sz="2800" dirty="0"/>
+          </a:p>
+        </p:txBody>
+      </p:sp>
+      <p:pic>
+        <p:nvPicPr>
+          <p:cNvPr id="4" name="图片 3"/>
+          <p:cNvPicPr>
+            <a:picLocks noChangeAspect="1"/>
+          </p:cNvPicPr>
+          <p:nvPr/>
+        </p:nvPicPr>
+        <p:blipFill>
+          <a:blip r:embed="rId2"/>
+          <a:stretch>
+            <a:fillRect/>
+          </a:stretch>
+        </p:blipFill>
+        <p:spPr>
+          <a:xfrm>
+            <a:off x="4435222" y="4069114"/>
+            <a:ext cx="2619048" cy="933333"/>
+          </a:xfrm>
+          <a:prstGeom prst="rect">
+            <a:avLst/>
+          </a:prstGeom>
+        </p:spPr>
+      </p:pic>
+      <p:pic>
+        <p:nvPicPr>
+          <p:cNvPr id="6" name="图片 5"/>
+          <p:cNvPicPr>
+            <a:picLocks noChangeAspect="1"/>
+          </p:cNvPicPr>
+          <p:nvPr/>
+        </p:nvPicPr>
+        <p:blipFill>
+          <a:blip r:embed="rId3"/>
+          <a:stretch>
+            <a:fillRect/>
+          </a:stretch>
+        </p:blipFill>
+        <p:spPr>
+          <a:xfrm>
+            <a:off x="7437507" y="3021496"/>
+            <a:ext cx="3266667" cy="3028571"/>
+          </a:xfrm>
+          <a:prstGeom prst="rect">
+            <a:avLst/>
+          </a:prstGeom>
+        </p:spPr>
+      </p:pic>
+      <p:pic>
+        <p:nvPicPr>
+          <p:cNvPr id="7" name="图片 6"/>
+          <p:cNvPicPr>
+            <a:picLocks noChangeAspect="1"/>
+          </p:cNvPicPr>
+          <p:nvPr/>
+        </p:nvPicPr>
+        <p:blipFill>
+          <a:blip r:embed="rId4"/>
+          <a:stretch>
+            <a:fillRect/>
+          </a:stretch>
+        </p:blipFill>
+        <p:spPr>
+          <a:xfrm>
+            <a:off x="997756" y="2889620"/>
+            <a:ext cx="3186318" cy="3144830"/>
+          </a:xfrm>
+          <a:prstGeom prst="rect">
+            <a:avLst/>
+          </a:prstGeom>
+        </p:spPr>
+      </p:pic>
+    </p:spTree>
+    <p:extLst>
+      <p:ext uri="{BB962C8B-B14F-4D97-AF65-F5344CB8AC3E}">
+        <p14:creationId xmlns:p14="http://schemas.microsoft.com/office/powerpoint/2010/main" val="3996484413"/>
+      </p:ext>
+    </p:extLst>
+  </p:cSld>
+  <p:clrMapOvr>
+    <a:masterClrMapping/>
+  </p:clrMapOvr>
+  <p:timing>
+    <p:tnLst>
+      <p:par>
+        <p:cTn id="1" dur="indefinite" restart="never" nodeType="tmRoot"/>
+      </p:par>
+    </p:tnLst>
+  </p:timing>
+</p:sld>
+</file>
+
+<file path=ppt/slides/slide6.xml><?xml version="1.0" encoding="utf-8"?>
+<p:sld xmlns:a="http://schemas.openxmlformats.org/drawingml/2006/main" xmlns:r="http://schemas.openxmlformats.org/officeDocument/2006/relationships" xmlns:p="http://schemas.openxmlformats.org/presentationml/2006/main">
+  <p:cSld>
+    <p:spTree>
+      <p:nvGrpSpPr>
+        <p:cNvPr id="1" name=""/>
+        <p:cNvGrpSpPr/>
+        <p:nvPr/>
+      </p:nvGrpSpPr>
+      <p:grpSpPr>
+        <a:xfrm>
+          <a:off x="0" y="0"/>
+          <a:ext cx="0" cy="0"/>
+          <a:chOff x="0" y="0"/>
+          <a:chExt cx="0" cy="0"/>
+        </a:xfrm>
+      </p:grpSpPr>
+      <p:pic>
+        <p:nvPicPr>
+          <p:cNvPr id="8" name="图片 7"/>
+          <p:cNvPicPr>
+            <a:picLocks noChangeAspect="1"/>
+          </p:cNvPicPr>
+          <p:nvPr/>
+        </p:nvPicPr>
+        <p:blipFill>
+          <a:blip r:embed="rId2"/>
+          <a:stretch>
+            <a:fillRect/>
+          </a:stretch>
+        </p:blipFill>
+        <p:spPr>
+          <a:xfrm>
+            <a:off x="62177" y="265043"/>
+            <a:ext cx="12129823" cy="5472953"/>
+          </a:xfrm>
+          <a:prstGeom prst="rect">
+            <a:avLst/>
+          </a:prstGeom>
+        </p:spPr>
+      </p:pic>
+    </p:spTree>
+    <p:extLst>
+      <p:ext uri="{BB962C8B-B14F-4D97-AF65-F5344CB8AC3E}">
+        <p14:creationId xmlns:p14="http://schemas.microsoft.com/office/powerpoint/2010/main" val="382400265"/>
+      </p:ext>
+    </p:extLst>
+  </p:cSld>
+  <p:clrMapOvr>
+    <a:masterClrMapping/>
+  </p:clrMapOvr>
+  <p:timing>
+    <p:tnLst>
+      <p:par>
+        <p:cTn id="1" dur="indefinite" restart="never" nodeType="tmRoot"/>
+      </p:par>
+    </p:tnLst>
+  </p:timing>
+</p:sld>
+</file>
+
+<file path=ppt/slides/slide7.xml><?xml version="1.0" encoding="utf-8"?>
+<p:sld xmlns:a="http://schemas.openxmlformats.org/drawingml/2006/main" xmlns:r="http://schemas.openxmlformats.org/officeDocument/2006/relationships" xmlns:p="http://schemas.openxmlformats.org/presentationml/2006/main">
+  <p:cSld>
+    <p:spTree>
+      <p:nvGrpSpPr>
+        <p:cNvPr id="1" name=""/>
+        <p:cNvGrpSpPr/>
+        <p:nvPr/>
+      </p:nvGrpSpPr>
+      <p:grpSpPr>
+        <a:xfrm>
+          <a:off x="0" y="0"/>
+          <a:ext cx="0" cy="0"/>
+          <a:chOff x="0" y="0"/>
+          <a:chExt cx="0" cy="0"/>
+        </a:xfrm>
+      </p:grpSpPr>
+      <p:pic>
+        <p:nvPicPr>
+          <p:cNvPr id="4" name="图片 3"/>
+          <p:cNvPicPr>
+            <a:picLocks noChangeAspect="1"/>
+          </p:cNvPicPr>
+          <p:nvPr/>
+        </p:nvPicPr>
+        <p:blipFill>
+          <a:blip r:embed="rId2"/>
+          <a:stretch>
+            <a:fillRect/>
+          </a:stretch>
+        </p:blipFill>
+        <p:spPr>
+          <a:xfrm>
+            <a:off x="336176" y="527907"/>
+            <a:ext cx="11036779" cy="2526024"/>
+          </a:xfrm>
+          <a:prstGeom prst="rect">
+            <a:avLst/>
+          </a:prstGeom>
+        </p:spPr>
+      </p:pic>
+      <p:sp>
+        <p:nvSpPr>
+          <p:cNvPr id="5" name="文本框 4"/>
+          <p:cNvSpPr txBox="1"/>
+          <p:nvPr/>
+        </p:nvSpPr>
+        <p:spPr>
+          <a:xfrm>
+            <a:off x="336176" y="3519055"/>
+            <a:ext cx="9716654" cy="1754326"/>
+          </a:xfrm>
+          <a:prstGeom prst="rect">
+            <a:avLst/>
+          </a:prstGeom>
+          <a:noFill/>
+        </p:spPr>
+        <p:txBody>
+          <a:bodyPr wrap="square" rtlCol="0">
+            <a:spAutoFit/>
+          </a:bodyPr>
+          <a:lstStyle/>
+          <a:p>
+            <a:pPr>
+              <a:lnSpc>
+                <a:spcPct val="150000"/>
+              </a:lnSpc>
+            </a:pPr>
+            <a:r>
+              <a:rPr lang="zh-CN" altLang="en-US" b="1" dirty="0" smtClean="0">
+                <a:latin typeface="楷体" panose="02010609060101010101" pitchFamily="49" charset="-122"/>
+                <a:ea typeface="楷体" panose="02010609060101010101" pitchFamily="49" charset="-122"/>
+              </a:rPr>
+              <a:t>设置思维记录主页的目的：</a:t>
+            </a:r>
+            <a:r>
+              <a:rPr lang="zh-CN" altLang="en-US" dirty="0" smtClean="0">
+                <a:latin typeface="楷体" panose="02010609060101010101" pitchFamily="49" charset="-122"/>
+                <a:ea typeface="楷体" panose="02010609060101010101" pitchFamily="49" charset="-122"/>
+              </a:rPr>
+              <a:t>记录每个组员在自我学习中所产生的思维灵感，记录某个观点从萌发到成熟的过程，并为反思过程与改进思维模式提供一定的帮助。</a:t>
+            </a:r>
+            <a:endParaRPr lang="en-US" altLang="zh-CN" dirty="0" smtClean="0">
+              <a:latin typeface="楷体" panose="02010609060101010101" pitchFamily="49" charset="-122"/>
+              <a:ea typeface="楷体" panose="02010609060101010101" pitchFamily="49" charset="-122"/>
+            </a:endParaRPr>
+          </a:p>
+          <a:p>
+            <a:pPr>
+              <a:lnSpc>
+                <a:spcPct val="150000"/>
+              </a:lnSpc>
+            </a:pPr>
+            <a:r>
+              <a:rPr lang="zh-CN" altLang="en-US" b="1" dirty="0" smtClean="0">
+                <a:latin typeface="楷体" panose="02010609060101010101" pitchFamily="49" charset="-122"/>
+                <a:ea typeface="楷体" panose="02010609060101010101" pitchFamily="49" charset="-122"/>
+              </a:rPr>
+              <a:t>优点：</a:t>
+            </a:r>
+            <a:r>
+              <a:rPr lang="zh-CN" altLang="en-US" dirty="0" smtClean="0">
+                <a:latin typeface="楷体" panose="02010609060101010101" pitchFamily="49" charset="-122"/>
+                <a:ea typeface="楷体" panose="02010609060101010101" pitchFamily="49" charset="-122"/>
+              </a:rPr>
+              <a:t>形式类似于日记，不拘泥于具体格式，只记录灵感产生的过程，可持续进行维护，一定程度上具有时间连续性。</a:t>
+            </a:r>
+            <a:endParaRPr lang="zh-CN" altLang="en-US" dirty="0">
+              <a:latin typeface="楷体" panose="02010609060101010101" pitchFamily="49" charset="-122"/>
+              <a:ea typeface="楷体" panose="02010609060101010101" pitchFamily="49" charset="-122"/>
+            </a:endParaRPr>
+          </a:p>
+        </p:txBody>
+      </p:sp>
+    </p:spTree>
+    <p:extLst>
+      <p:ext uri="{BB962C8B-B14F-4D97-AF65-F5344CB8AC3E}">
+        <p14:creationId xmlns:p14="http://schemas.microsoft.com/office/powerpoint/2010/main" val="3762512601"/>
+      </p:ext>
+    </p:extLst>
+  </p:cSld>
+  <p:clrMapOvr>
+    <a:masterClrMapping/>
+  </p:clrMapOvr>
+  <p:timing>
+    <p:tnLst>
+      <p:par>
+        <p:cTn id="1" dur="indefinite" restart="never" nodeType="tmRoot"/>
+      </p:par>
+    </p:tnLst>
+  </p:timing>
+</p:sld>
+</file>
+
+<file path=ppt/slides/slide8.xml><?xml version="1.0" encoding="utf-8"?>
+<p:sld xmlns:a="http://schemas.openxmlformats.org/drawingml/2006/main" xmlns:r="http://schemas.openxmlformats.org/officeDocument/2006/relationships" xmlns:p="http://schemas.openxmlformats.org/presentationml/2006/main">
+  <p:cSld>
+    <p:spTree>
+      <p:nvGrpSpPr>
+        <p:cNvPr id="1" name=""/>
+        <p:cNvGrpSpPr/>
+        <p:nvPr/>
+      </p:nvGrpSpPr>
+      <p:grpSpPr>
+        <a:xfrm>
+          <a:off x="0" y="0"/>
+          <a:ext cx="0" cy="0"/>
+          <a:chOff x="0" y="0"/>
+          <a:chExt cx="0" cy="0"/>
+        </a:xfrm>
+      </p:grpSpPr>
+      <p:sp>
+        <p:nvSpPr>
+          <p:cNvPr id="2" name="标题 1"/>
+          <p:cNvSpPr>
+            <a:spLocks noGrp="1"/>
+          </p:cNvSpPr>
+          <p:nvPr>
+            <p:ph type="title"/>
+          </p:nvPr>
+        </p:nvSpPr>
+        <p:spPr/>
+        <p:txBody>
+          <a:bodyPr/>
+          <a:lstStyle/>
+          <a:p>
+            <a:r>
+              <a:rPr lang="zh-CN" altLang="en-US" dirty="0" smtClean="0"/>
+              <a:t>小组</a:t>
+            </a:r>
+            <a:r>
+              <a:rPr lang="en-US" altLang="zh-CN" dirty="0" smtClean="0"/>
+              <a:t>Wiki</a:t>
+            </a:r>
+            <a:r>
+              <a:rPr lang="zh-CN" altLang="en-US" dirty="0" smtClean="0"/>
+              <a:t>主页</a:t>
+            </a:r>
+            <a:endParaRPr lang="zh-CN" altLang="en-US" dirty="0"/>
+          </a:p>
+        </p:txBody>
+      </p:sp>
+      <p:pic>
+        <p:nvPicPr>
+          <p:cNvPr id="4" name="内容占位符 3"/>
+          <p:cNvPicPr>
+            <a:picLocks noGrp="1" noChangeAspect="1"/>
+          </p:cNvPicPr>
+          <p:nvPr>
+            <p:ph idx="1"/>
+          </p:nvPr>
+        </p:nvPicPr>
+        <p:blipFill>
+          <a:blip r:embed="rId2"/>
+          <a:stretch>
+            <a:fillRect/>
+          </a:stretch>
+        </p:blipFill>
+        <p:spPr>
+          <a:xfrm>
+            <a:off x="3423513" y="1848197"/>
+            <a:ext cx="7732167" cy="4022725"/>
+          </a:xfrm>
+          <a:prstGeom prst="rect">
+            <a:avLst/>
+          </a:prstGeom>
+        </p:spPr>
+      </p:pic>
+      <p:sp>
+        <p:nvSpPr>
+          <p:cNvPr id="5" name="文本框 4"/>
+          <p:cNvSpPr txBox="1"/>
+          <p:nvPr/>
+        </p:nvSpPr>
+        <p:spPr>
+          <a:xfrm>
+            <a:off x="1411243" y="1848197"/>
+            <a:ext cx="1587472" cy="2585323"/>
+          </a:xfrm>
+          <a:prstGeom prst="rect">
+            <a:avLst/>
+          </a:prstGeom>
+          <a:noFill/>
+        </p:spPr>
+        <p:txBody>
+          <a:bodyPr wrap="square" rtlCol="0">
+            <a:spAutoFit/>
+          </a:bodyPr>
+          <a:lstStyle/>
+          <a:p>
+            <a:r>
+              <a:rPr lang="zh-CN" altLang="en-US" dirty="0" smtClean="0">
+                <a:latin typeface="仿宋_GB2312" panose="02010609030101010101" pitchFamily="49" charset="-122"/>
+                <a:ea typeface="仿宋_GB2312" panose="02010609030101010101" pitchFamily="49" charset="-122"/>
+              </a:rPr>
+              <a:t>根据计算思维课程的内容重新设计了小组主页。</a:t>
+            </a:r>
+            <a:endParaRPr lang="en-US" altLang="zh-CN" dirty="0" smtClean="0">
+              <a:latin typeface="仿宋_GB2312" panose="02010609030101010101" pitchFamily="49" charset="-122"/>
+              <a:ea typeface="仿宋_GB2312" panose="02010609030101010101" pitchFamily="49" charset="-122"/>
+            </a:endParaRPr>
+          </a:p>
+          <a:p>
+            <a:r>
+              <a:rPr lang="zh-CN" altLang="en-US" dirty="0" smtClean="0">
+                <a:latin typeface="仿宋_GB2312" panose="02010609030101010101" pitchFamily="49" charset="-122"/>
+                <a:ea typeface="仿宋_GB2312" panose="02010609030101010101" pitchFamily="49" charset="-122"/>
+              </a:rPr>
+              <a:t>在版式结构上借鉴了第四组的格式，并加入了小组特色内容。</a:t>
+            </a:r>
+            <a:endParaRPr lang="zh-CN" altLang="en-US" dirty="0">
+              <a:latin typeface="仿宋_GB2312" panose="02010609030101010101" pitchFamily="49" charset="-122"/>
+              <a:ea typeface="仿宋_GB2312" panose="02010609030101010101" pitchFamily="49" charset="-122"/>
+            </a:endParaRPr>
+          </a:p>
+        </p:txBody>
+      </p:sp>
+    </p:spTree>
+    <p:extLst>
+      <p:ext uri="{BB962C8B-B14F-4D97-AF65-F5344CB8AC3E}">
+        <p14:creationId xmlns:p14="http://schemas.microsoft.com/office/powerpoint/2010/main" val="1975157663"/>
+      </p:ext>
+    </p:extLst>
+  </p:cSld>
+  <p:clrMapOvr>
+    <a:masterClrMapping/>
+  </p:clrMapOvr>
+  <p:timing>
+    <p:tnLst>
+      <p:par>
+        <p:cTn id="1" dur="indefinite" restart="never" nodeType="tmRoot"/>
+      </p:par>
+    </p:tnLst>
+  </p:timing>
+</p:sld>
+</file>
+
+<file path=ppt/slides/slide9.xml><?xml version="1.0" encoding="utf-8"?>
+<p:sld xmlns:a="http://schemas.openxmlformats.org/drawingml/2006/main" xmlns:r="http://schemas.openxmlformats.org/officeDocument/2006/relationships" xmlns:p="http://schemas.openxmlformats.org/presentationml/2006/main">
+  <p:cSld>
+    <p:spTree>
+      <p:nvGrpSpPr>
+        <p:cNvPr id="1" name=""/>
+        <p:cNvGrpSpPr/>
+        <p:nvPr/>
+      </p:nvGrpSpPr>
+      <p:grpSpPr>
+        <a:xfrm>
+          <a:off x="0" y="0"/>
+          <a:ext cx="0" cy="0"/>
+          <a:chOff x="0" y="0"/>
+          <a:chExt cx="0" cy="0"/>
+        </a:xfrm>
+      </p:grpSpPr>
+      <p:sp>
+        <p:nvSpPr>
+          <p:cNvPr id="2" name="标题 1"/>
+          <p:cNvSpPr>
+            <a:spLocks noGrp="1"/>
+          </p:cNvSpPr>
+          <p:nvPr>
+            <p:ph type="title"/>
+          </p:nvPr>
+        </p:nvSpPr>
+        <p:spPr/>
+        <p:txBody>
+          <a:bodyPr/>
+          <a:lstStyle/>
+          <a:p>
             <a:endParaRPr lang="zh-CN" altLang="en-US"/>
           </a:p>
         </p:txBody>
@@ -12203,7 +13274,7 @@
     </p:spTree>
     <p:extLst>
       <p:ext uri="{BB962C8B-B14F-4D97-AF65-F5344CB8AC3E}">
-        <p14:creationId xmlns:p14="http://schemas.microsoft.com/office/powerpoint/2010/main" val="2734355751"/>
+        <p14:creationId xmlns:p14="http://schemas.microsoft.com/office/powerpoint/2010/main" val="1248663448"/>
       </p:ext>
     </p:extLst>
   </p:cSld>

--- a/weekly_report/group3/week3.pptx
+++ b/weekly_report/group3/week3.pptx
@@ -14,6 +14,7 @@
     <p:sldId id="262" r:id="rId8"/>
     <p:sldId id="263" r:id="rId9"/>
     <p:sldId id="264" r:id="rId10"/>
+    <p:sldId id="265" r:id="rId11"/>
   </p:sldIdLst>
   <p:sldSz cx="12192000" cy="6858000"/>
   <p:notesSz cx="6858000" cy="9144000"/>
@@ -2126,8 +2127,8 @@
   </dgm:ptLst>
   <dgm:cxnLst>
     <dgm:cxn modelId="{8835C5F2-FD9B-4EEE-AC9F-DAA4332FEE09}" type="presOf" srcId="{7888E13F-A1AE-47A6-9BBA-F2975C194E0D}" destId="{63A66173-B8AE-42BE-B943-75C51D4ADF2D}" srcOrd="0" destOrd="0" presId="urn:microsoft.com/office/officeart/2005/8/layout/process3"/>
+    <dgm:cxn modelId="{A3B0D6CB-EB91-4C8C-83B6-9EDE791147DB}" type="presOf" srcId="{49B5A52F-98BC-44F6-AF2F-91AAD82698E5}" destId="{63A66173-B8AE-42BE-B943-75C51D4ADF2D}" srcOrd="0" destOrd="1" presId="urn:microsoft.com/office/officeart/2005/8/layout/process3"/>
     <dgm:cxn modelId="{5DD18197-8C19-4297-B592-3922736E1BCD}" srcId="{9052052F-38A7-4201-B112-CA14C9C8815A}" destId="{4281A2C1-760C-4C85-AD68-5CDC1F263DC8}" srcOrd="2" destOrd="0" parTransId="{019B936D-2AEF-4F24-9334-33724BAB770B}" sibTransId="{68C5AA54-7E21-44CF-B08B-93E62EFFEDD4}"/>
-    <dgm:cxn modelId="{A3B0D6CB-EB91-4C8C-83B6-9EDE791147DB}" type="presOf" srcId="{49B5A52F-98BC-44F6-AF2F-91AAD82698E5}" destId="{63A66173-B8AE-42BE-B943-75C51D4ADF2D}" srcOrd="0" destOrd="1" presId="urn:microsoft.com/office/officeart/2005/8/layout/process3"/>
     <dgm:cxn modelId="{4942B35A-9FA7-4090-9FF6-4E75C73D5C28}" type="presOf" srcId="{6E040E3E-DDC4-4872-BFB3-6D91583E24FC}" destId="{2C46FF0A-16C6-43CC-88D4-3D3069BEDAEF}" srcOrd="0" destOrd="5" presId="urn:microsoft.com/office/officeart/2005/8/layout/process3"/>
     <dgm:cxn modelId="{615B396E-839B-4ECC-85B2-DBED3E2B94B8}" srcId="{0C160F14-3E4B-45AF-9158-0B1FF390997D}" destId="{5D0E23DD-9A2F-4662-A9AD-1E84A7315B5A}" srcOrd="0" destOrd="0" parTransId="{3889AA5F-DA56-45E0-BA2D-64720D8A7675}" sibTransId="{E2300830-89A7-4A06-9CDA-A985E43132AE}"/>
     <dgm:cxn modelId="{D4CF5538-9ABA-4B1C-9991-AA29F6ACEEC4}" type="presOf" srcId="{5D0E23DD-9A2F-4662-A9AD-1E84A7315B5A}" destId="{8910FE79-C8A6-4673-AC17-E82A107C5B80}" srcOrd="0" destOrd="0" presId="urn:microsoft.com/office/officeart/2005/8/layout/process3"/>
@@ -2161,11 +2162,11 @@
     <dgm:cxn modelId="{190A16B4-497A-4E28-8037-20B66A4CCF1C}" srcId="{9052052F-38A7-4201-B112-CA14C9C8815A}" destId="{6E040E3E-DDC4-4872-BFB3-6D91583E24FC}" srcOrd="5" destOrd="0" parTransId="{3541A6C0-0898-4C76-B980-9DC16190B996}" sibTransId="{ED9B230D-5C3E-41F4-89C7-795B582AA79C}"/>
     <dgm:cxn modelId="{1E2CCF8E-5D19-4D55-96F5-C28B74434192}" srcId="{FD5D7C33-5B40-4D2D-99C8-FDCD8145A005}" destId="{99404280-CF2D-4307-8490-3FA43639810E}" srcOrd="3" destOrd="0" parTransId="{0E06ACCF-7314-4C03-B8B8-3D9C64C9F894}" sibTransId="{5F4E7FEE-5812-484E-AE0D-8596BBB5D997}"/>
     <dgm:cxn modelId="{1AC11690-1488-4005-B65B-78AC9EC868EA}" type="presOf" srcId="{EF4507D7-48A6-405A-914C-E3CDBF58DF16}" destId="{2C46FF0A-16C6-43CC-88D4-3D3069BEDAEF}" srcOrd="0" destOrd="0" presId="urn:microsoft.com/office/officeart/2005/8/layout/process3"/>
+    <dgm:cxn modelId="{0FF529A8-56E4-4859-AD7B-946AAFD41D27}" type="presOf" srcId="{BDF85E73-A8EB-4A70-B17D-128A2C0489D4}" destId="{8910FE79-C8A6-4673-AC17-E82A107C5B80}" srcOrd="0" destOrd="2" presId="urn:microsoft.com/office/officeart/2005/8/layout/process3"/>
     <dgm:cxn modelId="{776B0168-0875-4BE6-9CB4-3A2D7C209330}" srcId="{FD5D7C33-5B40-4D2D-99C8-FDCD8145A005}" destId="{49B5A52F-98BC-44F6-AF2F-91AAD82698E5}" srcOrd="1" destOrd="0" parTransId="{2A51BE62-FD7A-4CA2-80A0-9BC4C2868D35}" sibTransId="{F8F23646-2814-4D74-8554-1548AFA2FE2A}"/>
-    <dgm:cxn modelId="{0FF529A8-56E4-4859-AD7B-946AAFD41D27}" type="presOf" srcId="{BDF85E73-A8EB-4A70-B17D-128A2C0489D4}" destId="{8910FE79-C8A6-4673-AC17-E82A107C5B80}" srcOrd="0" destOrd="2" presId="urn:microsoft.com/office/officeart/2005/8/layout/process3"/>
     <dgm:cxn modelId="{B363A496-C46A-4EAD-9F7F-C3156D1616E9}" type="presOf" srcId="{99404280-CF2D-4307-8490-3FA43639810E}" destId="{63A66173-B8AE-42BE-B943-75C51D4ADF2D}" srcOrd="0" destOrd="3" presId="urn:microsoft.com/office/officeart/2005/8/layout/process3"/>
+    <dgm:cxn modelId="{D3E3131B-D328-4741-85B9-40128CD27EDA}" srcId="{436265AB-5390-49EF-9C63-9544117A7036}" destId="{9052052F-38A7-4201-B112-CA14C9C8815A}" srcOrd="1" destOrd="0" parTransId="{033DE8E8-09B3-49BD-8710-606E7D30ECFE}" sibTransId="{1673962B-9B2E-4750-9E62-ACDA23AE2482}"/>
     <dgm:cxn modelId="{E32E827B-F0B3-4894-9F54-2089CA706BEA}" type="presOf" srcId="{0C160F14-3E4B-45AF-9158-0B1FF390997D}" destId="{4F62ACB9-6EB3-46D3-88CE-775A05A10893}" srcOrd="0" destOrd="0" presId="urn:microsoft.com/office/officeart/2005/8/layout/process3"/>
-    <dgm:cxn modelId="{D3E3131B-D328-4741-85B9-40128CD27EDA}" srcId="{436265AB-5390-49EF-9C63-9544117A7036}" destId="{9052052F-38A7-4201-B112-CA14C9C8815A}" srcOrd="1" destOrd="0" parTransId="{033DE8E8-09B3-49BD-8710-606E7D30ECFE}" sibTransId="{1673962B-9B2E-4750-9E62-ACDA23AE2482}"/>
     <dgm:cxn modelId="{F5C08C81-AD72-4715-BED0-B26520D8E0F2}" srcId="{FD5D7C33-5B40-4D2D-99C8-FDCD8145A005}" destId="{5A0C7119-A1BD-48D1-9C85-11D77F31FD13}" srcOrd="5" destOrd="0" parTransId="{58CC2421-0972-4E54-8350-831047A979C0}" sibTransId="{4AB4685F-BC4D-4536-A688-2929EA53B112}"/>
     <dgm:cxn modelId="{6680EFAD-814C-443B-942C-2484603330A1}" type="presOf" srcId="{DFFB30B2-6DC5-4B93-87CB-AE0B143499C6}" destId="{2C46FF0A-16C6-43CC-88D4-3D3069BEDAEF}" srcOrd="0" destOrd="1" presId="urn:microsoft.com/office/officeart/2005/8/layout/process3"/>
     <dgm:cxn modelId="{8ACD4300-5B50-46E0-854E-B62509487159}" srcId="{436265AB-5390-49EF-9C63-9544117A7036}" destId="{0C160F14-3E4B-45AF-9158-0B1FF390997D}" srcOrd="2" destOrd="0" parTransId="{59011C91-C7A1-414A-938D-62A041C25E6D}" sibTransId="{C1EFF36B-D73F-433C-911B-0853FCE89D5F}"/>
@@ -8797,6 +8798,287 @@
 </p:sld>
 </file>
 
+<file path=ppt/slides/slide10.xml><?xml version="1.0" encoding="utf-8"?>
+<p:sld xmlns:a="http://schemas.openxmlformats.org/drawingml/2006/main" xmlns:r="http://schemas.openxmlformats.org/officeDocument/2006/relationships" xmlns:p="http://schemas.openxmlformats.org/presentationml/2006/main">
+  <p:cSld>
+    <p:spTree>
+      <p:nvGrpSpPr>
+        <p:cNvPr id="1" name=""/>
+        <p:cNvGrpSpPr/>
+        <p:nvPr/>
+      </p:nvGrpSpPr>
+      <p:grpSpPr>
+        <a:xfrm>
+          <a:off x="0" y="0"/>
+          <a:ext cx="0" cy="0"/>
+          <a:chOff x="0" y="0"/>
+          <a:chExt cx="0" cy="0"/>
+        </a:xfrm>
+      </p:grpSpPr>
+      <p:sp>
+        <p:nvSpPr>
+          <p:cNvPr id="2" name="标题 1"/>
+          <p:cNvSpPr>
+            <a:spLocks noGrp="1"/>
+          </p:cNvSpPr>
+          <p:nvPr>
+            <p:ph type="title"/>
+          </p:nvPr>
+        </p:nvSpPr>
+        <p:spPr/>
+        <p:txBody>
+          <a:bodyPr/>
+          <a:lstStyle/>
+          <a:p>
+            <a:r>
+              <a:rPr lang="en-US" altLang="zh-CN" dirty="0"/>
+              <a:t>Nand2Tetris Project9</a:t>
+            </a:r>
+            <a:r>
+              <a:rPr lang="zh-CN" altLang="en-US" dirty="0"/>
+              <a:t>作业展示</a:t>
+            </a:r>
+          </a:p>
+        </p:txBody>
+      </p:sp>
+      <p:sp>
+        <p:nvSpPr>
+          <p:cNvPr id="3" name="内容占位符 2"/>
+          <p:cNvSpPr>
+            <a:spLocks noGrp="1"/>
+          </p:cNvSpPr>
+          <p:nvPr>
+            <p:ph idx="1"/>
+          </p:nvPr>
+        </p:nvSpPr>
+        <p:spPr>
+          <a:xfrm>
+            <a:off x="1097280" y="1845734"/>
+            <a:ext cx="4715691" cy="4023360"/>
+          </a:xfrm>
+        </p:spPr>
+        <p:txBody>
+          <a:bodyPr/>
+          <a:lstStyle/>
+          <a:p>
+            <a:pPr marL="0" indent="0">
+              <a:buNone/>
+            </a:pPr>
+            <a:r>
+              <a:rPr lang="zh-CN" altLang="en-US" b="1" dirty="0" smtClean="0">
+                <a:latin typeface="仿宋_GB2312" panose="02010609030101010101" pitchFamily="49" charset="-122"/>
+                <a:ea typeface="仿宋_GB2312" panose="02010609030101010101" pitchFamily="49" charset="-122"/>
+              </a:rPr>
+              <a:t>用</a:t>
+            </a:r>
+            <a:r>
+              <a:rPr lang="en-US" altLang="zh-CN" b="1" dirty="0" smtClean="0">
+                <a:latin typeface="仿宋_GB2312" panose="02010609030101010101" pitchFamily="49" charset="-122"/>
+                <a:ea typeface="仿宋_GB2312" panose="02010609030101010101" pitchFamily="49" charset="-122"/>
+              </a:rPr>
+              <a:t>C++</a:t>
+            </a:r>
+            <a:r>
+              <a:rPr lang="zh-CN" altLang="en-US" b="1" dirty="0" smtClean="0">
+                <a:latin typeface="仿宋_GB2312" panose="02010609030101010101" pitchFamily="49" charset="-122"/>
+                <a:ea typeface="仿宋_GB2312" panose="02010609030101010101" pitchFamily="49" charset="-122"/>
+              </a:rPr>
+              <a:t>语言编写的俄罗斯方块游戏：</a:t>
+            </a:r>
+            <a:endParaRPr lang="en-US" altLang="zh-CN" b="1" dirty="0">
+              <a:latin typeface="仿宋_GB2312" panose="02010609030101010101" pitchFamily="49" charset="-122"/>
+              <a:ea typeface="仿宋_GB2312" panose="02010609030101010101" pitchFamily="49" charset="-122"/>
+            </a:endParaRPr>
+          </a:p>
+          <a:p>
+            <a:r>
+              <a:rPr lang="en-US" altLang="zh-CN" dirty="0" smtClean="0">
+                <a:latin typeface="仿宋_GB2312" panose="02010609030101010101" pitchFamily="49" charset="-122"/>
+                <a:ea typeface="仿宋_GB2312" panose="02010609030101010101" pitchFamily="49" charset="-122"/>
+              </a:rPr>
+              <a:t>1</a:t>
+            </a:r>
+            <a:r>
+              <a:rPr lang="zh-CN" altLang="en-US" dirty="0" smtClean="0">
+                <a:latin typeface="仿宋_GB2312" panose="02010609030101010101" pitchFamily="49" charset="-122"/>
+                <a:ea typeface="仿宋_GB2312" panose="02010609030101010101" pitchFamily="49" charset="-122"/>
+              </a:rPr>
+              <a:t>、首先描述</a:t>
+            </a:r>
+            <a:r>
+              <a:rPr lang="zh-CN" altLang="en-US" dirty="0">
+                <a:latin typeface="仿宋_GB2312" panose="02010609030101010101" pitchFamily="49" charset="-122"/>
+                <a:ea typeface="仿宋_GB2312" panose="02010609030101010101" pitchFamily="49" charset="-122"/>
+              </a:rPr>
+              <a:t>俄罗斯方块的</a:t>
+            </a:r>
+            <a:r>
+              <a:rPr lang="zh-CN" altLang="en-US" dirty="0" smtClean="0">
+                <a:latin typeface="仿宋_GB2312" panose="02010609030101010101" pitchFamily="49" charset="-122"/>
+                <a:ea typeface="仿宋_GB2312" panose="02010609030101010101" pitchFamily="49" charset="-122"/>
+              </a:rPr>
+              <a:t>规则</a:t>
+            </a:r>
+            <a:r>
+              <a:rPr lang="zh-CN" altLang="en-US" dirty="0">
+                <a:latin typeface="仿宋_GB2312" panose="02010609030101010101" pitchFamily="49" charset="-122"/>
+                <a:ea typeface="仿宋_GB2312" panose="02010609030101010101" pitchFamily="49" charset="-122"/>
+              </a:rPr>
+              <a:t>：</a:t>
+            </a:r>
+            <a:r>
+              <a:rPr lang="zh-CN" altLang="en-US" dirty="0" smtClean="0">
+                <a:latin typeface="仿宋_GB2312" panose="02010609030101010101" pitchFamily="49" charset="-122"/>
+                <a:ea typeface="仿宋_GB2312" panose="02010609030101010101" pitchFamily="49" charset="-122"/>
+              </a:rPr>
+              <a:t>方块</a:t>
+            </a:r>
+            <a:r>
+              <a:rPr lang="zh-CN" altLang="en-US" dirty="0">
+                <a:latin typeface="仿宋_GB2312" panose="02010609030101010101" pitchFamily="49" charset="-122"/>
+                <a:ea typeface="仿宋_GB2312" panose="02010609030101010101" pitchFamily="49" charset="-122"/>
+              </a:rPr>
+              <a:t>每下降一格就会询问操作方是否对方块进行操作，操作包括平移和旋转。（事实上与期望步骤有出入</a:t>
+            </a:r>
+            <a:r>
+              <a:rPr lang="zh-CN" altLang="en-US" dirty="0" smtClean="0">
+                <a:latin typeface="仿宋_GB2312" panose="02010609030101010101" pitchFamily="49" charset="-122"/>
+                <a:ea typeface="仿宋_GB2312" panose="02010609030101010101" pitchFamily="49" charset="-122"/>
+              </a:rPr>
+              <a:t>）</a:t>
+            </a:r>
+            <a:endParaRPr lang="en-US" altLang="zh-CN" dirty="0" smtClean="0">
+              <a:latin typeface="仿宋_GB2312" panose="02010609030101010101" pitchFamily="49" charset="-122"/>
+              <a:ea typeface="仿宋_GB2312" panose="02010609030101010101" pitchFamily="49" charset="-122"/>
+            </a:endParaRPr>
+          </a:p>
+          <a:p>
+            <a:r>
+              <a:rPr lang="en-US" altLang="zh-CN" dirty="0" smtClean="0">
+                <a:latin typeface="仿宋_GB2312" panose="02010609030101010101" pitchFamily="49" charset="-122"/>
+                <a:ea typeface="仿宋_GB2312" panose="02010609030101010101" pitchFamily="49" charset="-122"/>
+              </a:rPr>
+              <a:t>2</a:t>
+            </a:r>
+            <a:r>
+              <a:rPr lang="zh-CN" altLang="en-US" dirty="0" smtClean="0">
+                <a:latin typeface="仿宋_GB2312" panose="02010609030101010101" pitchFamily="49" charset="-122"/>
+                <a:ea typeface="仿宋_GB2312" panose="02010609030101010101" pitchFamily="49" charset="-122"/>
+              </a:rPr>
+              <a:t>、程序</a:t>
+            </a:r>
+            <a:r>
+              <a:rPr lang="zh-CN" altLang="en-US" dirty="0">
+                <a:latin typeface="仿宋_GB2312" panose="02010609030101010101" pitchFamily="49" charset="-122"/>
+                <a:ea typeface="仿宋_GB2312" panose="02010609030101010101" pitchFamily="49" charset="-122"/>
+              </a:rPr>
+              <a:t>对方块位置进行扫描，直到方块停止</a:t>
+            </a:r>
+            <a:r>
+              <a:rPr lang="zh-CN" altLang="en-US" dirty="0" smtClean="0">
+                <a:latin typeface="仿宋_GB2312" panose="02010609030101010101" pitchFamily="49" charset="-122"/>
+                <a:ea typeface="仿宋_GB2312" panose="02010609030101010101" pitchFamily="49" charset="-122"/>
+              </a:rPr>
+              <a:t>。</a:t>
+            </a:r>
+            <a:endParaRPr lang="en-US" altLang="zh-CN" dirty="0" smtClean="0">
+              <a:latin typeface="仿宋_GB2312" panose="02010609030101010101" pitchFamily="49" charset="-122"/>
+              <a:ea typeface="仿宋_GB2312" panose="02010609030101010101" pitchFamily="49" charset="-122"/>
+            </a:endParaRPr>
+          </a:p>
+          <a:p>
+            <a:r>
+              <a:rPr lang="en-US" altLang="zh-CN" dirty="0" smtClean="0">
+                <a:latin typeface="仿宋_GB2312" panose="02010609030101010101" pitchFamily="49" charset="-122"/>
+                <a:ea typeface="仿宋_GB2312" panose="02010609030101010101" pitchFamily="49" charset="-122"/>
+              </a:rPr>
+              <a:t>3</a:t>
+            </a:r>
+            <a:r>
+              <a:rPr lang="zh-CN" altLang="en-US" dirty="0" smtClean="0">
+                <a:latin typeface="仿宋_GB2312" panose="02010609030101010101" pitchFamily="49" charset="-122"/>
+                <a:ea typeface="仿宋_GB2312" panose="02010609030101010101" pitchFamily="49" charset="-122"/>
+              </a:rPr>
+              <a:t>、判断</a:t>
+            </a:r>
+            <a:r>
+              <a:rPr lang="zh-CN" altLang="en-US" dirty="0">
+                <a:latin typeface="仿宋_GB2312" panose="02010609030101010101" pitchFamily="49" charset="-122"/>
+                <a:ea typeface="仿宋_GB2312" panose="02010609030101010101" pitchFamily="49" charset="-122"/>
+              </a:rPr>
+              <a:t>停止后，对当前方块群做扫描，将铺满方块</a:t>
+            </a:r>
+            <a:r>
+              <a:rPr lang="zh-CN" altLang="en-US" dirty="0" smtClean="0">
+                <a:latin typeface="仿宋_GB2312" panose="02010609030101010101" pitchFamily="49" charset="-122"/>
+                <a:ea typeface="仿宋_GB2312" panose="02010609030101010101" pitchFamily="49" charset="-122"/>
+              </a:rPr>
+              <a:t>一行删</a:t>
+            </a:r>
+            <a:r>
+              <a:rPr lang="zh-CN" altLang="en-US" dirty="0">
+                <a:latin typeface="仿宋_GB2312" panose="02010609030101010101" pitchFamily="49" charset="-122"/>
+                <a:ea typeface="仿宋_GB2312" panose="02010609030101010101" pitchFamily="49" charset="-122"/>
+              </a:rPr>
+              <a:t>掉，将未删掉的方块重新向下平移组合，形成新的方块群</a:t>
+            </a:r>
+            <a:r>
+              <a:rPr lang="zh-CN" altLang="en-US" dirty="0" smtClean="0">
+                <a:latin typeface="仿宋_GB2312" panose="02010609030101010101" pitchFamily="49" charset="-122"/>
+                <a:ea typeface="仿宋_GB2312" panose="02010609030101010101" pitchFamily="49" charset="-122"/>
+              </a:rPr>
+              <a:t>。</a:t>
+            </a:r>
+            <a:endParaRPr lang="zh-CN" altLang="en-US" dirty="0">
+              <a:latin typeface="仿宋_GB2312" panose="02010609030101010101" pitchFamily="49" charset="-122"/>
+              <a:ea typeface="仿宋_GB2312" panose="02010609030101010101" pitchFamily="49" charset="-122"/>
+            </a:endParaRPr>
+          </a:p>
+        </p:txBody>
+      </p:sp>
+      <p:pic>
+        <p:nvPicPr>
+          <p:cNvPr id="5" name="图片 4"/>
+          <p:cNvPicPr>
+            <a:picLocks noChangeAspect="1"/>
+          </p:cNvPicPr>
+          <p:nvPr/>
+        </p:nvPicPr>
+        <p:blipFill>
+          <a:blip r:embed="rId2">
+            <a:extLst>
+              <a:ext uri="{28A0092B-C50C-407E-A947-70E740481C1C}">
+                <a14:useLocalDpi xmlns:a14="http://schemas.microsoft.com/office/drawing/2010/main" val="0"/>
+              </a:ext>
+            </a:extLst>
+          </a:blip>
+          <a:stretch>
+            <a:fillRect/>
+          </a:stretch>
+        </p:blipFill>
+        <p:spPr>
+          <a:xfrm>
+            <a:off x="6126480" y="2266603"/>
+            <a:ext cx="5656217" cy="3181622"/>
+          </a:xfrm>
+          <a:prstGeom prst="rect">
+            <a:avLst/>
+          </a:prstGeom>
+        </p:spPr>
+      </p:pic>
+    </p:spTree>
+    <p:extLst>
+      <p:ext uri="{BB962C8B-B14F-4D97-AF65-F5344CB8AC3E}">
+        <p14:creationId xmlns:p14="http://schemas.microsoft.com/office/powerpoint/2010/main" val="3066470"/>
+      </p:ext>
+    </p:extLst>
+  </p:cSld>
+  <p:clrMapOvr>
+    <a:masterClrMapping/>
+  </p:clrMapOvr>
+</p:sld>
+</file>
+
 <file path=ppt/slides/slide2.xml><?xml version="1.0" encoding="utf-8"?>
 <p:sld xmlns:a="http://schemas.openxmlformats.org/drawingml/2006/main" xmlns:r="http://schemas.openxmlformats.org/officeDocument/2006/relationships" xmlns:p="http://schemas.openxmlformats.org/presentationml/2006/main">
   <p:cSld>
@@ -8854,180 +9136,225 @@
           </a:p>
         </p:txBody>
       </p:sp>
-      <p:graphicFrame>
-        <p:nvGraphicFramePr>
-          <p:cNvPr id="4" name="图示 3"/>
-          <p:cNvGraphicFramePr/>
-          <p:nvPr>
-            <p:extLst>
-              <p:ext uri="{D42A27DB-BD31-4B8C-83A1-F6EECF244321}">
-                <p14:modId xmlns:p14="http://schemas.microsoft.com/office/powerpoint/2010/main" val="480251320"/>
-              </p:ext>
-            </p:extLst>
-          </p:nvPr>
-        </p:nvGraphicFramePr>
-        <p:xfrm>
-          <a:off x="2032000" y="1617785"/>
-          <a:ext cx="8128000" cy="4520548"/>
-        </p:xfrm>
-        <a:graphic>
-          <a:graphicData uri="http://schemas.openxmlformats.org/drawingml/2006/diagram">
-            <dgm:relIds xmlns:dgm="http://schemas.openxmlformats.org/drawingml/2006/diagram" xmlns:r="http://schemas.openxmlformats.org/officeDocument/2006/relationships" r:dm="rId2" r:lo="rId3" r:qs="rId4" r:cs="rId5"/>
-          </a:graphicData>
-        </a:graphic>
-      </p:graphicFrame>
       <p:grpSp>
         <p:nvGrpSpPr>
-          <p:cNvPr id="16" name="组合 15"/>
+          <p:cNvPr id="5" name="组合 4"/>
           <p:cNvGrpSpPr/>
           <p:nvPr/>
         </p:nvGrpSpPr>
         <p:grpSpPr>
-          <a:xfrm flipH="1">
-            <a:off x="2945421" y="5539154"/>
-            <a:ext cx="5943599" cy="599179"/>
-            <a:chOff x="5139280" y="812958"/>
-            <a:chExt cx="678503" cy="444508"/>
+          <a:xfrm>
+            <a:off x="560751" y="1688124"/>
+            <a:ext cx="8128000" cy="4520548"/>
+            <a:chOff x="1853220" y="1624431"/>
+            <a:chExt cx="8128000" cy="4520548"/>
           </a:xfrm>
         </p:grpSpPr>
+        <p:graphicFrame>
+          <p:nvGraphicFramePr>
+            <p:cNvPr id="4" name="图示 3"/>
+            <p:cNvGraphicFramePr/>
+            <p:nvPr>
+              <p:extLst>
+                <p:ext uri="{D42A27DB-BD31-4B8C-83A1-F6EECF244321}">
+                  <p14:modId xmlns:p14="http://schemas.microsoft.com/office/powerpoint/2010/main" val="2108422131"/>
+                </p:ext>
+              </p:extLst>
+            </p:nvPr>
+          </p:nvGraphicFramePr>
+          <p:xfrm>
+            <a:off x="1853220" y="1624431"/>
+            <a:ext cx="8128000" cy="4520548"/>
+          </p:xfrm>
+          <a:graphic>
+            <a:graphicData uri="http://schemas.openxmlformats.org/drawingml/2006/diagram">
+              <dgm:relIds xmlns:dgm="http://schemas.openxmlformats.org/drawingml/2006/diagram" xmlns:r="http://schemas.openxmlformats.org/officeDocument/2006/relationships" r:dm="rId2" r:lo="rId3" r:qs="rId4" r:cs="rId5"/>
+            </a:graphicData>
+          </a:graphic>
+        </p:graphicFrame>
+        <p:grpSp>
+          <p:nvGrpSpPr>
+            <p:cNvPr id="16" name="组合 15"/>
+            <p:cNvGrpSpPr/>
+            <p:nvPr/>
+          </p:nvGrpSpPr>
+          <p:grpSpPr>
+            <a:xfrm flipH="1">
+              <a:off x="2945421" y="5539154"/>
+              <a:ext cx="5943599" cy="599179"/>
+              <a:chOff x="5139280" y="812958"/>
+              <a:chExt cx="678503" cy="444508"/>
+            </a:xfrm>
+          </p:grpSpPr>
+          <p:sp>
+            <p:nvSpPr>
+              <p:cNvPr id="17" name="右箭头 16"/>
+              <p:cNvSpPr/>
+              <p:nvPr/>
+            </p:nvSpPr>
+            <p:spPr>
+              <a:xfrm rot="7688">
+                <a:off x="5139280" y="812958"/>
+                <a:ext cx="678503" cy="444508"/>
+              </a:xfrm>
+              <a:prstGeom prst="rightArrow">
+                <a:avLst>
+                  <a:gd name="adj1" fmla="val 60000"/>
+                  <a:gd name="adj2" fmla="val 50000"/>
+                </a:avLst>
+              </a:prstGeom>
+            </p:spPr>
+            <p:style>
+              <a:lnRef idx="0">
+                <a:schemeClr val="accent1">
+                  <a:tint val="60000"/>
+                  <a:hueOff val="0"/>
+                  <a:satOff val="0"/>
+                  <a:lumOff val="0"/>
+                  <a:alphaOff val="0"/>
+                </a:schemeClr>
+              </a:lnRef>
+              <a:fillRef idx="3">
+                <a:schemeClr val="accent1">
+                  <a:tint val="60000"/>
+                  <a:hueOff val="0"/>
+                  <a:satOff val="0"/>
+                  <a:lumOff val="0"/>
+                  <a:alphaOff val="0"/>
+                </a:schemeClr>
+              </a:fillRef>
+              <a:effectRef idx="2">
+                <a:schemeClr val="accent1">
+                  <a:tint val="60000"/>
+                  <a:hueOff val="0"/>
+                  <a:satOff val="0"/>
+                  <a:lumOff val="0"/>
+                  <a:alphaOff val="0"/>
+                </a:schemeClr>
+              </a:effectRef>
+              <a:fontRef idx="minor">
+                <a:schemeClr val="lt1"/>
+              </a:fontRef>
+            </p:style>
+          </p:sp>
+          <p:sp>
+            <p:nvSpPr>
+              <p:cNvPr id="18" name="右箭头 4"/>
+              <p:cNvSpPr txBox="1"/>
+              <p:nvPr/>
+            </p:nvSpPr>
+            <p:spPr>
+              <a:xfrm rot="7688">
+                <a:off x="5139280" y="901711"/>
+                <a:ext cx="545151" cy="266704"/>
+              </a:xfrm>
+              <a:prstGeom prst="rect">
+                <a:avLst/>
+              </a:prstGeom>
+            </p:spPr>
+            <p:style>
+              <a:lnRef idx="0">
+                <a:scrgbClr r="0" g="0" b="0"/>
+              </a:lnRef>
+              <a:fillRef idx="0">
+                <a:scrgbClr r="0" g="0" b="0"/>
+              </a:fillRef>
+              <a:effectRef idx="0">
+                <a:scrgbClr r="0" g="0" b="0"/>
+              </a:effectRef>
+              <a:fontRef idx="minor">
+                <a:schemeClr val="lt1"/>
+              </a:fontRef>
+            </p:style>
+            <p:txBody>
+              <a:bodyPr spcFirstLastPara="0" vert="horz" wrap="square" lIns="0" tIns="0" rIns="0" bIns="0" numCol="1" spcCol="1270" anchor="ctr" anchorCtr="0">
+                <a:noAutofit/>
+              </a:bodyPr>
+              <a:lstStyle/>
+              <a:p>
+                <a:pPr lvl="0" algn="ctr" defTabSz="844550">
+                  <a:lnSpc>
+                    <a:spcPct val="90000"/>
+                  </a:lnSpc>
+                  <a:spcBef>
+                    <a:spcPct val="0"/>
+                  </a:spcBef>
+                  <a:spcAft>
+                    <a:spcPct val="35000"/>
+                  </a:spcAft>
+                </a:pPr>
+                <a:endParaRPr lang="zh-CN" altLang="en-US" sz="1900" kern="1200"/>
+              </a:p>
+            </p:txBody>
+          </p:sp>
+        </p:grpSp>
         <p:sp>
           <p:nvSpPr>
-            <p:cNvPr id="17" name="右箭头 16"/>
-            <p:cNvSpPr/>
-            <p:nvPr/>
-          </p:nvSpPr>
-          <p:spPr>
-            <a:xfrm rot="7688">
-              <a:off x="5139280" y="812958"/>
-              <a:ext cx="678503" cy="444508"/>
-            </a:xfrm>
-            <a:prstGeom prst="rightArrow">
-              <a:avLst>
-                <a:gd name="adj1" fmla="val 60000"/>
-                <a:gd name="adj2" fmla="val 50000"/>
-              </a:avLst>
-            </a:prstGeom>
-          </p:spPr>
-          <p:style>
-            <a:lnRef idx="0">
-              <a:schemeClr val="accent1">
-                <a:tint val="60000"/>
-                <a:hueOff val="0"/>
-                <a:satOff val="0"/>
-                <a:lumOff val="0"/>
-                <a:alphaOff val="0"/>
-              </a:schemeClr>
-            </a:lnRef>
-            <a:fillRef idx="3">
-              <a:schemeClr val="accent1">
-                <a:tint val="60000"/>
-                <a:hueOff val="0"/>
-                <a:satOff val="0"/>
-                <a:lumOff val="0"/>
-                <a:alphaOff val="0"/>
-              </a:schemeClr>
-            </a:fillRef>
-            <a:effectRef idx="2">
-              <a:schemeClr val="accent1">
-                <a:tint val="60000"/>
-                <a:hueOff val="0"/>
-                <a:satOff val="0"/>
-                <a:lumOff val="0"/>
-                <a:alphaOff val="0"/>
-              </a:schemeClr>
-            </a:effectRef>
-            <a:fontRef idx="minor">
-              <a:schemeClr val="lt1"/>
-            </a:fontRef>
-          </p:style>
-        </p:sp>
-        <p:sp>
-          <p:nvSpPr>
-            <p:cNvPr id="18" name="右箭头 4"/>
+            <p:cNvPr id="19" name="文本框 18"/>
             <p:cNvSpPr txBox="1"/>
             <p:nvPr/>
           </p:nvSpPr>
           <p:spPr>
-            <a:xfrm rot="7688">
-              <a:off x="5139280" y="901711"/>
-              <a:ext cx="545151" cy="266704"/>
+            <a:xfrm>
+              <a:off x="5234060" y="5607709"/>
+              <a:ext cx="1784839" cy="461665"/>
             </a:xfrm>
             <a:prstGeom prst="rect">
               <a:avLst/>
             </a:prstGeom>
+            <a:noFill/>
           </p:spPr>
-          <p:style>
-            <a:lnRef idx="0">
-              <a:scrgbClr r="0" g="0" b="0"/>
-            </a:lnRef>
-            <a:fillRef idx="0">
-              <a:scrgbClr r="0" g="0" b="0"/>
-            </a:fillRef>
-            <a:effectRef idx="0">
-              <a:scrgbClr r="0" g="0" b="0"/>
-            </a:effectRef>
-            <a:fontRef idx="minor">
-              <a:schemeClr val="lt1"/>
-            </a:fontRef>
-          </p:style>
           <p:txBody>
-            <a:bodyPr spcFirstLastPara="0" vert="horz" wrap="square" lIns="0" tIns="0" rIns="0" bIns="0" numCol="1" spcCol="1270" anchor="ctr" anchorCtr="0">
-              <a:noAutofit/>
+            <a:bodyPr wrap="square" rtlCol="0">
+              <a:spAutoFit/>
             </a:bodyPr>
             <a:lstStyle/>
             <a:p>
-              <a:pPr lvl="0" algn="ctr" defTabSz="844550">
-                <a:lnSpc>
-                  <a:spcPct val="90000"/>
-                </a:lnSpc>
-                <a:spcBef>
-                  <a:spcPct val="0"/>
-                </a:spcBef>
-                <a:spcAft>
-                  <a:spcPct val="35000"/>
-                </a:spcAft>
-              </a:pPr>
-              <a:endParaRPr lang="zh-CN" altLang="en-US" sz="1900" kern="1200"/>
+              <a:r>
+                <a:rPr lang="zh-CN" altLang="en-US" sz="2400" dirty="0" smtClean="0">
+                  <a:latin typeface="楷体_GB2312" panose="02010609030101010101" pitchFamily="49" charset="-122"/>
+                  <a:ea typeface="楷体_GB2312" panose="02010609030101010101" pitchFamily="49" charset="-122"/>
+                </a:rPr>
+                <a:t>治理会议</a:t>
+              </a:r>
+              <a:endParaRPr lang="zh-CN" altLang="en-US" sz="2400" dirty="0">
+                <a:latin typeface="楷体_GB2312" panose="02010609030101010101" pitchFamily="49" charset="-122"/>
+                <a:ea typeface="楷体_GB2312" panose="02010609030101010101" pitchFamily="49" charset="-122"/>
+              </a:endParaRPr>
             </a:p>
           </p:txBody>
         </p:sp>
       </p:grpSp>
-      <p:sp>
-        <p:nvSpPr>
-          <p:cNvPr id="19" name="文本框 18"/>
-          <p:cNvSpPr txBox="1"/>
+      <p:pic>
+        <p:nvPicPr>
+          <p:cNvPr id="6" name="图片 5"/>
+          <p:cNvPicPr>
+            <a:picLocks noChangeAspect="1"/>
+          </p:cNvPicPr>
           <p:nvPr/>
-        </p:nvSpPr>
+        </p:nvPicPr>
+        <p:blipFill>
+          <a:blip r:embed="rId7" cstate="print">
+            <a:extLst>
+              <a:ext uri="{28A0092B-C50C-407E-A947-70E740481C1C}">
+                <a14:useLocalDpi xmlns:a14="http://schemas.microsoft.com/office/drawing/2010/main" val="0"/>
+              </a:ext>
+            </a:extLst>
+          </a:blip>
+          <a:stretch>
+            <a:fillRect/>
+          </a:stretch>
+        </p:blipFill>
         <p:spPr>
           <a:xfrm>
-            <a:off x="5234060" y="5607709"/>
-            <a:ext cx="1784839" cy="461665"/>
+            <a:off x="9111762" y="2902114"/>
+            <a:ext cx="2790090" cy="2092568"/>
           </a:xfrm>
           <a:prstGeom prst="rect">
             <a:avLst/>
           </a:prstGeom>
-          <a:noFill/>
         </p:spPr>
-        <p:txBody>
-          <a:bodyPr wrap="square" rtlCol="0">
-            <a:spAutoFit/>
-          </a:bodyPr>
-          <a:lstStyle/>
-          <a:p>
-            <a:r>
-              <a:rPr lang="zh-CN" altLang="en-US" sz="2400" dirty="0" smtClean="0">
-                <a:latin typeface="楷体_GB2312" panose="02010609030101010101" pitchFamily="49" charset="-122"/>
-                <a:ea typeface="楷体_GB2312" panose="02010609030101010101" pitchFamily="49" charset="-122"/>
-              </a:rPr>
-              <a:t>治理会议</a:t>
-            </a:r>
-            <a:endParaRPr lang="zh-CN" altLang="en-US" sz="2400" dirty="0">
-              <a:latin typeface="楷体_GB2312" panose="02010609030101010101" pitchFamily="49" charset="-122"/>
-              <a:ea typeface="楷体_GB2312" panose="02010609030101010101" pitchFamily="49" charset="-122"/>
-            </a:endParaRPr>
-          </a:p>
-        </p:txBody>
-      </p:sp>
+      </p:pic>
     </p:spTree>
     <p:extLst>
       <p:ext uri="{BB962C8B-B14F-4D97-AF65-F5344CB8AC3E}">
@@ -11153,10 +11480,10 @@
                   <a:ea typeface="微軟正黑體" panose="020B0604030504040204" pitchFamily="34" charset="-120"/>
                   <a:cs typeface="Lantinghei SC Extralight" charset="-122"/>
                 </a:rPr>
-                <a:t>Nand2Tetris </a:t>
+                <a:t>Nand2Tetris</a:t>
               </a:r>
               <a:r>
-                <a:rPr lang="zh-CN" altLang="en-US" sz="1100" b="1" dirty="0">
+                <a:rPr lang="zh-CN" altLang="en-US" sz="1100" b="1" dirty="0" smtClean="0">
                   <a:latin typeface="微軟正黑體" panose="020B0604030504040204" pitchFamily="34" charset="-120"/>
                   <a:ea typeface="微軟正黑體" panose="020B0604030504040204" pitchFamily="34" charset="-120"/>
                   <a:cs typeface="Lantinghei SC Extralight" charset="-122"/>
@@ -11192,12 +11519,20 @@
                 <a:buChar char="•"/>
               </a:pPr>
               <a:r>
+                <a:rPr lang="zh-CN" altLang="en-US" sz="1100" b="1" dirty="0" smtClean="0">
+                  <a:latin typeface="微軟正黑體" panose="020B0604030504040204" pitchFamily="34" charset="-120"/>
+                  <a:ea typeface="微軟正黑體" panose="020B0604030504040204" pitchFamily="34" charset="-120"/>
+                  <a:cs typeface="Lantinghei SC Extralight" charset="-122"/>
+                </a:rPr>
+                <a:t>第三周小组</a:t>
+              </a:r>
+              <a:r>
                 <a:rPr lang="zh-CN" altLang="en-US" sz="1100" b="1" dirty="0">
                   <a:latin typeface="微軟正黑體" panose="020B0604030504040204" pitchFamily="34" charset="-120"/>
                   <a:ea typeface="微軟正黑體" panose="020B0604030504040204" pitchFamily="34" charset="-120"/>
                   <a:cs typeface="Lantinghei SC Extralight" charset="-122"/>
                 </a:rPr>
-                <a:t>第三周学习小组报告</a:t>
+                <a:t>报告</a:t>
               </a:r>
               <a:r>
                 <a:rPr lang="en-CA" altLang="zh-CN" sz="1100" b="1" dirty="0" smtClean="0">
@@ -12274,14 +12609,7 @@
                           <a:latin typeface="楷体_GB2312" panose="02010609030101010101" pitchFamily="49" charset="-122"/>
                           <a:ea typeface="楷体_GB2312" panose="02010609030101010101" pitchFamily="49" charset="-122"/>
                         </a:rPr>
-                        <a:t>上周字符</a:t>
-                      </a:r>
-                      <a:r>
-                        <a:rPr lang="zh-CN" altLang="en-US" dirty="0" smtClean="0">
-                          <a:latin typeface="楷体_GB2312" panose="02010609030101010101" pitchFamily="49" charset="-122"/>
-                          <a:ea typeface="楷体_GB2312" panose="02010609030101010101" pitchFamily="49" charset="-122"/>
-                        </a:rPr>
-                        <a:t>数</a:t>
+                        <a:t>上周字符数</a:t>
                       </a:r>
                       <a:endParaRPr lang="zh-CN" altLang="en-US" dirty="0">
                         <a:latin typeface="楷体_GB2312" panose="02010609030101010101" pitchFamily="49" charset="-122"/>
@@ -12768,10 +13096,16 @@
               <a:buChar char="n"/>
             </a:pPr>
             <a:r>
-              <a:rPr lang="zh-CN" altLang="en-US" sz="2800" dirty="0" smtClean="0"/>
+              <a:rPr lang="zh-CN" altLang="en-US" sz="2800" dirty="0" smtClean="0">
+                <a:latin typeface="仿宋_GB2312" panose="02010609030101010101" pitchFamily="49" charset="-122"/>
+                <a:ea typeface="仿宋_GB2312" panose="02010609030101010101" pitchFamily="49" charset="-122"/>
+              </a:rPr>
               <a:t>梳理内容，规范格式；</a:t>
             </a:r>
-            <a:endParaRPr lang="en-US" altLang="zh-CN" sz="2800" dirty="0" smtClean="0"/>
+            <a:endParaRPr lang="en-US" altLang="zh-CN" sz="2800" dirty="0" smtClean="0">
+              <a:latin typeface="仿宋_GB2312" panose="02010609030101010101" pitchFamily="49" charset="-122"/>
+              <a:ea typeface="仿宋_GB2312" panose="02010609030101010101" pitchFamily="49" charset="-122"/>
+            </a:endParaRPr>
           </a:p>
           <a:p>
             <a:pPr>
@@ -12779,10 +13113,16 @@
               <a:buChar char="n"/>
             </a:pPr>
             <a:r>
-              <a:rPr lang="zh-CN" altLang="en-US" sz="2800" dirty="0" smtClean="0"/>
+              <a:rPr lang="zh-CN" altLang="en-US" sz="2800" dirty="0" smtClean="0">
+                <a:latin typeface="仿宋_GB2312" panose="02010609030101010101" pitchFamily="49" charset="-122"/>
+                <a:ea typeface="仿宋_GB2312" panose="02010609030101010101" pitchFamily="49" charset="-122"/>
+              </a:rPr>
               <a:t>每个人增加个人思维记录主页并连接到个人主页中。</a:t>
             </a:r>
-            <a:endParaRPr lang="zh-CN" altLang="en-US" sz="2800" dirty="0"/>
+            <a:endParaRPr lang="zh-CN" altLang="en-US" sz="2800" dirty="0">
+              <a:latin typeface="仿宋_GB2312" panose="02010609030101010101" pitchFamily="49" charset="-122"/>
+              <a:ea typeface="仿宋_GB2312" panose="02010609030101010101" pitchFamily="49" charset="-122"/>
+            </a:endParaRPr>
           </a:p>
         </p:txBody>
       </p:sp>
@@ -13155,8 +13495,8 @@
         </p:nvSpPr>
         <p:spPr>
           <a:xfrm>
-            <a:off x="1411243" y="1848197"/>
-            <a:ext cx="1587472" cy="2585323"/>
+            <a:off x="1097280" y="2289898"/>
+            <a:ext cx="1914498" cy="2585323"/>
           </a:xfrm>
           <a:prstGeom prst="rect">
             <a:avLst/>
@@ -13170,26 +13510,45 @@
           <a:lstStyle/>
           <a:p>
             <a:r>
-              <a:rPr lang="zh-CN" altLang="en-US" dirty="0" smtClean="0">
+              <a:rPr lang="zh-CN" altLang="en-US" b="1" dirty="0" smtClean="0">
                 <a:latin typeface="仿宋_GB2312" panose="02010609030101010101" pitchFamily="49" charset="-122"/>
                 <a:ea typeface="仿宋_GB2312" panose="02010609030101010101" pitchFamily="49" charset="-122"/>
               </a:rPr>
-              <a:t>根据计算思维课程的内容重新设计了小组主页。</a:t>
+              <a:t>根据计算思维课程的内容重新设计了小组主页</a:t>
             </a:r>
-            <a:endParaRPr lang="en-US" altLang="zh-CN" dirty="0" smtClean="0">
+            <a:r>
+              <a:rPr lang="zh-CN" altLang="en-US" b="1" dirty="0" smtClean="0">
+                <a:latin typeface="仿宋_GB2312" panose="02010609030101010101" pitchFamily="49" charset="-122"/>
+                <a:ea typeface="仿宋_GB2312" panose="02010609030101010101" pitchFamily="49" charset="-122"/>
+              </a:rPr>
+              <a:t>。</a:t>
+            </a:r>
+            <a:endParaRPr lang="en-US" altLang="zh-CN" b="1" dirty="0" smtClean="0">
+              <a:latin typeface="仿宋_GB2312" panose="02010609030101010101" pitchFamily="49" charset="-122"/>
+              <a:ea typeface="仿宋_GB2312" panose="02010609030101010101" pitchFamily="49" charset="-122"/>
+            </a:endParaRPr>
+          </a:p>
+          <a:p>
+            <a:endParaRPr lang="en-US" altLang="zh-CN" b="1" dirty="0">
+              <a:latin typeface="仿宋_GB2312" panose="02010609030101010101" pitchFamily="49" charset="-122"/>
+              <a:ea typeface="仿宋_GB2312" panose="02010609030101010101" pitchFamily="49" charset="-122"/>
+            </a:endParaRPr>
+          </a:p>
+          <a:p>
+            <a:endParaRPr lang="en-US" altLang="zh-CN" b="1" dirty="0" smtClean="0">
               <a:latin typeface="仿宋_GB2312" panose="02010609030101010101" pitchFamily="49" charset="-122"/>
               <a:ea typeface="仿宋_GB2312" panose="02010609030101010101" pitchFamily="49" charset="-122"/>
             </a:endParaRPr>
           </a:p>
           <a:p>
             <a:r>
-              <a:rPr lang="zh-CN" altLang="en-US" dirty="0" smtClean="0">
+              <a:rPr lang="zh-CN" altLang="en-US" b="1" dirty="0" smtClean="0">
                 <a:latin typeface="仿宋_GB2312" panose="02010609030101010101" pitchFamily="49" charset="-122"/>
                 <a:ea typeface="仿宋_GB2312" panose="02010609030101010101" pitchFamily="49" charset="-122"/>
               </a:rPr>
               <a:t>在版式结构上借鉴了第四组的格式，并加入了小组特色内容。</a:t>
             </a:r>
-            <a:endParaRPr lang="zh-CN" altLang="en-US" dirty="0">
+            <a:endParaRPr lang="zh-CN" altLang="en-US" b="1" dirty="0">
               <a:latin typeface="仿宋_GB2312" panose="02010609030101010101" pitchFamily="49" charset="-122"/>
               <a:ea typeface="仿宋_GB2312" panose="02010609030101010101" pitchFamily="49" charset="-122"/>
             </a:endParaRPr>
@@ -13248,7 +13607,15 @@
           <a:bodyPr/>
           <a:lstStyle/>
           <a:p>
-            <a:endParaRPr lang="zh-CN" altLang="en-US"/>
+            <a:r>
+              <a:rPr lang="en-US" altLang="zh-CN" dirty="0" smtClean="0"/>
+              <a:t>Nand2Tetris Project9</a:t>
+            </a:r>
+            <a:r>
+              <a:rPr lang="zh-CN" altLang="en-US" dirty="0" smtClean="0"/>
+              <a:t>作业展示</a:t>
+            </a:r>
+            <a:endParaRPr lang="zh-CN" altLang="en-US" dirty="0"/>
           </a:p>
         </p:txBody>
       </p:sp>
@@ -13262,15 +13629,235 @@
             <p:ph idx="1"/>
           </p:nvPr>
         </p:nvSpPr>
-        <p:spPr/>
+        <p:spPr>
+          <a:xfrm>
+            <a:off x="1097280" y="1845734"/>
+            <a:ext cx="10058400" cy="2007809"/>
+          </a:xfrm>
+        </p:spPr>
         <p:txBody>
           <a:bodyPr/>
           <a:lstStyle/>
           <a:p>
-            <a:endParaRPr lang="zh-CN" altLang="en-US"/>
+            <a:pPr>
+              <a:buFont typeface="Wingdings" panose="05000000000000000000" pitchFamily="2" charset="2"/>
+              <a:buChar char="l"/>
+            </a:pPr>
+            <a:r>
+              <a:rPr lang="zh-CN" altLang="en-US" dirty="0" smtClean="0">
+                <a:latin typeface="仿宋_GB2312" panose="02010609030101010101" pitchFamily="49" charset="-122"/>
+                <a:ea typeface="仿宋_GB2312" panose="02010609030101010101" pitchFamily="49" charset="-122"/>
+              </a:rPr>
+              <a:t>作业</a:t>
+            </a:r>
+            <a:r>
+              <a:rPr lang="zh-CN" altLang="en-US" dirty="0">
+                <a:latin typeface="仿宋_GB2312" panose="02010609030101010101" pitchFamily="49" charset="-122"/>
+                <a:ea typeface="仿宋_GB2312" panose="02010609030101010101" pitchFamily="49" charset="-122"/>
+              </a:rPr>
+              <a:t>内容：写出一个小游戏，例如：俄罗斯方块或贪吃蛇（使用</a:t>
+            </a:r>
+            <a:r>
+              <a:rPr lang="en-US" altLang="zh-CN" dirty="0">
+                <a:latin typeface="仿宋_GB2312" panose="02010609030101010101" pitchFamily="49" charset="-122"/>
+                <a:ea typeface="仿宋_GB2312" panose="02010609030101010101" pitchFamily="49" charset="-122"/>
+              </a:rPr>
+              <a:t>jack</a:t>
+            </a:r>
+            <a:r>
+              <a:rPr lang="zh-CN" altLang="en-US" dirty="0">
+                <a:latin typeface="仿宋_GB2312" panose="02010609030101010101" pitchFamily="49" charset="-122"/>
+                <a:ea typeface="仿宋_GB2312" panose="02010609030101010101" pitchFamily="49" charset="-122"/>
+              </a:rPr>
+              <a:t>语言），本组选用俄罗斯方块游戏作为输出目标</a:t>
+            </a:r>
+            <a:r>
+              <a:rPr lang="zh-CN" altLang="en-US" dirty="0" smtClean="0">
+                <a:latin typeface="仿宋_GB2312" panose="02010609030101010101" pitchFamily="49" charset="-122"/>
+                <a:ea typeface="仿宋_GB2312" panose="02010609030101010101" pitchFamily="49" charset="-122"/>
+              </a:rPr>
+              <a:t>。</a:t>
+            </a:r>
+            <a:endParaRPr lang="en-US" altLang="zh-CN" dirty="0" smtClean="0">
+              <a:latin typeface="仿宋_GB2312" panose="02010609030101010101" pitchFamily="49" charset="-122"/>
+              <a:ea typeface="仿宋_GB2312" panose="02010609030101010101" pitchFamily="49" charset="-122"/>
+            </a:endParaRPr>
+          </a:p>
+          <a:p>
+            <a:pPr>
+              <a:buFont typeface="Wingdings" panose="05000000000000000000" pitchFamily="2" charset="2"/>
+              <a:buChar char="l"/>
+            </a:pPr>
+            <a:r>
+              <a:rPr lang="zh-CN" altLang="en-US" dirty="0" smtClean="0">
+                <a:latin typeface="仿宋_GB2312" panose="02010609030101010101" pitchFamily="49" charset="-122"/>
+                <a:ea typeface="仿宋_GB2312" panose="02010609030101010101" pitchFamily="49" charset="-122"/>
+              </a:rPr>
+              <a:t>作业资源：</a:t>
+            </a:r>
+            <a:r>
+              <a:rPr lang="en-US" altLang="zh-CN" dirty="0" smtClean="0">
+                <a:latin typeface="仿宋_GB2312" panose="02010609030101010101" pitchFamily="49" charset="-122"/>
+                <a:ea typeface="仿宋_GB2312" panose="02010609030101010101" pitchFamily="49" charset="-122"/>
+              </a:rPr>
+              <a:t>Jack</a:t>
+            </a:r>
+            <a:r>
+              <a:rPr lang="zh-CN" altLang="en-US" dirty="0" smtClean="0">
+                <a:latin typeface="仿宋_GB2312" panose="02010609030101010101" pitchFamily="49" charset="-122"/>
+                <a:ea typeface="仿宋_GB2312" panose="02010609030101010101" pitchFamily="49" charset="-122"/>
+              </a:rPr>
+              <a:t>语言与相关语法，</a:t>
+            </a:r>
+            <a:r>
+              <a:rPr lang="en-US" altLang="zh-CN" dirty="0" smtClean="0">
+                <a:latin typeface="仿宋_GB2312" panose="02010609030101010101" pitchFamily="49" charset="-122"/>
+                <a:ea typeface="仿宋_GB2312" panose="02010609030101010101" pitchFamily="49" charset="-122"/>
+              </a:rPr>
+              <a:t>Nand</a:t>
+            </a:r>
+            <a:r>
+              <a:rPr lang="en-US" altLang="zh-CN" dirty="0" smtClean="0">
+                <a:latin typeface="仿宋_GB2312" panose="02010609030101010101" pitchFamily="49" charset="-122"/>
+                <a:ea typeface="仿宋_GB2312" panose="02010609030101010101" pitchFamily="49" charset="-122"/>
+              </a:rPr>
+              <a:t>2Tetris</a:t>
+            </a:r>
+            <a:r>
+              <a:rPr lang="zh-CN" altLang="en-US" dirty="0" smtClean="0">
+                <a:latin typeface="仿宋_GB2312" panose="02010609030101010101" pitchFamily="49" charset="-122"/>
+                <a:ea typeface="仿宋_GB2312" panose="02010609030101010101" pitchFamily="49" charset="-122"/>
+              </a:rPr>
+              <a:t>网站关于</a:t>
+            </a:r>
+            <a:r>
+              <a:rPr lang="en-US" altLang="zh-CN" dirty="0" smtClean="0">
+                <a:latin typeface="仿宋_GB2312" panose="02010609030101010101" pitchFamily="49" charset="-122"/>
+                <a:ea typeface="仿宋_GB2312" panose="02010609030101010101" pitchFamily="49" charset="-122"/>
+              </a:rPr>
+              <a:t>Project9</a:t>
+            </a:r>
+            <a:r>
+              <a:rPr lang="zh-CN" altLang="en-US" dirty="0" smtClean="0">
+                <a:latin typeface="仿宋_GB2312" panose="02010609030101010101" pitchFamily="49" charset="-122"/>
+                <a:ea typeface="仿宋_GB2312" panose="02010609030101010101" pitchFamily="49" charset="-122"/>
+              </a:rPr>
+              <a:t>的设计资料。</a:t>
+            </a:r>
+            <a:endParaRPr lang="en-US" altLang="zh-CN" dirty="0">
+              <a:latin typeface="仿宋_GB2312" panose="02010609030101010101" pitchFamily="49" charset="-122"/>
+              <a:ea typeface="仿宋_GB2312" panose="02010609030101010101" pitchFamily="49" charset="-122"/>
+            </a:endParaRPr>
+          </a:p>
+          <a:p>
+            <a:pPr>
+              <a:buFont typeface="Wingdings" panose="05000000000000000000" pitchFamily="2" charset="2"/>
+              <a:buChar char="l"/>
+            </a:pPr>
+            <a:r>
+              <a:rPr lang="zh-CN" altLang="en-US" dirty="0" smtClean="0">
+                <a:latin typeface="仿宋_GB2312" panose="02010609030101010101" pitchFamily="49" charset="-122"/>
+                <a:ea typeface="仿宋_GB2312" panose="02010609030101010101" pitchFamily="49" charset="-122"/>
+              </a:rPr>
+              <a:t>前期准备：由于对</a:t>
+            </a:r>
+            <a:r>
+              <a:rPr lang="en-US" altLang="zh-CN" dirty="0" smtClean="0">
+                <a:latin typeface="仿宋_GB2312" panose="02010609030101010101" pitchFamily="49" charset="-122"/>
+                <a:ea typeface="仿宋_GB2312" panose="02010609030101010101" pitchFamily="49" charset="-122"/>
+              </a:rPr>
+              <a:t>C++</a:t>
+            </a:r>
+            <a:r>
+              <a:rPr lang="zh-CN" altLang="en-US" dirty="0" smtClean="0">
+                <a:latin typeface="仿宋_GB2312" panose="02010609030101010101" pitchFamily="49" charset="-122"/>
+                <a:ea typeface="仿宋_GB2312" panose="02010609030101010101" pitchFamily="49" charset="-122"/>
+              </a:rPr>
+              <a:t>语言比较精通，所以选择在网上查找一些用</a:t>
+            </a:r>
+            <a:r>
+              <a:rPr lang="en-US" altLang="zh-CN" dirty="0" smtClean="0">
+                <a:latin typeface="仿宋_GB2312" panose="02010609030101010101" pitchFamily="49" charset="-122"/>
+                <a:ea typeface="仿宋_GB2312" panose="02010609030101010101" pitchFamily="49" charset="-122"/>
+              </a:rPr>
+              <a:t>C++</a:t>
+            </a:r>
+            <a:r>
+              <a:rPr lang="zh-CN" altLang="en-US" dirty="0" smtClean="0">
+                <a:latin typeface="仿宋_GB2312" panose="02010609030101010101" pitchFamily="49" charset="-122"/>
+                <a:ea typeface="仿宋_GB2312" panose="02010609030101010101" pitchFamily="49" charset="-122"/>
+              </a:rPr>
+              <a:t>语言编写的俄罗斯方块程序来学习游戏的基础逻辑，再根据这些思路写出</a:t>
+            </a:r>
+            <a:r>
+              <a:rPr lang="en-US" altLang="zh-CN" dirty="0" smtClean="0">
+                <a:latin typeface="仿宋_GB2312" panose="02010609030101010101" pitchFamily="49" charset="-122"/>
+                <a:ea typeface="仿宋_GB2312" panose="02010609030101010101" pitchFamily="49" charset="-122"/>
+              </a:rPr>
+              <a:t>Jack</a:t>
+            </a:r>
+            <a:r>
+              <a:rPr lang="zh-CN" altLang="en-US" dirty="0" smtClean="0">
+                <a:latin typeface="仿宋_GB2312" panose="02010609030101010101" pitchFamily="49" charset="-122"/>
+                <a:ea typeface="仿宋_GB2312" panose="02010609030101010101" pitchFamily="49" charset="-122"/>
+              </a:rPr>
+              <a:t>语言的俄罗斯方块游戏。</a:t>
+            </a:r>
+            <a:endParaRPr lang="en-US" altLang="zh-CN" dirty="0" smtClean="0">
+              <a:latin typeface="仿宋_GB2312" panose="02010609030101010101" pitchFamily="49" charset="-122"/>
+              <a:ea typeface="仿宋_GB2312" panose="02010609030101010101" pitchFamily="49" charset="-122"/>
+            </a:endParaRPr>
           </a:p>
         </p:txBody>
       </p:sp>
+      <p:pic>
+        <p:nvPicPr>
+          <p:cNvPr id="4" name="图片 3"/>
+          <p:cNvPicPr>
+            <a:picLocks noChangeAspect="1"/>
+          </p:cNvPicPr>
+          <p:nvPr/>
+        </p:nvPicPr>
+        <p:blipFill>
+          <a:blip r:embed="rId2"/>
+          <a:stretch>
+            <a:fillRect/>
+          </a:stretch>
+        </p:blipFill>
+        <p:spPr>
+          <a:xfrm>
+            <a:off x="991238" y="3853543"/>
+            <a:ext cx="4317374" cy="2327838"/>
+          </a:xfrm>
+          <a:prstGeom prst="rect">
+            <a:avLst/>
+          </a:prstGeom>
+        </p:spPr>
+      </p:pic>
+      <p:pic>
+        <p:nvPicPr>
+          <p:cNvPr id="5" name="图片 4"/>
+          <p:cNvPicPr>
+            <a:picLocks noChangeAspect="1"/>
+          </p:cNvPicPr>
+          <p:nvPr/>
+        </p:nvPicPr>
+        <p:blipFill>
+          <a:blip r:embed="rId3"/>
+          <a:stretch>
+            <a:fillRect/>
+          </a:stretch>
+        </p:blipFill>
+        <p:spPr>
+          <a:xfrm>
+            <a:off x="6269277" y="3853543"/>
+            <a:ext cx="4506514" cy="2327838"/>
+          </a:xfrm>
+          <a:prstGeom prst="rect">
+            <a:avLst/>
+          </a:prstGeom>
+        </p:spPr>
+      </p:pic>
     </p:spTree>
     <p:extLst>
       <p:ext uri="{BB962C8B-B14F-4D97-AF65-F5344CB8AC3E}">
